--- a/N-Body Simulator.pptx
+++ b/N-Body Simulator.pptx
@@ -518,10 +518,7 @@
           <a:bodyPr/>
           <a:lstStyle/>
           <a:p>
-            <a:r>
-              <a:rPr lang="en-US" dirty="0"/>
-              <a:t>For my project, I decided to work on a N-Body Simulator.</a:t>
-            </a:r>
+            <a:endParaRPr lang="en-US" dirty="0"/>
           </a:p>
         </p:txBody>
       </p:sp>
@@ -552,6 +549,453 @@
     <p:extLst>
       <p:ext uri="{BB962C8B-B14F-4D97-AF65-F5344CB8AC3E}">
         <p14:creationId xmlns:p14="http://schemas.microsoft.com/office/powerpoint/2010/main" val="487780480"/>
+      </p:ext>
+    </p:extLst>
+  </p:cSld>
+  <p:clrMapOvr>
+    <a:masterClrMapping/>
+  </p:clrMapOvr>
+</p:notes>
+</file>
+
+<file path=ppt/notesSlides/notesSlide10.xml><?xml version="1.0" encoding="utf-8"?>
+<p:notes xmlns:a="http://schemas.openxmlformats.org/drawingml/2006/main" xmlns:r="http://schemas.openxmlformats.org/officeDocument/2006/relationships" xmlns:p="http://schemas.openxmlformats.org/presentationml/2006/main">
+  <p:cSld>
+    <p:spTree>
+      <p:nvGrpSpPr>
+        <p:cNvPr id="1" name=""/>
+        <p:cNvGrpSpPr/>
+        <p:nvPr/>
+      </p:nvGrpSpPr>
+      <p:grpSpPr>
+        <a:xfrm>
+          <a:off x="0" y="0"/>
+          <a:ext cx="0" cy="0"/>
+          <a:chOff x="0" y="0"/>
+          <a:chExt cx="0" cy="0"/>
+        </a:xfrm>
+      </p:grpSpPr>
+      <p:sp>
+        <p:nvSpPr>
+          <p:cNvPr id="2" name="Slide Image Placeholder 1"/>
+          <p:cNvSpPr>
+            <a:spLocks noGrp="1" noRot="1" noChangeAspect="1"/>
+          </p:cNvSpPr>
+          <p:nvPr>
+            <p:ph type="sldImg"/>
+          </p:nvPr>
+        </p:nvSpPr>
+        <p:spPr/>
+      </p:sp>
+      <p:sp>
+        <p:nvSpPr>
+          <p:cNvPr id="3" name="Notes Placeholder 2"/>
+          <p:cNvSpPr>
+            <a:spLocks noGrp="1"/>
+          </p:cNvSpPr>
+          <p:nvPr>
+            <p:ph type="body" idx="1"/>
+          </p:nvPr>
+        </p:nvSpPr>
+        <p:spPr/>
+        <p:txBody>
+          <a:bodyPr/>
+          <a:lstStyle/>
+          <a:p>
+            <a:pPr marL="171450" indent="-171450">
+              <a:buFont typeface="Arial" panose="020B0604020202020204" pitchFamily="34" charset="0"/>
+              <a:buChar char="•"/>
+            </a:pPr>
+            <a:r>
+              <a:rPr lang="en-US" dirty="0"/>
+              <a:t>We can now look at parallelizing the force computation. </a:t>
+            </a:r>
+          </a:p>
+          <a:p>
+            <a:pPr marL="171450" indent="-171450">
+              <a:buFont typeface="Arial" panose="020B0604020202020204" pitchFamily="34" charset="0"/>
+              <a:buChar char="•"/>
+            </a:pPr>
+            <a:r>
+              <a:rPr lang="en-US" dirty="0"/>
+              <a:t>This is a similar layout to what we have seen throughout the semester with futures and threads.</a:t>
+            </a:r>
+          </a:p>
+          <a:p>
+            <a:pPr marL="228600" indent="-228600">
+              <a:buFont typeface="+mj-lt"/>
+              <a:buAutoNum type="arabicPeriod"/>
+            </a:pPr>
+            <a:r>
+              <a:rPr lang="en-US" dirty="0"/>
+              <a:t>Divide the work evenly across the threads.</a:t>
+            </a:r>
+          </a:p>
+          <a:p>
+            <a:pPr marL="228600" indent="-228600">
+              <a:buFont typeface="+mj-lt"/>
+              <a:buAutoNum type="arabicPeriod"/>
+            </a:pPr>
+            <a:r>
+              <a:rPr lang="en-US" dirty="0"/>
+              <a:t>Prepare a container to hold all the running threads’ futures.</a:t>
+            </a:r>
+          </a:p>
+          <a:p>
+            <a:pPr marL="228600" indent="-228600">
+              <a:buFont typeface="+mj-lt"/>
+              <a:buAutoNum type="arabicPeriod"/>
+            </a:pPr>
+            <a:r>
+              <a:rPr lang="en-US" dirty="0"/>
+              <a:t>Launch one async task per thread, pushing each future into the list.</a:t>
+            </a:r>
+          </a:p>
+          <a:p>
+            <a:pPr marL="228600" indent="-228600">
+              <a:buFont typeface="+mj-lt"/>
+              <a:buAutoNum type="arabicPeriod"/>
+            </a:pPr>
+            <a:r>
+              <a:rPr lang="en-US" dirty="0"/>
+              <a:t>Then, inside the lambda: </a:t>
+            </a:r>
+          </a:p>
+          <a:p>
+            <a:pPr marL="228600" lvl="0" indent="-228600">
+              <a:buFont typeface="+mj-lt"/>
+              <a:buAutoNum type="arabicPeriod"/>
+            </a:pPr>
+            <a:r>
+              <a:rPr lang="en-US" dirty="0"/>
+              <a:t>Calculate the start and end index for this thread’s range of bodies.</a:t>
+            </a:r>
+          </a:p>
+          <a:p>
+            <a:pPr marL="228600" lvl="0" indent="-228600">
+              <a:buFont typeface="+mj-lt"/>
+              <a:buAutoNum type="arabicPeriod"/>
+            </a:pPr>
+            <a:r>
+              <a:rPr lang="en-US" dirty="0"/>
+              <a:t>Each thread loops over its assigned bodies, calling </a:t>
+            </a:r>
+            <a:r>
+              <a:rPr lang="en-US" dirty="0" err="1"/>
+              <a:t>calculateForces</a:t>
+            </a:r>
+            <a:r>
+              <a:rPr lang="en-US" dirty="0"/>
+              <a:t>() for each one</a:t>
+            </a:r>
+            <a:endParaRPr lang="en-US" sz="1100" dirty="0"/>
+          </a:p>
+          <a:p>
+            <a:pPr marL="228600" lvl="0" indent="-228600">
+              <a:buFont typeface="+mj-lt"/>
+              <a:buAutoNum type="arabicPeriod"/>
+            </a:pPr>
+            <a:r>
+              <a:rPr lang="en-US" dirty="0"/>
+              <a:t>Wait for all threads to finish with </a:t>
+            </a:r>
+            <a:r>
+              <a:rPr lang="en-US" dirty="0" err="1"/>
+              <a:t>futures.get</a:t>
+            </a:r>
+            <a:r>
+              <a:rPr lang="en-US" dirty="0"/>
+              <a:t>()</a:t>
+            </a:r>
+          </a:p>
+        </p:txBody>
+      </p:sp>
+      <p:sp>
+        <p:nvSpPr>
+          <p:cNvPr id="4" name="Slide Number Placeholder 3"/>
+          <p:cNvSpPr>
+            <a:spLocks noGrp="1"/>
+          </p:cNvSpPr>
+          <p:nvPr>
+            <p:ph type="sldNum" sz="quarter" idx="5"/>
+          </p:nvPr>
+        </p:nvSpPr>
+        <p:spPr/>
+        <p:txBody>
+          <a:bodyPr/>
+          <a:lstStyle/>
+          <a:p>
+            <a:fld id="{1411DE64-72CD-497D-912D-461EB2EB4985}" type="slidenum">
+              <a:rPr lang="en-US" smtClean="0"/>
+              <a:t>10</a:t>
+            </a:fld>
+            <a:endParaRPr lang="en-US"/>
+          </a:p>
+        </p:txBody>
+      </p:sp>
+    </p:spTree>
+    <p:extLst>
+      <p:ext uri="{BB962C8B-B14F-4D97-AF65-F5344CB8AC3E}">
+        <p14:creationId xmlns:p14="http://schemas.microsoft.com/office/powerpoint/2010/main" val="2021316243"/>
+      </p:ext>
+    </p:extLst>
+  </p:cSld>
+  <p:clrMapOvr>
+    <a:masterClrMapping/>
+  </p:clrMapOvr>
+</p:notes>
+</file>
+
+<file path=ppt/notesSlides/notesSlide11.xml><?xml version="1.0" encoding="utf-8"?>
+<p:notes xmlns:a="http://schemas.openxmlformats.org/drawingml/2006/main" xmlns:r="http://schemas.openxmlformats.org/officeDocument/2006/relationships" xmlns:p="http://schemas.openxmlformats.org/presentationml/2006/main">
+  <p:cSld>
+    <p:spTree>
+      <p:nvGrpSpPr>
+        <p:cNvPr id="1" name=""/>
+        <p:cNvGrpSpPr/>
+        <p:nvPr/>
+      </p:nvGrpSpPr>
+      <p:grpSpPr>
+        <a:xfrm>
+          <a:off x="0" y="0"/>
+          <a:ext cx="0" cy="0"/>
+          <a:chOff x="0" y="0"/>
+          <a:chExt cx="0" cy="0"/>
+        </a:xfrm>
+      </p:grpSpPr>
+      <p:sp>
+        <p:nvSpPr>
+          <p:cNvPr id="2" name="Slide Image Placeholder 1"/>
+          <p:cNvSpPr>
+            <a:spLocks noGrp="1" noRot="1" noChangeAspect="1"/>
+          </p:cNvSpPr>
+          <p:nvPr>
+            <p:ph type="sldImg"/>
+          </p:nvPr>
+        </p:nvSpPr>
+        <p:spPr/>
+      </p:sp>
+      <p:sp>
+        <p:nvSpPr>
+          <p:cNvPr id="3" name="Notes Placeholder 2"/>
+          <p:cNvSpPr>
+            <a:spLocks noGrp="1"/>
+          </p:cNvSpPr>
+          <p:nvPr>
+            <p:ph type="body" idx="1"/>
+          </p:nvPr>
+        </p:nvSpPr>
+        <p:spPr/>
+        <p:txBody>
+          <a:bodyPr/>
+          <a:lstStyle/>
+          <a:p>
+            <a:r>
+              <a:rPr lang="en-US" dirty="0"/>
+              <a:t>I do plan to continue work on this simulator because I found it interesting. My final goal is to reach one million bodies. </a:t>
+            </a:r>
+          </a:p>
+          <a:p>
+            <a:pPr marL="171450" indent="-171450">
+              <a:buFont typeface="Arial" panose="020B0604020202020204" pitchFamily="34" charset="0"/>
+              <a:buChar char="•"/>
+            </a:pPr>
+            <a:r>
+              <a:rPr lang="en-US" dirty="0"/>
+              <a:t>To do this there are some future improvements I plan to implement:</a:t>
+            </a:r>
+          </a:p>
+          <a:p>
+            <a:pPr marL="628650" lvl="1" indent="-171450">
+              <a:buFont typeface="Arial" panose="020B0604020202020204" pitchFamily="34" charset="0"/>
+              <a:buChar char="•"/>
+            </a:pPr>
+            <a:r>
+              <a:rPr lang="en-US" dirty="0"/>
+              <a:t>The most obvious is optimizing for cache and </a:t>
+            </a:r>
+            <a:r>
+              <a:rPr lang="en-US" dirty="0" err="1"/>
+              <a:t>simd</a:t>
+            </a:r>
+            <a:r>
+              <a:rPr lang="en-US" dirty="0"/>
+              <a:t> </a:t>
+            </a:r>
+          </a:p>
+          <a:p>
+            <a:pPr marL="628650" lvl="1" indent="-171450">
+              <a:buFont typeface="Arial" panose="020B0604020202020204" pitchFamily="34" charset="0"/>
+              <a:buChar char="•"/>
+            </a:pPr>
+            <a:r>
+              <a:rPr lang="en-US" sz="1200" dirty="0"/>
+              <a:t>Currently, all Body objects are stored in a single vector using an Array of Structures approach.</a:t>
+            </a:r>
+          </a:p>
+          <a:p>
+            <a:pPr marL="628650" marR="0" lvl="1" indent="-171450" algn="l" defTabSz="914400" rtl="0" eaLnBrk="1" fontAlgn="auto" latinLnBrk="0" hangingPunct="1">
+              <a:lnSpc>
+                <a:spcPct val="100000"/>
+              </a:lnSpc>
+              <a:spcBef>
+                <a:spcPts val="0"/>
+              </a:spcBef>
+              <a:spcAft>
+                <a:spcPts val="0"/>
+              </a:spcAft>
+              <a:buClrTx/>
+              <a:buSzTx/>
+              <a:buFont typeface="Arial" panose="020B0604020202020204" pitchFamily="34" charset="0"/>
+              <a:buChar char="•"/>
+              <a:tabLst/>
+              <a:defRPr/>
+            </a:pPr>
+            <a:r>
+              <a:rPr lang="en-US" sz="1200" dirty="0"/>
+              <a:t>During simulation, forces are computed b iterating over each Body, accessing its individual properties like, position, mass, and velocity.</a:t>
+            </a:r>
+          </a:p>
+          <a:p>
+            <a:pPr marL="628650" marR="0" lvl="1" indent="-171450" algn="l" defTabSz="914400" rtl="0" eaLnBrk="1" fontAlgn="auto" latinLnBrk="0" hangingPunct="1">
+              <a:lnSpc>
+                <a:spcPct val="100000"/>
+              </a:lnSpc>
+              <a:spcBef>
+                <a:spcPts val="0"/>
+              </a:spcBef>
+              <a:spcAft>
+                <a:spcPts val="0"/>
+              </a:spcAft>
+              <a:buClrTx/>
+              <a:buSzTx/>
+              <a:buFont typeface="Arial" panose="020B0604020202020204" pitchFamily="34" charset="0"/>
+              <a:buChar char="•"/>
+              <a:tabLst/>
+              <a:defRPr/>
+            </a:pPr>
+            <a:r>
+              <a:rPr lang="en-US" sz="1800" dirty="0"/>
+              <a:t>This is a classic example where Structure of Arrays (</a:t>
+            </a:r>
+            <a:r>
+              <a:rPr lang="en-US" sz="1800" dirty="0" err="1"/>
+              <a:t>SoA</a:t>
+            </a:r>
+            <a:r>
+              <a:rPr lang="en-US" sz="1800" dirty="0"/>
+              <a:t>) is a significantly better fit:</a:t>
+            </a:r>
+          </a:p>
+          <a:p>
+            <a:pPr marL="1085850" marR="0" lvl="2" indent="-171450" algn="l" defTabSz="914400" rtl="0" eaLnBrk="1" fontAlgn="auto" latinLnBrk="0" hangingPunct="1">
+              <a:lnSpc>
+                <a:spcPct val="100000"/>
+              </a:lnSpc>
+              <a:spcBef>
+                <a:spcPts val="0"/>
+              </a:spcBef>
+              <a:spcAft>
+                <a:spcPts val="0"/>
+              </a:spcAft>
+              <a:buClrTx/>
+              <a:buSzTx/>
+              <a:buFont typeface="Arial" panose="020B0604020202020204" pitchFamily="34" charset="0"/>
+              <a:buChar char="•"/>
+              <a:tabLst/>
+              <a:defRPr/>
+            </a:pPr>
+            <a:r>
+              <a:rPr lang="en-US" sz="1600" dirty="0"/>
+              <a:t>By separating characteristics into their own dedicated vectors, we improve cache locality.</a:t>
+            </a:r>
+          </a:p>
+          <a:p>
+            <a:pPr marL="628650" marR="0" lvl="1" indent="-171450" algn="l" defTabSz="914400" rtl="0" eaLnBrk="1" fontAlgn="auto" latinLnBrk="0" hangingPunct="1">
+              <a:lnSpc>
+                <a:spcPct val="100000"/>
+              </a:lnSpc>
+              <a:spcBef>
+                <a:spcPts val="0"/>
+              </a:spcBef>
+              <a:spcAft>
+                <a:spcPts val="0"/>
+              </a:spcAft>
+              <a:buClrTx/>
+              <a:buSzTx/>
+              <a:buFont typeface="Arial" panose="020B0604020202020204" pitchFamily="34" charset="0"/>
+              <a:buChar char="•"/>
+              <a:tabLst/>
+              <a:defRPr/>
+            </a:pPr>
+            <a:r>
+              <a:rPr lang="en-US" sz="1400" dirty="0"/>
+              <a:t>This design would also be a perfect setup for using SIMD optimization.</a:t>
+            </a:r>
+          </a:p>
+          <a:p>
+            <a:pPr marL="628650" marR="0" lvl="1" indent="-171450" algn="l" defTabSz="914400" rtl="0" eaLnBrk="1" fontAlgn="auto" latinLnBrk="0" hangingPunct="1">
+              <a:lnSpc>
+                <a:spcPct val="100000"/>
+              </a:lnSpc>
+              <a:spcBef>
+                <a:spcPts val="0"/>
+              </a:spcBef>
+              <a:spcAft>
+                <a:spcPts val="0"/>
+              </a:spcAft>
+              <a:buClrTx/>
+              <a:buSzTx/>
+              <a:buFont typeface="Arial" panose="020B0604020202020204" pitchFamily="34" charset="0"/>
+              <a:buChar char="•"/>
+              <a:tabLst/>
+              <a:defRPr/>
+            </a:pPr>
+            <a:endParaRPr lang="en-US" sz="1200" dirty="0"/>
+          </a:p>
+          <a:p>
+            <a:pPr marL="628650" lvl="1" indent="-171450">
+              <a:buFont typeface="Arial" panose="020B0604020202020204" pitchFamily="34" charset="0"/>
+              <a:buChar char="•"/>
+            </a:pPr>
+            <a:endParaRPr lang="en-US" dirty="0"/>
+          </a:p>
+          <a:p>
+            <a:pPr marL="628650" lvl="1" indent="-171450">
+              <a:buFont typeface="Arial" panose="020B0604020202020204" pitchFamily="34" charset="0"/>
+              <a:buChar char="•"/>
+            </a:pPr>
+            <a:endParaRPr lang="en-US" dirty="0"/>
+          </a:p>
+        </p:txBody>
+      </p:sp>
+      <p:sp>
+        <p:nvSpPr>
+          <p:cNvPr id="4" name="Slide Number Placeholder 3"/>
+          <p:cNvSpPr>
+            <a:spLocks noGrp="1"/>
+          </p:cNvSpPr>
+          <p:nvPr>
+            <p:ph type="sldNum" sz="quarter" idx="5"/>
+          </p:nvPr>
+        </p:nvSpPr>
+        <p:spPr/>
+        <p:txBody>
+          <a:bodyPr/>
+          <a:lstStyle/>
+          <a:p>
+            <a:fld id="{1411DE64-72CD-497D-912D-461EB2EB4985}" type="slidenum">
+              <a:rPr lang="en-US" smtClean="0"/>
+              <a:t>11</a:t>
+            </a:fld>
+            <a:endParaRPr lang="en-US"/>
+          </a:p>
+        </p:txBody>
+      </p:sp>
+    </p:spTree>
+    <p:extLst>
+      <p:ext uri="{BB962C8B-B14F-4D97-AF65-F5344CB8AC3E}">
+        <p14:creationId xmlns:p14="http://schemas.microsoft.com/office/powerpoint/2010/main" val="3994400944"/>
       </p:ext>
     </p:extLst>
   </p:cSld>
@@ -1036,159 +1480,6 @@
                     </m:r>
                   </m:oMath>
                 </a14:m>
-                <a:endParaRPr lang="en-US" sz="1200" dirty="0"/>
-              </a:p>
-              <a:p>
-                <a:pPr marL="171450" marR="0" lvl="0" indent="-171450" algn="l" defTabSz="914400" rtl="0" eaLnBrk="1" fontAlgn="auto" latinLnBrk="0" hangingPunct="1">
-                  <a:lnSpc>
-                    <a:spcPct val="100000"/>
-                  </a:lnSpc>
-                  <a:spcBef>
-                    <a:spcPts val="0"/>
-                  </a:spcBef>
-                  <a:spcAft>
-                    <a:spcPts val="0"/>
-                  </a:spcAft>
-                  <a:buClrTx/>
-                  <a:buSzTx/>
-                  <a:buFont typeface="Arial" panose="020B0604020202020204" pitchFamily="34" charset="0"/>
-                  <a:buChar char="•"/>
-                  <a:tabLst/>
-                  <a:defRPr/>
-                </a:pPr>
-                <a:endParaRPr lang="en-US" sz="1200" dirty="0"/>
-              </a:p>
-              <a:p>
-                <a:pPr marL="171450" marR="0" lvl="0" indent="-171450" algn="l" defTabSz="914400" rtl="0" eaLnBrk="1" fontAlgn="auto" latinLnBrk="0" hangingPunct="1">
-                  <a:lnSpc>
-                    <a:spcPct val="100000"/>
-                  </a:lnSpc>
-                  <a:spcBef>
-                    <a:spcPts val="0"/>
-                  </a:spcBef>
-                  <a:spcAft>
-                    <a:spcPts val="0"/>
-                  </a:spcAft>
-                  <a:buClrTx/>
-                  <a:buSzTx/>
-                  <a:buFont typeface="Arial" panose="020B0604020202020204" pitchFamily="34" charset="0"/>
-                  <a:buChar char="•"/>
-                  <a:tabLst/>
-                  <a:defRPr/>
-                </a:pPr>
-                <a:r>
-                  <a:rPr lang="en-US" sz="1200" dirty="0"/>
-                  <a:t>Higher node capacity reduces the number of subdivisions, resulting in a shallower and smaller tree.</a:t>
-                </a:r>
-              </a:p>
-              <a:p>
-                <a:pPr marL="628650" marR="0" lvl="1" indent="-171450" algn="l" defTabSz="914400" rtl="0" eaLnBrk="1" fontAlgn="auto" latinLnBrk="0" hangingPunct="1">
-                  <a:lnSpc>
-                    <a:spcPct val="100000"/>
-                  </a:lnSpc>
-                  <a:spcBef>
-                    <a:spcPts val="0"/>
-                  </a:spcBef>
-                  <a:spcAft>
-                    <a:spcPts val="0"/>
-                  </a:spcAft>
-                  <a:buClrTx/>
-                  <a:buSzTx/>
-                  <a:buFont typeface="Arial" panose="020B0604020202020204" pitchFamily="34" charset="0"/>
-                  <a:buChar char="•"/>
-                  <a:tabLst/>
-                  <a:defRPr/>
-                </a:pPr>
-                <a:r>
-                  <a:rPr lang="en-US" sz="1200" dirty="0"/>
-                  <a:t>Good for faster force calculations due to fewer recursive traversals.</a:t>
-                </a:r>
-              </a:p>
-              <a:p>
-                <a:pPr marL="171450" marR="0" lvl="0" indent="-171450" algn="l" defTabSz="914400" rtl="0" eaLnBrk="1" fontAlgn="auto" latinLnBrk="0" hangingPunct="1">
-                  <a:lnSpc>
-                    <a:spcPct val="100000"/>
-                  </a:lnSpc>
-                  <a:spcBef>
-                    <a:spcPts val="0"/>
-                  </a:spcBef>
-                  <a:spcAft>
-                    <a:spcPts val="0"/>
-                  </a:spcAft>
-                  <a:buClrTx/>
-                  <a:buSzTx/>
-                  <a:buFont typeface="Arial" panose="020B0604020202020204" pitchFamily="34" charset="0"/>
-                  <a:buChar char="•"/>
-                  <a:tabLst/>
-                  <a:defRPr/>
-                </a:pPr>
-                <a:r>
-                  <a:rPr lang="en-US" sz="1200" dirty="0"/>
-                  <a:t>However, each node holds more bodies:</a:t>
-                </a:r>
-              </a:p>
-              <a:p>
-                <a:pPr marL="742950" lvl="1" indent="-285750">
-                  <a:buFont typeface="Arial" panose="020B0604020202020204" pitchFamily="34" charset="0"/>
-                  <a:buChar char="•"/>
-                </a:pPr>
-                <a:r>
-                  <a:rPr lang="en-US" sz="1100" dirty="0"/>
-                  <a:t>More comparisons during insertion, increasing tree build time</a:t>
-                </a:r>
-              </a:p>
-              <a:p>
-                <a:pPr marL="742950" lvl="1" indent="-285750">
-                  <a:buFont typeface="Arial" panose="020B0604020202020204" pitchFamily="34" charset="0"/>
-                  <a:buChar char="•"/>
-                </a:pPr>
-                <a:r>
-                  <a:rPr lang="en-US" sz="1100" dirty="0"/>
-                  <a:t>Lower accuracy during force calculations, as more bodies are approximated as a single mass.</a:t>
-                </a:r>
-              </a:p>
-              <a:p>
-                <a:pPr marL="171450" marR="0" lvl="0" indent="-171450" algn="l" defTabSz="914400" rtl="0" eaLnBrk="1" fontAlgn="auto" latinLnBrk="0" hangingPunct="1">
-                  <a:lnSpc>
-                    <a:spcPct val="100000"/>
-                  </a:lnSpc>
-                  <a:spcBef>
-                    <a:spcPts val="0"/>
-                  </a:spcBef>
-                  <a:spcAft>
-                    <a:spcPts val="0"/>
-                  </a:spcAft>
-                  <a:buClrTx/>
-                  <a:buSzTx/>
-                  <a:buFont typeface="Arial" panose="020B0604020202020204" pitchFamily="34" charset="0"/>
-                  <a:buChar char="•"/>
-                  <a:tabLst/>
-                  <a:defRPr/>
-                </a:pPr>
-                <a:r>
-                  <a:rPr lang="en-US" sz="1100" dirty="0"/>
-                  <a:t>I found a good balance to be at capacity = 60</a:t>
-                </a:r>
-                <a:endParaRPr lang="en-US" sz="1050" dirty="0"/>
-              </a:p>
-              <a:p>
-                <a:pPr marL="171450" marR="0" lvl="0" indent="-171450" algn="l" defTabSz="914400" rtl="0" eaLnBrk="1" fontAlgn="auto" latinLnBrk="0" hangingPunct="1">
-                  <a:lnSpc>
-                    <a:spcPct val="100000"/>
-                  </a:lnSpc>
-                  <a:spcBef>
-                    <a:spcPts val="0"/>
-                  </a:spcBef>
-                  <a:spcAft>
-                    <a:spcPts val="0"/>
-                  </a:spcAft>
-                  <a:buClrTx/>
-                  <a:buSzTx/>
-                  <a:buFont typeface="Arial" panose="020B0604020202020204" pitchFamily="34" charset="0"/>
-                  <a:buChar char="•"/>
-                  <a:tabLst/>
-                  <a:defRPr/>
-                </a:pPr>
                 <a:endParaRPr lang="en-US" sz="1100" dirty="0"/>
               </a:p>
               <a:p>
@@ -2557,6 +2848,81 @@
           <a:bodyPr/>
           <a:lstStyle/>
           <a:p>
+            <a:r>
+              <a:rPr lang="en-US" dirty="0"/>
+              <a:t>If we look into the simulation update function, we see three main sections:</a:t>
+            </a:r>
+          </a:p>
+          <a:p>
+            <a:pPr marL="171450" indent="-171450">
+              <a:buFont typeface="Arial" panose="020B0604020202020204" pitchFamily="34" charset="0"/>
+              <a:buChar char="•"/>
+            </a:pPr>
+            <a:r>
+              <a:rPr lang="en-US" dirty="0"/>
+              <a:t>First we build the quadtree </a:t>
+            </a:r>
+          </a:p>
+          <a:p>
+            <a:pPr marL="628650" lvl="1" indent="-171450">
+              <a:buFont typeface="Arial" panose="020B0604020202020204" pitchFamily="34" charset="0"/>
+              <a:buChar char="•"/>
+            </a:pPr>
+            <a:r>
+              <a:rPr lang="en-US" dirty="0"/>
+              <a:t>This is done by creating a new quadtree with an initial region that is equal to the size of the window</a:t>
+            </a:r>
+          </a:p>
+          <a:p>
+            <a:pPr marL="628650" lvl="1" indent="-171450">
+              <a:buFont typeface="Arial" panose="020B0604020202020204" pitchFamily="34" charset="0"/>
+              <a:buChar char="•"/>
+            </a:pPr>
+            <a:r>
+              <a:rPr lang="en-US" dirty="0"/>
+              <a:t>Populating the tree with bodies </a:t>
+            </a:r>
+          </a:p>
+          <a:p>
+            <a:pPr marL="628650" lvl="1" indent="-171450">
+              <a:buFont typeface="Arial" panose="020B0604020202020204" pitchFamily="34" charset="0"/>
+              <a:buChar char="•"/>
+            </a:pPr>
+            <a:r>
+              <a:rPr lang="en-US" dirty="0"/>
+              <a:t>Then propagating the masses and center of masses up through the internal nodes</a:t>
+            </a:r>
+          </a:p>
+          <a:p>
+            <a:pPr marL="171450" lvl="0" indent="-171450">
+              <a:buFont typeface="Arial" panose="020B0604020202020204" pitchFamily="34" charset="0"/>
+              <a:buChar char="•"/>
+            </a:pPr>
+            <a:r>
+              <a:rPr lang="en-US" sz="1100" dirty="0"/>
+              <a:t>The next thing we do in a time step is calculate the forces using the Barnes Hut approximation</a:t>
+            </a:r>
+          </a:p>
+          <a:p>
+            <a:pPr marL="171450" lvl="0" indent="-171450">
+              <a:buFont typeface="Arial" panose="020B0604020202020204" pitchFamily="34" charset="0"/>
+              <a:buChar char="•"/>
+            </a:pPr>
+            <a:r>
+              <a:rPr lang="en-US" sz="1100" dirty="0"/>
+              <a:t>Lastly, we update the velocity and position vectors of each body. This is done with the acceleration vectors produced by the calculate forces </a:t>
+            </a:r>
+            <a:r>
+              <a:rPr lang="en-US" sz="1100" dirty="0" err="1"/>
+              <a:t>funciton</a:t>
+            </a:r>
+            <a:endParaRPr lang="en-US" sz="1100" dirty="0"/>
+          </a:p>
+          <a:p>
+            <a:pPr marL="171450" indent="-171450">
+              <a:buFont typeface="Arial" panose="020B0604020202020204" pitchFamily="34" charset="0"/>
+              <a:buChar char="•"/>
+            </a:pPr>
             <a:endParaRPr lang="en-US" dirty="0"/>
           </a:p>
         </p:txBody>
@@ -2641,13 +3007,19 @@
           <a:bodyPr/>
           <a:lstStyle/>
           <a:p>
+            <a:r>
+              <a:rPr lang="en-US" dirty="0"/>
+              <a:t>This is an overview of the data flow.</a:t>
+            </a:r>
+          </a:p>
+          <a:p>
             <a:pPr marL="171450" indent="-171450">
               <a:buFont typeface="Arial" panose="020B0604020202020204" pitchFamily="34" charset="0"/>
               <a:buChar char="•"/>
             </a:pPr>
             <a:r>
               <a:rPr lang="en-US" dirty="0"/>
-              <a:t>The update function is the same as before except we can parallelize the force computation. </a:t>
+              <a:t>There is a lot going on here that I don’t have time to fully cover, however I would like to focus on the simulation </a:t>
             </a:r>
           </a:p>
           <a:p>
@@ -2657,94 +3029,37 @@
             </a:pPr>
             <a:r>
               <a:rPr lang="en-US" dirty="0"/>
-              <a:t>This is a similar layout to what we have seen throughout the semester with futures and threads.</a:t>
+              <a:t>Here you can see the three regions that I just discussed:</a:t>
             </a:r>
           </a:p>
           <a:p>
-            <a:pPr marL="228600" indent="-228600">
-              <a:buFont typeface="+mj-lt"/>
-              <a:buAutoNum type="arabicPeriod"/>
+            <a:pPr marL="628650" lvl="1" indent="-171450">
+              <a:buFont typeface="Arial" panose="020B0604020202020204" pitchFamily="34" charset="0"/>
+              <a:buChar char="•"/>
             </a:pPr>
             <a:r>
               <a:rPr lang="en-US" dirty="0"/>
-              <a:t>Divide the work evenly across the threads.</a:t>
+              <a:t>Building the quadtree</a:t>
             </a:r>
           </a:p>
           <a:p>
-            <a:pPr marL="228600" indent="-228600">
-              <a:buFont typeface="+mj-lt"/>
-              <a:buAutoNum type="arabicPeriod"/>
+            <a:pPr marL="628650" lvl="1" indent="-171450">
+              <a:buFont typeface="Arial" panose="020B0604020202020204" pitchFamily="34" charset="0"/>
+              <a:buChar char="•"/>
             </a:pPr>
             <a:r>
               <a:rPr lang="en-US" dirty="0"/>
-              <a:t>Prepare a container to hold all the running threads’ futures.</a:t>
+              <a:t>Propagating masses</a:t>
             </a:r>
           </a:p>
           <a:p>
-            <a:pPr marL="228600" indent="-228600">
-              <a:buFont typeface="+mj-lt"/>
-              <a:buAutoNum type="arabicPeriod"/>
+            <a:pPr marL="628650" lvl="1" indent="-171450">
+              <a:buFont typeface="Arial" panose="020B0604020202020204" pitchFamily="34" charset="0"/>
+              <a:buChar char="•"/>
             </a:pPr>
             <a:r>
               <a:rPr lang="en-US" dirty="0"/>
-              <a:t>Launch one async task per thread, pushing each future into the list.</a:t>
-            </a:r>
-          </a:p>
-          <a:p>
-            <a:pPr marL="228600" indent="-228600">
-              <a:buFont typeface="+mj-lt"/>
-              <a:buAutoNum type="arabicPeriod"/>
-            </a:pPr>
-            <a:r>
-              <a:rPr lang="en-US" dirty="0"/>
-              <a:t>Then, inside the lambda: </a:t>
-            </a:r>
-          </a:p>
-          <a:p>
-            <a:pPr marL="685800" lvl="1" indent="-228600">
-              <a:buFont typeface="+mj-lt"/>
-              <a:buAutoNum type="arabicPeriod"/>
-            </a:pPr>
-            <a:r>
-              <a:rPr lang="en-US" dirty="0"/>
-              <a:t>Calculate the start and end index for this thread’s range of bodies.</a:t>
-            </a:r>
-          </a:p>
-          <a:p>
-            <a:pPr marL="685800" lvl="1" indent="-228600">
-              <a:buFont typeface="+mj-lt"/>
-              <a:buAutoNum type="arabicPeriod"/>
-            </a:pPr>
-            <a:r>
-              <a:rPr lang="en-US" dirty="0"/>
-              <a:t>Each thread loops over its assigned bodies, calling </a:t>
-            </a:r>
-            <a:r>
-              <a:rPr lang="en-US" dirty="0" err="1"/>
-              <a:t>calculateForces</a:t>
-            </a:r>
-            <a:r>
-              <a:rPr lang="en-US" dirty="0"/>
-              <a:t>() for each one</a:t>
-            </a:r>
-            <a:endParaRPr lang="en-US" sz="1100" dirty="0"/>
-          </a:p>
-          <a:p>
-            <a:pPr marL="228600" lvl="0" indent="-228600">
-              <a:buFont typeface="+mj-lt"/>
-              <a:buAutoNum type="arabicPeriod"/>
-            </a:pPr>
-            <a:r>
-              <a:rPr lang="en-US" dirty="0"/>
-              <a:t>Wait for all threads to finish with </a:t>
-            </a:r>
-            <a:r>
-              <a:rPr lang="en-US" dirty="0" err="1"/>
-              <a:t>futures.get</a:t>
-            </a:r>
-            <a:r>
-              <a:rPr lang="en-US" dirty="0"/>
-              <a:t>()</a:t>
+              <a:t>And calculating forces</a:t>
             </a:r>
           </a:p>
         </p:txBody>
@@ -2766,7 +3081,7 @@
           <a:p>
             <a:fld id="{1411DE64-72CD-497D-912D-461EB2EB4985}" type="slidenum">
               <a:rPr lang="en-US" smtClean="0"/>
-              <a:t>10</a:t>
+              <a:t>8</a:t>
             </a:fld>
             <a:endParaRPr lang="en-US"/>
           </a:p>
@@ -2775,7 +3090,144 @@
     </p:spTree>
     <p:extLst>
       <p:ext uri="{BB962C8B-B14F-4D97-AF65-F5344CB8AC3E}">
-        <p14:creationId xmlns:p14="http://schemas.microsoft.com/office/powerpoint/2010/main" val="2021316243"/>
+        <p14:creationId xmlns:p14="http://schemas.microsoft.com/office/powerpoint/2010/main" val="3801380919"/>
+      </p:ext>
+    </p:extLst>
+  </p:cSld>
+  <p:clrMapOvr>
+    <a:masterClrMapping/>
+  </p:clrMapOvr>
+</p:notes>
+</file>
+
+<file path=ppt/notesSlides/notesSlide9.xml><?xml version="1.0" encoding="utf-8"?>
+<p:notes xmlns:a="http://schemas.openxmlformats.org/drawingml/2006/main" xmlns:r="http://schemas.openxmlformats.org/officeDocument/2006/relationships" xmlns:p="http://schemas.openxmlformats.org/presentationml/2006/main">
+  <p:cSld>
+    <p:spTree>
+      <p:nvGrpSpPr>
+        <p:cNvPr id="1" name=""/>
+        <p:cNvGrpSpPr/>
+        <p:nvPr/>
+      </p:nvGrpSpPr>
+      <p:grpSpPr>
+        <a:xfrm>
+          <a:off x="0" y="0"/>
+          <a:ext cx="0" cy="0"/>
+          <a:chOff x="0" y="0"/>
+          <a:chExt cx="0" cy="0"/>
+        </a:xfrm>
+      </p:grpSpPr>
+      <p:sp>
+        <p:nvSpPr>
+          <p:cNvPr id="2" name="Slide Image Placeholder 1"/>
+          <p:cNvSpPr>
+            <a:spLocks noGrp="1" noRot="1" noChangeAspect="1"/>
+          </p:cNvSpPr>
+          <p:nvPr>
+            <p:ph type="sldImg"/>
+          </p:nvPr>
+        </p:nvSpPr>
+        <p:spPr/>
+      </p:sp>
+      <p:sp>
+        <p:nvSpPr>
+          <p:cNvPr id="3" name="Notes Placeholder 2"/>
+          <p:cNvSpPr>
+            <a:spLocks noGrp="1"/>
+          </p:cNvSpPr>
+          <p:nvPr>
+            <p:ph type="body" idx="1"/>
+          </p:nvPr>
+        </p:nvSpPr>
+        <p:spPr/>
+        <p:txBody>
+          <a:bodyPr/>
+          <a:lstStyle/>
+          <a:p>
+            <a:r>
+              <a:rPr lang="en-US" dirty="0"/>
+              <a:t>This is the component diagram for the simulator.</a:t>
+            </a:r>
+          </a:p>
+          <a:p>
+            <a:pPr marL="171450" indent="-171450">
+              <a:buFont typeface="Arial" panose="020B0604020202020204" pitchFamily="34" charset="0"/>
+              <a:buChar char="•"/>
+            </a:pPr>
+            <a:r>
+              <a:rPr lang="en-US" dirty="0"/>
+              <a:t>We have four main classes: </a:t>
+            </a:r>
+          </a:p>
+          <a:p>
+            <a:pPr marL="628650" lvl="1" indent="-171450">
+              <a:buFont typeface="Arial" panose="020B0604020202020204" pitchFamily="34" charset="0"/>
+              <a:buChar char="•"/>
+            </a:pPr>
+            <a:r>
+              <a:rPr lang="en-US" dirty="0"/>
+              <a:t>The body class, which defines a single body object</a:t>
+            </a:r>
+          </a:p>
+          <a:p>
+            <a:pPr marL="628650" lvl="1" indent="-171450">
+              <a:buFont typeface="Arial" panose="020B0604020202020204" pitchFamily="34" charset="0"/>
+              <a:buChar char="•"/>
+            </a:pPr>
+            <a:r>
+              <a:rPr lang="en-US" dirty="0"/>
+              <a:t>The simulation class, which is where we defined our initial bodies position and velocity, and where we run our main simulation loop</a:t>
+            </a:r>
+          </a:p>
+          <a:p>
+            <a:pPr marL="628650" lvl="1" indent="-171450">
+              <a:buFont typeface="Arial" panose="020B0604020202020204" pitchFamily="34" charset="0"/>
+              <a:buChar char="•"/>
+            </a:pPr>
+            <a:r>
+              <a:rPr lang="en-US" dirty="0"/>
+              <a:t>The Quadtree class, which defines the quadtree data structure and defines a region class</a:t>
+            </a:r>
+          </a:p>
+          <a:p>
+            <a:pPr marL="628650" lvl="1" indent="-171450">
+              <a:buFont typeface="Arial" panose="020B0604020202020204" pitchFamily="34" charset="0"/>
+              <a:buChar char="•"/>
+            </a:pPr>
+            <a:r>
+              <a:rPr lang="en-US" dirty="0"/>
+              <a:t>And I separated the force calculation into its own class so that in the future I may use other types of physics equations</a:t>
+            </a:r>
+          </a:p>
+        </p:txBody>
+      </p:sp>
+      <p:sp>
+        <p:nvSpPr>
+          <p:cNvPr id="4" name="Slide Number Placeholder 3"/>
+          <p:cNvSpPr>
+            <a:spLocks noGrp="1"/>
+          </p:cNvSpPr>
+          <p:nvPr>
+            <p:ph type="sldNum" sz="quarter" idx="5"/>
+          </p:nvPr>
+        </p:nvSpPr>
+        <p:spPr/>
+        <p:txBody>
+          <a:bodyPr/>
+          <a:lstStyle/>
+          <a:p>
+            <a:fld id="{1411DE64-72CD-497D-912D-461EB2EB4985}" type="slidenum">
+              <a:rPr lang="en-US" smtClean="0"/>
+              <a:t>9</a:t>
+            </a:fld>
+            <a:endParaRPr lang="en-US"/>
+          </a:p>
+        </p:txBody>
+      </p:sp>
+    </p:spTree>
+    <p:extLst>
+      <p:ext uri="{BB962C8B-B14F-4D97-AF65-F5344CB8AC3E}">
+        <p14:creationId xmlns:p14="http://schemas.microsoft.com/office/powerpoint/2010/main" val="3203932809"/>
       </p:ext>
     </p:extLst>
   </p:cSld>
@@ -6100,98 +6552,6 @@
   <p:clrMapOvr>
     <a:overrideClrMapping bg1="dk1" tx1="lt1" bg2="dk2" tx2="lt2" accent1="accent1" accent2="accent2" accent3="accent3" accent4="accent4" accent5="accent5" accent6="accent6" hlink="hlink" folHlink="folHlink"/>
   </p:clrMapOvr>
-  <p:timing>
-    <p:tnLst>
-      <p:par>
-        <p:cTn id="1" dur="indefinite" restart="never" nodeType="tmRoot">
-          <p:childTnLst>
-            <p:seq concurrent="1" nextAc="seek">
-              <p:cTn id="2" dur="indefinite" nodeType="mainSeq">
-                <p:childTnLst>
-                  <p:par>
-                    <p:cTn id="3" fill="hold">
-                      <p:stCondLst>
-                        <p:cond delay="indefinite"/>
-                        <p:cond evt="onBegin" delay="0">
-                          <p:tn val="2"/>
-                        </p:cond>
-                      </p:stCondLst>
-                      <p:childTnLst>
-                        <p:par>
-                          <p:cTn id="4" fill="hold">
-                            <p:stCondLst>
-                              <p:cond delay="0"/>
-                            </p:stCondLst>
-                            <p:childTnLst>
-                              <p:par>
-                                <p:cTn id="5" presetID="10" presetClass="entr" presetSubtype="0" fill="hold" grpId="0" nodeType="withEffect">
-                                  <p:stCondLst>
-                                    <p:cond delay="1000"/>
-                                  </p:stCondLst>
-                                  <p:iterate>
-                                    <p:tmPct val="10000"/>
-                                  </p:iterate>
-                                  <p:childTnLst>
-                                    <p:set>
-                                      <p:cBhvr>
-                                        <p:cTn id="6" dur="1" fill="hold">
-                                          <p:stCondLst>
-                                            <p:cond delay="0"/>
-                                          </p:stCondLst>
-                                        </p:cTn>
-                                        <p:tgtEl>
-                                          <p:spTgt spid="2"/>
-                                        </p:tgtEl>
-                                        <p:attrNameLst>
-                                          <p:attrName>style.visibility</p:attrName>
-                                        </p:attrNameLst>
-                                      </p:cBhvr>
-                                      <p:to>
-                                        <p:strVal val="visible"/>
-                                      </p:to>
-                                    </p:set>
-                                    <p:animEffect transition="in" filter="fade">
-                                      <p:cBhvr>
-                                        <p:cTn id="7" dur="700"/>
-                                        <p:tgtEl>
-                                          <p:spTgt spid="2"/>
-                                        </p:tgtEl>
-                                      </p:cBhvr>
-                                    </p:animEffect>
-                                  </p:childTnLst>
-                                </p:cTn>
-                              </p:par>
-                            </p:childTnLst>
-                          </p:cTn>
-                        </p:par>
-                      </p:childTnLst>
-                    </p:cTn>
-                  </p:par>
-                </p:childTnLst>
-              </p:cTn>
-              <p:prevCondLst>
-                <p:cond evt="onPrev" delay="0">
-                  <p:tgtEl>
-                    <p:sldTgt/>
-                  </p:tgtEl>
-                </p:cond>
-              </p:prevCondLst>
-              <p:nextCondLst>
-                <p:cond evt="onNext" delay="0">
-                  <p:tgtEl>
-                    <p:sldTgt/>
-                  </p:tgtEl>
-                </p:cond>
-              </p:nextCondLst>
-            </p:seq>
-          </p:childTnLst>
-        </p:cTn>
-      </p:par>
-    </p:tnLst>
-    <p:bldLst>
-      <p:bldP spid="2" grpId="0"/>
-    </p:bldLst>
-  </p:timing>
 </p:sld>
 </file>
 
@@ -7061,7 +7421,7 @@
                                     </p:set>
                                     <p:animEffect transition="in" filter="fade">
                                       <p:cBhvr>
-                                        <p:cTn id="7" dur="1250"/>
+                                        <p:cTn id="7" dur="250"/>
                                         <p:tgtEl>
                                           <p:spTgt spid="8"/>
                                         </p:tgtEl>
@@ -7096,7 +7456,7 @@
                                     </p:set>
                                     <p:animEffect transition="in" filter="fade">
                                       <p:cBhvr>
-                                        <p:cTn id="10" dur="1250"/>
+                                        <p:cTn id="10" dur="250"/>
                                         <p:tgtEl>
                                           <p:spTgt spid="9"/>
                                         </p:tgtEl>
@@ -7131,7 +7491,7 @@
                                     </p:set>
                                     <p:animEffect transition="in" filter="fade">
                                       <p:cBhvr>
-                                        <p:cTn id="13" dur="1250"/>
+                                        <p:cTn id="13" dur="250"/>
                                         <p:tgtEl>
                                           <p:spTgt spid="6"/>
                                         </p:tgtEl>
@@ -7184,9 +7544,44 @@
                                     </p:set>
                                     <p:animEffect transition="in" filter="fade">
                                       <p:cBhvr>
-                                        <p:cTn id="18" dur="500"/>
+                                        <p:cTn id="18" dur="250"/>
                                         <p:tgtEl>
                                           <p:spTgt spid="3"/>
+                                        </p:tgtEl>
+                                      </p:cBhvr>
+                                    </p:animEffect>
+                                  </p:childTnLst>
+                                </p:cTn>
+                              </p:par>
+                              <p:par>
+                                <p:cTn id="19" presetID="10" presetClass="entr" presetSubtype="0" fill="hold" nodeType="withEffect">
+                                  <p:stCondLst>
+                                    <p:cond delay="0"/>
+                                  </p:stCondLst>
+                                  <p:childTnLst>
+                                    <p:set>
+                                      <p:cBhvr>
+                                        <p:cTn id="20" dur="1" fill="hold">
+                                          <p:stCondLst>
+                                            <p:cond delay="0"/>
+                                          </p:stCondLst>
+                                        </p:cTn>
+                                        <p:tgtEl>
+                                          <p:spTgt spid="15"/>
+                                        </p:tgtEl>
+                                        <p:attrNameLst>
+                                          <p:attrName>style.visibility</p:attrName>
+                                        </p:attrNameLst>
+                                      </p:cBhvr>
+                                      <p:to>
+                                        <p:strVal val="visible"/>
+                                      </p:to>
+                                    </p:set>
+                                    <p:animEffect transition="in" filter="fade">
+                                      <p:cBhvr>
+                                        <p:cTn id="21" dur="250"/>
+                                        <p:tgtEl>
+                                          <p:spTgt spid="15"/>
                                         </p:tgtEl>
                                       </p:cBhvr>
                                     </p:animEffect>
@@ -7200,26 +7595,26 @@
                     </p:cTn>
                   </p:par>
                   <p:par>
-                    <p:cTn id="19" fill="hold">
+                    <p:cTn id="22" fill="hold">
                       <p:stCondLst>
                         <p:cond delay="indefinite"/>
                       </p:stCondLst>
                       <p:childTnLst>
                         <p:par>
-                          <p:cTn id="20" fill="hold">
+                          <p:cTn id="23" fill="hold">
                             <p:stCondLst>
                               <p:cond delay="0"/>
                             </p:stCondLst>
                             <p:childTnLst>
                               <p:par>
-                                <p:cTn id="21" presetID="10" presetClass="exit" presetSubtype="0" fill="hold" grpId="1" nodeType="clickEffect">
+                                <p:cTn id="24" presetID="10" presetClass="exit" presetSubtype="0" fill="hold" grpId="1" nodeType="clickEffect">
                                   <p:stCondLst>
                                     <p:cond delay="0"/>
                                   </p:stCondLst>
                                   <p:childTnLst>
                                     <p:animEffect transition="out" filter="fade">
                                       <p:cBhvr>
-                                        <p:cTn id="22" dur="500"/>
+                                        <p:cTn id="25" dur="250"/>
                                         <p:tgtEl>
                                           <p:spTgt spid="3"/>
                                         </p:tgtEl>
@@ -7227,9 +7622,9 @@
                                     </p:animEffect>
                                     <p:set>
                                       <p:cBhvr>
-                                        <p:cTn id="23" dur="1" fill="hold">
+                                        <p:cTn id="26" dur="1" fill="hold">
                                           <p:stCondLst>
-                                            <p:cond delay="499"/>
+                                            <p:cond delay="249"/>
                                           </p:stCondLst>
                                         </p:cTn>
                                         <p:tgtEl>
@@ -7247,20 +7642,55 @@
                                 </p:cTn>
                               </p:par>
                               <p:par>
-                                <p:cTn id="24" presetID="10" presetClass="entr" presetSubtype="0" fill="hold" grpId="0" nodeType="withEffect">
+                                <p:cTn id="27" presetID="10" presetClass="exit" presetSubtype="0" fill="hold" nodeType="withEffect">
+                                  <p:stCondLst>
+                                    <p:cond delay="0"/>
+                                  </p:stCondLst>
+                                  <p:childTnLst>
+                                    <p:animEffect transition="out" filter="fade">
+                                      <p:cBhvr>
+                                        <p:cTn id="28" dur="250"/>
+                                        <p:tgtEl>
+                                          <p:spTgt spid="15"/>
+                                        </p:tgtEl>
+                                      </p:cBhvr>
+                                    </p:animEffect>
+                                    <p:set>
+                                      <p:cBhvr>
+                                        <p:cTn id="29" dur="1" fill="hold">
+                                          <p:stCondLst>
+                                            <p:cond delay="249"/>
+                                          </p:stCondLst>
+                                        </p:cTn>
+                                        <p:tgtEl>
+                                          <p:spTgt spid="15"/>
+                                        </p:tgtEl>
+                                        <p:attrNameLst>
+                                          <p:attrName>style.visibility</p:attrName>
+                                        </p:attrNameLst>
+                                      </p:cBhvr>
+                                      <p:to>
+                                        <p:strVal val="hidden"/>
+                                      </p:to>
+                                    </p:set>
+                                  </p:childTnLst>
+                                </p:cTn>
+                              </p:par>
+                              <p:par>
+                                <p:cTn id="30" presetID="10" presetClass="entr" presetSubtype="0" fill="hold" nodeType="withEffect">
                                   <p:stCondLst>
                                     <p:cond delay="0"/>
                                   </p:stCondLst>
                                   <p:childTnLst>
                                     <p:set>
                                       <p:cBhvr>
-                                        <p:cTn id="25" dur="1" fill="hold">
+                                        <p:cTn id="31" dur="1" fill="hold">
                                           <p:stCondLst>
                                             <p:cond delay="0"/>
                                           </p:stCondLst>
                                         </p:cTn>
                                         <p:tgtEl>
-                                          <p:spTgt spid="5"/>
+                                          <p:spTgt spid="16"/>
                                         </p:tgtEl>
                                         <p:attrNameLst>
                                           <p:attrName>style.visibility</p:attrName>
@@ -7272,7 +7702,42 @@
                                     </p:set>
                                     <p:animEffect transition="in" filter="fade">
                                       <p:cBhvr>
-                                        <p:cTn id="26" dur="500"/>
+                                        <p:cTn id="32" dur="250"/>
+                                        <p:tgtEl>
+                                          <p:spTgt spid="16"/>
+                                        </p:tgtEl>
+                                      </p:cBhvr>
+                                    </p:animEffect>
+                                  </p:childTnLst>
+                                </p:cTn>
+                              </p:par>
+                              <p:par>
+                                <p:cTn id="33" presetID="10" presetClass="entr" presetSubtype="0" fill="hold" grpId="0" nodeType="withEffect">
+                                  <p:stCondLst>
+                                    <p:cond delay="0"/>
+                                  </p:stCondLst>
+                                  <p:childTnLst>
+                                    <p:set>
+                                      <p:cBhvr>
+                                        <p:cTn id="34" dur="1" fill="hold">
+                                          <p:stCondLst>
+                                            <p:cond delay="0"/>
+                                          </p:stCondLst>
+                                        </p:cTn>
+                                        <p:tgtEl>
+                                          <p:spTgt spid="5"/>
+                                        </p:tgtEl>
+                                        <p:attrNameLst>
+                                          <p:attrName>style.visibility</p:attrName>
+                                        </p:attrNameLst>
+                                      </p:cBhvr>
+                                      <p:to>
+                                        <p:strVal val="visible"/>
+                                      </p:to>
+                                    </p:set>
+                                    <p:animEffect transition="in" filter="fade">
+                                      <p:cBhvr>
+                                        <p:cTn id="35" dur="250"/>
                                         <p:tgtEl>
                                           <p:spTgt spid="5"/>
                                         </p:tgtEl>
@@ -7288,26 +7753,26 @@
                     </p:cTn>
                   </p:par>
                   <p:par>
-                    <p:cTn id="27" fill="hold">
+                    <p:cTn id="36" fill="hold">
                       <p:stCondLst>
                         <p:cond delay="indefinite"/>
                       </p:stCondLst>
                       <p:childTnLst>
                         <p:par>
-                          <p:cTn id="28" fill="hold">
+                          <p:cTn id="37" fill="hold">
                             <p:stCondLst>
                               <p:cond delay="0"/>
                             </p:stCondLst>
                             <p:childTnLst>
                               <p:par>
-                                <p:cTn id="29" presetID="10" presetClass="exit" presetSubtype="0" fill="hold" grpId="1" nodeType="clickEffect">
+                                <p:cTn id="38" presetID="10" presetClass="exit" presetSubtype="0" fill="hold" grpId="1" nodeType="clickEffect">
                                   <p:stCondLst>
                                     <p:cond delay="0"/>
                                   </p:stCondLst>
                                   <p:childTnLst>
                                     <p:animEffect transition="out" filter="fade">
                                       <p:cBhvr>
-                                        <p:cTn id="30" dur="500"/>
+                                        <p:cTn id="39" dur="250"/>
                                         <p:tgtEl>
                                           <p:spTgt spid="5"/>
                                         </p:tgtEl>
@@ -7315,9 +7780,9 @@
                                     </p:animEffect>
                                     <p:set>
                                       <p:cBhvr>
-                                        <p:cTn id="31" dur="1" fill="hold">
+                                        <p:cTn id="40" dur="1" fill="hold">
                                           <p:stCondLst>
-                                            <p:cond delay="499"/>
+                                            <p:cond delay="249"/>
                                           </p:stCondLst>
                                         </p:cTn>
                                         <p:tgtEl>
@@ -7335,14 +7800,14 @@
                                 </p:cTn>
                               </p:par>
                               <p:par>
-                                <p:cTn id="32" presetID="10" presetClass="entr" presetSubtype="0" fill="hold" grpId="0" nodeType="withEffect">
+                                <p:cTn id="41" presetID="10" presetClass="entr" presetSubtype="0" fill="hold" grpId="0" nodeType="withEffect">
                                   <p:stCondLst>
                                     <p:cond delay="0"/>
                                   </p:stCondLst>
                                   <p:childTnLst>
                                     <p:set>
                                       <p:cBhvr>
-                                        <p:cTn id="33" dur="1" fill="hold">
+                                        <p:cTn id="42" dur="1" fill="hold">
                                           <p:stCondLst>
                                             <p:cond delay="0"/>
                                           </p:stCondLst>
@@ -7360,9 +7825,79 @@
                                     </p:set>
                                     <p:animEffect transition="in" filter="fade">
                                       <p:cBhvr>
-                                        <p:cTn id="34" dur="500"/>
+                                        <p:cTn id="43" dur="250"/>
                                         <p:tgtEl>
                                           <p:spTgt spid="7"/>
+                                        </p:tgtEl>
+                                      </p:cBhvr>
+                                    </p:animEffect>
+                                  </p:childTnLst>
+                                </p:cTn>
+                              </p:par>
+                              <p:par>
+                                <p:cTn id="44" presetID="10" presetClass="exit" presetSubtype="0" fill="hold" nodeType="withEffect">
+                                  <p:stCondLst>
+                                    <p:cond delay="0"/>
+                                  </p:stCondLst>
+                                  <p:childTnLst>
+                                    <p:animEffect transition="out" filter="fade">
+                                      <p:cBhvr>
+                                        <p:cTn id="45" dur="250"/>
+                                        <p:tgtEl>
+                                          <p:spTgt spid="16"/>
+                                        </p:tgtEl>
+                                      </p:cBhvr>
+                                    </p:animEffect>
+                                    <p:set>
+                                      <p:cBhvr>
+                                        <p:cTn id="46" dur="1" fill="hold">
+                                          <p:stCondLst>
+                                            <p:cond delay="249"/>
+                                          </p:stCondLst>
+                                        </p:cTn>
+                                        <p:tgtEl>
+                                          <p:spTgt spid="16"/>
+                                        </p:tgtEl>
+                                        <p:attrNameLst>
+                                          <p:attrName>style.visibility</p:attrName>
+                                        </p:attrNameLst>
+                                      </p:cBhvr>
+                                      <p:to>
+                                        <p:strVal val="hidden"/>
+                                      </p:to>
+                                    </p:set>
+                                  </p:childTnLst>
+                                </p:cTn>
+                              </p:par>
+                              <p:par>
+                                <p:cTn id="47" presetID="10" presetClass="entr" presetSubtype="0" fill="hold" nodeType="withEffect">
+                                  <p:stCondLst>
+                                    <p:cond delay="0"/>
+                                  </p:stCondLst>
+                                  <p:childTnLst>
+                                    <p:set>
+                                      <p:cBhvr>
+                                        <p:cTn id="48" dur="1" fill="hold">
+                                          <p:stCondLst>
+                                            <p:cond delay="0"/>
+                                          </p:stCondLst>
+                                        </p:cTn>
+                                        <p:tgtEl>
+                                          <p:spTgt spid="18"/>
+                                        </p:tgtEl>
+                                        <p:attrNameLst>
+                                          <p:attrName>style.visibility</p:attrName>
+                                        </p:attrNameLst>
+                                      </p:cBhvr>
+                                      <p:to>
+                                        <p:strVal val="visible"/>
+                                      </p:to>
+                                    </p:set>
+                                    <p:animEffect transition="in" filter="fade">
+                                      <p:cBhvr>
+                                        <p:cTn id="49" dur="250"/>
+                                        <p:tgtEl>
+                                          <p:spTgt spid="18"/>
                                         </p:tgtEl>
                                       </p:cBhvr>
                                     </p:animEffect>
@@ -7376,26 +7911,26 @@
                     </p:cTn>
                   </p:par>
                   <p:par>
-                    <p:cTn id="35" fill="hold">
+                    <p:cTn id="50" fill="hold">
                       <p:stCondLst>
                         <p:cond delay="indefinite"/>
                       </p:stCondLst>
                       <p:childTnLst>
                         <p:par>
-                          <p:cTn id="36" fill="hold">
+                          <p:cTn id="51" fill="hold">
                             <p:stCondLst>
                               <p:cond delay="0"/>
                             </p:stCondLst>
                             <p:childTnLst>
                               <p:par>
-                                <p:cTn id="37" presetID="10" presetClass="exit" presetSubtype="0" fill="hold" grpId="1" nodeType="clickEffect">
+                                <p:cTn id="52" presetID="10" presetClass="exit" presetSubtype="0" fill="hold" grpId="1" nodeType="clickEffect">
                                   <p:stCondLst>
                                     <p:cond delay="0"/>
                                   </p:stCondLst>
                                   <p:childTnLst>
                                     <p:animEffect transition="out" filter="fade">
                                       <p:cBhvr>
-                                        <p:cTn id="38" dur="500"/>
+                                        <p:cTn id="53" dur="250"/>
                                         <p:tgtEl>
                                           <p:spTgt spid="7"/>
                                         </p:tgtEl>
@@ -7403,9 +7938,9 @@
                                     </p:animEffect>
                                     <p:set>
                                       <p:cBhvr>
-                                        <p:cTn id="39" dur="1" fill="hold">
+                                        <p:cTn id="54" dur="1" fill="hold">
                                           <p:stCondLst>
-                                            <p:cond delay="499"/>
+                                            <p:cond delay="249"/>
                                           </p:stCondLst>
                                         </p:cTn>
                                         <p:tgtEl>
@@ -7423,14 +7958,49 @@
                                 </p:cTn>
                               </p:par>
                               <p:par>
-                                <p:cTn id="40" presetID="10" presetClass="entr" presetSubtype="0" fill="hold" grpId="0" nodeType="withEffect">
+                                <p:cTn id="55" presetID="10" presetClass="exit" presetSubtype="0" fill="hold" nodeType="withEffect">
+                                  <p:stCondLst>
+                                    <p:cond delay="0"/>
+                                  </p:stCondLst>
+                                  <p:childTnLst>
+                                    <p:animEffect transition="out" filter="fade">
+                                      <p:cBhvr>
+                                        <p:cTn id="56" dur="250"/>
+                                        <p:tgtEl>
+                                          <p:spTgt spid="18"/>
+                                        </p:tgtEl>
+                                      </p:cBhvr>
+                                    </p:animEffect>
+                                    <p:set>
+                                      <p:cBhvr>
+                                        <p:cTn id="57" dur="1" fill="hold">
+                                          <p:stCondLst>
+                                            <p:cond delay="249"/>
+                                          </p:stCondLst>
+                                        </p:cTn>
+                                        <p:tgtEl>
+                                          <p:spTgt spid="18"/>
+                                        </p:tgtEl>
+                                        <p:attrNameLst>
+                                          <p:attrName>style.visibility</p:attrName>
+                                        </p:attrNameLst>
+                                      </p:cBhvr>
+                                      <p:to>
+                                        <p:strVal val="hidden"/>
+                                      </p:to>
+                                    </p:set>
+                                  </p:childTnLst>
+                                </p:cTn>
+                              </p:par>
+                              <p:par>
+                                <p:cTn id="58" presetID="10" presetClass="entr" presetSubtype="0" fill="hold" grpId="0" nodeType="withEffect">
                                   <p:stCondLst>
                                     <p:cond delay="0"/>
                                   </p:stCondLst>
                                   <p:childTnLst>
                                     <p:set>
                                       <p:cBhvr>
-                                        <p:cTn id="41" dur="1" fill="hold">
+                                        <p:cTn id="59" dur="1" fill="hold">
                                           <p:stCondLst>
                                             <p:cond delay="0"/>
                                           </p:stCondLst>
@@ -7448,9 +8018,79 @@
                                     </p:set>
                                     <p:animEffect transition="in" filter="fade">
                                       <p:cBhvr>
-                                        <p:cTn id="42" dur="500"/>
+                                        <p:cTn id="60" dur="250"/>
                                         <p:tgtEl>
                                           <p:spTgt spid="10"/>
+                                        </p:tgtEl>
+                                      </p:cBhvr>
+                                    </p:animEffect>
+                                  </p:childTnLst>
+                                </p:cTn>
+                              </p:par>
+                              <p:par>
+                                <p:cTn id="61" presetID="10" presetClass="entr" presetSubtype="0" fill="hold" nodeType="withEffect">
+                                  <p:stCondLst>
+                                    <p:cond delay="0"/>
+                                  </p:stCondLst>
+                                  <p:childTnLst>
+                                    <p:set>
+                                      <p:cBhvr>
+                                        <p:cTn id="62" dur="1" fill="hold">
+                                          <p:stCondLst>
+                                            <p:cond delay="0"/>
+                                          </p:stCondLst>
+                                        </p:cTn>
+                                        <p:tgtEl>
+                                          <p:spTgt spid="22"/>
+                                        </p:tgtEl>
+                                        <p:attrNameLst>
+                                          <p:attrName>style.visibility</p:attrName>
+                                        </p:attrNameLst>
+                                      </p:cBhvr>
+                                      <p:to>
+                                        <p:strVal val="visible"/>
+                                      </p:to>
+                                    </p:set>
+                                    <p:animEffect transition="in" filter="fade">
+                                      <p:cBhvr>
+                                        <p:cTn id="63" dur="250"/>
+                                        <p:tgtEl>
+                                          <p:spTgt spid="22"/>
+                                        </p:tgtEl>
+                                      </p:cBhvr>
+                                    </p:animEffect>
+                                  </p:childTnLst>
+                                </p:cTn>
+                              </p:par>
+                              <p:par>
+                                <p:cTn id="64" presetID="10" presetClass="entr" presetSubtype="0" fill="hold" nodeType="withEffect">
+                                  <p:stCondLst>
+                                    <p:cond delay="0"/>
+                                  </p:stCondLst>
+                                  <p:childTnLst>
+                                    <p:set>
+                                      <p:cBhvr>
+                                        <p:cTn id="65" dur="1" fill="hold">
+                                          <p:stCondLst>
+                                            <p:cond delay="0"/>
+                                          </p:stCondLst>
+                                        </p:cTn>
+                                        <p:tgtEl>
+                                          <p:spTgt spid="20"/>
+                                        </p:tgtEl>
+                                        <p:attrNameLst>
+                                          <p:attrName>style.visibility</p:attrName>
+                                        </p:attrNameLst>
+                                      </p:cBhvr>
+                                      <p:to>
+                                        <p:strVal val="visible"/>
+                                      </p:to>
+                                    </p:set>
+                                    <p:animEffect transition="in" filter="fade">
+                                      <p:cBhvr>
+                                        <p:cTn id="66" dur="250"/>
+                                        <p:tgtEl>
+                                          <p:spTgt spid="20"/>
                                         </p:tgtEl>
                                       </p:cBhvr>
                                     </p:animEffect>
@@ -7464,26 +8104,26 @@
                     </p:cTn>
                   </p:par>
                   <p:par>
-                    <p:cTn id="43" fill="hold">
+                    <p:cTn id="67" fill="hold">
                       <p:stCondLst>
                         <p:cond delay="indefinite"/>
                       </p:stCondLst>
                       <p:childTnLst>
                         <p:par>
-                          <p:cTn id="44" fill="hold">
+                          <p:cTn id="68" fill="hold">
                             <p:stCondLst>
                               <p:cond delay="0"/>
                             </p:stCondLst>
                             <p:childTnLst>
                               <p:par>
-                                <p:cTn id="45" presetID="10" presetClass="exit" presetSubtype="0" fill="hold" grpId="1" nodeType="clickEffect">
+                                <p:cTn id="69" presetID="10" presetClass="exit" presetSubtype="0" fill="hold" grpId="1" nodeType="clickEffect">
                                   <p:stCondLst>
                                     <p:cond delay="0"/>
                                   </p:stCondLst>
                                   <p:childTnLst>
                                     <p:animEffect transition="out" filter="fade">
                                       <p:cBhvr>
-                                        <p:cTn id="46" dur="500"/>
+                                        <p:cTn id="70" dur="250"/>
                                         <p:tgtEl>
                                           <p:spTgt spid="10"/>
                                         </p:tgtEl>
@@ -7491,9 +8131,9 @@
                                     </p:animEffect>
                                     <p:set>
                                       <p:cBhvr>
-                                        <p:cTn id="47" dur="1" fill="hold">
+                                        <p:cTn id="71" dur="1" fill="hold">
                                           <p:stCondLst>
-                                            <p:cond delay="499"/>
+                                            <p:cond delay="249"/>
                                           </p:stCondLst>
                                         </p:cTn>
                                         <p:tgtEl>
@@ -7511,14 +8151,84 @@
                                 </p:cTn>
                               </p:par>
                               <p:par>
-                                <p:cTn id="48" presetID="10" presetClass="entr" presetSubtype="0" fill="hold" grpId="0" nodeType="withEffect">
+                                <p:cTn id="72" presetID="10" presetClass="exit" presetSubtype="0" fill="hold" nodeType="withEffect">
+                                  <p:stCondLst>
+                                    <p:cond delay="0"/>
+                                  </p:stCondLst>
+                                  <p:childTnLst>
+                                    <p:animEffect transition="out" filter="fade">
+                                      <p:cBhvr>
+                                        <p:cTn id="73" dur="250"/>
+                                        <p:tgtEl>
+                                          <p:spTgt spid="22"/>
+                                        </p:tgtEl>
+                                      </p:cBhvr>
+                                    </p:animEffect>
+                                    <p:set>
+                                      <p:cBhvr>
+                                        <p:cTn id="74" dur="1" fill="hold">
+                                          <p:stCondLst>
+                                            <p:cond delay="249"/>
+                                          </p:stCondLst>
+                                        </p:cTn>
+                                        <p:tgtEl>
+                                          <p:spTgt spid="22"/>
+                                        </p:tgtEl>
+                                        <p:attrNameLst>
+                                          <p:attrName>style.visibility</p:attrName>
+                                        </p:attrNameLst>
+                                      </p:cBhvr>
+                                      <p:to>
+                                        <p:strVal val="hidden"/>
+                                      </p:to>
+                                    </p:set>
+                                  </p:childTnLst>
+                                </p:cTn>
+                              </p:par>
+                              <p:par>
+                                <p:cTn id="75" presetID="10" presetClass="exit" presetSubtype="0" fill="hold" nodeType="withEffect">
+                                  <p:stCondLst>
+                                    <p:cond delay="0"/>
+                                  </p:stCondLst>
+                                  <p:childTnLst>
+                                    <p:animEffect transition="out" filter="fade">
+                                      <p:cBhvr>
+                                        <p:cTn id="76" dur="250"/>
+                                        <p:tgtEl>
+                                          <p:spTgt spid="20"/>
+                                        </p:tgtEl>
+                                      </p:cBhvr>
+                                    </p:animEffect>
+                                    <p:set>
+                                      <p:cBhvr>
+                                        <p:cTn id="77" dur="1" fill="hold">
+                                          <p:stCondLst>
+                                            <p:cond delay="249"/>
+                                          </p:stCondLst>
+                                        </p:cTn>
+                                        <p:tgtEl>
+                                          <p:spTgt spid="20"/>
+                                        </p:tgtEl>
+                                        <p:attrNameLst>
+                                          <p:attrName>style.visibility</p:attrName>
+                                        </p:attrNameLst>
+                                      </p:cBhvr>
+                                      <p:to>
+                                        <p:strVal val="hidden"/>
+                                      </p:to>
+                                    </p:set>
+                                  </p:childTnLst>
+                                </p:cTn>
+                              </p:par>
+                              <p:par>
+                                <p:cTn id="78" presetID="10" presetClass="entr" presetSubtype="0" fill="hold" grpId="0" nodeType="withEffect">
                                   <p:stCondLst>
                                     <p:cond delay="0"/>
                                   </p:stCondLst>
                                   <p:childTnLst>
                                     <p:set>
                                       <p:cBhvr>
-                                        <p:cTn id="49" dur="1" fill="hold">
+                                        <p:cTn id="79" dur="1" fill="hold">
                                           <p:stCondLst>
                                             <p:cond delay="0"/>
                                           </p:stCondLst>
@@ -7536,9 +8246,44 @@
                                     </p:set>
                                     <p:animEffect transition="in" filter="fade">
                                       <p:cBhvr>
-                                        <p:cTn id="50" dur="500"/>
+                                        <p:cTn id="80" dur="250"/>
                                         <p:tgtEl>
                                           <p:spTgt spid="11"/>
+                                        </p:tgtEl>
+                                      </p:cBhvr>
+                                    </p:animEffect>
+                                  </p:childTnLst>
+                                </p:cTn>
+                              </p:par>
+                              <p:par>
+                                <p:cTn id="81" presetID="10" presetClass="entr" presetSubtype="0" fill="hold" nodeType="withEffect">
+                                  <p:stCondLst>
+                                    <p:cond delay="0"/>
+                                  </p:stCondLst>
+                                  <p:childTnLst>
+                                    <p:set>
+                                      <p:cBhvr>
+                                        <p:cTn id="82" dur="1" fill="hold">
+                                          <p:stCondLst>
+                                            <p:cond delay="0"/>
+                                          </p:stCondLst>
+                                        </p:cTn>
+                                        <p:tgtEl>
+                                          <p:spTgt spid="24"/>
+                                        </p:tgtEl>
+                                        <p:attrNameLst>
+                                          <p:attrName>style.visibility</p:attrName>
+                                        </p:attrNameLst>
+                                      </p:cBhvr>
+                                      <p:to>
+                                        <p:strVal val="visible"/>
+                                      </p:to>
+                                    </p:set>
+                                    <p:animEffect transition="in" filter="fade">
+                                      <p:cBhvr>
+                                        <p:cTn id="83" dur="250"/>
+                                        <p:tgtEl>
+                                          <p:spTgt spid="24"/>
                                         </p:tgtEl>
                                       </p:cBhvr>
                                     </p:animEffect>
@@ -7552,40 +8297,40 @@
                     </p:cTn>
                   </p:par>
                   <p:par>
-                    <p:cTn id="51" fill="hold">
+                    <p:cTn id="84" fill="hold">
                       <p:stCondLst>
                         <p:cond delay="indefinite"/>
                       </p:stCondLst>
                       <p:childTnLst>
                         <p:par>
-                          <p:cTn id="52" fill="hold">
+                          <p:cTn id="85" fill="hold">
                             <p:stCondLst>
                               <p:cond delay="0"/>
                             </p:stCondLst>
                             <p:childTnLst>
                               <p:par>
-                                <p:cTn id="53" presetID="10" presetClass="exit" presetSubtype="0" fill="hold" grpId="1" nodeType="clickEffect">
+                                <p:cTn id="86" presetID="10" presetClass="exit" presetSubtype="0" fill="hold" nodeType="clickEffect">
                                   <p:stCondLst>
                                     <p:cond delay="0"/>
                                   </p:stCondLst>
                                   <p:childTnLst>
                                     <p:animEffect transition="out" filter="fade">
                                       <p:cBhvr>
-                                        <p:cTn id="54" dur="500"/>
-                                        <p:tgtEl>
-                                          <p:spTgt spid="11"/>
+                                        <p:cTn id="87" dur="250"/>
+                                        <p:tgtEl>
+                                          <p:spTgt spid="24"/>
                                         </p:tgtEl>
                                       </p:cBhvr>
                                     </p:animEffect>
                                     <p:set>
                                       <p:cBhvr>
-                                        <p:cTn id="55" dur="1" fill="hold">
+                                        <p:cTn id="88" dur="1" fill="hold">
                                           <p:stCondLst>
-                                            <p:cond delay="499"/>
+                                            <p:cond delay="249"/>
                                           </p:stCondLst>
                                         </p:cTn>
                                         <p:tgtEl>
-                                          <p:spTgt spid="11"/>
+                                          <p:spTgt spid="24"/>
                                         </p:tgtEl>
                                         <p:attrNameLst>
                                           <p:attrName>style.visibility</p:attrName>
@@ -7599,14 +8344,49 @@
                                 </p:cTn>
                               </p:par>
                               <p:par>
-                                <p:cTn id="56" presetID="10" presetClass="entr" presetSubtype="0" fill="hold" grpId="0" nodeType="withEffect">
+                                <p:cTn id="89" presetID="10" presetClass="exit" presetSubtype="0" fill="hold" grpId="1" nodeType="withEffect">
+                                  <p:stCondLst>
+                                    <p:cond delay="0"/>
+                                  </p:stCondLst>
+                                  <p:childTnLst>
+                                    <p:animEffect transition="out" filter="fade">
+                                      <p:cBhvr>
+                                        <p:cTn id="90" dur="250"/>
+                                        <p:tgtEl>
+                                          <p:spTgt spid="11"/>
+                                        </p:tgtEl>
+                                      </p:cBhvr>
+                                    </p:animEffect>
+                                    <p:set>
+                                      <p:cBhvr>
+                                        <p:cTn id="91" dur="1" fill="hold">
+                                          <p:stCondLst>
+                                            <p:cond delay="249"/>
+                                          </p:stCondLst>
+                                        </p:cTn>
+                                        <p:tgtEl>
+                                          <p:spTgt spid="11"/>
+                                        </p:tgtEl>
+                                        <p:attrNameLst>
+                                          <p:attrName>style.visibility</p:attrName>
+                                        </p:attrNameLst>
+                                      </p:cBhvr>
+                                      <p:to>
+                                        <p:strVal val="hidden"/>
+                                      </p:to>
+                                    </p:set>
+                                  </p:childTnLst>
+                                </p:cTn>
+                              </p:par>
+                              <p:par>
+                                <p:cTn id="92" presetID="10" presetClass="entr" presetSubtype="0" fill="hold" grpId="0" nodeType="withEffect">
                                   <p:stCondLst>
                                     <p:cond delay="0"/>
                                   </p:stCondLst>
                                   <p:childTnLst>
                                     <p:set>
                                       <p:cBhvr>
-                                        <p:cTn id="57" dur="1" fill="hold">
+                                        <p:cTn id="93" dur="1" fill="hold">
                                           <p:stCondLst>
                                             <p:cond delay="0"/>
                                           </p:stCondLst>
@@ -7624,9 +8404,44 @@
                                     </p:set>
                                     <p:animEffect transition="in" filter="fade">
                                       <p:cBhvr>
-                                        <p:cTn id="58" dur="500"/>
+                                        <p:cTn id="94" dur="250"/>
                                         <p:tgtEl>
                                           <p:spTgt spid="12"/>
+                                        </p:tgtEl>
+                                      </p:cBhvr>
+                                    </p:animEffect>
+                                  </p:childTnLst>
+                                </p:cTn>
+                              </p:par>
+                              <p:par>
+                                <p:cTn id="95" presetID="10" presetClass="entr" presetSubtype="0" fill="hold" nodeType="withEffect">
+                                  <p:stCondLst>
+                                    <p:cond delay="0"/>
+                                  </p:stCondLst>
+                                  <p:childTnLst>
+                                    <p:set>
+                                      <p:cBhvr>
+                                        <p:cTn id="96" dur="1" fill="hold">
+                                          <p:stCondLst>
+                                            <p:cond delay="0"/>
+                                          </p:stCondLst>
+                                        </p:cTn>
+                                        <p:tgtEl>
+                                          <p:spTgt spid="27"/>
+                                        </p:tgtEl>
+                                        <p:attrNameLst>
+                                          <p:attrName>style.visibility</p:attrName>
+                                        </p:attrNameLst>
+                                      </p:cBhvr>
+                                      <p:to>
+                                        <p:strVal val="visible"/>
+                                      </p:to>
+                                    </p:set>
+                                    <p:animEffect transition="in" filter="fade">
+                                      <p:cBhvr>
+                                        <p:cTn id="97" dur="250"/>
+                                        <p:tgtEl>
+                                          <p:spTgt spid="27"/>
                                         </p:tgtEl>
                                       </p:cBhvr>
                                     </p:animEffect>
@@ -7739,88 +8554,6 @@
       </p:sp>
       <p:sp>
         <p:nvSpPr>
-          <p:cNvPr id="3" name="Content Placeholder 2">
-            <a:extLst>
-              <a:ext uri="{FF2B5EF4-FFF2-40B4-BE49-F238E27FC236}">
-                <a16:creationId xmlns:a16="http://schemas.microsoft.com/office/drawing/2014/main" id="{99B5873A-044C-2F3B-27F4-BB23455A4124}"/>
-              </a:ext>
-            </a:extLst>
-          </p:cNvPr>
-          <p:cNvSpPr>
-            <a:spLocks noGrp="1"/>
-          </p:cNvSpPr>
-          <p:nvPr>
-            <p:ph idx="1"/>
-          </p:nvPr>
-        </p:nvSpPr>
-        <p:spPr>
-          <a:xfrm>
-            <a:off x="989065" y="1395630"/>
-            <a:ext cx="10691265" cy="2495981"/>
-          </a:xfrm>
-        </p:spPr>
-        <p:txBody>
-          <a:bodyPr>
-            <a:normAutofit/>
-          </a:bodyPr>
-          <a:lstStyle/>
-          <a:p>
-            <a:r>
-              <a:rPr lang="en-US" sz="1800" dirty="0"/>
-              <a:t>Currently, all Body objects are stored in a single vector using an Array of Structures (</a:t>
-            </a:r>
-            <a:r>
-              <a:rPr lang="en-US" sz="1800" dirty="0" err="1"/>
-              <a:t>AoS</a:t>
-            </a:r>
-            <a:r>
-              <a:rPr lang="en-US" sz="1800" dirty="0"/>
-              <a:t>) approach.</a:t>
-            </a:r>
-          </a:p>
-          <a:p>
-            <a:r>
-              <a:rPr lang="en-US" sz="1800" dirty="0"/>
-              <a:t>During simulation, forces are computed by iterating over each Body, accessing its individual properties like, position, mass, and velocity.</a:t>
-            </a:r>
-          </a:p>
-          <a:p>
-            <a:r>
-              <a:rPr lang="en-US" sz="1800" dirty="0"/>
-              <a:t>This is a classic example where Structure of Arrays (</a:t>
-            </a:r>
-            <a:r>
-              <a:rPr lang="en-US" sz="1800" dirty="0" err="1"/>
-              <a:t>SoA</a:t>
-            </a:r>
-            <a:r>
-              <a:rPr lang="en-US" sz="1800" dirty="0"/>
-              <a:t>) is a significantly better fit:</a:t>
-            </a:r>
-          </a:p>
-          <a:p>
-            <a:pPr lvl="1"/>
-            <a:r>
-              <a:rPr lang="en-US" sz="1600" dirty="0"/>
-              <a:t>By separating characteristics into their own dedicated vectors, we improve cache locality.</a:t>
-            </a:r>
-          </a:p>
-          <a:p>
-            <a:r>
-              <a:rPr lang="en-US" sz="1800" dirty="0"/>
-              <a:t>This design would also be a perfect setup for using SIMD optimization.</a:t>
-            </a:r>
-          </a:p>
-          <a:p>
-            <a:pPr marL="0" indent="0">
-              <a:buNone/>
-            </a:pPr>
-            <a:endParaRPr lang="en-US" sz="1800" dirty="0"/>
-          </a:p>
-        </p:txBody>
-      </p:sp>
-      <p:sp>
-        <p:nvSpPr>
           <p:cNvPr id="6" name="Title 1">
             <a:extLst>
               <a:ext uri="{FF2B5EF4-FFF2-40B4-BE49-F238E27FC236}">
@@ -7894,7 +8627,7 @@
         </p:nvSpPr>
         <p:spPr>
           <a:xfrm>
-            <a:off x="700634" y="3883991"/>
+            <a:off x="798605" y="4866913"/>
             <a:ext cx="5984645" cy="661012"/>
           </a:xfrm>
           <a:prstGeom prst="rect">
@@ -7951,7 +8684,7 @@
         </p:nvCxnSpPr>
         <p:spPr>
           <a:xfrm>
-            <a:off x="800100" y="4463723"/>
+            <a:off x="898071" y="5446645"/>
             <a:ext cx="10591800" cy="0"/>
           </a:xfrm>
           <a:prstGeom prst="line">
@@ -7992,7 +8725,7 @@
         </p:nvSpPr>
         <p:spPr>
           <a:xfrm>
-            <a:off x="5130831" y="5035836"/>
+            <a:off x="5019675" y="5864511"/>
             <a:ext cx="1930337" cy="646331"/>
           </a:xfrm>
           <a:prstGeom prst="rect">
@@ -8008,11 +8741,83 @@
           <a:p>
             <a:r>
               <a:rPr lang="en-US" sz="3600" dirty="0">
-                <a:hlinkClick r:id="rId2" action="ppaction://hlinkfile"/>
+                <a:hlinkClick r:id="rId3" action="ppaction://hlinkfile"/>
               </a:rPr>
               <a:t>Example</a:t>
             </a:r>
             <a:endParaRPr lang="en-US" sz="3600" dirty="0"/>
+          </a:p>
+        </p:txBody>
+      </p:sp>
+      <p:pic>
+        <p:nvPicPr>
+          <p:cNvPr id="9" name="Picture 8">
+            <a:extLst>
+              <a:ext uri="{FF2B5EF4-FFF2-40B4-BE49-F238E27FC236}">
+                <a16:creationId xmlns:a16="http://schemas.microsoft.com/office/drawing/2014/main" id="{D605E4E8-3D5A-8F6C-39EC-FCB2BDE0D889}"/>
+              </a:ext>
+            </a:extLst>
+          </p:cNvPr>
+          <p:cNvPicPr>
+            <a:picLocks noChangeAspect="1"/>
+          </p:cNvPicPr>
+          <p:nvPr/>
+        </p:nvPicPr>
+        <p:blipFill>
+          <a:blip r:embed="rId4"/>
+          <a:srcRect l="2797" t="3267" r="2683"/>
+          <a:stretch/>
+        </p:blipFill>
+        <p:spPr>
+          <a:xfrm>
+            <a:off x="3062287" y="1599372"/>
+            <a:ext cx="3914775" cy="2928634"/>
+          </a:xfrm>
+          <a:prstGeom prst="rect">
+            <a:avLst/>
+          </a:prstGeom>
+        </p:spPr>
+      </p:pic>
+      <p:sp>
+        <p:nvSpPr>
+          <p:cNvPr id="10" name="TextBox 9">
+            <a:extLst>
+              <a:ext uri="{FF2B5EF4-FFF2-40B4-BE49-F238E27FC236}">
+                <a16:creationId xmlns:a16="http://schemas.microsoft.com/office/drawing/2014/main" id="{9C27150B-136B-6D61-BC9C-2C89FCA552BD}"/>
+              </a:ext>
+            </a:extLst>
+          </p:cNvPr>
+          <p:cNvSpPr txBox="1"/>
+          <p:nvPr/>
+        </p:nvSpPr>
+        <p:spPr>
+          <a:xfrm>
+            <a:off x="2564946" y="4412590"/>
+            <a:ext cx="5056192" cy="230832"/>
+          </a:xfrm>
+          <a:prstGeom prst="rect">
+            <a:avLst/>
+          </a:prstGeom>
+          <a:noFill/>
+        </p:spPr>
+        <p:txBody>
+          <a:bodyPr wrap="none" rtlCol="0">
+            <a:spAutoFit/>
+          </a:bodyPr>
+          <a:lstStyle/>
+          <a:p>
+            <a:r>
+              <a:rPr lang="en-US" sz="900" dirty="0"/>
+              <a:t>Photo from </a:t>
+            </a:r>
+            <a:r>
+              <a:rPr lang="en-US" sz="900" b="0" i="0" dirty="0">
+                <a:effectLst/>
+                <a:latin typeface="MuseoSans"/>
+              </a:rPr>
+              <a:t>Department of Electrical and Computer Engineering, North South University, Bangladesh</a:t>
+            </a:r>
+            <a:endParaRPr lang="en-US" sz="900" dirty="0"/>
           </a:p>
         </p:txBody>
       </p:sp>
@@ -8072,7 +8877,7 @@
                                     </p:set>
                                     <p:animEffect transition="in" filter="fade">
                                       <p:cBhvr>
-                                        <p:cTn id="7" dur="500"/>
+                                        <p:cTn id="7" dur="250"/>
                                         <p:tgtEl>
                                           <p:spTgt spid="6"/>
                                         </p:tgtEl>
@@ -8100,7 +8905,7 @@
                             </p:stCondLst>
                             <p:childTnLst>
                               <p:par>
-                                <p:cTn id="10" presetID="10" presetClass="entr" presetSubtype="0" fill="hold" grpId="0" nodeType="clickEffect">
+                                <p:cTn id="10" presetID="10" presetClass="entr" presetSubtype="0" fill="hold" nodeType="clickEffect">
                                   <p:stCondLst>
                                     <p:cond delay="0"/>
                                   </p:stCondLst>
@@ -8113,11 +8918,7 @@
                                           </p:stCondLst>
                                         </p:cTn>
                                         <p:tgtEl>
-                                          <p:spTgt spid="3">
-                                            <p:txEl>
-                                              <p:pRg st="0" end="0"/>
-                                            </p:txEl>
-                                          </p:spTgt>
+                                          <p:spTgt spid="9"/>
                                         </p:tgtEl>
                                         <p:attrNameLst>
                                           <p:attrName>style.visibility</p:attrName>
@@ -8129,13 +8930,9 @@
                                     </p:set>
                                     <p:animEffect transition="in" filter="fade">
                                       <p:cBhvr>
-                                        <p:cTn id="12" dur="500"/>
-                                        <p:tgtEl>
-                                          <p:spTgt spid="3">
-                                            <p:txEl>
-                                              <p:pRg st="0" end="0"/>
-                                            </p:txEl>
-                                          </p:spTgt>
+                                        <p:cTn id="12" dur="250"/>
+                                        <p:tgtEl>
+                                          <p:spTgt spid="9"/>
                                         </p:tgtEl>
                                       </p:cBhvr>
                                     </p:animEffect>
@@ -8156,11 +8953,7 @@
                                           </p:stCondLst>
                                         </p:cTn>
                                         <p:tgtEl>
-                                          <p:spTgt spid="3">
-                                            <p:txEl>
-                                              <p:pRg st="1" end="1"/>
-                                            </p:txEl>
-                                          </p:spTgt>
+                                          <p:spTgt spid="10"/>
                                         </p:tgtEl>
                                         <p:attrNameLst>
                                           <p:attrName>style.visibility</p:attrName>
@@ -8172,142 +8965,9 @@
                                     </p:set>
                                     <p:animEffect transition="in" filter="fade">
                                       <p:cBhvr>
-                                        <p:cTn id="15" dur="500"/>
-                                        <p:tgtEl>
-                                          <p:spTgt spid="3">
-                                            <p:txEl>
-                                              <p:pRg st="1" end="1"/>
-                                            </p:txEl>
-                                          </p:spTgt>
-                                        </p:tgtEl>
-                                      </p:cBhvr>
-                                    </p:animEffect>
-                                  </p:childTnLst>
-                                </p:cTn>
-                              </p:par>
-                              <p:par>
-                                <p:cTn id="16" presetID="10" presetClass="entr" presetSubtype="0" fill="hold" grpId="0" nodeType="withEffect">
-                                  <p:stCondLst>
-                                    <p:cond delay="0"/>
-                                  </p:stCondLst>
-                                  <p:childTnLst>
-                                    <p:set>
-                                      <p:cBhvr>
-                                        <p:cTn id="17" dur="1" fill="hold">
-                                          <p:stCondLst>
-                                            <p:cond delay="0"/>
-                                          </p:stCondLst>
-                                        </p:cTn>
-                                        <p:tgtEl>
-                                          <p:spTgt spid="3">
-                                            <p:txEl>
-                                              <p:pRg st="2" end="2"/>
-                                            </p:txEl>
-                                          </p:spTgt>
-                                        </p:tgtEl>
-                                        <p:attrNameLst>
-                                          <p:attrName>style.visibility</p:attrName>
-                                        </p:attrNameLst>
-                                      </p:cBhvr>
-                                      <p:to>
-                                        <p:strVal val="visible"/>
-                                      </p:to>
-                                    </p:set>
-                                    <p:animEffect transition="in" filter="fade">
-                                      <p:cBhvr>
-                                        <p:cTn id="18" dur="500"/>
-                                        <p:tgtEl>
-                                          <p:spTgt spid="3">
-                                            <p:txEl>
-                                              <p:pRg st="2" end="2"/>
-                                            </p:txEl>
-                                          </p:spTgt>
-                                        </p:tgtEl>
-                                      </p:cBhvr>
-                                    </p:animEffect>
-                                  </p:childTnLst>
-                                </p:cTn>
-                              </p:par>
-                              <p:par>
-                                <p:cTn id="19" presetID="10" presetClass="entr" presetSubtype="0" fill="hold" grpId="0" nodeType="withEffect">
-                                  <p:stCondLst>
-                                    <p:cond delay="0"/>
-                                  </p:stCondLst>
-                                  <p:childTnLst>
-                                    <p:set>
-                                      <p:cBhvr>
-                                        <p:cTn id="20" dur="1" fill="hold">
-                                          <p:stCondLst>
-                                            <p:cond delay="0"/>
-                                          </p:stCondLst>
-                                        </p:cTn>
-                                        <p:tgtEl>
-                                          <p:spTgt spid="3">
-                                            <p:txEl>
-                                              <p:pRg st="3" end="3"/>
-                                            </p:txEl>
-                                          </p:spTgt>
-                                        </p:tgtEl>
-                                        <p:attrNameLst>
-                                          <p:attrName>style.visibility</p:attrName>
-                                        </p:attrNameLst>
-                                      </p:cBhvr>
-                                      <p:to>
-                                        <p:strVal val="visible"/>
-                                      </p:to>
-                                    </p:set>
-                                    <p:animEffect transition="in" filter="fade">
-                                      <p:cBhvr>
-                                        <p:cTn id="21" dur="500"/>
-                                        <p:tgtEl>
-                                          <p:spTgt spid="3">
-                                            <p:txEl>
-                                              <p:pRg st="3" end="3"/>
-                                            </p:txEl>
-                                          </p:spTgt>
-                                        </p:tgtEl>
-                                      </p:cBhvr>
-                                    </p:animEffect>
-                                  </p:childTnLst>
-                                </p:cTn>
-                              </p:par>
-                              <p:par>
-                                <p:cTn id="22" presetID="10" presetClass="entr" presetSubtype="0" fill="hold" grpId="0" nodeType="withEffect">
-                                  <p:stCondLst>
-                                    <p:cond delay="0"/>
-                                  </p:stCondLst>
-                                  <p:childTnLst>
-                                    <p:set>
-                                      <p:cBhvr>
-                                        <p:cTn id="23" dur="1" fill="hold">
-                                          <p:stCondLst>
-                                            <p:cond delay="0"/>
-                                          </p:stCondLst>
-                                        </p:cTn>
-                                        <p:tgtEl>
-                                          <p:spTgt spid="3">
-                                            <p:txEl>
-                                              <p:pRg st="4" end="4"/>
-                                            </p:txEl>
-                                          </p:spTgt>
-                                        </p:tgtEl>
-                                        <p:attrNameLst>
-                                          <p:attrName>style.visibility</p:attrName>
-                                        </p:attrNameLst>
-                                      </p:cBhvr>
-                                      <p:to>
-                                        <p:strVal val="visible"/>
-                                      </p:to>
-                                    </p:set>
-                                    <p:animEffect transition="in" filter="fade">
-                                      <p:cBhvr>
-                                        <p:cTn id="24" dur="500"/>
-                                        <p:tgtEl>
-                                          <p:spTgt spid="3">
-                                            <p:txEl>
-                                              <p:pRg st="4" end="4"/>
-                                            </p:txEl>
-                                          </p:spTgt>
+                                        <p:cTn id="15" dur="250"/>
+                                        <p:tgtEl>
+                                          <p:spTgt spid="10"/>
                                         </p:tgtEl>
                                       </p:cBhvr>
                                     </p:animEffect>
@@ -8321,26 +8981,26 @@
                     </p:cTn>
                   </p:par>
                   <p:par>
-                    <p:cTn id="25" fill="hold">
+                    <p:cTn id="16" fill="hold">
                       <p:stCondLst>
                         <p:cond delay="indefinite"/>
                       </p:stCondLst>
                       <p:childTnLst>
                         <p:par>
-                          <p:cTn id="26" fill="hold">
+                          <p:cTn id="17" fill="hold">
                             <p:stCondLst>
                               <p:cond delay="0"/>
                             </p:stCondLst>
                             <p:childTnLst>
                               <p:par>
-                                <p:cTn id="27" presetID="10" presetClass="entr" presetSubtype="0" fill="hold" grpId="0" nodeType="clickEffect">
+                                <p:cTn id="18" presetID="10" presetClass="entr" presetSubtype="0" fill="hold" grpId="0" nodeType="clickEffect">
                                   <p:stCondLst>
                                     <p:cond delay="0"/>
                                   </p:stCondLst>
                                   <p:childTnLst>
                                     <p:set>
                                       <p:cBhvr>
-                                        <p:cTn id="28" dur="1" fill="hold">
+                                        <p:cTn id="19" dur="1" fill="hold">
                                           <p:stCondLst>
                                             <p:cond delay="0"/>
                                           </p:stCondLst>
@@ -8358,7 +9018,7 @@
                                     </p:set>
                                     <p:animEffect transition="in" filter="fade">
                                       <p:cBhvr>
-                                        <p:cTn id="29" dur="500"/>
+                                        <p:cTn id="20" dur="250"/>
                                         <p:tgtEl>
                                           <p:spTgt spid="4"/>
                                         </p:tgtEl>
@@ -8368,14 +9028,14 @@
                                 </p:cTn>
                               </p:par>
                               <p:par>
-                                <p:cTn id="30" presetID="10" presetClass="entr" presetSubtype="0" fill="hold" nodeType="withEffect">
+                                <p:cTn id="21" presetID="10" presetClass="entr" presetSubtype="0" fill="hold" nodeType="withEffect">
                                   <p:stCondLst>
                                     <p:cond delay="0"/>
                                   </p:stCondLst>
                                   <p:childTnLst>
                                     <p:set>
                                       <p:cBhvr>
-                                        <p:cTn id="31" dur="1" fill="hold">
+                                        <p:cTn id="22" dur="1" fill="hold">
                                           <p:stCondLst>
                                             <p:cond delay="0"/>
                                           </p:stCondLst>
@@ -8393,7 +9053,7 @@
                                     </p:set>
                                     <p:animEffect transition="in" filter="fade">
                                       <p:cBhvr>
-                                        <p:cTn id="32" dur="500"/>
+                                        <p:cTn id="23" dur="250"/>
                                         <p:tgtEl>
                                           <p:spTgt spid="5"/>
                                         </p:tgtEl>
@@ -8403,14 +9063,14 @@
                                 </p:cTn>
                               </p:par>
                               <p:par>
-                                <p:cTn id="33" presetID="10" presetClass="entr" presetSubtype="0" fill="hold" grpId="0" nodeType="withEffect">
+                                <p:cTn id="24" presetID="10" presetClass="entr" presetSubtype="0" fill="hold" grpId="0" nodeType="withEffect">
                                   <p:stCondLst>
                                     <p:cond delay="0"/>
                                   </p:stCondLst>
                                   <p:childTnLst>
                                     <p:set>
                                       <p:cBhvr>
-                                        <p:cTn id="34" dur="1" fill="hold">
+                                        <p:cTn id="25" dur="1" fill="hold">
                                           <p:stCondLst>
                                             <p:cond delay="0"/>
                                           </p:stCondLst>
@@ -8428,7 +9088,7 @@
                                     </p:set>
                                     <p:animEffect transition="in" filter="fade">
                                       <p:cBhvr>
-                                        <p:cTn id="35" dur="500"/>
+                                        <p:cTn id="26" dur="250"/>
                                         <p:tgtEl>
                                           <p:spTgt spid="8"/>
                                         </p:tgtEl>
@@ -8465,10 +9125,10 @@
       </p:par>
     </p:tnLst>
     <p:bldLst>
-      <p:bldP spid="3" grpId="0" uiExpand="1" build="p"/>
       <p:bldP spid="6" grpId="0"/>
       <p:bldP spid="4" grpId="0"/>
       <p:bldP spid="8" grpId="0"/>
+      <p:bldP spid="10" grpId="0"/>
     </p:bldLst>
   </p:timing>
 </p:sld>
@@ -8914,7 +9574,7 @@
                                     </p:set>
                                     <p:animEffect transition="in" filter="fade">
                                       <p:cBhvr>
-                                        <p:cTn id="7" dur="500"/>
+                                        <p:cTn id="7" dur="250"/>
                                         <p:tgtEl>
                                           <p:spTgt spid="3">
                                             <p:txEl>
@@ -8927,24 +9587,15 @@
                                   </p:childTnLst>
                                 </p:cTn>
                               </p:par>
-                            </p:childTnLst>
-                          </p:cTn>
-                        </p:par>
-                        <p:par>
-                          <p:cTn id="8" fill="hold">
-                            <p:stCondLst>
-                              <p:cond delay="500"/>
-                            </p:stCondLst>
-                            <p:childTnLst>
                               <p:par>
-                                <p:cTn id="9" presetID="10" presetClass="entr" presetSubtype="0" fill="hold" grpId="0" nodeType="afterEffect">
+                                <p:cTn id="8" presetID="10" presetClass="entr" presetSubtype="0" fill="hold" grpId="0" nodeType="withEffect">
                                   <p:stCondLst>
                                     <p:cond delay="0"/>
                                   </p:stCondLst>
                                   <p:childTnLst>
                                     <p:set>
                                       <p:cBhvr>
-                                        <p:cTn id="10" dur="1" fill="hold">
+                                        <p:cTn id="9" dur="1" fill="hold">
                                           <p:stCondLst>
                                             <p:cond delay="0"/>
                                           </p:stCondLst>
@@ -8966,7 +9617,7 @@
                                     </p:set>
                                     <p:animEffect transition="in" filter="fade">
                                       <p:cBhvr>
-                                        <p:cTn id="11" dur="500"/>
+                                        <p:cTn id="10" dur="250"/>
                                         <p:tgtEl>
                                           <p:spTgt spid="3">
                                             <p:txEl>
@@ -8979,24 +9630,15 @@
                                   </p:childTnLst>
                                 </p:cTn>
                               </p:par>
-                            </p:childTnLst>
-                          </p:cTn>
-                        </p:par>
-                        <p:par>
-                          <p:cTn id="12" fill="hold">
-                            <p:stCondLst>
-                              <p:cond delay="1000"/>
-                            </p:stCondLst>
-                            <p:childTnLst>
                               <p:par>
-                                <p:cTn id="13" presetID="10" presetClass="entr" presetSubtype="0" fill="hold" grpId="0" nodeType="afterEffect">
+                                <p:cTn id="11" presetID="10" presetClass="entr" presetSubtype="0" fill="hold" grpId="0" nodeType="withEffect">
                                   <p:stCondLst>
                                     <p:cond delay="0"/>
                                   </p:stCondLst>
                                   <p:childTnLst>
                                     <p:set>
                                       <p:cBhvr>
-                                        <p:cTn id="14" dur="1" fill="hold">
+                                        <p:cTn id="12" dur="1" fill="hold">
                                           <p:stCondLst>
                                             <p:cond delay="0"/>
                                           </p:stCondLst>
@@ -9018,7 +9660,7 @@
                                     </p:set>
                                     <p:animEffect transition="in" filter="fade">
                                       <p:cBhvr>
-                                        <p:cTn id="15" dur="500"/>
+                                        <p:cTn id="13" dur="250"/>
                                         <p:tgtEl>
                                           <p:spTgt spid="3">
                                             <p:txEl>
@@ -9038,26 +9680,26 @@
                     </p:cTn>
                   </p:par>
                   <p:par>
-                    <p:cTn id="16" fill="hold">
+                    <p:cTn id="14" fill="hold">
                       <p:stCondLst>
                         <p:cond delay="indefinite"/>
                       </p:stCondLst>
                       <p:childTnLst>
                         <p:par>
-                          <p:cTn id="17" fill="hold">
+                          <p:cTn id="15" fill="hold">
                             <p:stCondLst>
                               <p:cond delay="0"/>
                             </p:stCondLst>
                             <p:childTnLst>
                               <p:par>
-                                <p:cTn id="18" presetID="10" presetClass="entr" presetSubtype="0" fill="hold" grpId="0" nodeType="clickEffect">
+                                <p:cTn id="16" presetID="10" presetClass="entr" presetSubtype="0" fill="hold" grpId="0" nodeType="clickEffect">
                                   <p:stCondLst>
                                     <p:cond delay="0"/>
                                   </p:stCondLst>
                                   <p:childTnLst>
                                     <p:set>
                                       <p:cBhvr>
-                                        <p:cTn id="19" dur="1" fill="hold">
+                                        <p:cTn id="17" dur="1" fill="hold">
                                           <p:stCondLst>
                                             <p:cond delay="0"/>
                                           </p:stCondLst>
@@ -9075,7 +9717,7 @@
                                     </p:set>
                                     <p:animEffect transition="in" filter="fade">
                                       <p:cBhvr>
-                                        <p:cTn id="20" dur="500"/>
+                                        <p:cTn id="18" dur="250"/>
                                         <p:tgtEl>
                                           <p:spTgt spid="5"/>
                                         </p:tgtEl>
@@ -9091,26 +9733,26 @@
                     </p:cTn>
                   </p:par>
                   <p:par>
-                    <p:cTn id="21" fill="hold">
+                    <p:cTn id="19" fill="hold">
                       <p:stCondLst>
                         <p:cond delay="indefinite"/>
                       </p:stCondLst>
                       <p:childTnLst>
                         <p:par>
-                          <p:cTn id="22" fill="hold">
+                          <p:cTn id="20" fill="hold">
                             <p:stCondLst>
                               <p:cond delay="0"/>
                             </p:stCondLst>
                             <p:childTnLst>
                               <p:par>
-                                <p:cTn id="23" presetID="10" presetClass="entr" presetSubtype="0" fill="hold" grpId="0" nodeType="clickEffect">
+                                <p:cTn id="21" presetID="10" presetClass="entr" presetSubtype="0" fill="hold" grpId="0" nodeType="clickEffect">
                                   <p:stCondLst>
                                     <p:cond delay="0"/>
                                   </p:stCondLst>
                                   <p:childTnLst>
                                     <p:set>
                                       <p:cBhvr>
-                                        <p:cTn id="24" dur="1" fill="hold">
+                                        <p:cTn id="22" dur="1" fill="hold">
                                           <p:stCondLst>
                                             <p:cond delay="0"/>
                                           </p:stCondLst>
@@ -9128,7 +9770,7 @@
                                     </p:set>
                                     <p:animEffect transition="in" filter="fade">
                                       <p:cBhvr>
-                                        <p:cTn id="25" dur="500"/>
+                                        <p:cTn id="23" dur="250"/>
                                         <p:tgtEl>
                                           <p:spTgt spid="7"/>
                                         </p:tgtEl>
@@ -9165,7 +9807,7 @@
       </p:par>
     </p:tnLst>
     <p:bldLst>
-      <p:bldP spid="3" grpId="0" build="p"/>
+      <p:bldP spid="3" grpId="0" uiExpand="1" build="p"/>
       <p:bldP spid="5" grpId="0"/>
       <p:bldP spid="7" grpId="0"/>
     </p:bldLst>
@@ -9258,7 +9900,7 @@
         </p:blipFill>
         <p:spPr bwMode="auto">
           <a:xfrm>
-            <a:off x="822379" y="899477"/>
+            <a:off x="7534774" y="829698"/>
             <a:ext cx="3364386" cy="1144765"/>
           </a:xfrm>
           <a:prstGeom prst="rect">
@@ -9305,7 +9947,7 @@
         </p:blipFill>
         <p:spPr bwMode="auto">
           <a:xfrm>
-            <a:off x="8489021" y="1008567"/>
+            <a:off x="1193619" y="1168856"/>
             <a:ext cx="2019300" cy="2266950"/>
           </a:xfrm>
           <a:prstGeom prst="rect">
@@ -9337,7 +9979,7 @@
         </p:nvSpPr>
         <p:spPr>
           <a:xfrm>
-            <a:off x="921600" y="2142042"/>
+            <a:off x="7633995" y="2072263"/>
             <a:ext cx="3364386" cy="954107"/>
           </a:xfrm>
           <a:prstGeom prst="rect">
@@ -9372,7 +10014,7 @@
         </p:nvSpPr>
         <p:spPr>
           <a:xfrm>
-            <a:off x="1003067" y="3011203"/>
+            <a:off x="7715462" y="2941424"/>
             <a:ext cx="3003009" cy="1015663"/>
           </a:xfrm>
           <a:prstGeom prst="rect">
@@ -9446,7 +10088,7 @@
         </p:blipFill>
         <p:spPr bwMode="auto">
           <a:xfrm>
-            <a:off x="7227066" y="4798086"/>
+            <a:off x="482061" y="4729752"/>
             <a:ext cx="4543210" cy="1281142"/>
           </a:xfrm>
           <a:prstGeom prst="rect">
@@ -9478,7 +10120,7 @@
         </p:nvSpPr>
         <p:spPr>
           <a:xfrm>
-            <a:off x="741843" y="4789474"/>
+            <a:off x="7407686" y="4826248"/>
             <a:ext cx="3723899" cy="646331"/>
           </a:xfrm>
           <a:prstGeom prst="rect">
@@ -9518,7 +10160,7 @@
         </p:nvSpPr>
         <p:spPr>
           <a:xfrm>
-            <a:off x="741843" y="5333549"/>
+            <a:off x="7407686" y="5370323"/>
             <a:ext cx="3723898" cy="1015663"/>
           </a:xfrm>
           <a:prstGeom prst="rect">
@@ -9617,7 +10259,7 @@
                                     </p:set>
                                     <p:animEffect transition="in" filter="fade">
                                       <p:cBhvr>
-                                        <p:cTn id="7" dur="500"/>
+                                        <p:cTn id="7" dur="250"/>
                                         <p:tgtEl>
                                           <p:spTgt spid="1026"/>
                                         </p:tgtEl>
@@ -9652,7 +10294,7 @@
                                     </p:set>
                                     <p:animEffect transition="in" filter="fade">
                                       <p:cBhvr>
-                                        <p:cTn id="10" dur="500"/>
+                                        <p:cTn id="10" dur="250"/>
                                         <p:tgtEl>
                                           <p:spTgt spid="6"/>
                                         </p:tgtEl>
@@ -9687,7 +10329,7 @@
                                     </p:set>
                                     <p:animEffect transition="in" filter="fade">
                                       <p:cBhvr>
-                                        <p:cTn id="13" dur="500"/>
+                                        <p:cTn id="13" dur="250"/>
                                         <p:tgtEl>
                                           <p:spTgt spid="7"/>
                                         </p:tgtEl>
@@ -9722,7 +10364,7 @@
                                     </p:set>
                                     <p:animEffect transition="in" filter="fade">
                                       <p:cBhvr>
-                                        <p:cTn id="16" dur="500"/>
+                                        <p:cTn id="16" dur="250"/>
                                         <p:tgtEl>
                                           <p:spTgt spid="1030"/>
                                         </p:tgtEl>
@@ -9757,7 +10399,7 @@
                                     </p:set>
                                     <p:animEffect transition="in" filter="fade">
                                       <p:cBhvr>
-                                        <p:cTn id="19" dur="500"/>
+                                        <p:cTn id="19" dur="250"/>
                                         <p:tgtEl>
                                           <p:spTgt spid="1028"/>
                                         </p:tgtEl>
@@ -9792,7 +10434,7 @@
                                     </p:set>
                                     <p:animEffect transition="in" filter="fade">
                                       <p:cBhvr>
-                                        <p:cTn id="22" dur="500"/>
+                                        <p:cTn id="22" dur="250"/>
                                         <p:tgtEl>
                                           <p:spTgt spid="3"/>
                                         </p:tgtEl>
@@ -9827,7 +10469,7 @@
                                     </p:set>
                                     <p:animEffect transition="in" filter="fade">
                                       <p:cBhvr>
-                                        <p:cTn id="25" dur="500"/>
+                                        <p:cTn id="25" dur="250"/>
                                         <p:tgtEl>
                                           <p:spTgt spid="8"/>
                                         </p:tgtEl>
@@ -12749,6 +13391,9 @@
                     <p:cTn id="3" fill="hold">
                       <p:stCondLst>
                         <p:cond delay="indefinite"/>
+                        <p:cond evt="onBegin" delay="0">
+                          <p:tn val="2"/>
+                        </p:cond>
                       </p:stCondLst>
                       <p:childTnLst>
                         <p:par>
@@ -12758,7 +13403,7 @@
                             </p:stCondLst>
                             <p:childTnLst>
                               <p:par>
-                                <p:cTn id="5" presetID="10" presetClass="entr" presetSubtype="0" fill="hold" grpId="0" nodeType="clickEffect">
+                                <p:cTn id="5" presetID="10" presetClass="entr" presetSubtype="0" fill="hold" grpId="0" nodeType="afterEffect">
                                   <p:stCondLst>
                                     <p:cond delay="0"/>
                                   </p:stCondLst>
@@ -19956,382 +20601,402 @@
           </a:p>
         </p:txBody>
       </p:sp>
-    </p:spTree>
-    <p:extLst>
-      <p:ext uri="{BB962C8B-B14F-4D97-AF65-F5344CB8AC3E}">
-        <p14:creationId xmlns:p14="http://schemas.microsoft.com/office/powerpoint/2010/main" val="544127772"/>
-      </p:ext>
-    </p:extLst>
-  </p:cSld>
-  <p:clrMapOvr>
-    <a:masterClrMapping/>
-  </p:clrMapOvr>
-  <p:timing>
-    <p:tnLst>
-      <p:par>
-        <p:cTn id="1" dur="indefinite" restart="never" nodeType="tmRoot">
-          <p:childTnLst>
-            <p:seq concurrent="1" nextAc="seek">
-              <p:cTn id="2" dur="indefinite" nodeType="mainSeq">
-                <p:childTnLst>
-                  <p:par>
-                    <p:cTn id="3" fill="hold">
-                      <p:stCondLst>
-                        <p:cond delay="indefinite"/>
-                      </p:stCondLst>
-                      <p:childTnLst>
-                        <p:par>
-                          <p:cTn id="4" fill="hold">
-                            <p:stCondLst>
-                              <p:cond delay="0"/>
-                            </p:stCondLst>
-                            <p:childTnLst>
-                              <p:par>
-                                <p:cTn id="5" presetID="10" presetClass="entr" presetSubtype="0" fill="hold" grpId="0" nodeType="clickEffect">
-                                  <p:stCondLst>
-                                    <p:cond delay="0"/>
-                                  </p:stCondLst>
-                                  <p:childTnLst>
-                                    <p:set>
-                                      <p:cBhvr>
-                                        <p:cTn id="6" dur="1" fill="hold">
-                                          <p:stCondLst>
-                                            <p:cond delay="0"/>
-                                          </p:stCondLst>
-                                        </p:cTn>
-                                        <p:tgtEl>
-                                          <p:spTgt spid="7">
-                                            <p:txEl>
-                                              <p:pRg st="0" end="0"/>
-                                            </p:txEl>
-                                          </p:spTgt>
-                                        </p:tgtEl>
-                                        <p:attrNameLst>
-                                          <p:attrName>style.visibility</p:attrName>
-                                        </p:attrNameLst>
-                                      </p:cBhvr>
-                                      <p:to>
-                                        <p:strVal val="visible"/>
-                                      </p:to>
-                                    </p:set>
-                                    <p:animEffect transition="in" filter="fade">
-                                      <p:cBhvr>
-                                        <p:cTn id="7" dur="500"/>
-                                        <p:tgtEl>
-                                          <p:spTgt spid="7">
-                                            <p:txEl>
-                                              <p:pRg st="0" end="0"/>
-                                            </p:txEl>
-                                          </p:spTgt>
-                                        </p:tgtEl>
-                                      </p:cBhvr>
-                                    </p:animEffect>
-                                  </p:childTnLst>
-                                </p:cTn>
-                              </p:par>
-                            </p:childTnLst>
-                          </p:cTn>
-                        </p:par>
-                        <p:par>
-                          <p:cTn id="8" fill="hold">
-                            <p:stCondLst>
-                              <p:cond delay="500"/>
-                            </p:stCondLst>
-                            <p:childTnLst>
-                              <p:par>
-                                <p:cTn id="9" presetID="10" presetClass="entr" presetSubtype="0" fill="hold" nodeType="afterEffect">
-                                  <p:stCondLst>
-                                    <p:cond delay="0"/>
-                                  </p:stCondLst>
-                                  <p:childTnLst>
-                                    <p:set>
-                                      <p:cBhvr>
-                                        <p:cTn id="10" dur="1" fill="hold">
-                                          <p:stCondLst>
-                                            <p:cond delay="0"/>
-                                          </p:stCondLst>
-                                        </p:cTn>
-                                        <p:tgtEl>
-                                          <p:spTgt spid="6"/>
-                                        </p:tgtEl>
-                                        <p:attrNameLst>
-                                          <p:attrName>style.visibility</p:attrName>
-                                        </p:attrNameLst>
-                                      </p:cBhvr>
-                                      <p:to>
-                                        <p:strVal val="visible"/>
-                                      </p:to>
-                                    </p:set>
-                                    <p:animEffect transition="in" filter="fade">
-                                      <p:cBhvr>
-                                        <p:cTn id="11" dur="500"/>
-                                        <p:tgtEl>
-                                          <p:spTgt spid="6"/>
-                                        </p:tgtEl>
-                                      </p:cBhvr>
-                                    </p:animEffect>
-                                  </p:childTnLst>
-                                </p:cTn>
-                              </p:par>
-                            </p:childTnLst>
-                          </p:cTn>
-                        </p:par>
-                      </p:childTnLst>
-                    </p:cTn>
-                  </p:par>
-                </p:childTnLst>
-              </p:cTn>
-              <p:prevCondLst>
-                <p:cond evt="onPrev" delay="0">
-                  <p:tgtEl>
-                    <p:sldTgt/>
-                  </p:tgtEl>
-                </p:cond>
-              </p:prevCondLst>
-              <p:nextCondLst>
-                <p:cond evt="onNext" delay="0">
-                  <p:tgtEl>
-                    <p:sldTgt/>
-                  </p:tgtEl>
-                </p:cond>
-              </p:nextCondLst>
-            </p:seq>
-          </p:childTnLst>
-        </p:cTn>
-      </p:par>
-    </p:tnLst>
-    <p:bldLst>
-      <p:bldP spid="7" grpId="0" build="p"/>
-    </p:bldLst>
-  </p:timing>
-</p:sld>
-</file>
-
-<file path=ppt/slides/slide7.xml><?xml version="1.0" encoding="utf-8"?>
-<p:sld xmlns:a="http://schemas.openxmlformats.org/drawingml/2006/main" xmlns:r="http://schemas.openxmlformats.org/officeDocument/2006/relationships" xmlns:p="http://schemas.openxmlformats.org/presentationml/2006/main">
-  <p:cSld>
-    <p:spTree>
-      <p:nvGrpSpPr>
-        <p:cNvPr id="1" name="">
-          <a:extLst>
-            <a:ext uri="{FF2B5EF4-FFF2-40B4-BE49-F238E27FC236}">
-              <a16:creationId xmlns:a16="http://schemas.microsoft.com/office/drawing/2014/main" id="{E9F59F23-D5EF-BA7C-B983-980791C04A26}"/>
-            </a:ext>
-          </a:extLst>
-        </p:cNvPr>
-        <p:cNvGrpSpPr/>
-        <p:nvPr/>
-      </p:nvGrpSpPr>
-      <p:grpSpPr>
-        <a:xfrm>
-          <a:off x="0" y="0"/>
-          <a:ext cx="0" cy="0"/>
-          <a:chOff x="0" y="0"/>
-          <a:chExt cx="0" cy="0"/>
-        </a:xfrm>
-      </p:grpSpPr>
+      <p:cxnSp>
+        <p:nvCxnSpPr>
+          <p:cNvPr id="3" name="Straight Connector 2">
+            <a:extLst>
+              <a:ext uri="{FF2B5EF4-FFF2-40B4-BE49-F238E27FC236}">
+                <a16:creationId xmlns:a16="http://schemas.microsoft.com/office/drawing/2014/main" id="{18B36221-DE75-620C-E5FA-9A9580809383}"/>
+              </a:ext>
+            </a:extLst>
+          </p:cNvPr>
+          <p:cNvCxnSpPr>
+            <a:cxnSpLocks/>
+          </p:cNvCxnSpPr>
+          <p:nvPr/>
+        </p:nvCxnSpPr>
+        <p:spPr>
+          <a:xfrm>
+            <a:off x="3227777" y="4014449"/>
+            <a:ext cx="2326079" cy="0"/>
+          </a:xfrm>
+          <a:prstGeom prst="line">
+            <a:avLst/>
+          </a:prstGeom>
+          <a:ln w="28575">
+            <a:solidFill>
+              <a:schemeClr val="bg1"/>
+            </a:solidFill>
+          </a:ln>
+        </p:spPr>
+        <p:style>
+          <a:lnRef idx="1">
+            <a:schemeClr val="accent1"/>
+          </a:lnRef>
+          <a:fillRef idx="0">
+            <a:schemeClr val="accent1"/>
+          </a:fillRef>
+          <a:effectRef idx="0">
+            <a:schemeClr val="accent1"/>
+          </a:effectRef>
+          <a:fontRef idx="minor">
+            <a:schemeClr val="tx1"/>
+          </a:fontRef>
+        </p:style>
+      </p:cxnSp>
       <p:sp>
         <p:nvSpPr>
-          <p:cNvPr id="2" name="Title 1">
-            <a:extLst>
-              <a:ext uri="{FF2B5EF4-FFF2-40B4-BE49-F238E27FC236}">
-                <a16:creationId xmlns:a16="http://schemas.microsoft.com/office/drawing/2014/main" id="{B38D284C-6F9F-AEF6-E0D6-91078EA75C45}"/>
-              </a:ext>
-            </a:extLst>
-          </p:cNvPr>
-          <p:cNvSpPr>
-            <a:spLocks noGrp="1"/>
-          </p:cNvSpPr>
-          <p:nvPr>
-            <p:ph type="title"/>
-          </p:nvPr>
-        </p:nvSpPr>
-        <p:spPr>
-          <a:xfrm>
-            <a:off x="673250" y="132203"/>
-            <a:ext cx="6553816" cy="771181"/>
-          </a:xfrm>
-        </p:spPr>
-        <p:txBody>
-          <a:bodyPr/>
-          <a:lstStyle/>
-          <a:p>
-            <a:r>
-              <a:rPr lang="en-US" dirty="0"/>
-              <a:t>data flow (per time-step)</a:t>
-            </a:r>
-          </a:p>
-        </p:txBody>
-      </p:sp>
-      <p:pic>
-        <p:nvPicPr>
-          <p:cNvPr id="8" name="Picture 7">
-            <a:extLst>
-              <a:ext uri="{FF2B5EF4-FFF2-40B4-BE49-F238E27FC236}">
-                <a16:creationId xmlns:a16="http://schemas.microsoft.com/office/drawing/2014/main" id="{F99B92B2-6E23-F07A-AAC6-5FD08A79E1E3}"/>
-              </a:ext>
-            </a:extLst>
-          </p:cNvPr>
-          <p:cNvPicPr>
-            <a:picLocks noChangeAspect="1"/>
-          </p:cNvPicPr>
-          <p:nvPr/>
-        </p:nvPicPr>
-        <p:blipFill>
-          <a:blip r:embed="rId3"/>
-          <a:stretch>
-            <a:fillRect/>
-          </a:stretch>
-        </p:blipFill>
-        <p:spPr>
-          <a:xfrm>
-            <a:off x="777866" y="1229357"/>
-            <a:ext cx="4343623" cy="304816"/>
-          </a:xfrm>
-          <a:prstGeom prst="rect">
-            <a:avLst/>
-          </a:prstGeom>
-        </p:spPr>
-      </p:pic>
-      <p:pic>
-        <p:nvPicPr>
-          <p:cNvPr id="10" name="Picture 9">
-            <a:extLst>
-              <a:ext uri="{FF2B5EF4-FFF2-40B4-BE49-F238E27FC236}">
-                <a16:creationId xmlns:a16="http://schemas.microsoft.com/office/drawing/2014/main" id="{D26CD065-BD63-825B-0A25-1DEC20B7C59C}"/>
-              </a:ext>
-            </a:extLst>
-          </p:cNvPr>
-          <p:cNvPicPr>
-            <a:picLocks noChangeAspect="1"/>
-          </p:cNvPicPr>
-          <p:nvPr/>
-        </p:nvPicPr>
-        <p:blipFill>
-          <a:blip r:embed="rId4"/>
-          <a:stretch>
-            <a:fillRect/>
-          </a:stretch>
-        </p:blipFill>
-        <p:spPr>
-          <a:xfrm>
-            <a:off x="4573118" y="1860146"/>
-            <a:ext cx="7391780" cy="3988005"/>
-          </a:xfrm>
-          <a:prstGeom prst="rect">
-            <a:avLst/>
-          </a:prstGeom>
-        </p:spPr>
-      </p:pic>
-      <p:sp>
-        <p:nvSpPr>
-          <p:cNvPr id="17" name="TextBox 16">
-            <a:extLst>
-              <a:ext uri="{FF2B5EF4-FFF2-40B4-BE49-F238E27FC236}">
-                <a16:creationId xmlns:a16="http://schemas.microsoft.com/office/drawing/2014/main" id="{B47223D8-C55C-DCF2-110E-C066572C250A}"/>
-              </a:ext>
-            </a:extLst>
-          </p:cNvPr>
-          <p:cNvSpPr txBox="1"/>
+          <p:cNvPr id="5" name="Arrow: Right 4">
+            <a:extLst>
+              <a:ext uri="{FF2B5EF4-FFF2-40B4-BE49-F238E27FC236}">
+                <a16:creationId xmlns:a16="http://schemas.microsoft.com/office/drawing/2014/main" id="{E0331C7D-BCF7-48EB-D6E9-36FB78C64AE5}"/>
+              </a:ext>
+            </a:extLst>
+          </p:cNvPr>
+          <p:cNvSpPr/>
           <p:nvPr/>
         </p:nvSpPr>
         <p:spPr>
           <a:xfrm>
-            <a:off x="673250" y="1860146"/>
-            <a:ext cx="3431459" cy="523220"/>
+            <a:off x="2118103" y="3873529"/>
+            <a:ext cx="409575" cy="271145"/>
           </a:xfrm>
-          <a:prstGeom prst="rect">
+          <a:prstGeom prst="rightArrow">
             <a:avLst/>
           </a:prstGeom>
-          <a:noFill/>
+          <a:solidFill>
+            <a:schemeClr val="tx1"/>
+          </a:solidFill>
+          <a:ln w="12700" cap="flat" cmpd="sng" algn="ctr">
+            <a:noFill/>
+            <a:prstDash val="solid"/>
+            <a:miter lim="800000"/>
+          </a:ln>
+          <a:effectLst/>
         </p:spPr>
+        <p:style>
+          <a:lnRef idx="2">
+            <a:schemeClr val="accent1">
+              <a:shade val="50000"/>
+            </a:schemeClr>
+          </a:lnRef>
+          <a:fillRef idx="1">
+            <a:schemeClr val="accent1"/>
+          </a:fillRef>
+          <a:effectRef idx="0">
+            <a:schemeClr val="accent1"/>
+          </a:effectRef>
+          <a:fontRef idx="minor">
+            <a:schemeClr val="lt1"/>
+          </a:fontRef>
+        </p:style>
         <p:txBody>
-          <a:bodyPr wrap="square">
-            <a:spAutoFit/>
-          </a:bodyPr>
+          <a:bodyPr rtlCol="0" anchor="ctr"/>
           <a:lstStyle/>
           <a:p>
-            <a:r>
-              <a:rPr lang="en-US" sz="2800" dirty="0"/>
-              <a:t>1. Build Quadtree</a:t>
-            </a:r>
+            <a:pPr algn="ctr"/>
+            <a:endParaRPr lang="en-US"/>
           </a:p>
         </p:txBody>
       </p:sp>
+      <p:cxnSp>
+        <p:nvCxnSpPr>
+          <p:cNvPr id="8" name="Straight Connector 7">
+            <a:extLst>
+              <a:ext uri="{FF2B5EF4-FFF2-40B4-BE49-F238E27FC236}">
+                <a16:creationId xmlns:a16="http://schemas.microsoft.com/office/drawing/2014/main" id="{2667F115-C85A-160F-B59B-ECBC218E00CA}"/>
+              </a:ext>
+            </a:extLst>
+          </p:cNvPr>
+          <p:cNvCxnSpPr>
+            <a:cxnSpLocks/>
+          </p:cNvCxnSpPr>
+          <p:nvPr/>
+        </p:nvCxnSpPr>
+        <p:spPr>
+          <a:xfrm>
+            <a:off x="3227777" y="4580809"/>
+            <a:ext cx="2603397" cy="0"/>
+          </a:xfrm>
+          <a:prstGeom prst="line">
+            <a:avLst/>
+          </a:prstGeom>
+          <a:ln w="28575">
+            <a:solidFill>
+              <a:schemeClr val="bg1"/>
+            </a:solidFill>
+          </a:ln>
+        </p:spPr>
+        <p:style>
+          <a:lnRef idx="1">
+            <a:schemeClr val="accent1"/>
+          </a:lnRef>
+          <a:fillRef idx="0">
+            <a:schemeClr val="accent1"/>
+          </a:fillRef>
+          <a:effectRef idx="0">
+            <a:schemeClr val="accent1"/>
+          </a:effectRef>
+          <a:fontRef idx="minor">
+            <a:schemeClr val="tx1"/>
+          </a:fontRef>
+        </p:style>
+      </p:cxnSp>
       <p:sp>
         <p:nvSpPr>
-          <p:cNvPr id="18" name="TextBox 17">
-            <a:extLst>
-              <a:ext uri="{FF2B5EF4-FFF2-40B4-BE49-F238E27FC236}">
-                <a16:creationId xmlns:a16="http://schemas.microsoft.com/office/drawing/2014/main" id="{CB5DBE58-E831-6705-AD33-9AF871EA6C61}"/>
-              </a:ext>
-            </a:extLst>
-          </p:cNvPr>
-          <p:cNvSpPr txBox="1"/>
+          <p:cNvPr id="9" name="Arrow: Right 8">
+            <a:extLst>
+              <a:ext uri="{FF2B5EF4-FFF2-40B4-BE49-F238E27FC236}">
+                <a16:creationId xmlns:a16="http://schemas.microsoft.com/office/drawing/2014/main" id="{B96D8460-E03B-7354-0E0D-5065DE53C1C3}"/>
+              </a:ext>
+            </a:extLst>
+          </p:cNvPr>
+          <p:cNvSpPr/>
           <p:nvPr/>
         </p:nvSpPr>
         <p:spPr>
           <a:xfrm>
-            <a:off x="673250" y="3161651"/>
-            <a:ext cx="3431459" cy="954107"/>
+            <a:off x="2118103" y="4475634"/>
+            <a:ext cx="409575" cy="271145"/>
           </a:xfrm>
-          <a:prstGeom prst="rect">
+          <a:prstGeom prst="rightArrow">
             <a:avLst/>
           </a:prstGeom>
-          <a:noFill/>
+          <a:solidFill>
+            <a:schemeClr val="tx1"/>
+          </a:solidFill>
+          <a:ln w="12700" cap="flat" cmpd="sng" algn="ctr">
+            <a:noFill/>
+            <a:prstDash val="solid"/>
+            <a:miter lim="800000"/>
+          </a:ln>
+          <a:effectLst/>
         </p:spPr>
+        <p:style>
+          <a:lnRef idx="2">
+            <a:schemeClr val="accent1">
+              <a:shade val="50000"/>
+            </a:schemeClr>
+          </a:lnRef>
+          <a:fillRef idx="1">
+            <a:schemeClr val="accent1"/>
+          </a:fillRef>
+          <a:effectRef idx="0">
+            <a:schemeClr val="accent1"/>
+          </a:effectRef>
+          <a:fontRef idx="minor">
+            <a:schemeClr val="lt1"/>
+          </a:fontRef>
+        </p:style>
         <p:txBody>
-          <a:bodyPr wrap="square">
-            <a:spAutoFit/>
-          </a:bodyPr>
+          <a:bodyPr rtlCol="0" anchor="ctr"/>
           <a:lstStyle/>
           <a:p>
-            <a:r>
-              <a:rPr lang="en-US" sz="2800" dirty="0"/>
-              <a:t>2. Calculate the forces on the bodies</a:t>
-            </a:r>
+            <a:pPr algn="ctr"/>
+            <a:endParaRPr lang="en-US"/>
           </a:p>
         </p:txBody>
       </p:sp>
+      <p:cxnSp>
+        <p:nvCxnSpPr>
+          <p:cNvPr id="10" name="Straight Connector 9">
+            <a:extLst>
+              <a:ext uri="{FF2B5EF4-FFF2-40B4-BE49-F238E27FC236}">
+                <a16:creationId xmlns:a16="http://schemas.microsoft.com/office/drawing/2014/main" id="{9BA83E15-7DEB-5F3C-E10E-48DDED37527B}"/>
+              </a:ext>
+            </a:extLst>
+          </p:cNvPr>
+          <p:cNvCxnSpPr>
+            <a:cxnSpLocks/>
+          </p:cNvCxnSpPr>
+          <p:nvPr/>
+        </p:nvCxnSpPr>
+        <p:spPr>
+          <a:xfrm>
+            <a:off x="3227777" y="5643381"/>
+            <a:ext cx="1254282" cy="0"/>
+          </a:xfrm>
+          <a:prstGeom prst="line">
+            <a:avLst/>
+          </a:prstGeom>
+          <a:ln w="28575">
+            <a:solidFill>
+              <a:schemeClr val="bg1"/>
+            </a:solidFill>
+          </a:ln>
+        </p:spPr>
+        <p:style>
+          <a:lnRef idx="1">
+            <a:schemeClr val="accent1"/>
+          </a:lnRef>
+          <a:fillRef idx="0">
+            <a:schemeClr val="accent1"/>
+          </a:fillRef>
+          <a:effectRef idx="0">
+            <a:schemeClr val="accent1"/>
+          </a:effectRef>
+          <a:fontRef idx="minor">
+            <a:schemeClr val="tx1"/>
+          </a:fontRef>
+        </p:style>
+      </p:cxnSp>
       <p:sp>
         <p:nvSpPr>
-          <p:cNvPr id="19" name="TextBox 18">
-            <a:extLst>
-              <a:ext uri="{FF2B5EF4-FFF2-40B4-BE49-F238E27FC236}">
-                <a16:creationId xmlns:a16="http://schemas.microsoft.com/office/drawing/2014/main" id="{1F4E5AC4-41B3-E2DB-A8E0-2503FEA0A06D}"/>
-              </a:ext>
-            </a:extLst>
-          </p:cNvPr>
-          <p:cNvSpPr txBox="1"/>
+          <p:cNvPr id="11" name="Arrow: Right 10">
+            <a:extLst>
+              <a:ext uri="{FF2B5EF4-FFF2-40B4-BE49-F238E27FC236}">
+                <a16:creationId xmlns:a16="http://schemas.microsoft.com/office/drawing/2014/main" id="{9010BCD8-42B7-8EE6-D1D0-4E3245D8BD7C}"/>
+              </a:ext>
+            </a:extLst>
+          </p:cNvPr>
+          <p:cNvSpPr/>
           <p:nvPr/>
         </p:nvSpPr>
         <p:spPr>
           <a:xfrm>
-            <a:off x="756825" y="4894044"/>
-            <a:ext cx="3431459" cy="954107"/>
+            <a:off x="2115934" y="5507808"/>
+            <a:ext cx="409575" cy="271145"/>
           </a:xfrm>
-          <a:prstGeom prst="rect">
+          <a:prstGeom prst="rightArrow">
             <a:avLst/>
           </a:prstGeom>
-          <a:noFill/>
+          <a:solidFill>
+            <a:schemeClr val="tx1"/>
+          </a:solidFill>
+          <a:ln w="12700" cap="flat" cmpd="sng" algn="ctr">
+            <a:noFill/>
+            <a:prstDash val="solid"/>
+            <a:miter lim="800000"/>
+          </a:ln>
+          <a:effectLst/>
         </p:spPr>
+        <p:style>
+          <a:lnRef idx="2">
+            <a:schemeClr val="accent1">
+              <a:shade val="50000"/>
+            </a:schemeClr>
+          </a:lnRef>
+          <a:fillRef idx="1">
+            <a:schemeClr val="accent1"/>
+          </a:fillRef>
+          <a:effectRef idx="0">
+            <a:schemeClr val="accent1"/>
+          </a:effectRef>
+          <a:fontRef idx="minor">
+            <a:schemeClr val="lt1"/>
+          </a:fontRef>
+        </p:style>
         <p:txBody>
-          <a:bodyPr wrap="square">
-            <a:spAutoFit/>
-          </a:bodyPr>
+          <a:bodyPr rtlCol="0" anchor="ctr"/>
           <a:lstStyle/>
           <a:p>
-            <a:r>
-              <a:rPr lang="en-US" sz="2800" dirty="0"/>
-              <a:t>3. Update all bodies position and velocity</a:t>
-            </a:r>
+            <a:pPr algn="ctr"/>
+            <a:endParaRPr lang="en-US"/>
+          </a:p>
+        </p:txBody>
+      </p:sp>
+      <p:cxnSp>
+        <p:nvCxnSpPr>
+          <p:cNvPr id="12" name="Straight Connector 11">
+            <a:extLst>
+              <a:ext uri="{FF2B5EF4-FFF2-40B4-BE49-F238E27FC236}">
+                <a16:creationId xmlns:a16="http://schemas.microsoft.com/office/drawing/2014/main" id="{2D3B4E91-6384-8E63-D865-057FF5EE7503}"/>
+              </a:ext>
+            </a:extLst>
+          </p:cNvPr>
+          <p:cNvCxnSpPr>
+            <a:cxnSpLocks/>
+          </p:cNvCxnSpPr>
+          <p:nvPr/>
+        </p:nvCxnSpPr>
+        <p:spPr>
+          <a:xfrm>
+            <a:off x="3227777" y="5133715"/>
+            <a:ext cx="1936334" cy="0"/>
+          </a:xfrm>
+          <a:prstGeom prst="line">
+            <a:avLst/>
+          </a:prstGeom>
+          <a:ln w="28575">
+            <a:solidFill>
+              <a:schemeClr val="bg1"/>
+            </a:solidFill>
+          </a:ln>
+        </p:spPr>
+        <p:style>
+          <a:lnRef idx="1">
+            <a:schemeClr val="accent1"/>
+          </a:lnRef>
+          <a:fillRef idx="0">
+            <a:schemeClr val="accent1"/>
+          </a:fillRef>
+          <a:effectRef idx="0">
+            <a:schemeClr val="accent1"/>
+          </a:effectRef>
+          <a:fontRef idx="minor">
+            <a:schemeClr val="tx1"/>
+          </a:fontRef>
+        </p:style>
+      </p:cxnSp>
+      <p:sp>
+        <p:nvSpPr>
+          <p:cNvPr id="13" name="Arrow: Right 12">
+            <a:extLst>
+              <a:ext uri="{FF2B5EF4-FFF2-40B4-BE49-F238E27FC236}">
+                <a16:creationId xmlns:a16="http://schemas.microsoft.com/office/drawing/2014/main" id="{6F4838B2-E1FB-5489-66A9-89C57CD9FD23}"/>
+              </a:ext>
+            </a:extLst>
+          </p:cNvPr>
+          <p:cNvSpPr/>
+          <p:nvPr/>
+        </p:nvSpPr>
+        <p:spPr>
+          <a:xfrm>
+            <a:off x="2118103" y="4992795"/>
+            <a:ext cx="409575" cy="271145"/>
+          </a:xfrm>
+          <a:prstGeom prst="rightArrow">
+            <a:avLst/>
+          </a:prstGeom>
+          <a:solidFill>
+            <a:schemeClr val="tx1"/>
+          </a:solidFill>
+          <a:ln w="12700" cap="flat" cmpd="sng" algn="ctr">
+            <a:noFill/>
+            <a:prstDash val="solid"/>
+            <a:miter lim="800000"/>
+          </a:ln>
+          <a:effectLst/>
+        </p:spPr>
+        <p:style>
+          <a:lnRef idx="2">
+            <a:schemeClr val="accent1">
+              <a:shade val="50000"/>
+            </a:schemeClr>
+          </a:lnRef>
+          <a:fillRef idx="1">
+            <a:schemeClr val="accent1"/>
+          </a:fillRef>
+          <a:effectRef idx="0">
+            <a:schemeClr val="accent1"/>
+          </a:effectRef>
+          <a:fontRef idx="minor">
+            <a:schemeClr val="lt1"/>
+          </a:fontRef>
+        </p:style>
+        <p:txBody>
+          <a:bodyPr rtlCol="0" anchor="ctr"/>
+          <a:lstStyle/>
+          <a:p>
+            <a:pPr algn="ctr"/>
+            <a:endParaRPr lang="en-US"/>
           </a:p>
         </p:txBody>
       </p:sp>
     </p:spTree>
     <p:extLst>
       <p:ext uri="{BB962C8B-B14F-4D97-AF65-F5344CB8AC3E}">
-        <p14:creationId xmlns:p14="http://schemas.microsoft.com/office/powerpoint/2010/main" val="1615151631"/>
+        <p14:creationId xmlns:p14="http://schemas.microsoft.com/office/powerpoint/2010/main" val="544127772"/>
       </p:ext>
     </p:extLst>
   </p:cSld>
@@ -20375,7 +21040,11 @@
                                           </p:stCondLst>
                                         </p:cTn>
                                         <p:tgtEl>
-                                          <p:spTgt spid="17"/>
+                                          <p:spTgt spid="7">
+                                            <p:txEl>
+                                              <p:pRg st="0" end="0"/>
+                                            </p:txEl>
+                                          </p:spTgt>
                                         </p:tgtEl>
                                         <p:attrNameLst>
                                           <p:attrName>style.visibility</p:attrName>
@@ -20387,9 +21056,48 @@
                                     </p:set>
                                     <p:animEffect transition="in" filter="fade">
                                       <p:cBhvr>
-                                        <p:cTn id="7" dur="500"/>
-                                        <p:tgtEl>
-                                          <p:spTgt spid="17"/>
+                                        <p:cTn id="7" dur="250"/>
+                                        <p:tgtEl>
+                                          <p:spTgt spid="7">
+                                            <p:txEl>
+                                              <p:pRg st="0" end="0"/>
+                                            </p:txEl>
+                                          </p:spTgt>
+                                        </p:tgtEl>
+                                      </p:cBhvr>
+                                    </p:animEffect>
+                                  </p:childTnLst>
+                                </p:cTn>
+                              </p:par>
+                              <p:par>
+                                <p:cTn id="8" presetID="10" presetClass="entr" presetSubtype="0" fill="hold" nodeType="withEffect">
+                                  <p:stCondLst>
+                                    <p:cond delay="0"/>
+                                  </p:stCondLst>
+                                  <p:childTnLst>
+                                    <p:set>
+                                      <p:cBhvr>
+                                        <p:cTn id="9" dur="1" fill="hold">
+                                          <p:stCondLst>
+                                            <p:cond delay="0"/>
+                                          </p:stCondLst>
+                                        </p:cTn>
+                                        <p:tgtEl>
+                                          <p:spTgt spid="6"/>
+                                        </p:tgtEl>
+                                        <p:attrNameLst>
+                                          <p:attrName>style.visibility</p:attrName>
+                                        </p:attrNameLst>
+                                      </p:cBhvr>
+                                      <p:to>
+                                        <p:strVal val="visible"/>
+                                      </p:to>
+                                    </p:set>
+                                    <p:animEffect transition="in" filter="fade">
+                                      <p:cBhvr>
+                                        <p:cTn id="10" dur="250"/>
+                                        <p:tgtEl>
+                                          <p:spTgt spid="6"/>
                                         </p:tgtEl>
                                       </p:cBhvr>
                                     </p:animEffect>
@@ -20399,27 +21107,36 @@
                             </p:childTnLst>
                           </p:cTn>
                         </p:par>
+                      </p:childTnLst>
+                    </p:cTn>
+                  </p:par>
+                  <p:par>
+                    <p:cTn id="11" fill="hold">
+                      <p:stCondLst>
+                        <p:cond delay="indefinite"/>
+                      </p:stCondLst>
+                      <p:childTnLst>
                         <p:par>
-                          <p:cTn id="8" fill="hold">
+                          <p:cTn id="12" fill="hold">
                             <p:stCondLst>
-                              <p:cond delay="500"/>
+                              <p:cond delay="0"/>
                             </p:stCondLst>
                             <p:childTnLst>
                               <p:par>
-                                <p:cTn id="9" presetID="10" presetClass="entr" presetSubtype="0" fill="hold" grpId="0" nodeType="afterEffect">
+                                <p:cTn id="13" presetID="10" presetClass="entr" presetSubtype="0" fill="hold" nodeType="clickEffect">
                                   <p:stCondLst>
                                     <p:cond delay="0"/>
                                   </p:stCondLst>
                                   <p:childTnLst>
                                     <p:set>
                                       <p:cBhvr>
-                                        <p:cTn id="10" dur="1" fill="hold">
+                                        <p:cTn id="14" dur="1" fill="hold">
                                           <p:stCondLst>
                                             <p:cond delay="0"/>
                                           </p:stCondLst>
                                         </p:cTn>
                                         <p:tgtEl>
-                                          <p:spTgt spid="18"/>
+                                          <p:spTgt spid="3"/>
                                         </p:tgtEl>
                                         <p:attrNameLst>
                                           <p:attrName>style.visibility</p:attrName>
@@ -20431,9 +21148,44 @@
                                     </p:set>
                                     <p:animEffect transition="in" filter="fade">
                                       <p:cBhvr>
-                                        <p:cTn id="11" dur="500"/>
-                                        <p:tgtEl>
-                                          <p:spTgt spid="18"/>
+                                        <p:cTn id="15" dur="250"/>
+                                        <p:tgtEl>
+                                          <p:spTgt spid="3"/>
+                                        </p:tgtEl>
+                                      </p:cBhvr>
+                                    </p:animEffect>
+                                  </p:childTnLst>
+                                </p:cTn>
+                              </p:par>
+                              <p:par>
+                                <p:cTn id="16" presetID="10" presetClass="entr" presetSubtype="0" fill="hold" grpId="0" nodeType="withEffect">
+                                  <p:stCondLst>
+                                    <p:cond delay="0"/>
+                                  </p:stCondLst>
+                                  <p:childTnLst>
+                                    <p:set>
+                                      <p:cBhvr>
+                                        <p:cTn id="17" dur="1" fill="hold">
+                                          <p:stCondLst>
+                                            <p:cond delay="0"/>
+                                          </p:stCondLst>
+                                        </p:cTn>
+                                        <p:tgtEl>
+                                          <p:spTgt spid="5"/>
+                                        </p:tgtEl>
+                                        <p:attrNameLst>
+                                          <p:attrName>style.visibility</p:attrName>
+                                        </p:attrNameLst>
+                                      </p:cBhvr>
+                                      <p:to>
+                                        <p:strVal val="visible"/>
+                                      </p:to>
+                                    </p:set>
+                                    <p:animEffect transition="in" filter="fade">
+                                      <p:cBhvr>
+                                        <p:cTn id="18" dur="250"/>
+                                        <p:tgtEl>
+                                          <p:spTgt spid="5"/>
                                         </p:tgtEl>
                                       </p:cBhvr>
                                     </p:animEffect>
@@ -20443,27 +21195,115 @@
                             </p:childTnLst>
                           </p:cTn>
                         </p:par>
+                      </p:childTnLst>
+                    </p:cTn>
+                  </p:par>
+                  <p:par>
+                    <p:cTn id="19" fill="hold">
+                      <p:stCondLst>
+                        <p:cond delay="indefinite"/>
+                      </p:stCondLst>
+                      <p:childTnLst>
                         <p:par>
-                          <p:cTn id="12" fill="hold">
+                          <p:cTn id="20" fill="hold">
                             <p:stCondLst>
-                              <p:cond delay="1000"/>
+                              <p:cond delay="0"/>
                             </p:stCondLst>
                             <p:childTnLst>
                               <p:par>
-                                <p:cTn id="13" presetID="10" presetClass="entr" presetSubtype="0" fill="hold" grpId="0" nodeType="afterEffect">
+                                <p:cTn id="21" presetID="10" presetClass="exit" presetSubtype="0" fill="hold" nodeType="clickEffect">
+                                  <p:stCondLst>
+                                    <p:cond delay="0"/>
+                                  </p:stCondLst>
+                                  <p:childTnLst>
+                                    <p:animEffect transition="out" filter="fade">
+                                      <p:cBhvr>
+                                        <p:cTn id="22" dur="250"/>
+                                        <p:tgtEl>
+                                          <p:spTgt spid="3"/>
+                                        </p:tgtEl>
+                                      </p:cBhvr>
+                                    </p:animEffect>
+                                    <p:set>
+                                      <p:cBhvr>
+                                        <p:cTn id="23" dur="1" fill="hold">
+                                          <p:stCondLst>
+                                            <p:cond delay="249"/>
+                                          </p:stCondLst>
+                                        </p:cTn>
+                                        <p:tgtEl>
+                                          <p:spTgt spid="3"/>
+                                        </p:tgtEl>
+                                        <p:attrNameLst>
+                                          <p:attrName>style.visibility</p:attrName>
+                                        </p:attrNameLst>
+                                      </p:cBhvr>
+                                      <p:to>
+                                        <p:strVal val="hidden"/>
+                                      </p:to>
+                                    </p:set>
+                                  </p:childTnLst>
+                                </p:cTn>
+                              </p:par>
+                              <p:par>
+                                <p:cTn id="24" presetID="10" presetClass="exit" presetSubtype="0" fill="hold" grpId="1" nodeType="withEffect">
+                                  <p:stCondLst>
+                                    <p:cond delay="0"/>
+                                  </p:stCondLst>
+                                  <p:childTnLst>
+                                    <p:animEffect transition="out" filter="fade">
+                                      <p:cBhvr>
+                                        <p:cTn id="25" dur="250"/>
+                                        <p:tgtEl>
+                                          <p:spTgt spid="5"/>
+                                        </p:tgtEl>
+                                      </p:cBhvr>
+                                    </p:animEffect>
+                                    <p:set>
+                                      <p:cBhvr>
+                                        <p:cTn id="26" dur="1" fill="hold">
+                                          <p:stCondLst>
+                                            <p:cond delay="249"/>
+                                          </p:stCondLst>
+                                        </p:cTn>
+                                        <p:tgtEl>
+                                          <p:spTgt spid="5"/>
+                                        </p:tgtEl>
+                                        <p:attrNameLst>
+                                          <p:attrName>style.visibility</p:attrName>
+                                        </p:attrNameLst>
+                                      </p:cBhvr>
+                                      <p:to>
+                                        <p:strVal val="hidden"/>
+                                      </p:to>
+                                    </p:set>
+                                  </p:childTnLst>
+                                </p:cTn>
+                              </p:par>
+                            </p:childTnLst>
+                          </p:cTn>
+                        </p:par>
+                        <p:par>
+                          <p:cTn id="27" fill="hold">
+                            <p:stCondLst>
+                              <p:cond delay="250"/>
+                            </p:stCondLst>
+                            <p:childTnLst>
+                              <p:par>
+                                <p:cTn id="28" presetID="10" presetClass="entr" presetSubtype="0" fill="hold" nodeType="afterEffect">
                                   <p:stCondLst>
                                     <p:cond delay="0"/>
                                   </p:stCondLst>
                                   <p:childTnLst>
                                     <p:set>
                                       <p:cBhvr>
-                                        <p:cTn id="14" dur="1" fill="hold">
+                                        <p:cTn id="29" dur="1" fill="hold">
                                           <p:stCondLst>
                                             <p:cond delay="0"/>
                                           </p:stCondLst>
                                         </p:cTn>
                                         <p:tgtEl>
-                                          <p:spTgt spid="19"/>
+                                          <p:spTgt spid="8"/>
                                         </p:tgtEl>
                                         <p:attrNameLst>
                                           <p:attrName>style.visibility</p:attrName>
@@ -20475,9 +21315,1337 @@
                                     </p:set>
                                     <p:animEffect transition="in" filter="fade">
                                       <p:cBhvr>
-                                        <p:cTn id="15" dur="500"/>
+                                        <p:cTn id="30" dur="250"/>
+                                        <p:tgtEl>
+                                          <p:spTgt spid="8"/>
+                                        </p:tgtEl>
+                                      </p:cBhvr>
+                                    </p:animEffect>
+                                  </p:childTnLst>
+                                </p:cTn>
+                              </p:par>
+                              <p:par>
+                                <p:cTn id="31" presetID="10" presetClass="entr" presetSubtype="0" fill="hold" grpId="0" nodeType="withEffect">
+                                  <p:stCondLst>
+                                    <p:cond delay="0"/>
+                                  </p:stCondLst>
+                                  <p:childTnLst>
+                                    <p:set>
+                                      <p:cBhvr>
+                                        <p:cTn id="32" dur="1" fill="hold">
+                                          <p:stCondLst>
+                                            <p:cond delay="0"/>
+                                          </p:stCondLst>
+                                        </p:cTn>
+                                        <p:tgtEl>
+                                          <p:spTgt spid="9"/>
+                                        </p:tgtEl>
+                                        <p:attrNameLst>
+                                          <p:attrName>style.visibility</p:attrName>
+                                        </p:attrNameLst>
+                                      </p:cBhvr>
+                                      <p:to>
+                                        <p:strVal val="visible"/>
+                                      </p:to>
+                                    </p:set>
+                                    <p:animEffect transition="in" filter="fade">
+                                      <p:cBhvr>
+                                        <p:cTn id="33" dur="250"/>
+                                        <p:tgtEl>
+                                          <p:spTgt spid="9"/>
+                                        </p:tgtEl>
+                                      </p:cBhvr>
+                                    </p:animEffect>
+                                  </p:childTnLst>
+                                </p:cTn>
+                              </p:par>
+                            </p:childTnLst>
+                          </p:cTn>
+                        </p:par>
+                      </p:childTnLst>
+                    </p:cTn>
+                  </p:par>
+                  <p:par>
+                    <p:cTn id="34" fill="hold">
+                      <p:stCondLst>
+                        <p:cond delay="indefinite"/>
+                      </p:stCondLst>
+                      <p:childTnLst>
+                        <p:par>
+                          <p:cTn id="35" fill="hold">
+                            <p:stCondLst>
+                              <p:cond delay="0"/>
+                            </p:stCondLst>
+                            <p:childTnLst>
+                              <p:par>
+                                <p:cTn id="36" presetID="10" presetClass="exit" presetSubtype="0" fill="hold" nodeType="clickEffect">
+                                  <p:stCondLst>
+                                    <p:cond delay="0"/>
+                                  </p:stCondLst>
+                                  <p:childTnLst>
+                                    <p:animEffect transition="out" filter="fade">
+                                      <p:cBhvr>
+                                        <p:cTn id="37" dur="250"/>
+                                        <p:tgtEl>
+                                          <p:spTgt spid="8"/>
+                                        </p:tgtEl>
+                                      </p:cBhvr>
+                                    </p:animEffect>
+                                    <p:set>
+                                      <p:cBhvr>
+                                        <p:cTn id="38" dur="1" fill="hold">
+                                          <p:stCondLst>
+                                            <p:cond delay="249"/>
+                                          </p:stCondLst>
+                                        </p:cTn>
+                                        <p:tgtEl>
+                                          <p:spTgt spid="8"/>
+                                        </p:tgtEl>
+                                        <p:attrNameLst>
+                                          <p:attrName>style.visibility</p:attrName>
+                                        </p:attrNameLst>
+                                      </p:cBhvr>
+                                      <p:to>
+                                        <p:strVal val="hidden"/>
+                                      </p:to>
+                                    </p:set>
+                                  </p:childTnLst>
+                                </p:cTn>
+                              </p:par>
+                              <p:par>
+                                <p:cTn id="39" presetID="10" presetClass="exit" presetSubtype="0" fill="hold" grpId="1" nodeType="withEffect">
+                                  <p:stCondLst>
+                                    <p:cond delay="0"/>
+                                  </p:stCondLst>
+                                  <p:childTnLst>
+                                    <p:animEffect transition="out" filter="fade">
+                                      <p:cBhvr>
+                                        <p:cTn id="40" dur="250"/>
+                                        <p:tgtEl>
+                                          <p:spTgt spid="9"/>
+                                        </p:tgtEl>
+                                      </p:cBhvr>
+                                    </p:animEffect>
+                                    <p:set>
+                                      <p:cBhvr>
+                                        <p:cTn id="41" dur="1" fill="hold">
+                                          <p:stCondLst>
+                                            <p:cond delay="249"/>
+                                          </p:stCondLst>
+                                        </p:cTn>
+                                        <p:tgtEl>
+                                          <p:spTgt spid="9"/>
+                                        </p:tgtEl>
+                                        <p:attrNameLst>
+                                          <p:attrName>style.visibility</p:attrName>
+                                        </p:attrNameLst>
+                                      </p:cBhvr>
+                                      <p:to>
+                                        <p:strVal val="hidden"/>
+                                      </p:to>
+                                    </p:set>
+                                  </p:childTnLst>
+                                </p:cTn>
+                              </p:par>
+                            </p:childTnLst>
+                          </p:cTn>
+                        </p:par>
+                        <p:par>
+                          <p:cTn id="42" fill="hold">
+                            <p:stCondLst>
+                              <p:cond delay="250"/>
+                            </p:stCondLst>
+                            <p:childTnLst>
+                              <p:par>
+                                <p:cTn id="43" presetID="10" presetClass="entr" presetSubtype="0" fill="hold" nodeType="afterEffect">
+                                  <p:stCondLst>
+                                    <p:cond delay="0"/>
+                                  </p:stCondLst>
+                                  <p:childTnLst>
+                                    <p:set>
+                                      <p:cBhvr>
+                                        <p:cTn id="44" dur="1" fill="hold">
+                                          <p:stCondLst>
+                                            <p:cond delay="0"/>
+                                          </p:stCondLst>
+                                        </p:cTn>
+                                        <p:tgtEl>
+                                          <p:spTgt spid="12"/>
+                                        </p:tgtEl>
+                                        <p:attrNameLst>
+                                          <p:attrName>style.visibility</p:attrName>
+                                        </p:attrNameLst>
+                                      </p:cBhvr>
+                                      <p:to>
+                                        <p:strVal val="visible"/>
+                                      </p:to>
+                                    </p:set>
+                                    <p:animEffect transition="in" filter="fade">
+                                      <p:cBhvr>
+                                        <p:cTn id="45" dur="250"/>
+                                        <p:tgtEl>
+                                          <p:spTgt spid="12"/>
+                                        </p:tgtEl>
+                                      </p:cBhvr>
+                                    </p:animEffect>
+                                  </p:childTnLst>
+                                </p:cTn>
+                              </p:par>
+                              <p:par>
+                                <p:cTn id="46" presetID="10" presetClass="entr" presetSubtype="0" fill="hold" grpId="0" nodeType="withEffect">
+                                  <p:stCondLst>
+                                    <p:cond delay="0"/>
+                                  </p:stCondLst>
+                                  <p:childTnLst>
+                                    <p:set>
+                                      <p:cBhvr>
+                                        <p:cTn id="47" dur="1" fill="hold">
+                                          <p:stCondLst>
+                                            <p:cond delay="0"/>
+                                          </p:stCondLst>
+                                        </p:cTn>
+                                        <p:tgtEl>
+                                          <p:spTgt spid="13"/>
+                                        </p:tgtEl>
+                                        <p:attrNameLst>
+                                          <p:attrName>style.visibility</p:attrName>
+                                        </p:attrNameLst>
+                                      </p:cBhvr>
+                                      <p:to>
+                                        <p:strVal val="visible"/>
+                                      </p:to>
+                                    </p:set>
+                                    <p:animEffect transition="in" filter="fade">
+                                      <p:cBhvr>
+                                        <p:cTn id="48" dur="250"/>
+                                        <p:tgtEl>
+                                          <p:spTgt spid="13"/>
+                                        </p:tgtEl>
+                                      </p:cBhvr>
+                                    </p:animEffect>
+                                  </p:childTnLst>
+                                </p:cTn>
+                              </p:par>
+                            </p:childTnLst>
+                          </p:cTn>
+                        </p:par>
+                      </p:childTnLst>
+                    </p:cTn>
+                  </p:par>
+                  <p:par>
+                    <p:cTn id="49" fill="hold">
+                      <p:stCondLst>
+                        <p:cond delay="indefinite"/>
+                      </p:stCondLst>
+                      <p:childTnLst>
+                        <p:par>
+                          <p:cTn id="50" fill="hold">
+                            <p:stCondLst>
+                              <p:cond delay="0"/>
+                            </p:stCondLst>
+                            <p:childTnLst>
+                              <p:par>
+                                <p:cTn id="51" presetID="10" presetClass="exit" presetSubtype="0" fill="hold" nodeType="clickEffect">
+                                  <p:stCondLst>
+                                    <p:cond delay="0"/>
+                                  </p:stCondLst>
+                                  <p:childTnLst>
+                                    <p:animEffect transition="out" filter="fade">
+                                      <p:cBhvr>
+                                        <p:cTn id="52" dur="250"/>
+                                        <p:tgtEl>
+                                          <p:spTgt spid="12"/>
+                                        </p:tgtEl>
+                                      </p:cBhvr>
+                                    </p:animEffect>
+                                    <p:set>
+                                      <p:cBhvr>
+                                        <p:cTn id="53" dur="1" fill="hold">
+                                          <p:stCondLst>
+                                            <p:cond delay="249"/>
+                                          </p:stCondLst>
+                                        </p:cTn>
+                                        <p:tgtEl>
+                                          <p:spTgt spid="12"/>
+                                        </p:tgtEl>
+                                        <p:attrNameLst>
+                                          <p:attrName>style.visibility</p:attrName>
+                                        </p:attrNameLst>
+                                      </p:cBhvr>
+                                      <p:to>
+                                        <p:strVal val="hidden"/>
+                                      </p:to>
+                                    </p:set>
+                                  </p:childTnLst>
+                                </p:cTn>
+                              </p:par>
+                              <p:par>
+                                <p:cTn id="54" presetID="10" presetClass="exit" presetSubtype="0" fill="hold" grpId="1" nodeType="withEffect">
+                                  <p:stCondLst>
+                                    <p:cond delay="0"/>
+                                  </p:stCondLst>
+                                  <p:childTnLst>
+                                    <p:animEffect transition="out" filter="fade">
+                                      <p:cBhvr>
+                                        <p:cTn id="55" dur="250"/>
+                                        <p:tgtEl>
+                                          <p:spTgt spid="13"/>
+                                        </p:tgtEl>
+                                      </p:cBhvr>
+                                    </p:animEffect>
+                                    <p:set>
+                                      <p:cBhvr>
+                                        <p:cTn id="56" dur="1" fill="hold">
+                                          <p:stCondLst>
+                                            <p:cond delay="249"/>
+                                          </p:stCondLst>
+                                        </p:cTn>
+                                        <p:tgtEl>
+                                          <p:spTgt spid="13"/>
+                                        </p:tgtEl>
+                                        <p:attrNameLst>
+                                          <p:attrName>style.visibility</p:attrName>
+                                        </p:attrNameLst>
+                                      </p:cBhvr>
+                                      <p:to>
+                                        <p:strVal val="hidden"/>
+                                      </p:to>
+                                    </p:set>
+                                  </p:childTnLst>
+                                </p:cTn>
+                              </p:par>
+                            </p:childTnLst>
+                          </p:cTn>
+                        </p:par>
+                        <p:par>
+                          <p:cTn id="57" fill="hold">
+                            <p:stCondLst>
+                              <p:cond delay="250"/>
+                            </p:stCondLst>
+                            <p:childTnLst>
+                              <p:par>
+                                <p:cTn id="58" presetID="10" presetClass="entr" presetSubtype="0" fill="hold" nodeType="afterEffect">
+                                  <p:stCondLst>
+                                    <p:cond delay="0"/>
+                                  </p:stCondLst>
+                                  <p:childTnLst>
+                                    <p:set>
+                                      <p:cBhvr>
+                                        <p:cTn id="59" dur="1" fill="hold">
+                                          <p:stCondLst>
+                                            <p:cond delay="0"/>
+                                          </p:stCondLst>
+                                        </p:cTn>
+                                        <p:tgtEl>
+                                          <p:spTgt spid="10"/>
+                                        </p:tgtEl>
+                                        <p:attrNameLst>
+                                          <p:attrName>style.visibility</p:attrName>
+                                        </p:attrNameLst>
+                                      </p:cBhvr>
+                                      <p:to>
+                                        <p:strVal val="visible"/>
+                                      </p:to>
+                                    </p:set>
+                                    <p:animEffect transition="in" filter="fade">
+                                      <p:cBhvr>
+                                        <p:cTn id="60" dur="250"/>
+                                        <p:tgtEl>
+                                          <p:spTgt spid="10"/>
+                                        </p:tgtEl>
+                                      </p:cBhvr>
+                                    </p:animEffect>
+                                  </p:childTnLst>
+                                </p:cTn>
+                              </p:par>
+                              <p:par>
+                                <p:cTn id="61" presetID="10" presetClass="entr" presetSubtype="0" fill="hold" grpId="0" nodeType="withEffect">
+                                  <p:stCondLst>
+                                    <p:cond delay="0"/>
+                                  </p:stCondLst>
+                                  <p:childTnLst>
+                                    <p:set>
+                                      <p:cBhvr>
+                                        <p:cTn id="62" dur="1" fill="hold">
+                                          <p:stCondLst>
+                                            <p:cond delay="0"/>
+                                          </p:stCondLst>
+                                        </p:cTn>
+                                        <p:tgtEl>
+                                          <p:spTgt spid="11"/>
+                                        </p:tgtEl>
+                                        <p:attrNameLst>
+                                          <p:attrName>style.visibility</p:attrName>
+                                        </p:attrNameLst>
+                                      </p:cBhvr>
+                                      <p:to>
+                                        <p:strVal val="visible"/>
+                                      </p:to>
+                                    </p:set>
+                                    <p:animEffect transition="in" filter="fade">
+                                      <p:cBhvr>
+                                        <p:cTn id="63" dur="250"/>
+                                        <p:tgtEl>
+                                          <p:spTgt spid="11"/>
+                                        </p:tgtEl>
+                                      </p:cBhvr>
+                                    </p:animEffect>
+                                  </p:childTnLst>
+                                </p:cTn>
+                              </p:par>
+                            </p:childTnLst>
+                          </p:cTn>
+                        </p:par>
+                      </p:childTnLst>
+                    </p:cTn>
+                  </p:par>
+                </p:childTnLst>
+              </p:cTn>
+              <p:prevCondLst>
+                <p:cond evt="onPrev" delay="0">
+                  <p:tgtEl>
+                    <p:sldTgt/>
+                  </p:tgtEl>
+                </p:cond>
+              </p:prevCondLst>
+              <p:nextCondLst>
+                <p:cond evt="onNext" delay="0">
+                  <p:tgtEl>
+                    <p:sldTgt/>
+                  </p:tgtEl>
+                </p:cond>
+              </p:nextCondLst>
+            </p:seq>
+          </p:childTnLst>
+        </p:cTn>
+      </p:par>
+    </p:tnLst>
+    <p:bldLst>
+      <p:bldP spid="7" grpId="0" build="p"/>
+      <p:bldP spid="5" grpId="0" animBg="1"/>
+      <p:bldP spid="5" grpId="1" animBg="1"/>
+      <p:bldP spid="9" grpId="0" animBg="1"/>
+      <p:bldP spid="9" grpId="1" animBg="1"/>
+      <p:bldP spid="11" grpId="0" animBg="1"/>
+      <p:bldP spid="13" grpId="0" animBg="1"/>
+      <p:bldP spid="13" grpId="1" animBg="1"/>
+    </p:bldLst>
+  </p:timing>
+</p:sld>
+</file>
+
+<file path=ppt/slides/slide7.xml><?xml version="1.0" encoding="utf-8"?>
+<p:sld xmlns:a="http://schemas.openxmlformats.org/drawingml/2006/main" xmlns:r="http://schemas.openxmlformats.org/officeDocument/2006/relationships" xmlns:p="http://schemas.openxmlformats.org/presentationml/2006/main">
+  <p:cSld>
+    <p:spTree>
+      <p:nvGrpSpPr>
+        <p:cNvPr id="1" name="">
+          <a:extLst>
+            <a:ext uri="{FF2B5EF4-FFF2-40B4-BE49-F238E27FC236}">
+              <a16:creationId xmlns:a16="http://schemas.microsoft.com/office/drawing/2014/main" id="{E9F59F23-D5EF-BA7C-B983-980791C04A26}"/>
+            </a:ext>
+          </a:extLst>
+        </p:cNvPr>
+        <p:cNvGrpSpPr/>
+        <p:nvPr/>
+      </p:nvGrpSpPr>
+      <p:grpSpPr>
+        <a:xfrm>
+          <a:off x="0" y="0"/>
+          <a:ext cx="0" cy="0"/>
+          <a:chOff x="0" y="0"/>
+          <a:chExt cx="0" cy="0"/>
+        </a:xfrm>
+      </p:grpSpPr>
+      <p:sp>
+        <p:nvSpPr>
+          <p:cNvPr id="2" name="Title 1">
+            <a:extLst>
+              <a:ext uri="{FF2B5EF4-FFF2-40B4-BE49-F238E27FC236}">
+                <a16:creationId xmlns:a16="http://schemas.microsoft.com/office/drawing/2014/main" id="{B38D284C-6F9F-AEF6-E0D6-91078EA75C45}"/>
+              </a:ext>
+            </a:extLst>
+          </p:cNvPr>
+          <p:cNvSpPr>
+            <a:spLocks noGrp="1"/>
+          </p:cNvSpPr>
+          <p:nvPr>
+            <p:ph type="title"/>
+          </p:nvPr>
+        </p:nvSpPr>
+        <p:spPr>
+          <a:xfrm>
+            <a:off x="673250" y="132203"/>
+            <a:ext cx="6553816" cy="771181"/>
+          </a:xfrm>
+        </p:spPr>
+        <p:txBody>
+          <a:bodyPr/>
+          <a:lstStyle/>
+          <a:p>
+            <a:r>
+              <a:rPr lang="en-US" dirty="0" err="1"/>
+              <a:t>Simulation.update</a:t>
+            </a:r>
+            <a:r>
+              <a:rPr lang="en-US" dirty="0"/>
+              <a:t>()</a:t>
+            </a:r>
+          </a:p>
+        </p:txBody>
+      </p:sp>
+      <p:pic>
+        <p:nvPicPr>
+          <p:cNvPr id="8" name="Picture 7">
+            <a:extLst>
+              <a:ext uri="{FF2B5EF4-FFF2-40B4-BE49-F238E27FC236}">
+                <a16:creationId xmlns:a16="http://schemas.microsoft.com/office/drawing/2014/main" id="{F99B92B2-6E23-F07A-AAC6-5FD08A79E1E3}"/>
+              </a:ext>
+            </a:extLst>
+          </p:cNvPr>
+          <p:cNvPicPr>
+            <a:picLocks noChangeAspect="1"/>
+          </p:cNvPicPr>
+          <p:nvPr/>
+        </p:nvPicPr>
+        <p:blipFill>
+          <a:blip r:embed="rId3"/>
+          <a:stretch>
+            <a:fillRect/>
+          </a:stretch>
+        </p:blipFill>
+        <p:spPr>
+          <a:xfrm>
+            <a:off x="777866" y="1229357"/>
+            <a:ext cx="4343623" cy="304816"/>
+          </a:xfrm>
+          <a:prstGeom prst="rect">
+            <a:avLst/>
+          </a:prstGeom>
+        </p:spPr>
+      </p:pic>
+      <p:pic>
+        <p:nvPicPr>
+          <p:cNvPr id="10" name="Picture 9">
+            <a:extLst>
+              <a:ext uri="{FF2B5EF4-FFF2-40B4-BE49-F238E27FC236}">
+                <a16:creationId xmlns:a16="http://schemas.microsoft.com/office/drawing/2014/main" id="{D26CD065-BD63-825B-0A25-1DEC20B7C59C}"/>
+              </a:ext>
+            </a:extLst>
+          </p:cNvPr>
+          <p:cNvPicPr>
+            <a:picLocks noChangeAspect="1"/>
+          </p:cNvPicPr>
+          <p:nvPr/>
+        </p:nvPicPr>
+        <p:blipFill>
+          <a:blip r:embed="rId4"/>
+          <a:stretch>
+            <a:fillRect/>
+          </a:stretch>
+        </p:blipFill>
+        <p:spPr>
+          <a:xfrm>
+            <a:off x="4573118" y="1860146"/>
+            <a:ext cx="7391780" cy="3988005"/>
+          </a:xfrm>
+          <a:prstGeom prst="rect">
+            <a:avLst/>
+          </a:prstGeom>
+        </p:spPr>
+      </p:pic>
+      <p:sp>
+        <p:nvSpPr>
+          <p:cNvPr id="17" name="TextBox 16">
+            <a:extLst>
+              <a:ext uri="{FF2B5EF4-FFF2-40B4-BE49-F238E27FC236}">
+                <a16:creationId xmlns:a16="http://schemas.microsoft.com/office/drawing/2014/main" id="{B47223D8-C55C-DCF2-110E-C066572C250A}"/>
+              </a:ext>
+            </a:extLst>
+          </p:cNvPr>
+          <p:cNvSpPr txBox="1"/>
+          <p:nvPr/>
+        </p:nvSpPr>
+        <p:spPr>
+          <a:xfrm>
+            <a:off x="601562" y="2724680"/>
+            <a:ext cx="2669040" cy="461665"/>
+          </a:xfrm>
+          <a:prstGeom prst="rect">
+            <a:avLst/>
+          </a:prstGeom>
+          <a:noFill/>
+        </p:spPr>
+        <p:txBody>
+          <a:bodyPr wrap="square">
+            <a:spAutoFit/>
+          </a:bodyPr>
+          <a:lstStyle/>
+          <a:p>
+            <a:r>
+              <a:rPr lang="en-US" sz="2400" b="1" dirty="0"/>
+              <a:t>1. Build Quadtree</a:t>
+            </a:r>
+          </a:p>
+        </p:txBody>
+      </p:sp>
+      <p:sp>
+        <p:nvSpPr>
+          <p:cNvPr id="18" name="TextBox 17">
+            <a:extLst>
+              <a:ext uri="{FF2B5EF4-FFF2-40B4-BE49-F238E27FC236}">
+                <a16:creationId xmlns:a16="http://schemas.microsoft.com/office/drawing/2014/main" id="{CB5DBE58-E831-6705-AD33-9AF871EA6C61}"/>
+              </a:ext>
+            </a:extLst>
+          </p:cNvPr>
+          <p:cNvSpPr txBox="1"/>
+          <p:nvPr/>
+        </p:nvSpPr>
+        <p:spPr>
+          <a:xfrm>
+            <a:off x="615860" y="3954053"/>
+            <a:ext cx="3431459" cy="830997"/>
+          </a:xfrm>
+          <a:prstGeom prst="rect">
+            <a:avLst/>
+          </a:prstGeom>
+          <a:noFill/>
+        </p:spPr>
+        <p:txBody>
+          <a:bodyPr wrap="square">
+            <a:spAutoFit/>
+          </a:bodyPr>
+          <a:lstStyle/>
+          <a:p>
+            <a:r>
+              <a:rPr lang="en-US" sz="2400" b="1" dirty="0"/>
+              <a:t>2. Calculate the forces  on the bodies</a:t>
+            </a:r>
+          </a:p>
+        </p:txBody>
+      </p:sp>
+      <p:sp>
+        <p:nvSpPr>
+          <p:cNvPr id="19" name="TextBox 18">
+            <a:extLst>
+              <a:ext uri="{FF2B5EF4-FFF2-40B4-BE49-F238E27FC236}">
+                <a16:creationId xmlns:a16="http://schemas.microsoft.com/office/drawing/2014/main" id="{1F4E5AC4-41B3-E2DB-A8E0-2503FEA0A06D}"/>
+              </a:ext>
+            </a:extLst>
+          </p:cNvPr>
+          <p:cNvSpPr txBox="1"/>
+          <p:nvPr/>
+        </p:nvSpPr>
+        <p:spPr>
+          <a:xfrm>
+            <a:off x="601562" y="4847596"/>
+            <a:ext cx="3431459" cy="830997"/>
+          </a:xfrm>
+          <a:prstGeom prst="rect">
+            <a:avLst/>
+          </a:prstGeom>
+          <a:noFill/>
+        </p:spPr>
+        <p:txBody>
+          <a:bodyPr wrap="square">
+            <a:spAutoFit/>
+          </a:bodyPr>
+          <a:lstStyle/>
+          <a:p>
+            <a:r>
+              <a:rPr lang="en-US" sz="2400" b="1" dirty="0"/>
+              <a:t>3. Update all bodies position and velocity</a:t>
+            </a:r>
+          </a:p>
+        </p:txBody>
+      </p:sp>
+      <p:sp>
+        <p:nvSpPr>
+          <p:cNvPr id="3" name="Left Brace 2">
+            <a:extLst>
+              <a:ext uri="{FF2B5EF4-FFF2-40B4-BE49-F238E27FC236}">
+                <a16:creationId xmlns:a16="http://schemas.microsoft.com/office/drawing/2014/main" id="{4313F8EE-B2B5-2C3E-5B4D-AB5DF33D5256}"/>
+              </a:ext>
+            </a:extLst>
+          </p:cNvPr>
+          <p:cNvSpPr/>
+          <p:nvPr/>
+        </p:nvSpPr>
+        <p:spPr>
+          <a:xfrm>
+            <a:off x="3615783" y="2060028"/>
+            <a:ext cx="873760" cy="1797269"/>
+          </a:xfrm>
+          <a:prstGeom prst="leftBrace">
+            <a:avLst/>
+          </a:prstGeom>
+          <a:ln w="38100">
+            <a:solidFill>
+              <a:schemeClr val="tx1"/>
+            </a:solidFill>
+          </a:ln>
+        </p:spPr>
+        <p:style>
+          <a:lnRef idx="1">
+            <a:schemeClr val="accent1"/>
+          </a:lnRef>
+          <a:fillRef idx="0">
+            <a:schemeClr val="accent1"/>
+          </a:fillRef>
+          <a:effectRef idx="0">
+            <a:schemeClr val="accent1"/>
+          </a:effectRef>
+          <a:fontRef idx="minor">
+            <a:schemeClr val="tx1"/>
+          </a:fontRef>
+        </p:style>
+        <p:txBody>
+          <a:bodyPr rtlCol="0" anchor="ctr"/>
+          <a:lstStyle/>
+          <a:p>
+            <a:pPr algn="ctr"/>
+            <a:endParaRPr lang="en-US" dirty="0"/>
+          </a:p>
+        </p:txBody>
+      </p:sp>
+      <p:sp>
+        <p:nvSpPr>
+          <p:cNvPr id="5" name="Left Brace 4">
+            <a:extLst>
+              <a:ext uri="{FF2B5EF4-FFF2-40B4-BE49-F238E27FC236}">
+                <a16:creationId xmlns:a16="http://schemas.microsoft.com/office/drawing/2014/main" id="{C3A56E5F-BCFC-9CA1-F495-1FDFDEF96755}"/>
+              </a:ext>
+            </a:extLst>
+          </p:cNvPr>
+          <p:cNvSpPr/>
+          <p:nvPr/>
+        </p:nvSpPr>
+        <p:spPr>
+          <a:xfrm>
+            <a:off x="3610439" y="4102617"/>
+            <a:ext cx="873760" cy="665022"/>
+          </a:xfrm>
+          <a:prstGeom prst="leftBrace">
+            <a:avLst/>
+          </a:prstGeom>
+          <a:ln w="38100">
+            <a:solidFill>
+              <a:schemeClr val="tx1"/>
+            </a:solidFill>
+          </a:ln>
+        </p:spPr>
+        <p:style>
+          <a:lnRef idx="1">
+            <a:schemeClr val="accent1"/>
+          </a:lnRef>
+          <a:fillRef idx="0">
+            <a:schemeClr val="accent1"/>
+          </a:fillRef>
+          <a:effectRef idx="0">
+            <a:schemeClr val="accent1"/>
+          </a:effectRef>
+          <a:fontRef idx="minor">
+            <a:schemeClr val="tx1"/>
+          </a:fontRef>
+        </p:style>
+        <p:txBody>
+          <a:bodyPr rtlCol="0" anchor="ctr"/>
+          <a:lstStyle/>
+          <a:p>
+            <a:pPr algn="ctr"/>
+            <a:endParaRPr lang="en-US" dirty="0"/>
+          </a:p>
+        </p:txBody>
+      </p:sp>
+      <p:sp>
+        <p:nvSpPr>
+          <p:cNvPr id="6" name="Left Brace 5">
+            <a:extLst>
+              <a:ext uri="{FF2B5EF4-FFF2-40B4-BE49-F238E27FC236}">
+                <a16:creationId xmlns:a16="http://schemas.microsoft.com/office/drawing/2014/main" id="{ABCF22C9-AA5F-66BF-9997-3F4E7FC2ECDB}"/>
+              </a:ext>
+            </a:extLst>
+          </p:cNvPr>
+          <p:cNvSpPr/>
+          <p:nvPr/>
+        </p:nvSpPr>
+        <p:spPr>
+          <a:xfrm>
+            <a:off x="3630804" y="4857220"/>
+            <a:ext cx="873760" cy="830997"/>
+          </a:xfrm>
+          <a:prstGeom prst="leftBrace">
+            <a:avLst/>
+          </a:prstGeom>
+          <a:ln w="38100">
+            <a:solidFill>
+              <a:schemeClr val="tx1"/>
+            </a:solidFill>
+          </a:ln>
+        </p:spPr>
+        <p:style>
+          <a:lnRef idx="1">
+            <a:schemeClr val="accent1"/>
+          </a:lnRef>
+          <a:fillRef idx="0">
+            <a:schemeClr val="accent1"/>
+          </a:fillRef>
+          <a:effectRef idx="0">
+            <a:schemeClr val="accent1"/>
+          </a:effectRef>
+          <a:fontRef idx="minor">
+            <a:schemeClr val="tx1"/>
+          </a:fontRef>
+        </p:style>
+        <p:txBody>
+          <a:bodyPr rtlCol="0" anchor="ctr"/>
+          <a:lstStyle/>
+          <a:p>
+            <a:pPr algn="ctr"/>
+            <a:endParaRPr lang="en-US" dirty="0"/>
+          </a:p>
+        </p:txBody>
+      </p:sp>
+      <p:sp>
+        <p:nvSpPr>
+          <p:cNvPr id="7" name="Rectangle 6">
+            <a:extLst>
+              <a:ext uri="{FF2B5EF4-FFF2-40B4-BE49-F238E27FC236}">
+                <a16:creationId xmlns:a16="http://schemas.microsoft.com/office/drawing/2014/main" id="{3074B440-CFAF-77DB-1502-4E71B3F3921C}"/>
+              </a:ext>
+            </a:extLst>
+          </p:cNvPr>
+          <p:cNvSpPr/>
+          <p:nvPr/>
+        </p:nvSpPr>
+        <p:spPr>
+          <a:xfrm>
+            <a:off x="4637126" y="2056879"/>
+            <a:ext cx="7259218" cy="1797269"/>
+          </a:xfrm>
+          <a:prstGeom prst="rect">
+            <a:avLst/>
+          </a:prstGeom>
+          <a:noFill/>
+          <a:ln w="28575" cap="flat" cmpd="sng" algn="ctr">
+            <a:solidFill>
+              <a:schemeClr val="bg1"/>
+            </a:solidFill>
+            <a:prstDash val="solid"/>
+            <a:miter lim="800000"/>
+          </a:ln>
+          <a:effectLst/>
+        </p:spPr>
+        <p:style>
+          <a:lnRef idx="2">
+            <a:schemeClr val="accent1">
+              <a:shade val="50000"/>
+            </a:schemeClr>
+          </a:lnRef>
+          <a:fillRef idx="1">
+            <a:schemeClr val="accent1"/>
+          </a:fillRef>
+          <a:effectRef idx="0">
+            <a:schemeClr val="accent1"/>
+          </a:effectRef>
+          <a:fontRef idx="minor">
+            <a:schemeClr val="lt1"/>
+          </a:fontRef>
+        </p:style>
+        <p:txBody>
+          <a:bodyPr rtlCol="0" anchor="ctr"/>
+          <a:lstStyle/>
+          <a:p>
+            <a:pPr algn="ctr"/>
+            <a:endParaRPr lang="en-US"/>
+          </a:p>
+        </p:txBody>
+      </p:sp>
+      <p:sp>
+        <p:nvSpPr>
+          <p:cNvPr id="9" name="Rectangle 8">
+            <a:extLst>
+              <a:ext uri="{FF2B5EF4-FFF2-40B4-BE49-F238E27FC236}">
+                <a16:creationId xmlns:a16="http://schemas.microsoft.com/office/drawing/2014/main" id="{D6AAD945-A765-C269-495B-D8A5E7A450A8}"/>
+              </a:ext>
+            </a:extLst>
+          </p:cNvPr>
+          <p:cNvSpPr/>
+          <p:nvPr/>
+        </p:nvSpPr>
+        <p:spPr>
+          <a:xfrm>
+            <a:off x="4637126" y="3952516"/>
+            <a:ext cx="7259218" cy="815124"/>
+          </a:xfrm>
+          <a:prstGeom prst="rect">
+            <a:avLst/>
+          </a:prstGeom>
+          <a:noFill/>
+          <a:ln w="28575" cap="flat" cmpd="sng" algn="ctr">
+            <a:solidFill>
+              <a:schemeClr val="bg1"/>
+            </a:solidFill>
+            <a:prstDash val="solid"/>
+            <a:miter lim="800000"/>
+          </a:ln>
+          <a:effectLst/>
+        </p:spPr>
+        <p:style>
+          <a:lnRef idx="2">
+            <a:schemeClr val="accent1">
+              <a:shade val="50000"/>
+            </a:schemeClr>
+          </a:lnRef>
+          <a:fillRef idx="1">
+            <a:schemeClr val="accent1"/>
+          </a:fillRef>
+          <a:effectRef idx="0">
+            <a:schemeClr val="accent1"/>
+          </a:effectRef>
+          <a:fontRef idx="minor">
+            <a:schemeClr val="lt1"/>
+          </a:fontRef>
+        </p:style>
+        <p:txBody>
+          <a:bodyPr rtlCol="0" anchor="ctr"/>
+          <a:lstStyle/>
+          <a:p>
+            <a:pPr algn="ctr"/>
+            <a:endParaRPr lang="en-US"/>
+          </a:p>
+        </p:txBody>
+      </p:sp>
+      <p:sp>
+        <p:nvSpPr>
+          <p:cNvPr id="12" name="Rectangle 11">
+            <a:extLst>
+              <a:ext uri="{FF2B5EF4-FFF2-40B4-BE49-F238E27FC236}">
+                <a16:creationId xmlns:a16="http://schemas.microsoft.com/office/drawing/2014/main" id="{E9BC016F-EEB0-C0BB-76E3-F571AF1216A5}"/>
+              </a:ext>
+            </a:extLst>
+          </p:cNvPr>
+          <p:cNvSpPr/>
+          <p:nvPr/>
+        </p:nvSpPr>
+        <p:spPr>
+          <a:xfrm>
+            <a:off x="4637126" y="4865157"/>
+            <a:ext cx="7259218" cy="815124"/>
+          </a:xfrm>
+          <a:prstGeom prst="rect">
+            <a:avLst/>
+          </a:prstGeom>
+          <a:noFill/>
+          <a:ln w="28575" cap="flat" cmpd="sng" algn="ctr">
+            <a:solidFill>
+              <a:schemeClr val="bg1"/>
+            </a:solidFill>
+            <a:prstDash val="solid"/>
+            <a:miter lim="800000"/>
+          </a:ln>
+          <a:effectLst/>
+        </p:spPr>
+        <p:style>
+          <a:lnRef idx="2">
+            <a:schemeClr val="accent1">
+              <a:shade val="50000"/>
+            </a:schemeClr>
+          </a:lnRef>
+          <a:fillRef idx="1">
+            <a:schemeClr val="accent1"/>
+          </a:fillRef>
+          <a:effectRef idx="0">
+            <a:schemeClr val="accent1"/>
+          </a:effectRef>
+          <a:fontRef idx="minor">
+            <a:schemeClr val="lt1"/>
+          </a:fontRef>
+        </p:style>
+        <p:txBody>
+          <a:bodyPr rtlCol="0" anchor="ctr"/>
+          <a:lstStyle/>
+          <a:p>
+            <a:pPr algn="ctr"/>
+            <a:endParaRPr lang="en-US"/>
+          </a:p>
+        </p:txBody>
+      </p:sp>
+    </p:spTree>
+    <p:extLst>
+      <p:ext uri="{BB962C8B-B14F-4D97-AF65-F5344CB8AC3E}">
+        <p14:creationId xmlns:p14="http://schemas.microsoft.com/office/powerpoint/2010/main" val="1615151631"/>
+      </p:ext>
+    </p:extLst>
+  </p:cSld>
+  <p:clrMapOvr>
+    <a:masterClrMapping/>
+  </p:clrMapOvr>
+  <p:timing>
+    <p:tnLst>
+      <p:par>
+        <p:cTn id="1" dur="indefinite" restart="never" nodeType="tmRoot">
+          <p:childTnLst>
+            <p:seq concurrent="1" nextAc="seek">
+              <p:cTn id="2" dur="indefinite" nodeType="mainSeq">
+                <p:childTnLst>
+                  <p:par>
+                    <p:cTn id="3" fill="hold">
+                      <p:stCondLst>
+                        <p:cond delay="indefinite"/>
+                      </p:stCondLst>
+                      <p:childTnLst>
+                        <p:par>
+                          <p:cTn id="4" fill="hold">
+                            <p:stCondLst>
+                              <p:cond delay="0"/>
+                            </p:stCondLst>
+                            <p:childTnLst>
+                              <p:par>
+                                <p:cTn id="5" presetID="10" presetClass="entr" presetSubtype="0" fill="hold" grpId="0" nodeType="clickEffect">
+                                  <p:stCondLst>
+                                    <p:cond delay="0"/>
+                                  </p:stCondLst>
+                                  <p:childTnLst>
+                                    <p:set>
+                                      <p:cBhvr>
+                                        <p:cTn id="6" dur="1" fill="hold">
+                                          <p:stCondLst>
+                                            <p:cond delay="0"/>
+                                          </p:stCondLst>
+                                        </p:cTn>
+                                        <p:tgtEl>
+                                          <p:spTgt spid="17"/>
+                                        </p:tgtEl>
+                                        <p:attrNameLst>
+                                          <p:attrName>style.visibility</p:attrName>
+                                        </p:attrNameLst>
+                                      </p:cBhvr>
+                                      <p:to>
+                                        <p:strVal val="visible"/>
+                                      </p:to>
+                                    </p:set>
+                                    <p:animEffect transition="in" filter="fade">
+                                      <p:cBhvr>
+                                        <p:cTn id="7" dur="250"/>
+                                        <p:tgtEl>
+                                          <p:spTgt spid="17"/>
+                                        </p:tgtEl>
+                                      </p:cBhvr>
+                                    </p:animEffect>
+                                  </p:childTnLst>
+                                </p:cTn>
+                              </p:par>
+                              <p:par>
+                                <p:cTn id="8" presetID="10" presetClass="entr" presetSubtype="0" fill="hold" grpId="0" nodeType="withEffect">
+                                  <p:stCondLst>
+                                    <p:cond delay="0"/>
+                                  </p:stCondLst>
+                                  <p:childTnLst>
+                                    <p:set>
+                                      <p:cBhvr>
+                                        <p:cTn id="9" dur="1" fill="hold">
+                                          <p:stCondLst>
+                                            <p:cond delay="0"/>
+                                          </p:stCondLst>
+                                        </p:cTn>
+                                        <p:tgtEl>
+                                          <p:spTgt spid="3"/>
+                                        </p:tgtEl>
+                                        <p:attrNameLst>
+                                          <p:attrName>style.visibility</p:attrName>
+                                        </p:attrNameLst>
+                                      </p:cBhvr>
+                                      <p:to>
+                                        <p:strVal val="visible"/>
+                                      </p:to>
+                                    </p:set>
+                                    <p:animEffect transition="in" filter="fade">
+                                      <p:cBhvr>
+                                        <p:cTn id="10" dur="250"/>
+                                        <p:tgtEl>
+                                          <p:spTgt spid="3"/>
+                                        </p:tgtEl>
+                                      </p:cBhvr>
+                                    </p:animEffect>
+                                  </p:childTnLst>
+                                </p:cTn>
+                              </p:par>
+                              <p:par>
+                                <p:cTn id="11" presetID="10" presetClass="entr" presetSubtype="0" fill="hold" grpId="0" nodeType="withEffect">
+                                  <p:stCondLst>
+                                    <p:cond delay="0"/>
+                                  </p:stCondLst>
+                                  <p:childTnLst>
+                                    <p:set>
+                                      <p:cBhvr>
+                                        <p:cTn id="12" dur="1" fill="hold">
+                                          <p:stCondLst>
+                                            <p:cond delay="0"/>
+                                          </p:stCondLst>
+                                        </p:cTn>
+                                        <p:tgtEl>
+                                          <p:spTgt spid="7"/>
+                                        </p:tgtEl>
+                                        <p:attrNameLst>
+                                          <p:attrName>style.visibility</p:attrName>
+                                        </p:attrNameLst>
+                                      </p:cBhvr>
+                                      <p:to>
+                                        <p:strVal val="visible"/>
+                                      </p:to>
+                                    </p:set>
+                                    <p:animEffect transition="in" filter="fade">
+                                      <p:cBhvr>
+                                        <p:cTn id="13" dur="250"/>
+                                        <p:tgtEl>
+                                          <p:spTgt spid="7"/>
+                                        </p:tgtEl>
+                                      </p:cBhvr>
+                                    </p:animEffect>
+                                  </p:childTnLst>
+                                </p:cTn>
+                              </p:par>
+                            </p:childTnLst>
+                          </p:cTn>
+                        </p:par>
+                      </p:childTnLst>
+                    </p:cTn>
+                  </p:par>
+                  <p:par>
+                    <p:cTn id="14" fill="hold">
+                      <p:stCondLst>
+                        <p:cond delay="indefinite"/>
+                      </p:stCondLst>
+                      <p:childTnLst>
+                        <p:par>
+                          <p:cTn id="15" fill="hold">
+                            <p:stCondLst>
+                              <p:cond delay="0"/>
+                            </p:stCondLst>
+                            <p:childTnLst>
+                              <p:par>
+                                <p:cTn id="16" presetID="10" presetClass="entr" presetSubtype="0" fill="hold" grpId="0" nodeType="clickEffect">
+                                  <p:stCondLst>
+                                    <p:cond delay="0"/>
+                                  </p:stCondLst>
+                                  <p:childTnLst>
+                                    <p:set>
+                                      <p:cBhvr>
+                                        <p:cTn id="17" dur="1" fill="hold">
+                                          <p:stCondLst>
+                                            <p:cond delay="0"/>
+                                          </p:stCondLst>
+                                        </p:cTn>
+                                        <p:tgtEl>
+                                          <p:spTgt spid="18"/>
+                                        </p:tgtEl>
+                                        <p:attrNameLst>
+                                          <p:attrName>style.visibility</p:attrName>
+                                        </p:attrNameLst>
+                                      </p:cBhvr>
+                                      <p:to>
+                                        <p:strVal val="visible"/>
+                                      </p:to>
+                                    </p:set>
+                                    <p:animEffect transition="in" filter="fade">
+                                      <p:cBhvr>
+                                        <p:cTn id="18" dur="250"/>
+                                        <p:tgtEl>
+                                          <p:spTgt spid="18"/>
+                                        </p:tgtEl>
+                                      </p:cBhvr>
+                                    </p:animEffect>
+                                  </p:childTnLst>
+                                </p:cTn>
+                              </p:par>
+                              <p:par>
+                                <p:cTn id="19" presetID="10" presetClass="entr" presetSubtype="0" fill="hold" grpId="0" nodeType="withEffect">
+                                  <p:stCondLst>
+                                    <p:cond delay="0"/>
+                                  </p:stCondLst>
+                                  <p:childTnLst>
+                                    <p:set>
+                                      <p:cBhvr>
+                                        <p:cTn id="20" dur="1" fill="hold">
+                                          <p:stCondLst>
+                                            <p:cond delay="0"/>
+                                          </p:stCondLst>
+                                        </p:cTn>
+                                        <p:tgtEl>
+                                          <p:spTgt spid="9"/>
+                                        </p:tgtEl>
+                                        <p:attrNameLst>
+                                          <p:attrName>style.visibility</p:attrName>
+                                        </p:attrNameLst>
+                                      </p:cBhvr>
+                                      <p:to>
+                                        <p:strVal val="visible"/>
+                                      </p:to>
+                                    </p:set>
+                                    <p:animEffect transition="in" filter="fade">
+                                      <p:cBhvr>
+                                        <p:cTn id="21" dur="250"/>
+                                        <p:tgtEl>
+                                          <p:spTgt spid="9"/>
+                                        </p:tgtEl>
+                                      </p:cBhvr>
+                                    </p:animEffect>
+                                  </p:childTnLst>
+                                </p:cTn>
+                              </p:par>
+                              <p:par>
+                                <p:cTn id="22" presetID="10" presetClass="entr" presetSubtype="0" fill="hold" grpId="0" nodeType="withEffect">
+                                  <p:stCondLst>
+                                    <p:cond delay="0"/>
+                                  </p:stCondLst>
+                                  <p:childTnLst>
+                                    <p:set>
+                                      <p:cBhvr>
+                                        <p:cTn id="23" dur="1" fill="hold">
+                                          <p:stCondLst>
+                                            <p:cond delay="0"/>
+                                          </p:stCondLst>
+                                        </p:cTn>
+                                        <p:tgtEl>
+                                          <p:spTgt spid="5"/>
+                                        </p:tgtEl>
+                                        <p:attrNameLst>
+                                          <p:attrName>style.visibility</p:attrName>
+                                        </p:attrNameLst>
+                                      </p:cBhvr>
+                                      <p:to>
+                                        <p:strVal val="visible"/>
+                                      </p:to>
+                                    </p:set>
+                                    <p:animEffect transition="in" filter="fade">
+                                      <p:cBhvr>
+                                        <p:cTn id="24" dur="250"/>
+                                        <p:tgtEl>
+                                          <p:spTgt spid="5"/>
+                                        </p:tgtEl>
+                                      </p:cBhvr>
+                                    </p:animEffect>
+                                  </p:childTnLst>
+                                </p:cTn>
+                              </p:par>
+                            </p:childTnLst>
+                          </p:cTn>
+                        </p:par>
+                      </p:childTnLst>
+                    </p:cTn>
+                  </p:par>
+                  <p:par>
+                    <p:cTn id="25" fill="hold">
+                      <p:stCondLst>
+                        <p:cond delay="indefinite"/>
+                      </p:stCondLst>
+                      <p:childTnLst>
+                        <p:par>
+                          <p:cTn id="26" fill="hold">
+                            <p:stCondLst>
+                              <p:cond delay="0"/>
+                            </p:stCondLst>
+                            <p:childTnLst>
+                              <p:par>
+                                <p:cTn id="27" presetID="10" presetClass="entr" presetSubtype="0" fill="hold" grpId="0" nodeType="clickEffect">
+                                  <p:stCondLst>
+                                    <p:cond delay="0"/>
+                                  </p:stCondLst>
+                                  <p:childTnLst>
+                                    <p:set>
+                                      <p:cBhvr>
+                                        <p:cTn id="28" dur="1" fill="hold">
+                                          <p:stCondLst>
+                                            <p:cond delay="0"/>
+                                          </p:stCondLst>
+                                        </p:cTn>
                                         <p:tgtEl>
                                           <p:spTgt spid="19"/>
+                                        </p:tgtEl>
+                                        <p:attrNameLst>
+                                          <p:attrName>style.visibility</p:attrName>
+                                        </p:attrNameLst>
+                                      </p:cBhvr>
+                                      <p:to>
+                                        <p:strVal val="visible"/>
+                                      </p:to>
+                                    </p:set>
+                                    <p:animEffect transition="in" filter="fade">
+                                      <p:cBhvr>
+                                        <p:cTn id="29" dur="250"/>
+                                        <p:tgtEl>
+                                          <p:spTgt spid="19"/>
+                                        </p:tgtEl>
+                                      </p:cBhvr>
+                                    </p:animEffect>
+                                  </p:childTnLst>
+                                </p:cTn>
+                              </p:par>
+                              <p:par>
+                                <p:cTn id="30" presetID="10" presetClass="entr" presetSubtype="0" fill="hold" grpId="0" nodeType="withEffect">
+                                  <p:stCondLst>
+                                    <p:cond delay="0"/>
+                                  </p:stCondLst>
+                                  <p:childTnLst>
+                                    <p:set>
+                                      <p:cBhvr>
+                                        <p:cTn id="31" dur="1" fill="hold">
+                                          <p:stCondLst>
+                                            <p:cond delay="0"/>
+                                          </p:stCondLst>
+                                        </p:cTn>
+                                        <p:tgtEl>
+                                          <p:spTgt spid="6"/>
+                                        </p:tgtEl>
+                                        <p:attrNameLst>
+                                          <p:attrName>style.visibility</p:attrName>
+                                        </p:attrNameLst>
+                                      </p:cBhvr>
+                                      <p:to>
+                                        <p:strVal val="visible"/>
+                                      </p:to>
+                                    </p:set>
+                                    <p:animEffect transition="in" filter="fade">
+                                      <p:cBhvr>
+                                        <p:cTn id="32" dur="250"/>
+                                        <p:tgtEl>
+                                          <p:spTgt spid="6"/>
+                                        </p:tgtEl>
+                                      </p:cBhvr>
+                                    </p:animEffect>
+                                  </p:childTnLst>
+                                </p:cTn>
+                              </p:par>
+                              <p:par>
+                                <p:cTn id="33" presetID="10" presetClass="entr" presetSubtype="0" fill="hold" grpId="0" nodeType="withEffect">
+                                  <p:stCondLst>
+                                    <p:cond delay="0"/>
+                                  </p:stCondLst>
+                                  <p:childTnLst>
+                                    <p:set>
+                                      <p:cBhvr>
+                                        <p:cTn id="34" dur="1" fill="hold">
+                                          <p:stCondLst>
+                                            <p:cond delay="0"/>
+                                          </p:stCondLst>
+                                        </p:cTn>
+                                        <p:tgtEl>
+                                          <p:spTgt spid="12"/>
+                                        </p:tgtEl>
+                                        <p:attrNameLst>
+                                          <p:attrName>style.visibility</p:attrName>
+                                        </p:attrNameLst>
+                                      </p:cBhvr>
+                                      <p:to>
+                                        <p:strVal val="visible"/>
+                                      </p:to>
+                                    </p:set>
+                                    <p:animEffect transition="in" filter="fade">
+                                      <p:cBhvr>
+                                        <p:cTn id="35" dur="250"/>
+                                        <p:tgtEl>
+                                          <p:spTgt spid="12"/>
                                         </p:tgtEl>
                                       </p:cBhvr>
                                     </p:animEffect>
@@ -20515,6 +22683,12 @@
       <p:bldP spid="17" grpId="0"/>
       <p:bldP spid="18" grpId="0"/>
       <p:bldP spid="19" grpId="0"/>
+      <p:bldP spid="3" grpId="0" animBg="1"/>
+      <p:bldP spid="5" grpId="0" animBg="1"/>
+      <p:bldP spid="6" grpId="0" animBg="1"/>
+      <p:bldP spid="7" grpId="0" animBg="1"/>
+      <p:bldP spid="9" grpId="0" animBg="1"/>
+      <p:bldP spid="12" grpId="0" animBg="1"/>
     </p:bldLst>
   </p:timing>
 </p:sld>
@@ -20567,13 +22741,13 @@
         </p:spPr>
         <p:txBody>
           <a:bodyPr>
-            <a:normAutofit fontScale="90000"/>
+            <a:normAutofit/>
           </a:bodyPr>
           <a:lstStyle/>
           <a:p>
             <a:r>
               <a:rPr lang="en-US" dirty="0"/>
-              <a:t>data flow (per time-step) Diagram</a:t>
+              <a:t>data flow Diagram</a:t>
             </a:r>
           </a:p>
         </p:txBody>
@@ -20593,7 +22767,7 @@
           <p:nvPr/>
         </p:nvPicPr>
         <p:blipFill>
-          <a:blip r:embed="rId2"/>
+          <a:blip r:embed="rId3"/>
           <a:stretch>
             <a:fillRect/>
           </a:stretch>
@@ -20667,7 +22841,7 @@
                                     </p:set>
                                     <p:animEffect transition="in" filter="fade">
                                       <p:cBhvr>
-                                        <p:cTn id="7" dur="500"/>
+                                        <p:cTn id="7" dur="250"/>
                                         <p:tgtEl>
                                           <p:spTgt spid="17"/>
                                         </p:tgtEl>
@@ -20774,7 +22948,7 @@
           <p:nvPr/>
         </p:nvPicPr>
         <p:blipFill>
-          <a:blip r:embed="rId2"/>
+          <a:blip r:embed="rId3"/>
           <a:stretch>
             <a:fillRect/>
           </a:stretch>
@@ -20848,7 +23022,7 @@
                                     </p:set>
                                     <p:animEffect transition="in" filter="fade">
                                       <p:cBhvr>
-                                        <p:cTn id="7" dur="1250"/>
+                                        <p:cTn id="7" dur="250"/>
                                         <p:tgtEl>
                                           <p:spTgt spid="16"/>
                                         </p:tgtEl>

--- a/N-Body Simulator.pptx
+++ b/N-Body Simulator.pptx
@@ -207,7 +207,7 @@
           <a:p>
             <a:fld id="{21D495D3-BE16-4170-9AB7-C3F025A83D5C}" type="datetimeFigureOut">
               <a:rPr lang="en-US" smtClean="0"/>
-              <a:t>4/27/2025</a:t>
+              <a:t>4/28/2025</a:t>
             </a:fld>
             <a:endParaRPr lang="en-US"/>
           </a:p>
@@ -652,9 +652,9 @@
             </a:r>
           </a:p>
           <a:p>
-            <a:pPr marL="228600" indent="-228600">
+            <a:pPr marL="0" indent="0">
               <a:buFont typeface="+mj-lt"/>
-              <a:buAutoNum type="arabicPeriod"/>
+              <a:buNone/>
             </a:pPr>
             <a:r>
               <a:rPr lang="en-US" dirty="0"/>
@@ -853,7 +853,7 @@
             </a:pPr>
             <a:r>
               <a:rPr lang="en-US" sz="1200" dirty="0"/>
-              <a:t>During simulation, forces are computed b iterating over each Body, accessing its individual properties like, position, mass, and velocity.</a:t>
+              <a:t>During simulation, forces are computed by iterating over each Body, accessing its individual properties like, position, mass, and velocity.</a:t>
             </a:r>
           </a:p>
           <a:p>
@@ -1034,28 +1034,274 @@
         </p:nvSpPr>
         <p:spPr/>
       </p:sp>
-      <p:sp>
-        <p:nvSpPr>
-          <p:cNvPr id="3" name="Notes Placeholder 2"/>
-          <p:cNvSpPr>
-            <a:spLocks noGrp="1"/>
-          </p:cNvSpPr>
-          <p:nvPr>
-            <p:ph type="body" idx="1"/>
-          </p:nvPr>
-        </p:nvSpPr>
-        <p:spPr/>
-        <p:txBody>
-          <a:bodyPr/>
-          <a:lstStyle/>
-          <a:p>
-            <a:r>
-              <a:rPr lang="en-US" dirty="0"/>
-              <a:t>Most n-body simulators will slowly generate a collection of position points for each frame and save all this data to do visual processing after computation. My challenge is that I want my simulator to run in real time.</a:t>
-            </a:r>
-          </a:p>
-        </p:txBody>
-      </p:sp>
+      <mc:AlternateContent xmlns:mc="http://schemas.openxmlformats.org/markup-compatibility/2006">
+        <mc:Choice xmlns:a14="http://schemas.microsoft.com/office/drawing/2010/main" Requires="a14">
+          <p:sp>
+            <p:nvSpPr>
+              <p:cNvPr id="3" name="Notes Placeholder 2"/>
+              <p:cNvSpPr>
+                <a:spLocks noGrp="1"/>
+              </p:cNvSpPr>
+              <p:nvPr>
+                <p:ph type="body" idx="1"/>
+              </p:nvPr>
+            </p:nvSpPr>
+            <p:spPr/>
+            <p:txBody>
+              <a:bodyPr/>
+              <a:lstStyle/>
+              <a:p>
+                <a:pPr marL="171450" marR="0" lvl="0" indent="-171450" algn="l" defTabSz="914400" rtl="0" eaLnBrk="1" fontAlgn="auto" latinLnBrk="0" hangingPunct="1">
+                  <a:lnSpc>
+                    <a:spcPct val="100000"/>
+                  </a:lnSpc>
+                  <a:spcBef>
+                    <a:spcPts val="0"/>
+                  </a:spcBef>
+                  <a:spcAft>
+                    <a:spcPts val="0"/>
+                  </a:spcAft>
+                  <a:buClrTx/>
+                  <a:buSzTx/>
+                  <a:buFont typeface="Arial" panose="020B0604020202020204" pitchFamily="34" charset="0"/>
+                  <a:buChar char="•"/>
+                  <a:tabLst/>
+                  <a:defRPr/>
+                </a:pPr>
+                <a:r>
+                  <a:rPr lang="en-US" sz="1200" dirty="0"/>
+                  <a:t>The goal the of my project was to simulate the motion of </a:t>
+                </a:r>
+                <a:r>
+                  <a:rPr lang="en-US" sz="1200" b="1" i="1" dirty="0"/>
+                  <a:t>N</a:t>
+                </a:r>
+                <a:r>
+                  <a:rPr lang="en-US" sz="1200" dirty="0"/>
+                  <a:t> celestial bodies over time, governed by Newton’s gravity equation. Each body interacts with every other via gravitational forces, influencing acceleration, velocity, and position.</a:t>
+                </a:r>
+                <a:endParaRPr lang="en-US" dirty="0"/>
+              </a:p>
+              <a:p>
+                <a:pPr marL="171450" indent="-171450">
+                  <a:buFont typeface="Arial" panose="020B0604020202020204" pitchFamily="34" charset="0"/>
+                  <a:buChar char="•"/>
+                </a:pPr>
+                <a:r>
+                  <a:rPr lang="en-US" dirty="0"/>
+                  <a:t>Most n-body simulators will slowly generate a collection of position points for each frame and save all this data to do visual processing after computation. My challenge is that I want my simulator to both compute gravity and positions, whilst also visually rendering these points in real time.</a:t>
+                </a:r>
+              </a:p>
+              <a:p>
+                <a:pPr marL="171450" indent="-171450">
+                  <a:buFont typeface="Arial" panose="020B0604020202020204" pitchFamily="34" charset="0"/>
+                  <a:buChar char="•"/>
+                </a:pPr>
+                <a:r>
+                  <a:rPr lang="en-US" sz="1200" dirty="0"/>
+                  <a:t>At each time step, the forces between body pairs can be computed independently, making the problem perfect for parallel computing.</a:t>
+                </a:r>
+              </a:p>
+              <a:p>
+                <a:pPr marL="171450" indent="-171450" algn="just">
+                  <a:buFont typeface="Arial" panose="020B0604020202020204" pitchFamily="34" charset="0"/>
+                  <a:buChar char="•"/>
+                </a:pPr>
+                <a:r>
+                  <a:rPr lang="en-US" sz="1200" dirty="0"/>
+                  <a:t>The naïve approach would be to just use a double for loop to calculate the gravity forces between all bodies.</a:t>
+                </a:r>
+                <a:endParaRPr lang="en-US" sz="2000" dirty="0"/>
+              </a:p>
+              <a:p>
+                <a:pPr marL="742950" lvl="1" indent="-285750">
+                  <a:buFont typeface="Arial" panose="020B0604020202020204" pitchFamily="34" charset="0"/>
+                  <a:buChar char="•"/>
+                </a:pPr>
+                <a:r>
+                  <a:rPr lang="en-US" sz="2000" dirty="0"/>
+                  <a:t>The time complexity for this is </a:t>
+                </a:r>
+                <a14:m>
+                  <m:oMath xmlns:m="http://schemas.openxmlformats.org/officeDocument/2006/math">
+                    <m:r>
+                      <a:rPr lang="en-US" sz="2000" i="1">
+                        <a:latin typeface="Cambria Math" panose="02040503050406030204" pitchFamily="18" charset="0"/>
+                      </a:rPr>
+                      <m:t>𝑂</m:t>
+                    </m:r>
+                    <m:d>
+                      <m:dPr>
+                        <m:ctrlPr>
+                          <a:rPr lang="en-US" sz="2000" i="1">
+                            <a:latin typeface="Cambria Math" panose="02040503050406030204" pitchFamily="18" charset="0"/>
+                          </a:rPr>
+                        </m:ctrlPr>
+                      </m:dPr>
+                      <m:e>
+                        <m:sSup>
+                          <m:sSupPr>
+                            <m:ctrlPr>
+                              <a:rPr lang="en-US" sz="2000" i="1">
+                                <a:latin typeface="Cambria Math" panose="02040503050406030204" pitchFamily="18" charset="0"/>
+                              </a:rPr>
+                            </m:ctrlPr>
+                          </m:sSupPr>
+                          <m:e>
+                            <m:r>
+                              <a:rPr lang="en-US" sz="2000" i="1">
+                                <a:latin typeface="Cambria Math" panose="02040503050406030204" pitchFamily="18" charset="0"/>
+                              </a:rPr>
+                              <m:t>𝑁</m:t>
+                            </m:r>
+                          </m:e>
+                          <m:sup>
+                            <m:r>
+                              <a:rPr lang="en-US" sz="2000" i="1">
+                                <a:latin typeface="Cambria Math" panose="02040503050406030204" pitchFamily="18" charset="0"/>
+                              </a:rPr>
+                              <m:t>2</m:t>
+                            </m:r>
+                          </m:sup>
+                        </m:sSup>
+                      </m:e>
+                    </m:d>
+                  </m:oMath>
+                </a14:m>
+                <a:r>
+                  <a:rPr lang="en-US" sz="2000" dirty="0"/>
+                  <a:t> which is obviously not good if we are trying to maximize </a:t>
+                </a:r>
+                <a:r>
+                  <a:rPr lang="en-US" sz="2000" b="1" i="1" dirty="0"/>
+                  <a:t>N</a:t>
+                </a:r>
+                <a:r>
+                  <a:rPr lang="en-US" sz="2000" dirty="0"/>
+                  <a:t>.</a:t>
+                </a:r>
+                <a:endParaRPr lang="en-US" sz="1100" dirty="0"/>
+              </a:p>
+              <a:p>
+                <a:endParaRPr lang="en-US" dirty="0"/>
+              </a:p>
+            </p:txBody>
+          </p:sp>
+        </mc:Choice>
+        <mc:Fallback>
+          <p:sp>
+            <p:nvSpPr>
+              <p:cNvPr id="3" name="Notes Placeholder 2"/>
+              <p:cNvSpPr>
+                <a:spLocks noGrp="1"/>
+              </p:cNvSpPr>
+              <p:nvPr>
+                <p:ph type="body" idx="1"/>
+              </p:nvPr>
+            </p:nvSpPr>
+            <p:spPr/>
+            <p:txBody>
+              <a:bodyPr/>
+              <a:lstStyle/>
+              <a:p>
+                <a:pPr marL="171450" marR="0" lvl="0" indent="-171450" algn="l" defTabSz="914400" rtl="0" eaLnBrk="1" fontAlgn="auto" latinLnBrk="0" hangingPunct="1">
+                  <a:lnSpc>
+                    <a:spcPct val="100000"/>
+                  </a:lnSpc>
+                  <a:spcBef>
+                    <a:spcPts val="0"/>
+                  </a:spcBef>
+                  <a:spcAft>
+                    <a:spcPts val="0"/>
+                  </a:spcAft>
+                  <a:buClrTx/>
+                  <a:buSzTx/>
+                  <a:buFont typeface="Arial" panose="020B0604020202020204" pitchFamily="34" charset="0"/>
+                  <a:buChar char="•"/>
+                  <a:tabLst/>
+                  <a:defRPr/>
+                </a:pPr>
+                <a:r>
+                  <a:rPr lang="en-US" sz="1200" dirty="0"/>
+                  <a:t>The goal the of my project was to simulate the motion of </a:t>
+                </a:r>
+                <a:r>
+                  <a:rPr lang="en-US" sz="1200" b="1" i="1" dirty="0"/>
+                  <a:t>N</a:t>
+                </a:r>
+                <a:r>
+                  <a:rPr lang="en-US" sz="1200" dirty="0"/>
+                  <a:t> celestial bodies over time, governed by Newton’s gravity equation. Each body interacts with every other via gravitational forces, influencing acceleration, velocity, and position.</a:t>
+                </a:r>
+                <a:endParaRPr lang="en-US" dirty="0"/>
+              </a:p>
+              <a:p>
+                <a:pPr marL="171450" indent="-171450">
+                  <a:buFont typeface="Arial" panose="020B0604020202020204" pitchFamily="34" charset="0"/>
+                  <a:buChar char="•"/>
+                </a:pPr>
+                <a:r>
+                  <a:rPr lang="en-US" dirty="0"/>
+                  <a:t>Most n-body simulators will slowly generate a collection of position points for each frame and save all this data to do visual processing after computation. My challenge is that I want my simulator to both compute gravity and positions, whilst also visually rendering these points in real time.</a:t>
+                </a:r>
+              </a:p>
+              <a:p>
+                <a:pPr marL="171450" indent="-171450">
+                  <a:buFont typeface="Arial" panose="020B0604020202020204" pitchFamily="34" charset="0"/>
+                  <a:buChar char="•"/>
+                </a:pPr>
+                <a:r>
+                  <a:rPr lang="en-US" sz="1200" dirty="0"/>
+                  <a:t>At each time step, the forces between body pairs can be computed independently, making the problem perfect for parallel computing.</a:t>
+                </a:r>
+              </a:p>
+              <a:p>
+                <a:pPr marL="171450" indent="-171450" algn="just">
+                  <a:buFont typeface="Arial" panose="020B0604020202020204" pitchFamily="34" charset="0"/>
+                  <a:buChar char="•"/>
+                </a:pPr>
+                <a:r>
+                  <a:rPr lang="en-US" sz="1200" dirty="0"/>
+                  <a:t>The naïve approach would be to just use a double for loop to calculate the gravity forces between all bodies.</a:t>
+                </a:r>
+                <a:endParaRPr lang="en-US" sz="2000" dirty="0"/>
+              </a:p>
+              <a:p>
+                <a:pPr marL="742950" lvl="1" indent="-285750">
+                  <a:buFont typeface="Arial" panose="020B0604020202020204" pitchFamily="34" charset="0"/>
+                  <a:buChar char="•"/>
+                </a:pPr>
+                <a:r>
+                  <a:rPr lang="en-US" sz="2000" dirty="0"/>
+                  <a:t>The time complexity for this is </a:t>
+                </a:r>
+                <a:r>
+                  <a:rPr lang="en-US" sz="2000" i="0">
+                    <a:latin typeface="Cambria Math" panose="02040503050406030204" pitchFamily="18" charset="0"/>
+                  </a:rPr>
+                  <a:t>𝑂(𝑁^2 )</a:t>
+                </a:r>
+                <a:r>
+                  <a:rPr lang="en-US" sz="2000" dirty="0"/>
+                  <a:t> which is obviously not good if we are trying to maximize </a:t>
+                </a:r>
+                <a:r>
+                  <a:rPr lang="en-US" sz="2000" b="1" i="1" dirty="0"/>
+                  <a:t>N</a:t>
+                </a:r>
+                <a:r>
+                  <a:rPr lang="en-US" sz="2000" dirty="0"/>
+                  <a:t>.</a:t>
+                </a:r>
+                <a:endParaRPr lang="en-US" sz="1100" dirty="0"/>
+              </a:p>
+              <a:p>
+                <a:endParaRPr lang="en-US" dirty="0"/>
+              </a:p>
+            </p:txBody>
+          </p:sp>
+        </mc:Fallback>
+      </mc:AlternateContent>
       <p:sp>
         <p:nvSpPr>
           <p:cNvPr id="4" name="Slide Number Placeholder 3"/>
@@ -1224,7 +1470,7 @@
               <a:p>
                 <a:r>
                   <a:rPr lang="en-US" dirty="0"/>
-                  <a:t>Before we parallelize the problem, we can look at alternative algorithms. </a:t>
+                  <a:t>Before we parallelize the problem, we can look at alternative, sequential algorithms. </a:t>
                 </a:r>
               </a:p>
               <a:p>
@@ -1247,7 +1493,38 @@
                 </a:pPr>
                 <a:r>
                   <a:rPr lang="en-US" sz="1200" dirty="0"/>
-                  <a:t>If a group of bodies is far enough away, just treat it as one body with a mass equal to the sum of all the masses in its region and its position as the center of mass of the region. Then use this single body to approximate the force calculation for this body.</a:t>
+                  <a:t>One of the more famous of these algorithms for N-Body sims is the </a:t>
+                </a:r>
+                <a:r>
+                  <a:rPr lang="en-US" sz="1200" dirty="0" err="1"/>
+                  <a:t>barnes</a:t>
+                </a:r>
+                <a:r>
+                  <a:rPr lang="en-US" sz="1200" dirty="0"/>
+                  <a:t> hut algorithm</a:t>
+                </a:r>
+              </a:p>
+              <a:p>
+                <a:pPr marL="171450" marR="0" lvl="0" indent="-171450" algn="l" defTabSz="914400" rtl="0" eaLnBrk="1" fontAlgn="auto" latinLnBrk="0" hangingPunct="1">
+                  <a:lnSpc>
+                    <a:spcPct val="100000"/>
+                  </a:lnSpc>
+                  <a:spcBef>
+                    <a:spcPts val="0"/>
+                  </a:spcBef>
+                  <a:spcAft>
+                    <a:spcPts val="0"/>
+                  </a:spcAft>
+                  <a:buClrTx/>
+                  <a:buSzTx/>
+                  <a:buFont typeface="Arial" panose="020B0604020202020204" pitchFamily="34" charset="0"/>
+                  <a:buChar char="•"/>
+                  <a:tabLst/>
+                  <a:defRPr/>
+                </a:pPr>
+                <a:r>
+                  <a:rPr lang="en-US" sz="1200" dirty="0"/>
+                  <a:t>Which states, if a group of bodies is far enough away, just treat it as one body with a mass equal to the sum of all the masses in its region and its position as the center of mass of the region. Then use this single body to approximate the force calculation for this body.</a:t>
                 </a:r>
               </a:p>
               <a:p>
@@ -1325,7 +1602,7 @@
                 </a:pPr>
                 <a:r>
                   <a:rPr lang="en-US" sz="1200" dirty="0"/>
-                  <a:t>If a region does not satisfy our criteria, then we can recurse into smaller subregions. Since these regions are smaller, they are more likely to satisfy our criteria.</a:t>
+                  <a:t>If a region does not satisfy our criteria, then we can recurse into smaller subregions within a quadtree data structure. Since these regions are smaller, they are more likely to satisfy our criteria.</a:t>
                 </a:r>
               </a:p>
               <a:p>
@@ -1348,7 +1625,7 @@
                 </a:pPr>
                 <a:r>
                   <a:rPr lang="en-US" sz="1200" dirty="0"/>
-                  <a:t>The check for if we should subdivide is when a regions capacity is over a set parameter, this keeps things simple.</a:t>
+                  <a:t>The check for if we should subdivide is when a regions capacity is over a set parameter.</a:t>
                 </a:r>
               </a:p>
               <a:p>
@@ -3390,7 +3667,7 @@
           <a:p>
             <a:fld id="{D1D1EADE-8E88-4C7C-8AC5-FB148DE4940E}" type="datetime1">
               <a:rPr lang="en-US" smtClean="0"/>
-              <a:t>4/27/2025</a:t>
+              <a:t>4/28/2025</a:t>
             </a:fld>
             <a:endParaRPr lang="en-US"/>
           </a:p>
@@ -3590,7 +3867,7 @@
           <a:p>
             <a:fld id="{EC3C8B9C-477D-492A-96AD-1FC2CC997A73}" type="datetime1">
               <a:rPr lang="en-US" smtClean="0"/>
-              <a:t>4/27/2025</a:t>
+              <a:t>4/28/2025</a:t>
             </a:fld>
             <a:endParaRPr lang="en-US"/>
           </a:p>
@@ -3800,7 +4077,7 @@
           <a:p>
             <a:fld id="{42D3AED5-E26D-4E29-B1B3-7847B6779594}" type="datetime1">
               <a:rPr lang="en-US" smtClean="0"/>
-              <a:t>4/27/2025</a:t>
+              <a:t>4/28/2025</a:t>
             </a:fld>
             <a:endParaRPr lang="en-US"/>
           </a:p>
@@ -4193,7 +4470,7 @@
           <a:p>
             <a:fld id="{63DB64E7-5594-42A3-ADBF-E95A7ACEAD64}" type="datetime1">
               <a:rPr lang="en-US" smtClean="0"/>
-              <a:t>4/27/2025</a:t>
+              <a:t>4/28/2025</a:t>
             </a:fld>
             <a:endParaRPr lang="en-US"/>
           </a:p>
@@ -4466,7 +4743,7 @@
           <a:p>
             <a:fld id="{18462B0B-D248-4FFB-8695-AD7FA4B1284A}" type="datetime1">
               <a:rPr lang="en-US" smtClean="0"/>
-              <a:t>4/27/2025</a:t>
+              <a:t>4/28/2025</a:t>
             </a:fld>
             <a:endParaRPr lang="en-US"/>
           </a:p>
@@ -4889,7 +5166,7 @@
           <a:p>
             <a:fld id="{D0378EFB-9159-4510-B73F-4F0409ADE937}" type="datetime1">
               <a:rPr lang="en-US" smtClean="0"/>
-              <a:t>4/27/2025</a:t>
+              <a:t>4/28/2025</a:t>
             </a:fld>
             <a:endParaRPr lang="en-US"/>
           </a:p>
@@ -5031,7 +5308,7 @@
           <a:p>
             <a:fld id="{89BC9412-2452-4BED-A324-9D8C115361AD}" type="datetime1">
               <a:rPr lang="en-US" smtClean="0"/>
-              <a:t>4/27/2025</a:t>
+              <a:t>4/28/2025</a:t>
             </a:fld>
             <a:endParaRPr lang="en-US"/>
           </a:p>
@@ -5144,7 +5421,7 @@
           <a:p>
             <a:fld id="{F5318F62-D251-40E8-A23C-F4CFE9FEAB41}" type="datetime1">
               <a:rPr lang="en-US" smtClean="0"/>
-              <a:t>4/27/2025</a:t>
+              <a:t>4/28/2025</a:t>
             </a:fld>
             <a:endParaRPr lang="en-US"/>
           </a:p>
@@ -5457,7 +5734,7 @@
           <a:p>
             <a:fld id="{44F76144-149E-4874-93A5-554A0357CF82}" type="datetime1">
               <a:rPr lang="en-US" smtClean="0"/>
-              <a:t>4/27/2025</a:t>
+              <a:t>4/28/2025</a:t>
             </a:fld>
             <a:endParaRPr lang="en-US"/>
           </a:p>
@@ -5750,7 +6027,7 @@
           <a:p>
             <a:fld id="{50BA65D8-0540-4835-AE5C-25D29DBA01BE}" type="datetime1">
               <a:rPr lang="en-US" smtClean="0"/>
-              <a:t>4/27/2025</a:t>
+              <a:t>4/28/2025</a:t>
             </a:fld>
             <a:endParaRPr lang="en-US"/>
           </a:p>
@@ -5992,7 +6269,7 @@
           <a:p>
             <a:fld id="{E31BA835-12AC-4E8F-955A-EA3F4DE2791F}" type="datetime1">
               <a:rPr lang="en-US" smtClean="0"/>
-              <a:t>4/27/2025</a:t>
+              <a:t>4/28/2025</a:t>
             </a:fld>
             <a:endParaRPr lang="en-US"/>
           </a:p>
@@ -6532,7 +6809,7 @@
           <a:lstStyle/>
           <a:p>
             <a:r>
-              <a:rPr lang="en-US" sz="4000">
+              <a:rPr lang="en-US" sz="4000" b="1" dirty="0">
                 <a:solidFill>
                   <a:srgbClr val="FFFFFF"/>
                 </a:solidFill>
@@ -8725,7 +9002,7 @@
         </p:nvSpPr>
         <p:spPr>
           <a:xfrm>
-            <a:off x="5019675" y="5864511"/>
+            <a:off x="1211468" y="5527925"/>
             <a:ext cx="1930337" cy="646331"/>
           </a:xfrm>
           <a:prstGeom prst="rect">
@@ -8770,7 +9047,7 @@
         </p:blipFill>
         <p:spPr>
           <a:xfrm>
-            <a:off x="3062287" y="1599372"/>
+            <a:off x="4027455" y="1596991"/>
             <a:ext cx="3914775" cy="2928634"/>
           </a:xfrm>
           <a:prstGeom prst="rect">
@@ -8792,7 +9069,7 @@
         </p:nvSpPr>
         <p:spPr>
           <a:xfrm>
-            <a:off x="2564946" y="4412590"/>
+            <a:off x="3665875" y="4391930"/>
             <a:ext cx="5056192" cy="230832"/>
           </a:xfrm>
           <a:prstGeom prst="rect">
@@ -9185,149 +9462,707 @@
           <a:p>
             <a:r>
               <a:rPr lang="en-US" dirty="0"/>
-              <a:t>Problem</a:t>
+              <a:t>Goal</a:t>
             </a:r>
           </a:p>
         </p:txBody>
       </p:sp>
       <p:sp>
         <p:nvSpPr>
-          <p:cNvPr id="3" name="Content Placeholder 2">
-            <a:extLst>
-              <a:ext uri="{FF2B5EF4-FFF2-40B4-BE49-F238E27FC236}">
-                <a16:creationId xmlns:a16="http://schemas.microsoft.com/office/drawing/2014/main" id="{087BBC8E-982E-0FC7-ECCC-0E885B24918F}"/>
-              </a:ext>
-            </a:extLst>
-          </p:cNvPr>
-          <p:cNvSpPr>
-            <a:spLocks noGrp="1"/>
-          </p:cNvSpPr>
-          <p:nvPr>
-            <p:ph idx="1"/>
-          </p:nvPr>
+          <p:cNvPr id="8" name="Oval 7">
+            <a:extLst>
+              <a:ext uri="{FF2B5EF4-FFF2-40B4-BE49-F238E27FC236}">
+                <a16:creationId xmlns:a16="http://schemas.microsoft.com/office/drawing/2014/main" id="{B58C7804-D103-E112-358F-343E595CDFC5}"/>
+              </a:ext>
+            </a:extLst>
+          </p:cNvPr>
+          <p:cNvSpPr/>
+          <p:nvPr/>
         </p:nvSpPr>
         <p:spPr>
           <a:xfrm>
-            <a:off x="827485" y="903385"/>
-            <a:ext cx="10691265" cy="1711996"/>
+            <a:off x="7648235" y="2949728"/>
+            <a:ext cx="589547" cy="565484"/>
           </a:xfrm>
+          <a:prstGeom prst="ellipse">
+            <a:avLst/>
+          </a:prstGeom>
+          <a:solidFill>
+            <a:schemeClr val="tx1"/>
+          </a:solidFill>
+          <a:ln w="12700" cap="flat" cmpd="sng" algn="ctr">
+            <a:solidFill>
+              <a:schemeClr val="accent1">
+                <a:shade val="50000"/>
+              </a:schemeClr>
+            </a:solidFill>
+            <a:prstDash val="solid"/>
+            <a:miter lim="800000"/>
+          </a:ln>
+          <a:effectLst/>
         </p:spPr>
+        <p:style>
+          <a:lnRef idx="2">
+            <a:schemeClr val="accent1">
+              <a:shade val="50000"/>
+            </a:schemeClr>
+          </a:lnRef>
+          <a:fillRef idx="1">
+            <a:schemeClr val="accent1"/>
+          </a:fillRef>
+          <a:effectRef idx="0">
+            <a:schemeClr val="accent1"/>
+          </a:effectRef>
+          <a:fontRef idx="minor">
+            <a:schemeClr val="lt1"/>
+          </a:fontRef>
+        </p:style>
         <p:txBody>
-          <a:bodyPr>
-            <a:normAutofit fontScale="92500" lnSpcReduction="10000"/>
-          </a:bodyPr>
+          <a:bodyPr rtlCol="0" anchor="ctr"/>
           <a:lstStyle/>
           <a:p>
-            <a:r>
-              <a:rPr lang="en-US" sz="2400" b="1" dirty="0"/>
-              <a:t>Goal:</a:t>
-            </a:r>
-          </a:p>
-          <a:p>
-            <a:pPr lvl="1"/>
-            <a:r>
-              <a:rPr lang="en-US" sz="2000" dirty="0"/>
-              <a:t>Simulate the motion of </a:t>
-            </a:r>
-            <a:r>
-              <a:rPr lang="en-US" sz="2000" b="1" i="1" dirty="0"/>
-              <a:t>N</a:t>
-            </a:r>
-            <a:r>
-              <a:rPr lang="en-US" sz="2000" dirty="0"/>
-              <a:t> celestial bodies over time, governed by Newton’s Law of Universal Gravitation. Each body interacts with every other via gravitational forces, influencing acceleration, velocity, and position.</a:t>
-            </a:r>
-          </a:p>
-          <a:p>
-            <a:pPr lvl="1"/>
-            <a:r>
-              <a:rPr lang="en-US" sz="2000" dirty="0"/>
-              <a:t>I want to do this in real time.</a:t>
-            </a:r>
-          </a:p>
-          <a:p>
-            <a:pPr marL="457200" lvl="1" indent="0">
-              <a:buNone/>
-            </a:pPr>
-            <a:endParaRPr lang="en-US" sz="1400" dirty="0"/>
+            <a:pPr algn="ctr"/>
+            <a:endParaRPr lang="en-US"/>
           </a:p>
         </p:txBody>
       </p:sp>
       <p:sp>
         <p:nvSpPr>
-          <p:cNvPr id="5" name="TextBox 4">
-            <a:extLst>
-              <a:ext uri="{FF2B5EF4-FFF2-40B4-BE49-F238E27FC236}">
-                <a16:creationId xmlns:a16="http://schemas.microsoft.com/office/drawing/2014/main" id="{6D75FBFE-B6F2-9201-4D2E-9FC0F56F4FA2}"/>
-              </a:ext>
-            </a:extLst>
-          </p:cNvPr>
-          <p:cNvSpPr txBox="1"/>
+          <p:cNvPr id="9" name="Oval 8">
+            <a:extLst>
+              <a:ext uri="{FF2B5EF4-FFF2-40B4-BE49-F238E27FC236}">
+                <a16:creationId xmlns:a16="http://schemas.microsoft.com/office/drawing/2014/main" id="{77BBF155-7150-730D-D202-52735D19C75E}"/>
+              </a:ext>
+            </a:extLst>
+          </p:cNvPr>
+          <p:cNvSpPr/>
           <p:nvPr/>
         </p:nvSpPr>
         <p:spPr>
           <a:xfrm>
-            <a:off x="827482" y="2778648"/>
-            <a:ext cx="10518941" cy="1384995"/>
+            <a:off x="9601583" y="4623241"/>
+            <a:ext cx="589547" cy="565484"/>
           </a:xfrm>
-          <a:prstGeom prst="rect">
+          <a:prstGeom prst="ellipse">
             <a:avLst/>
           </a:prstGeom>
-          <a:noFill/>
+          <a:solidFill>
+            <a:schemeClr val="tx1"/>
+          </a:solidFill>
+          <a:ln w="12700" cap="flat" cmpd="sng" algn="ctr">
+            <a:solidFill>
+              <a:schemeClr val="accent1">
+                <a:shade val="50000"/>
+              </a:schemeClr>
+            </a:solidFill>
+            <a:prstDash val="solid"/>
+            <a:miter lim="800000"/>
+          </a:ln>
+          <a:effectLst/>
         </p:spPr>
+        <p:style>
+          <a:lnRef idx="2">
+            <a:schemeClr val="accent1">
+              <a:shade val="50000"/>
+            </a:schemeClr>
+          </a:lnRef>
+          <a:fillRef idx="1">
+            <a:schemeClr val="accent1"/>
+          </a:fillRef>
+          <a:effectRef idx="0">
+            <a:schemeClr val="accent1"/>
+          </a:effectRef>
+          <a:fontRef idx="minor">
+            <a:schemeClr val="lt1"/>
+          </a:fontRef>
+        </p:style>
         <p:txBody>
-          <a:bodyPr wrap="square">
-            <a:spAutoFit/>
-          </a:bodyPr>
+          <a:bodyPr rtlCol="0" anchor="ctr"/>
           <a:lstStyle/>
           <a:p>
-            <a:pPr marL="285750" indent="-285750">
-              <a:buFont typeface="Arial" panose="020B0604020202020204" pitchFamily="34" charset="0"/>
-              <a:buChar char="•"/>
-            </a:pPr>
-            <a:r>
-              <a:rPr lang="en-US" sz="2400" b="1" dirty="0"/>
-              <a:t>Classic High Computation Problem: </a:t>
-            </a:r>
-          </a:p>
-          <a:p>
-            <a:pPr marL="742950" lvl="1" indent="-285750">
-              <a:buFont typeface="Arial" panose="020B0604020202020204" pitchFamily="34" charset="0"/>
-              <a:buChar char="•"/>
-            </a:pPr>
-            <a:r>
-              <a:rPr lang="en-US" sz="2000" dirty="0"/>
-              <a:t>Each of the </a:t>
-            </a:r>
-            <a:r>
-              <a:rPr lang="en-US" sz="2000" b="1" i="1" dirty="0"/>
-              <a:t>N</a:t>
-            </a:r>
-            <a:r>
-              <a:rPr lang="en-US" sz="2000" dirty="0"/>
-              <a:t> bodies must calculate its net force from interacting with the other bodies. </a:t>
-            </a:r>
-          </a:p>
-          <a:p>
-            <a:pPr marL="742950" lvl="1" indent="-285750">
-              <a:buFont typeface="Arial" panose="020B0604020202020204" pitchFamily="34" charset="0"/>
-              <a:buChar char="•"/>
-            </a:pPr>
-            <a:r>
-              <a:rPr lang="en-US" sz="2000" dirty="0"/>
-              <a:t>At each time step, the forces between body pairs can be computed independently, making the problem obviously parallel.</a:t>
-            </a:r>
+            <a:pPr algn="ctr"/>
+            <a:endParaRPr lang="en-US"/>
           </a:p>
         </p:txBody>
       </p:sp>
-      <mc:AlternateContent xmlns:mc="http://schemas.openxmlformats.org/markup-compatibility/2006" xmlns:a14="http://schemas.microsoft.com/office/drawing/2010/main">
-        <mc:Choice Requires="a14">
+      <p:sp>
+        <p:nvSpPr>
+          <p:cNvPr id="10" name="Oval 9">
+            <a:extLst>
+              <a:ext uri="{FF2B5EF4-FFF2-40B4-BE49-F238E27FC236}">
+                <a16:creationId xmlns:a16="http://schemas.microsoft.com/office/drawing/2014/main" id="{F4D75A5A-9FE7-DFF2-0340-F4D43032D61A}"/>
+              </a:ext>
+            </a:extLst>
+          </p:cNvPr>
+          <p:cNvSpPr/>
+          <p:nvPr/>
+        </p:nvSpPr>
+        <p:spPr>
+          <a:xfrm>
+            <a:off x="9012036" y="1674909"/>
+            <a:ext cx="589547" cy="565484"/>
+          </a:xfrm>
+          <a:prstGeom prst="ellipse">
+            <a:avLst/>
+          </a:prstGeom>
+          <a:solidFill>
+            <a:schemeClr val="tx1"/>
+          </a:solidFill>
+          <a:ln w="12700" cap="flat" cmpd="sng" algn="ctr">
+            <a:solidFill>
+              <a:schemeClr val="accent1">
+                <a:shade val="50000"/>
+              </a:schemeClr>
+            </a:solidFill>
+            <a:prstDash val="solid"/>
+            <a:miter lim="800000"/>
+          </a:ln>
+          <a:effectLst/>
+        </p:spPr>
+        <p:style>
+          <a:lnRef idx="2">
+            <a:schemeClr val="accent1">
+              <a:shade val="50000"/>
+            </a:schemeClr>
+          </a:lnRef>
+          <a:fillRef idx="1">
+            <a:schemeClr val="accent1"/>
+          </a:fillRef>
+          <a:effectRef idx="0">
+            <a:schemeClr val="accent1"/>
+          </a:effectRef>
+          <a:fontRef idx="minor">
+            <a:schemeClr val="lt1"/>
+          </a:fontRef>
+        </p:style>
+        <p:txBody>
+          <a:bodyPr rtlCol="0" anchor="ctr"/>
+          <a:lstStyle/>
+          <a:p>
+            <a:pPr algn="ctr"/>
+            <a:endParaRPr lang="en-US"/>
+          </a:p>
+        </p:txBody>
+      </p:sp>
+      <p:sp>
+        <p:nvSpPr>
+          <p:cNvPr id="20" name="Oval 19">
+            <a:extLst>
+              <a:ext uri="{FF2B5EF4-FFF2-40B4-BE49-F238E27FC236}">
+                <a16:creationId xmlns:a16="http://schemas.microsoft.com/office/drawing/2014/main" id="{256545DF-42B0-C6CF-E4AF-91475EAAFE94}"/>
+              </a:ext>
+            </a:extLst>
+          </p:cNvPr>
+          <p:cNvSpPr/>
+          <p:nvPr/>
+        </p:nvSpPr>
+        <p:spPr>
+          <a:xfrm>
+            <a:off x="9988326" y="2681635"/>
+            <a:ext cx="589547" cy="565484"/>
+          </a:xfrm>
+          <a:prstGeom prst="ellipse">
+            <a:avLst/>
+          </a:prstGeom>
+          <a:solidFill>
+            <a:schemeClr val="tx1"/>
+          </a:solidFill>
+          <a:ln w="12700" cap="flat" cmpd="sng" algn="ctr">
+            <a:solidFill>
+              <a:schemeClr val="accent1">
+                <a:shade val="50000"/>
+              </a:schemeClr>
+            </a:solidFill>
+            <a:prstDash val="solid"/>
+            <a:miter lim="800000"/>
+          </a:ln>
+          <a:effectLst/>
+        </p:spPr>
+        <p:style>
+          <a:lnRef idx="2">
+            <a:schemeClr val="accent1">
+              <a:shade val="50000"/>
+            </a:schemeClr>
+          </a:lnRef>
+          <a:fillRef idx="1">
+            <a:schemeClr val="accent1"/>
+          </a:fillRef>
+          <a:effectRef idx="0">
+            <a:schemeClr val="accent1"/>
+          </a:effectRef>
+          <a:fontRef idx="minor">
+            <a:schemeClr val="lt1"/>
+          </a:fontRef>
+        </p:style>
+        <p:txBody>
+          <a:bodyPr rtlCol="0" anchor="ctr"/>
+          <a:lstStyle/>
+          <a:p>
+            <a:pPr algn="ctr"/>
+            <a:endParaRPr lang="en-US"/>
+          </a:p>
+        </p:txBody>
+      </p:sp>
+      <p:sp>
+        <p:nvSpPr>
+          <p:cNvPr id="21" name="Oval 20">
+            <a:extLst>
+              <a:ext uri="{FF2B5EF4-FFF2-40B4-BE49-F238E27FC236}">
+                <a16:creationId xmlns:a16="http://schemas.microsoft.com/office/drawing/2014/main" id="{5742A2C4-BB46-54C4-9D3E-339ABD59C44B}"/>
+              </a:ext>
+            </a:extLst>
+          </p:cNvPr>
+          <p:cNvSpPr/>
+          <p:nvPr/>
+        </p:nvSpPr>
+        <p:spPr>
+          <a:xfrm>
+            <a:off x="8412078" y="5831306"/>
+            <a:ext cx="589547" cy="565484"/>
+          </a:xfrm>
+          <a:prstGeom prst="ellipse">
+            <a:avLst/>
+          </a:prstGeom>
+          <a:solidFill>
+            <a:schemeClr val="tx1"/>
+          </a:solidFill>
+          <a:ln w="12700" cap="flat" cmpd="sng" algn="ctr">
+            <a:solidFill>
+              <a:schemeClr val="accent1">
+                <a:shade val="50000"/>
+              </a:schemeClr>
+            </a:solidFill>
+            <a:prstDash val="solid"/>
+            <a:miter lim="800000"/>
+          </a:ln>
+          <a:effectLst/>
+        </p:spPr>
+        <p:style>
+          <a:lnRef idx="2">
+            <a:schemeClr val="accent1">
+              <a:shade val="50000"/>
+            </a:schemeClr>
+          </a:lnRef>
+          <a:fillRef idx="1">
+            <a:schemeClr val="accent1"/>
+          </a:fillRef>
+          <a:effectRef idx="0">
+            <a:schemeClr val="accent1"/>
+          </a:effectRef>
+          <a:fontRef idx="minor">
+            <a:schemeClr val="lt1"/>
+          </a:fontRef>
+        </p:style>
+        <p:txBody>
+          <a:bodyPr rtlCol="0" anchor="ctr"/>
+          <a:lstStyle/>
+          <a:p>
+            <a:pPr algn="ctr"/>
+            <a:endParaRPr lang="en-US"/>
+          </a:p>
+        </p:txBody>
+      </p:sp>
+      <p:sp>
+        <p:nvSpPr>
+          <p:cNvPr id="22" name="Oval 21">
+            <a:extLst>
+              <a:ext uri="{FF2B5EF4-FFF2-40B4-BE49-F238E27FC236}">
+                <a16:creationId xmlns:a16="http://schemas.microsoft.com/office/drawing/2014/main" id="{EEED7906-7512-E5DF-377A-B937866D563B}"/>
+              </a:ext>
+            </a:extLst>
+          </p:cNvPr>
+          <p:cNvSpPr/>
+          <p:nvPr/>
+        </p:nvSpPr>
+        <p:spPr>
+          <a:xfrm>
+            <a:off x="6538105" y="5043238"/>
+            <a:ext cx="589547" cy="565484"/>
+          </a:xfrm>
+          <a:prstGeom prst="ellipse">
+            <a:avLst/>
+          </a:prstGeom>
+          <a:solidFill>
+            <a:schemeClr val="tx1"/>
+          </a:solidFill>
+          <a:ln w="12700" cap="flat" cmpd="sng" algn="ctr">
+            <a:solidFill>
+              <a:schemeClr val="accent1">
+                <a:shade val="50000"/>
+              </a:schemeClr>
+            </a:solidFill>
+            <a:prstDash val="solid"/>
+            <a:miter lim="800000"/>
+          </a:ln>
+          <a:effectLst/>
+        </p:spPr>
+        <p:style>
+          <a:lnRef idx="2">
+            <a:schemeClr val="accent1">
+              <a:shade val="50000"/>
+            </a:schemeClr>
+          </a:lnRef>
+          <a:fillRef idx="1">
+            <a:schemeClr val="accent1"/>
+          </a:fillRef>
+          <a:effectRef idx="0">
+            <a:schemeClr val="accent1"/>
+          </a:effectRef>
+          <a:fontRef idx="minor">
+            <a:schemeClr val="lt1"/>
+          </a:fontRef>
+        </p:style>
+        <p:txBody>
+          <a:bodyPr rtlCol="0" anchor="ctr"/>
+          <a:lstStyle/>
+          <a:p>
+            <a:pPr algn="ctr"/>
+            <a:endParaRPr lang="en-US"/>
+          </a:p>
+        </p:txBody>
+      </p:sp>
+      <p:sp>
+        <p:nvSpPr>
+          <p:cNvPr id="23" name="Oval 22">
+            <a:extLst>
+              <a:ext uri="{FF2B5EF4-FFF2-40B4-BE49-F238E27FC236}">
+                <a16:creationId xmlns:a16="http://schemas.microsoft.com/office/drawing/2014/main" id="{EE559376-1D52-6321-FF0C-CF0CE34C1C01}"/>
+              </a:ext>
+            </a:extLst>
+          </p:cNvPr>
+          <p:cNvSpPr/>
+          <p:nvPr/>
+        </p:nvSpPr>
+        <p:spPr>
+          <a:xfrm>
+            <a:off x="10660170" y="3941345"/>
+            <a:ext cx="589547" cy="565484"/>
+          </a:xfrm>
+          <a:prstGeom prst="ellipse">
+            <a:avLst/>
+          </a:prstGeom>
+          <a:solidFill>
+            <a:schemeClr val="tx1"/>
+          </a:solidFill>
+          <a:ln w="12700" cap="flat" cmpd="sng" algn="ctr">
+            <a:solidFill>
+              <a:schemeClr val="accent1">
+                <a:shade val="50000"/>
+              </a:schemeClr>
+            </a:solidFill>
+            <a:prstDash val="solid"/>
+            <a:miter lim="800000"/>
+          </a:ln>
+          <a:effectLst/>
+        </p:spPr>
+        <p:style>
+          <a:lnRef idx="2">
+            <a:schemeClr val="accent1">
+              <a:shade val="50000"/>
+            </a:schemeClr>
+          </a:lnRef>
+          <a:fillRef idx="1">
+            <a:schemeClr val="accent1"/>
+          </a:fillRef>
+          <a:effectRef idx="0">
+            <a:schemeClr val="accent1"/>
+          </a:effectRef>
+          <a:fontRef idx="minor">
+            <a:schemeClr val="lt1"/>
+          </a:fontRef>
+        </p:style>
+        <p:txBody>
+          <a:bodyPr rtlCol="0" anchor="ctr"/>
+          <a:lstStyle/>
+          <a:p>
+            <a:pPr algn="ctr"/>
+            <a:endParaRPr lang="en-US"/>
+          </a:p>
+        </p:txBody>
+      </p:sp>
+      <p:cxnSp>
+        <p:nvCxnSpPr>
+          <p:cNvPr id="25" name="Straight Arrow Connector 24">
+            <a:extLst>
+              <a:ext uri="{FF2B5EF4-FFF2-40B4-BE49-F238E27FC236}">
+                <a16:creationId xmlns:a16="http://schemas.microsoft.com/office/drawing/2014/main" id="{DB0C9C36-67FF-37BA-F204-03FBEE2B1C6E}"/>
+              </a:ext>
+            </a:extLst>
+          </p:cNvPr>
+          <p:cNvCxnSpPr>
+            <a:stCxn id="8" idx="4"/>
+            <a:endCxn id="22" idx="0"/>
+          </p:cNvCxnSpPr>
+          <p:nvPr/>
+        </p:nvCxnSpPr>
+        <p:spPr>
+          <a:xfrm flipH="1">
+            <a:off x="6832879" y="3515212"/>
+            <a:ext cx="1110130" cy="1528026"/>
+          </a:xfrm>
+          <a:prstGeom prst="straightConnector1">
+            <a:avLst/>
+          </a:prstGeom>
+          <a:ln w="38100">
+            <a:solidFill>
+              <a:schemeClr val="tx1"/>
+            </a:solidFill>
+            <a:tailEnd type="triangle"/>
+          </a:ln>
+        </p:spPr>
+        <p:style>
+          <a:lnRef idx="1">
+            <a:schemeClr val="accent1"/>
+          </a:lnRef>
+          <a:fillRef idx="0">
+            <a:schemeClr val="accent1"/>
+          </a:fillRef>
+          <a:effectRef idx="0">
+            <a:schemeClr val="accent1"/>
+          </a:effectRef>
+          <a:fontRef idx="minor">
+            <a:schemeClr val="tx1"/>
+          </a:fontRef>
+        </p:style>
+      </p:cxnSp>
+      <p:cxnSp>
+        <p:nvCxnSpPr>
+          <p:cNvPr id="27" name="Straight Arrow Connector 26">
+            <a:extLst>
+              <a:ext uri="{FF2B5EF4-FFF2-40B4-BE49-F238E27FC236}">
+                <a16:creationId xmlns:a16="http://schemas.microsoft.com/office/drawing/2014/main" id="{42308BA0-49D2-87C0-03B7-69CB7D15F82E}"/>
+              </a:ext>
+            </a:extLst>
+          </p:cNvPr>
+          <p:cNvCxnSpPr>
+            <a:cxnSpLocks/>
+            <a:stCxn id="8" idx="5"/>
+            <a:endCxn id="21" idx="1"/>
+          </p:cNvCxnSpPr>
+          <p:nvPr/>
+        </p:nvCxnSpPr>
+        <p:spPr>
+          <a:xfrm>
+            <a:off x="8151445" y="3432399"/>
+            <a:ext cx="346970" cy="2481720"/>
+          </a:xfrm>
+          <a:prstGeom prst="straightConnector1">
+            <a:avLst/>
+          </a:prstGeom>
+          <a:ln w="38100">
+            <a:solidFill>
+              <a:schemeClr val="tx1"/>
+            </a:solidFill>
+            <a:tailEnd type="triangle"/>
+          </a:ln>
+        </p:spPr>
+        <p:style>
+          <a:lnRef idx="1">
+            <a:schemeClr val="accent1"/>
+          </a:lnRef>
+          <a:fillRef idx="0">
+            <a:schemeClr val="accent1"/>
+          </a:fillRef>
+          <a:effectRef idx="0">
+            <a:schemeClr val="accent1"/>
+          </a:effectRef>
+          <a:fontRef idx="minor">
+            <a:schemeClr val="tx1"/>
+          </a:fontRef>
+        </p:style>
+      </p:cxnSp>
+      <p:cxnSp>
+        <p:nvCxnSpPr>
+          <p:cNvPr id="30" name="Straight Arrow Connector 29">
+            <a:extLst>
+              <a:ext uri="{FF2B5EF4-FFF2-40B4-BE49-F238E27FC236}">
+                <a16:creationId xmlns:a16="http://schemas.microsoft.com/office/drawing/2014/main" id="{C4718140-4859-9863-78EA-4AA8D4C937F4}"/>
+              </a:ext>
+            </a:extLst>
+          </p:cNvPr>
+          <p:cNvCxnSpPr>
+            <a:cxnSpLocks/>
+            <a:stCxn id="8" idx="6"/>
+            <a:endCxn id="23" idx="2"/>
+          </p:cNvCxnSpPr>
+          <p:nvPr/>
+        </p:nvCxnSpPr>
+        <p:spPr>
+          <a:xfrm>
+            <a:off x="8237782" y="3232470"/>
+            <a:ext cx="2422388" cy="991617"/>
+          </a:xfrm>
+          <a:prstGeom prst="straightConnector1">
+            <a:avLst/>
+          </a:prstGeom>
+          <a:ln w="38100">
+            <a:solidFill>
+              <a:schemeClr val="tx1"/>
+            </a:solidFill>
+            <a:tailEnd type="triangle"/>
+          </a:ln>
+        </p:spPr>
+        <p:style>
+          <a:lnRef idx="1">
+            <a:schemeClr val="accent1"/>
+          </a:lnRef>
+          <a:fillRef idx="0">
+            <a:schemeClr val="accent1"/>
+          </a:fillRef>
+          <a:effectRef idx="0">
+            <a:schemeClr val="accent1"/>
+          </a:effectRef>
+          <a:fontRef idx="minor">
+            <a:schemeClr val="tx1"/>
+          </a:fontRef>
+        </p:style>
+      </p:cxnSp>
+      <p:cxnSp>
+        <p:nvCxnSpPr>
+          <p:cNvPr id="33" name="Straight Arrow Connector 32">
+            <a:extLst>
+              <a:ext uri="{FF2B5EF4-FFF2-40B4-BE49-F238E27FC236}">
+                <a16:creationId xmlns:a16="http://schemas.microsoft.com/office/drawing/2014/main" id="{B1E45DEB-E24C-0E70-4E25-8551F070920C}"/>
+              </a:ext>
+            </a:extLst>
+          </p:cNvPr>
+          <p:cNvCxnSpPr>
+            <a:cxnSpLocks/>
+            <a:stCxn id="8" idx="7"/>
+            <a:endCxn id="10" idx="2"/>
+          </p:cNvCxnSpPr>
+          <p:nvPr/>
+        </p:nvCxnSpPr>
+        <p:spPr>
+          <a:xfrm flipV="1">
+            <a:off x="8151445" y="1957651"/>
+            <a:ext cx="860591" cy="1074890"/>
+          </a:xfrm>
+          <a:prstGeom prst="straightConnector1">
+            <a:avLst/>
+          </a:prstGeom>
+          <a:ln w="38100">
+            <a:solidFill>
+              <a:schemeClr val="tx1"/>
+            </a:solidFill>
+            <a:tailEnd type="triangle"/>
+          </a:ln>
+        </p:spPr>
+        <p:style>
+          <a:lnRef idx="1">
+            <a:schemeClr val="accent1"/>
+          </a:lnRef>
+          <a:fillRef idx="0">
+            <a:schemeClr val="accent1"/>
+          </a:fillRef>
+          <a:effectRef idx="0">
+            <a:schemeClr val="accent1"/>
+          </a:effectRef>
+          <a:fontRef idx="minor">
+            <a:schemeClr val="tx1"/>
+          </a:fontRef>
+        </p:style>
+      </p:cxnSp>
+      <p:cxnSp>
+        <p:nvCxnSpPr>
+          <p:cNvPr id="36" name="Straight Arrow Connector 35">
+            <a:extLst>
+              <a:ext uri="{FF2B5EF4-FFF2-40B4-BE49-F238E27FC236}">
+                <a16:creationId xmlns:a16="http://schemas.microsoft.com/office/drawing/2014/main" id="{B4741148-8523-120C-C061-99225B3B8E3C}"/>
+              </a:ext>
+            </a:extLst>
+          </p:cNvPr>
+          <p:cNvCxnSpPr>
+            <a:cxnSpLocks/>
+            <a:stCxn id="8" idx="6"/>
+            <a:endCxn id="20" idx="2"/>
+          </p:cNvCxnSpPr>
+          <p:nvPr/>
+        </p:nvCxnSpPr>
+        <p:spPr>
+          <a:xfrm flipV="1">
+            <a:off x="8237782" y="2964377"/>
+            <a:ext cx="1750544" cy="268093"/>
+          </a:xfrm>
+          <a:prstGeom prst="straightConnector1">
+            <a:avLst/>
+          </a:prstGeom>
+          <a:ln w="38100">
+            <a:solidFill>
+              <a:schemeClr val="tx1"/>
+            </a:solidFill>
+            <a:tailEnd type="triangle"/>
+          </a:ln>
+        </p:spPr>
+        <p:style>
+          <a:lnRef idx="1">
+            <a:schemeClr val="accent1"/>
+          </a:lnRef>
+          <a:fillRef idx="0">
+            <a:schemeClr val="accent1"/>
+          </a:fillRef>
+          <a:effectRef idx="0">
+            <a:schemeClr val="accent1"/>
+          </a:effectRef>
+          <a:fontRef idx="minor">
+            <a:schemeClr val="tx1"/>
+          </a:fontRef>
+        </p:style>
+      </p:cxnSp>
+      <p:cxnSp>
+        <p:nvCxnSpPr>
+          <p:cNvPr id="39" name="Straight Arrow Connector 38">
+            <a:extLst>
+              <a:ext uri="{FF2B5EF4-FFF2-40B4-BE49-F238E27FC236}">
+                <a16:creationId xmlns:a16="http://schemas.microsoft.com/office/drawing/2014/main" id="{9F9BF616-CD17-A07A-62D6-927840D985A8}"/>
+              </a:ext>
+            </a:extLst>
+          </p:cNvPr>
+          <p:cNvCxnSpPr>
+            <a:cxnSpLocks/>
+            <a:stCxn id="8" idx="5"/>
+            <a:endCxn id="9" idx="2"/>
+          </p:cNvCxnSpPr>
+          <p:nvPr/>
+        </p:nvCxnSpPr>
+        <p:spPr>
+          <a:xfrm>
+            <a:off x="8151445" y="3432399"/>
+            <a:ext cx="1450138" cy="1473584"/>
+          </a:xfrm>
+          <a:prstGeom prst="straightConnector1">
+            <a:avLst/>
+          </a:prstGeom>
+          <a:ln w="38100">
+            <a:solidFill>
+              <a:schemeClr val="tx1"/>
+            </a:solidFill>
+            <a:tailEnd type="triangle"/>
+          </a:ln>
+        </p:spPr>
+        <p:style>
+          <a:lnRef idx="1">
+            <a:schemeClr val="accent1"/>
+          </a:lnRef>
+          <a:fillRef idx="0">
+            <a:schemeClr val="accent1"/>
+          </a:fillRef>
+          <a:effectRef idx="0">
+            <a:schemeClr val="accent1"/>
+          </a:effectRef>
+          <a:fontRef idx="minor">
+            <a:schemeClr val="tx1"/>
+          </a:fontRef>
+        </p:style>
+      </p:cxnSp>
+      <mc:AlternateContent xmlns:mc="http://schemas.openxmlformats.org/markup-compatibility/2006">
+        <mc:Choice xmlns:a14="http://schemas.microsoft.com/office/drawing/2010/main" Requires="a14">
           <p:sp>
             <p:nvSpPr>
-              <p:cNvPr id="7" name="TextBox 6">
+              <p:cNvPr id="62" name="TextBox 61">
                 <a:extLst>
                   <a:ext uri="{FF2B5EF4-FFF2-40B4-BE49-F238E27FC236}">
-                    <a16:creationId xmlns:a16="http://schemas.microsoft.com/office/drawing/2014/main" id="{7DC4DAC8-168E-68FB-AD57-66F7881B403C}"/>
+                    <a16:creationId xmlns:a16="http://schemas.microsoft.com/office/drawing/2014/main" id="{0200116F-8D4E-2D79-170A-6B24CAEB13EB}"/>
                   </a:ext>
                 </a:extLst>
               </p:cNvPr>
@@ -9336,8 +10171,8 @@
             </p:nvSpPr>
             <p:spPr>
               <a:xfrm>
-                <a:off x="827481" y="4490645"/>
-                <a:ext cx="10518941" cy="1692771"/>
+                <a:off x="868367" y="3017309"/>
+                <a:ext cx="3699711" cy="1155253"/>
               </a:xfrm>
               <a:prstGeom prst="rect">
                 <a:avLst/>
@@ -9345,134 +10180,144 @@
               <a:noFill/>
             </p:spPr>
             <p:txBody>
-              <a:bodyPr wrap="square">
+              <a:bodyPr wrap="square" lIns="0" tIns="0" rIns="0" bIns="0" rtlCol="0">
                 <a:spAutoFit/>
               </a:bodyPr>
               <a:lstStyle/>
               <a:p>
-                <a:pPr marL="285750" indent="-285750">
-                  <a:buFont typeface="Arial" panose="020B0604020202020204" pitchFamily="34" charset="0"/>
-                  <a:buChar char="•"/>
-                </a:pPr>
-                <a:r>
-                  <a:rPr lang="en-US" sz="2400" b="1" dirty="0"/>
-                  <a:t>Naïve Approach:</a:t>
-                </a:r>
-              </a:p>
-              <a:p>
-                <a:pPr marL="742950" lvl="1" indent="-285750">
-                  <a:buFont typeface="Arial" panose="020B0604020202020204" pitchFamily="34" charset="0"/>
-                  <a:buChar char="•"/>
-                </a:pPr>
-                <a:r>
-                  <a:rPr lang="en-US" sz="2000" dirty="0"/>
-                  <a:t>For each body </a:t>
-                </a:r>
-                <a:r>
-                  <a:rPr lang="en-US" sz="2000" b="1" i="1" dirty="0" err="1"/>
-                  <a:t>i</a:t>
-                </a:r>
-                <a:r>
-                  <a:rPr lang="en-US" sz="2000" dirty="0"/>
-                  <a:t>, loop over every other body </a:t>
-                </a:r>
-                <a:r>
-                  <a:rPr lang="en-US" sz="2000" b="1" i="1" dirty="0"/>
-                  <a:t>j</a:t>
-                </a:r>
-                <a:r>
-                  <a:rPr lang="en-US" sz="2000" dirty="0"/>
-                  <a:t> to compute the pairwise gravitational force.</a:t>
-                </a:r>
-              </a:p>
-              <a:p>
-                <a:pPr marL="742950" lvl="1" indent="-285750">
-                  <a:buFont typeface="Arial" panose="020B0604020202020204" pitchFamily="34" charset="0"/>
-                  <a:buChar char="•"/>
-                </a:pPr>
-                <a:r>
-                  <a:rPr lang="en-US" sz="2000" dirty="0"/>
-                  <a:t>Accumulate net force on each body as acceleration, then update velocity and position.</a:t>
-                </a:r>
-              </a:p>
-              <a:p>
-                <a:pPr marL="742950" lvl="1" indent="-285750">
-                  <a:buFont typeface="Arial" panose="020B0604020202020204" pitchFamily="34" charset="0"/>
-                  <a:buChar char="•"/>
-                </a:pPr>
-                <a:r>
-                  <a:rPr lang="en-US" sz="2000" dirty="0"/>
-                  <a:t>The time complexity for this is </a:t>
-                </a:r>
                 <a14:m>
-                  <m:oMath xmlns:m="http://schemas.openxmlformats.org/officeDocument/2006/math">
-                    <m:r>
-                      <a:rPr lang="en-US" sz="2000" i="1">
-                        <a:latin typeface="Cambria Math" panose="02040503050406030204" pitchFamily="18" charset="0"/>
-                      </a:rPr>
-                      <m:t>𝑂</m:t>
-                    </m:r>
-                    <m:d>
-                      <m:dPr>
-                        <m:ctrlPr>
-                          <a:rPr lang="en-US" sz="2000" i="1">
-                            <a:latin typeface="Cambria Math" panose="02040503050406030204" pitchFamily="18" charset="0"/>
-                          </a:rPr>
-                        </m:ctrlPr>
-                      </m:dPr>
-                      <m:e>
-                        <m:sSup>
-                          <m:sSupPr>
-                            <m:ctrlPr>
-                              <a:rPr lang="en-US" sz="2000" i="1">
-                                <a:latin typeface="Cambria Math" panose="02040503050406030204" pitchFamily="18" charset="0"/>
-                              </a:rPr>
-                            </m:ctrlPr>
-                          </m:sSupPr>
-                          <m:e>
-                            <m:r>
-                              <a:rPr lang="en-US" sz="2000" i="1">
-                                <a:latin typeface="Cambria Math" panose="02040503050406030204" pitchFamily="18" charset="0"/>
-                              </a:rPr>
-                              <m:t>𝑁</m:t>
-                            </m:r>
-                          </m:e>
-                          <m:sup>
-                            <m:r>
-                              <a:rPr lang="en-US" sz="2000" i="1">
-                                <a:latin typeface="Cambria Math" panose="02040503050406030204" pitchFamily="18" charset="0"/>
-                              </a:rPr>
-                              <m:t>2</m:t>
-                            </m:r>
-                          </m:sup>
-                        </m:sSup>
-                      </m:e>
-                    </m:d>
-                  </m:oMath>
+                  <m:oMathPara xmlns:m="http://schemas.openxmlformats.org/officeDocument/2006/math">
+                    <m:oMathParaPr>
+                      <m:jc m:val="centerGroup"/>
+                    </m:oMathParaPr>
+                    <m:oMath xmlns:m="http://schemas.openxmlformats.org/officeDocument/2006/math">
+                      <m:r>
+                        <a:rPr lang="en-US" sz="4400" b="1" i="1" smtClean="0">
+                          <a:latin typeface="Cambria Math" panose="02040503050406030204" pitchFamily="18" charset="0"/>
+                        </a:rPr>
+                        <m:t>𝑭</m:t>
+                      </m:r>
+                      <m:r>
+                        <a:rPr lang="en-US" sz="4400" b="1" i="1" smtClean="0">
+                          <a:latin typeface="Cambria Math" panose="02040503050406030204" pitchFamily="18" charset="0"/>
+                        </a:rPr>
+                        <m:t>=</m:t>
+                      </m:r>
+                      <m:r>
+                        <a:rPr lang="en-US" sz="4400" b="1" i="1" smtClean="0">
+                          <a:latin typeface="Cambria Math" panose="02040503050406030204" pitchFamily="18" charset="0"/>
+                        </a:rPr>
+                        <m:t>𝑮</m:t>
+                      </m:r>
+                      <m:f>
+                        <m:fPr>
+                          <m:ctrlPr>
+                            <a:rPr lang="en-US" sz="4400" b="1" i="1" smtClean="0">
+                              <a:latin typeface="Cambria Math" panose="02040503050406030204" pitchFamily="18" charset="0"/>
+                            </a:rPr>
+                          </m:ctrlPr>
+                        </m:fPr>
+                        <m:num>
+                          <m:sSub>
+                            <m:sSubPr>
+                              <m:ctrlPr>
+                                <a:rPr lang="en-US" sz="4400" b="1" i="1" smtClean="0">
+                                  <a:latin typeface="Cambria Math" panose="02040503050406030204" pitchFamily="18" charset="0"/>
+                                </a:rPr>
+                              </m:ctrlPr>
+                            </m:sSubPr>
+                            <m:e>
+                              <m:r>
+                                <a:rPr lang="en-US" sz="4400" b="1" i="1" smtClean="0">
+                                  <a:latin typeface="Cambria Math" panose="02040503050406030204" pitchFamily="18" charset="0"/>
+                                </a:rPr>
+                                <m:t>𝒎</m:t>
+                              </m:r>
+                            </m:e>
+                            <m:sub>
+                              <m:r>
+                                <a:rPr lang="en-US" sz="4400" b="1" i="1" smtClean="0">
+                                  <a:latin typeface="Cambria Math" panose="02040503050406030204" pitchFamily="18" charset="0"/>
+                                </a:rPr>
+                                <m:t>𝟏</m:t>
+                              </m:r>
+                              <m:r>
+                                <a:rPr lang="en-US" sz="4400" b="1" i="1" smtClean="0">
+                                  <a:latin typeface="Cambria Math" panose="02040503050406030204" pitchFamily="18" charset="0"/>
+                                </a:rPr>
+                                <m:t>∗</m:t>
+                              </m:r>
+                            </m:sub>
+                          </m:sSub>
+                          <m:sSub>
+                            <m:sSubPr>
+                              <m:ctrlPr>
+                                <a:rPr lang="en-US" sz="4400" b="1" i="1" smtClean="0">
+                                  <a:latin typeface="Cambria Math" panose="02040503050406030204" pitchFamily="18" charset="0"/>
+                                </a:rPr>
+                              </m:ctrlPr>
+                            </m:sSubPr>
+                            <m:e>
+                              <m:r>
+                                <a:rPr lang="en-US" sz="4400" b="1" i="1" smtClean="0">
+                                  <a:latin typeface="Cambria Math" panose="02040503050406030204" pitchFamily="18" charset="0"/>
+                                </a:rPr>
+                                <m:t>𝒎</m:t>
+                              </m:r>
+                            </m:e>
+                            <m:sub>
+                              <m:r>
+                                <a:rPr lang="en-US" sz="4400" b="1" i="1" smtClean="0">
+                                  <a:latin typeface="Cambria Math" panose="02040503050406030204" pitchFamily="18" charset="0"/>
+                                </a:rPr>
+                                <m:t>𝟐</m:t>
+                              </m:r>
+                            </m:sub>
+                          </m:sSub>
+                        </m:num>
+                        <m:den>
+                          <m:sSup>
+                            <m:sSupPr>
+                              <m:ctrlPr>
+                                <a:rPr lang="en-US" sz="4400" b="1" i="1" smtClean="0">
+                                  <a:latin typeface="Cambria Math" panose="02040503050406030204" pitchFamily="18" charset="0"/>
+                                </a:rPr>
+                              </m:ctrlPr>
+                            </m:sSupPr>
+                            <m:e>
+                              <m:r>
+                                <a:rPr lang="en-US" sz="4400" b="1" i="1" smtClean="0">
+                                  <a:latin typeface="Cambria Math" panose="02040503050406030204" pitchFamily="18" charset="0"/>
+                                </a:rPr>
+                                <m:t>𝒓</m:t>
+                              </m:r>
+                            </m:e>
+                            <m:sup>
+                              <m:r>
+                                <a:rPr lang="en-US" sz="4400" b="1" i="1" smtClean="0">
+                                  <a:latin typeface="Cambria Math" panose="02040503050406030204" pitchFamily="18" charset="0"/>
+                                </a:rPr>
+                                <m:t>𝟐</m:t>
+                              </m:r>
+                            </m:sup>
+                          </m:sSup>
+                        </m:den>
+                      </m:f>
+                    </m:oMath>
+                  </m:oMathPara>
                 </a14:m>
-                <a:r>
-                  <a:rPr lang="en-US" sz="2000" dirty="0"/>
-                  <a:t> which is obviously not good if we are trying to maximize </a:t>
-                </a:r>
-                <a:r>
-                  <a:rPr lang="en-US" sz="2000" b="1" i="1" dirty="0"/>
-                  <a:t>N</a:t>
-                </a:r>
-                <a:r>
-                  <a:rPr lang="en-US" sz="2000" dirty="0"/>
-                  <a:t>.</a:t>
-                </a:r>
+                <a:endParaRPr lang="en-US" sz="4400" b="1" dirty="0"/>
               </a:p>
             </p:txBody>
           </p:sp>
         </mc:Choice>
-        <mc:Fallback xmlns="">
+        <mc:Fallback>
           <p:sp>
             <p:nvSpPr>
-              <p:cNvPr id="7" name="TextBox 6">
+              <p:cNvPr id="62" name="TextBox 61">
                 <a:extLst>
                   <a:ext uri="{FF2B5EF4-FFF2-40B4-BE49-F238E27FC236}">
-                    <a16:creationId xmlns:a16="http://schemas.microsoft.com/office/drawing/2014/main" id="{7DC4DAC8-168E-68FB-AD57-66F7881B403C}"/>
+                    <a16:creationId xmlns:a16="http://schemas.microsoft.com/office/drawing/2014/main" id="{0200116F-8D4E-2D79-170A-6B24CAEB13EB}"/>
                   </a:ext>
                 </a:extLst>
               </p:cNvPr>
@@ -9483,8 +10328,8 @@
             </p:nvSpPr>
             <p:spPr>
               <a:xfrm>
-                <a:off x="827481" y="4490645"/>
-                <a:ext cx="10518941" cy="1692771"/>
+                <a:off x="868367" y="3017309"/>
+                <a:ext cx="3699711" cy="1155253"/>
               </a:xfrm>
               <a:prstGeom prst="rect">
                 <a:avLst/>
@@ -9492,7 +10337,7 @@
               <a:blipFill>
                 <a:blip r:embed="rId3"/>
                 <a:stretch>
-                  <a:fillRect l="-812" t="-2888" b="-6137"/>
+                  <a:fillRect b="-529"/>
                 </a:stretch>
               </a:blipFill>
             </p:spPr>
@@ -9511,6 +10356,426 @@
           </p:sp>
         </mc:Fallback>
       </mc:AlternateContent>
+      <p:sp>
+        <p:nvSpPr>
+          <p:cNvPr id="63" name="Oval 62">
+            <a:extLst>
+              <a:ext uri="{FF2B5EF4-FFF2-40B4-BE49-F238E27FC236}">
+                <a16:creationId xmlns:a16="http://schemas.microsoft.com/office/drawing/2014/main" id="{3ED968A1-B4C7-BC4F-CC15-04F1737E5D1E}"/>
+              </a:ext>
+            </a:extLst>
+          </p:cNvPr>
+          <p:cNvSpPr/>
+          <p:nvPr/>
+        </p:nvSpPr>
+        <p:spPr>
+          <a:xfrm>
+            <a:off x="6744808" y="1502443"/>
+            <a:ext cx="589547" cy="565484"/>
+          </a:xfrm>
+          <a:prstGeom prst="ellipse">
+            <a:avLst/>
+          </a:prstGeom>
+          <a:solidFill>
+            <a:schemeClr val="tx1"/>
+          </a:solidFill>
+          <a:ln w="12700" cap="flat" cmpd="sng" algn="ctr">
+            <a:solidFill>
+              <a:schemeClr val="accent1">
+                <a:shade val="50000"/>
+              </a:schemeClr>
+            </a:solidFill>
+            <a:prstDash val="solid"/>
+            <a:miter lim="800000"/>
+          </a:ln>
+          <a:effectLst/>
+        </p:spPr>
+        <p:style>
+          <a:lnRef idx="2">
+            <a:schemeClr val="accent1">
+              <a:shade val="50000"/>
+            </a:schemeClr>
+          </a:lnRef>
+          <a:fillRef idx="1">
+            <a:schemeClr val="accent1"/>
+          </a:fillRef>
+          <a:effectRef idx="0">
+            <a:schemeClr val="accent1"/>
+          </a:effectRef>
+          <a:fontRef idx="minor">
+            <a:schemeClr val="lt1"/>
+          </a:fontRef>
+        </p:style>
+        <p:txBody>
+          <a:bodyPr rtlCol="0" anchor="ctr"/>
+          <a:lstStyle/>
+          <a:p>
+            <a:pPr algn="ctr"/>
+            <a:endParaRPr lang="en-US"/>
+          </a:p>
+        </p:txBody>
+      </p:sp>
+      <p:sp>
+        <p:nvSpPr>
+          <p:cNvPr id="1024" name="Oval 1023">
+            <a:extLst>
+              <a:ext uri="{FF2B5EF4-FFF2-40B4-BE49-F238E27FC236}">
+                <a16:creationId xmlns:a16="http://schemas.microsoft.com/office/drawing/2014/main" id="{DB1E466C-631C-9708-7439-061D5F399D08}"/>
+              </a:ext>
+            </a:extLst>
+          </p:cNvPr>
+          <p:cNvSpPr/>
+          <p:nvPr/>
+        </p:nvSpPr>
+        <p:spPr>
+          <a:xfrm>
+            <a:off x="6096000" y="2815681"/>
+            <a:ext cx="589547" cy="565484"/>
+          </a:xfrm>
+          <a:prstGeom prst="ellipse">
+            <a:avLst/>
+          </a:prstGeom>
+          <a:solidFill>
+            <a:schemeClr val="tx1"/>
+          </a:solidFill>
+          <a:ln w="12700" cap="flat" cmpd="sng" algn="ctr">
+            <a:solidFill>
+              <a:schemeClr val="accent1">
+                <a:shade val="50000"/>
+              </a:schemeClr>
+            </a:solidFill>
+            <a:prstDash val="solid"/>
+            <a:miter lim="800000"/>
+          </a:ln>
+          <a:effectLst/>
+        </p:spPr>
+        <p:style>
+          <a:lnRef idx="2">
+            <a:schemeClr val="accent1">
+              <a:shade val="50000"/>
+            </a:schemeClr>
+          </a:lnRef>
+          <a:fillRef idx="1">
+            <a:schemeClr val="accent1"/>
+          </a:fillRef>
+          <a:effectRef idx="0">
+            <a:schemeClr val="accent1"/>
+          </a:effectRef>
+          <a:fontRef idx="minor">
+            <a:schemeClr val="lt1"/>
+          </a:fontRef>
+        </p:style>
+        <p:txBody>
+          <a:bodyPr rtlCol="0" anchor="ctr"/>
+          <a:lstStyle/>
+          <a:p>
+            <a:pPr algn="ctr"/>
+            <a:endParaRPr lang="en-US"/>
+          </a:p>
+        </p:txBody>
+      </p:sp>
+      <p:sp>
+        <p:nvSpPr>
+          <p:cNvPr id="1025" name="Oval 1024">
+            <a:extLst>
+              <a:ext uri="{FF2B5EF4-FFF2-40B4-BE49-F238E27FC236}">
+                <a16:creationId xmlns:a16="http://schemas.microsoft.com/office/drawing/2014/main" id="{D299AB78-0413-361C-18ED-57FDD29AC747}"/>
+              </a:ext>
+            </a:extLst>
+          </p:cNvPr>
+          <p:cNvSpPr/>
+          <p:nvPr/>
+        </p:nvSpPr>
+        <p:spPr>
+          <a:xfrm>
+            <a:off x="5192602" y="4477754"/>
+            <a:ext cx="589547" cy="565484"/>
+          </a:xfrm>
+          <a:prstGeom prst="ellipse">
+            <a:avLst/>
+          </a:prstGeom>
+          <a:solidFill>
+            <a:schemeClr val="tx1"/>
+          </a:solidFill>
+          <a:ln w="12700" cap="flat" cmpd="sng" algn="ctr">
+            <a:solidFill>
+              <a:schemeClr val="accent1">
+                <a:shade val="50000"/>
+              </a:schemeClr>
+            </a:solidFill>
+            <a:prstDash val="solid"/>
+            <a:miter lim="800000"/>
+          </a:ln>
+          <a:effectLst/>
+        </p:spPr>
+        <p:style>
+          <a:lnRef idx="2">
+            <a:schemeClr val="accent1">
+              <a:shade val="50000"/>
+            </a:schemeClr>
+          </a:lnRef>
+          <a:fillRef idx="1">
+            <a:schemeClr val="accent1"/>
+          </a:fillRef>
+          <a:effectRef idx="0">
+            <a:schemeClr val="accent1"/>
+          </a:effectRef>
+          <a:fontRef idx="minor">
+            <a:schemeClr val="lt1"/>
+          </a:fontRef>
+        </p:style>
+        <p:txBody>
+          <a:bodyPr rtlCol="0" anchor="ctr"/>
+          <a:lstStyle/>
+          <a:p>
+            <a:pPr algn="ctr"/>
+            <a:endParaRPr lang="en-US"/>
+          </a:p>
+        </p:txBody>
+      </p:sp>
+      <p:sp>
+        <p:nvSpPr>
+          <p:cNvPr id="1027" name="Oval 1026">
+            <a:extLst>
+              <a:ext uri="{FF2B5EF4-FFF2-40B4-BE49-F238E27FC236}">
+                <a16:creationId xmlns:a16="http://schemas.microsoft.com/office/drawing/2014/main" id="{C22C9573-126A-07B5-B559-EF78FFA72C08}"/>
+              </a:ext>
+            </a:extLst>
+          </p:cNvPr>
+          <p:cNvSpPr/>
+          <p:nvPr/>
+        </p:nvSpPr>
+        <p:spPr>
+          <a:xfrm>
+            <a:off x="7353461" y="4462702"/>
+            <a:ext cx="589547" cy="565484"/>
+          </a:xfrm>
+          <a:prstGeom prst="ellipse">
+            <a:avLst/>
+          </a:prstGeom>
+          <a:solidFill>
+            <a:schemeClr val="tx1"/>
+          </a:solidFill>
+          <a:ln w="12700" cap="flat" cmpd="sng" algn="ctr">
+            <a:solidFill>
+              <a:schemeClr val="accent1">
+                <a:shade val="50000"/>
+              </a:schemeClr>
+            </a:solidFill>
+            <a:prstDash val="solid"/>
+            <a:miter lim="800000"/>
+          </a:ln>
+          <a:effectLst/>
+        </p:spPr>
+        <p:style>
+          <a:lnRef idx="2">
+            <a:schemeClr val="accent1">
+              <a:shade val="50000"/>
+            </a:schemeClr>
+          </a:lnRef>
+          <a:fillRef idx="1">
+            <a:schemeClr val="accent1"/>
+          </a:fillRef>
+          <a:effectRef idx="0">
+            <a:schemeClr val="accent1"/>
+          </a:effectRef>
+          <a:fontRef idx="minor">
+            <a:schemeClr val="lt1"/>
+          </a:fontRef>
+        </p:style>
+        <p:txBody>
+          <a:bodyPr rtlCol="0" anchor="ctr"/>
+          <a:lstStyle/>
+          <a:p>
+            <a:pPr algn="ctr"/>
+            <a:endParaRPr lang="en-US"/>
+          </a:p>
+        </p:txBody>
+      </p:sp>
+      <p:cxnSp>
+        <p:nvCxnSpPr>
+          <p:cNvPr id="1028" name="Straight Arrow Connector 1027">
+            <a:extLst>
+              <a:ext uri="{FF2B5EF4-FFF2-40B4-BE49-F238E27FC236}">
+                <a16:creationId xmlns:a16="http://schemas.microsoft.com/office/drawing/2014/main" id="{CF0603B2-5265-DFF1-1712-AAF4A44F9FB4}"/>
+              </a:ext>
+            </a:extLst>
+          </p:cNvPr>
+          <p:cNvCxnSpPr>
+            <a:cxnSpLocks/>
+            <a:stCxn id="8" idx="0"/>
+            <a:endCxn id="63" idx="5"/>
+          </p:cNvCxnSpPr>
+          <p:nvPr/>
+        </p:nvCxnSpPr>
+        <p:spPr>
+          <a:xfrm flipH="1" flipV="1">
+            <a:off x="7248018" y="1985114"/>
+            <a:ext cx="694991" cy="964614"/>
+          </a:xfrm>
+          <a:prstGeom prst="straightConnector1">
+            <a:avLst/>
+          </a:prstGeom>
+          <a:ln w="38100">
+            <a:solidFill>
+              <a:schemeClr val="tx1"/>
+            </a:solidFill>
+            <a:tailEnd type="triangle"/>
+          </a:ln>
+        </p:spPr>
+        <p:style>
+          <a:lnRef idx="1">
+            <a:schemeClr val="accent1"/>
+          </a:lnRef>
+          <a:fillRef idx="0">
+            <a:schemeClr val="accent1"/>
+          </a:fillRef>
+          <a:effectRef idx="0">
+            <a:schemeClr val="accent1"/>
+          </a:effectRef>
+          <a:fontRef idx="minor">
+            <a:schemeClr val="tx1"/>
+          </a:fontRef>
+        </p:style>
+      </p:cxnSp>
+      <p:cxnSp>
+        <p:nvCxnSpPr>
+          <p:cNvPr id="1032" name="Straight Arrow Connector 1031">
+            <a:extLst>
+              <a:ext uri="{FF2B5EF4-FFF2-40B4-BE49-F238E27FC236}">
+                <a16:creationId xmlns:a16="http://schemas.microsoft.com/office/drawing/2014/main" id="{DABFBCCF-988D-3882-CAF4-7B98F75642D0}"/>
+              </a:ext>
+            </a:extLst>
+          </p:cNvPr>
+          <p:cNvCxnSpPr>
+            <a:cxnSpLocks/>
+            <a:stCxn id="8" idx="2"/>
+            <a:endCxn id="1024" idx="7"/>
+          </p:cNvCxnSpPr>
+          <p:nvPr/>
+        </p:nvCxnSpPr>
+        <p:spPr>
+          <a:xfrm flipH="1" flipV="1">
+            <a:off x="6599210" y="2898494"/>
+            <a:ext cx="1049025" cy="333976"/>
+          </a:xfrm>
+          <a:prstGeom prst="straightConnector1">
+            <a:avLst/>
+          </a:prstGeom>
+          <a:ln w="38100">
+            <a:solidFill>
+              <a:schemeClr val="tx1"/>
+            </a:solidFill>
+            <a:tailEnd type="triangle"/>
+          </a:ln>
+        </p:spPr>
+        <p:style>
+          <a:lnRef idx="1">
+            <a:schemeClr val="accent1"/>
+          </a:lnRef>
+          <a:fillRef idx="0">
+            <a:schemeClr val="accent1"/>
+          </a:fillRef>
+          <a:effectRef idx="0">
+            <a:schemeClr val="accent1"/>
+          </a:effectRef>
+          <a:fontRef idx="minor">
+            <a:schemeClr val="tx1"/>
+          </a:fontRef>
+        </p:style>
+      </p:cxnSp>
+      <p:cxnSp>
+        <p:nvCxnSpPr>
+          <p:cNvPr id="1035" name="Straight Arrow Connector 1034">
+            <a:extLst>
+              <a:ext uri="{FF2B5EF4-FFF2-40B4-BE49-F238E27FC236}">
+                <a16:creationId xmlns:a16="http://schemas.microsoft.com/office/drawing/2014/main" id="{793DB15F-5104-D9B2-69E8-E1099CE39091}"/>
+              </a:ext>
+            </a:extLst>
+          </p:cNvPr>
+          <p:cNvCxnSpPr>
+            <a:cxnSpLocks/>
+            <a:stCxn id="8" idx="3"/>
+            <a:endCxn id="1025" idx="7"/>
+          </p:cNvCxnSpPr>
+          <p:nvPr/>
+        </p:nvCxnSpPr>
+        <p:spPr>
+          <a:xfrm flipH="1">
+            <a:off x="5695812" y="3432399"/>
+            <a:ext cx="2038760" cy="1128168"/>
+          </a:xfrm>
+          <a:prstGeom prst="straightConnector1">
+            <a:avLst/>
+          </a:prstGeom>
+          <a:ln w="38100">
+            <a:solidFill>
+              <a:schemeClr val="tx1"/>
+            </a:solidFill>
+            <a:tailEnd type="triangle"/>
+          </a:ln>
+        </p:spPr>
+        <p:style>
+          <a:lnRef idx="1">
+            <a:schemeClr val="accent1"/>
+          </a:lnRef>
+          <a:fillRef idx="0">
+            <a:schemeClr val="accent1"/>
+          </a:fillRef>
+          <a:effectRef idx="0">
+            <a:schemeClr val="accent1"/>
+          </a:effectRef>
+          <a:fontRef idx="minor">
+            <a:schemeClr val="tx1"/>
+          </a:fontRef>
+        </p:style>
+      </p:cxnSp>
+      <p:cxnSp>
+        <p:nvCxnSpPr>
+          <p:cNvPr id="1038" name="Straight Arrow Connector 1037">
+            <a:extLst>
+              <a:ext uri="{FF2B5EF4-FFF2-40B4-BE49-F238E27FC236}">
+                <a16:creationId xmlns:a16="http://schemas.microsoft.com/office/drawing/2014/main" id="{51844452-94E3-5AC6-0C77-CABCD52FD8C1}"/>
+              </a:ext>
+            </a:extLst>
+          </p:cNvPr>
+          <p:cNvCxnSpPr>
+            <a:cxnSpLocks/>
+            <a:stCxn id="8" idx="4"/>
+            <a:endCxn id="1027" idx="0"/>
+          </p:cNvCxnSpPr>
+          <p:nvPr/>
+        </p:nvCxnSpPr>
+        <p:spPr>
+          <a:xfrm flipH="1">
+            <a:off x="7648235" y="3515212"/>
+            <a:ext cx="294774" cy="947490"/>
+          </a:xfrm>
+          <a:prstGeom prst="straightConnector1">
+            <a:avLst/>
+          </a:prstGeom>
+          <a:ln w="38100">
+            <a:solidFill>
+              <a:schemeClr val="tx1"/>
+            </a:solidFill>
+            <a:tailEnd type="triangle"/>
+          </a:ln>
+        </p:spPr>
+        <p:style>
+          <a:lnRef idx="1">
+            <a:schemeClr val="accent1"/>
+          </a:lnRef>
+          <a:fillRef idx="0">
+            <a:schemeClr val="accent1"/>
+          </a:fillRef>
+          <a:effectRef idx="0">
+            <a:schemeClr val="accent1"/>
+          </a:effectRef>
+          <a:fontRef idx="minor">
+            <a:schemeClr val="tx1"/>
+          </a:fontRef>
+        </p:style>
+      </p:cxnSp>
     </p:spTree>
     <p:extLst>
       <p:ext uri="{BB962C8B-B14F-4D97-AF65-F5344CB8AC3E}">
@@ -9533,9 +10798,6 @@
                     <p:cTn id="3" fill="hold">
                       <p:stCondLst>
                         <p:cond delay="indefinite"/>
-                        <p:cond evt="onBegin" delay="0">
-                          <p:tn val="2"/>
-                        </p:cond>
                       </p:stCondLst>
                       <p:childTnLst>
                         <p:par>
@@ -9545,7 +10807,7 @@
                             </p:stCondLst>
                             <p:childTnLst>
                               <p:par>
-                                <p:cTn id="5" presetID="10" presetClass="entr" presetSubtype="0" fill="hold" grpId="0" nodeType="afterEffect">
+                                <p:cTn id="5" presetID="10" presetClass="entr" presetSubtype="0" fill="hold" grpId="0" nodeType="clickEffect">
                                   <p:stCondLst>
                                     <p:cond delay="0"/>
                                   </p:stCondLst>
@@ -9558,11 +10820,7 @@
                                           </p:stCondLst>
                                         </p:cTn>
                                         <p:tgtEl>
-                                          <p:spTgt spid="3">
-                                            <p:txEl>
-                                              <p:pRg st="0" end="0"/>
-                                            </p:txEl>
-                                          </p:spTgt>
+                                          <p:spTgt spid="8"/>
                                         </p:tgtEl>
                                         <p:attrNameLst>
                                           <p:attrName>style.visibility</p:attrName>
@@ -9574,13 +10832,9 @@
                                     </p:set>
                                     <p:animEffect transition="in" filter="fade">
                                       <p:cBhvr>
-                                        <p:cTn id="7" dur="250"/>
-                                        <p:tgtEl>
-                                          <p:spTgt spid="3">
-                                            <p:txEl>
-                                              <p:pRg st="0" end="0"/>
-                                            </p:txEl>
-                                          </p:spTgt>
+                                        <p:cTn id="7" dur="500"/>
+                                        <p:tgtEl>
+                                          <p:spTgt spid="8"/>
                                         </p:tgtEl>
                                       </p:cBhvr>
                                     </p:animEffect>
@@ -9601,11 +10855,7 @@
                                           </p:stCondLst>
                                         </p:cTn>
                                         <p:tgtEl>
-                                          <p:spTgt spid="3">
-                                            <p:txEl>
-                                              <p:pRg st="1" end="1"/>
-                                            </p:txEl>
-                                          </p:spTgt>
+                                          <p:spTgt spid="9"/>
                                         </p:tgtEl>
                                         <p:attrNameLst>
                                           <p:attrName>style.visibility</p:attrName>
@@ -9617,13 +10867,9 @@
                                     </p:set>
                                     <p:animEffect transition="in" filter="fade">
                                       <p:cBhvr>
-                                        <p:cTn id="10" dur="250"/>
-                                        <p:tgtEl>
-                                          <p:spTgt spid="3">
-                                            <p:txEl>
-                                              <p:pRg st="1" end="1"/>
-                                            </p:txEl>
-                                          </p:spTgt>
+                                        <p:cTn id="10" dur="500"/>
+                                        <p:tgtEl>
+                                          <p:spTgt spid="9"/>
                                         </p:tgtEl>
                                       </p:cBhvr>
                                     </p:animEffect>
@@ -9644,11 +10890,7 @@
                                           </p:stCondLst>
                                         </p:cTn>
                                         <p:tgtEl>
-                                          <p:spTgt spid="3">
-                                            <p:txEl>
-                                              <p:pRg st="2" end="2"/>
-                                            </p:txEl>
-                                          </p:spTgt>
+                                          <p:spTgt spid="10"/>
                                         </p:tgtEl>
                                         <p:attrNameLst>
                                           <p:attrName>style.visibility</p:attrName>
@@ -9660,52 +10902,30 @@
                                     </p:set>
                                     <p:animEffect transition="in" filter="fade">
                                       <p:cBhvr>
-                                        <p:cTn id="13" dur="250"/>
-                                        <p:tgtEl>
-                                          <p:spTgt spid="3">
-                                            <p:txEl>
-                                              <p:pRg st="2" end="2"/>
-                                            </p:txEl>
-                                          </p:spTgt>
+                                        <p:cTn id="13" dur="500"/>
+                                        <p:tgtEl>
+                                          <p:spTgt spid="10"/>
                                         </p:tgtEl>
                                       </p:cBhvr>
                                     </p:animEffect>
                                   </p:childTnLst>
                                 </p:cTn>
                               </p:par>
-                            </p:childTnLst>
-                          </p:cTn>
-                        </p:par>
-                      </p:childTnLst>
-                    </p:cTn>
-                  </p:par>
-                  <p:par>
-                    <p:cTn id="14" fill="hold">
-                      <p:stCondLst>
-                        <p:cond delay="indefinite"/>
-                      </p:stCondLst>
-                      <p:childTnLst>
-                        <p:par>
-                          <p:cTn id="15" fill="hold">
-                            <p:stCondLst>
-                              <p:cond delay="0"/>
-                            </p:stCondLst>
-                            <p:childTnLst>
                               <p:par>
-                                <p:cTn id="16" presetID="10" presetClass="entr" presetSubtype="0" fill="hold" grpId="0" nodeType="clickEffect">
+                                <p:cTn id="14" presetID="10" presetClass="entr" presetSubtype="0" fill="hold" grpId="0" nodeType="withEffect">
                                   <p:stCondLst>
                                     <p:cond delay="0"/>
                                   </p:stCondLst>
                                   <p:childTnLst>
                                     <p:set>
                                       <p:cBhvr>
-                                        <p:cTn id="17" dur="1" fill="hold">
+                                        <p:cTn id="15" dur="1" fill="hold">
                                           <p:stCondLst>
                                             <p:cond delay="0"/>
                                           </p:stCondLst>
                                         </p:cTn>
                                         <p:tgtEl>
-                                          <p:spTgt spid="5"/>
+                                          <p:spTgt spid="20"/>
                                         </p:tgtEl>
                                         <p:attrNameLst>
                                           <p:attrName>style.visibility</p:attrName>
@@ -9717,48 +10937,30 @@
                                     </p:set>
                                     <p:animEffect transition="in" filter="fade">
                                       <p:cBhvr>
-                                        <p:cTn id="18" dur="250"/>
-                                        <p:tgtEl>
-                                          <p:spTgt spid="5"/>
+                                        <p:cTn id="16" dur="500"/>
+                                        <p:tgtEl>
+                                          <p:spTgt spid="20"/>
                                         </p:tgtEl>
                                       </p:cBhvr>
                                     </p:animEffect>
                                   </p:childTnLst>
                                 </p:cTn>
                               </p:par>
-                            </p:childTnLst>
-                          </p:cTn>
-                        </p:par>
-                      </p:childTnLst>
-                    </p:cTn>
-                  </p:par>
-                  <p:par>
-                    <p:cTn id="19" fill="hold">
-                      <p:stCondLst>
-                        <p:cond delay="indefinite"/>
-                      </p:stCondLst>
-                      <p:childTnLst>
-                        <p:par>
-                          <p:cTn id="20" fill="hold">
-                            <p:stCondLst>
-                              <p:cond delay="0"/>
-                            </p:stCondLst>
-                            <p:childTnLst>
                               <p:par>
-                                <p:cTn id="21" presetID="10" presetClass="entr" presetSubtype="0" fill="hold" grpId="0" nodeType="clickEffect">
+                                <p:cTn id="17" presetID="10" presetClass="entr" presetSubtype="0" fill="hold" grpId="0" nodeType="withEffect">
                                   <p:stCondLst>
                                     <p:cond delay="0"/>
                                   </p:stCondLst>
                                   <p:childTnLst>
                                     <p:set>
                                       <p:cBhvr>
-                                        <p:cTn id="22" dur="1" fill="hold">
+                                        <p:cTn id="18" dur="1" fill="hold">
                                           <p:stCondLst>
                                             <p:cond delay="0"/>
                                           </p:stCondLst>
                                         </p:cTn>
                                         <p:tgtEl>
-                                          <p:spTgt spid="7"/>
+                                          <p:spTgt spid="21"/>
                                         </p:tgtEl>
                                         <p:attrNameLst>
                                           <p:attrName>style.visibility</p:attrName>
@@ -9770,9 +10972,604 @@
                                     </p:set>
                                     <p:animEffect transition="in" filter="fade">
                                       <p:cBhvr>
-                                        <p:cTn id="23" dur="250"/>
-                                        <p:tgtEl>
-                                          <p:spTgt spid="7"/>
+                                        <p:cTn id="19" dur="500"/>
+                                        <p:tgtEl>
+                                          <p:spTgt spid="21"/>
+                                        </p:tgtEl>
+                                      </p:cBhvr>
+                                    </p:animEffect>
+                                  </p:childTnLst>
+                                </p:cTn>
+                              </p:par>
+                              <p:par>
+                                <p:cTn id="20" presetID="10" presetClass="entr" presetSubtype="0" fill="hold" grpId="0" nodeType="withEffect">
+                                  <p:stCondLst>
+                                    <p:cond delay="0"/>
+                                  </p:stCondLst>
+                                  <p:childTnLst>
+                                    <p:set>
+                                      <p:cBhvr>
+                                        <p:cTn id="21" dur="1" fill="hold">
+                                          <p:stCondLst>
+                                            <p:cond delay="0"/>
+                                          </p:stCondLst>
+                                        </p:cTn>
+                                        <p:tgtEl>
+                                          <p:spTgt spid="22"/>
+                                        </p:tgtEl>
+                                        <p:attrNameLst>
+                                          <p:attrName>style.visibility</p:attrName>
+                                        </p:attrNameLst>
+                                      </p:cBhvr>
+                                      <p:to>
+                                        <p:strVal val="visible"/>
+                                      </p:to>
+                                    </p:set>
+                                    <p:animEffect transition="in" filter="fade">
+                                      <p:cBhvr>
+                                        <p:cTn id="22" dur="500"/>
+                                        <p:tgtEl>
+                                          <p:spTgt spid="22"/>
+                                        </p:tgtEl>
+                                      </p:cBhvr>
+                                    </p:animEffect>
+                                  </p:childTnLst>
+                                </p:cTn>
+                              </p:par>
+                              <p:par>
+                                <p:cTn id="23" presetID="10" presetClass="entr" presetSubtype="0" fill="hold" grpId="0" nodeType="withEffect">
+                                  <p:stCondLst>
+                                    <p:cond delay="0"/>
+                                  </p:stCondLst>
+                                  <p:childTnLst>
+                                    <p:set>
+                                      <p:cBhvr>
+                                        <p:cTn id="24" dur="1" fill="hold">
+                                          <p:stCondLst>
+                                            <p:cond delay="0"/>
+                                          </p:stCondLst>
+                                        </p:cTn>
+                                        <p:tgtEl>
+                                          <p:spTgt spid="23"/>
+                                        </p:tgtEl>
+                                        <p:attrNameLst>
+                                          <p:attrName>style.visibility</p:attrName>
+                                        </p:attrNameLst>
+                                      </p:cBhvr>
+                                      <p:to>
+                                        <p:strVal val="visible"/>
+                                      </p:to>
+                                    </p:set>
+                                    <p:animEffect transition="in" filter="fade">
+                                      <p:cBhvr>
+                                        <p:cTn id="25" dur="500"/>
+                                        <p:tgtEl>
+                                          <p:spTgt spid="23"/>
+                                        </p:tgtEl>
+                                      </p:cBhvr>
+                                    </p:animEffect>
+                                  </p:childTnLst>
+                                </p:cTn>
+                              </p:par>
+                              <p:par>
+                                <p:cTn id="26" presetID="10" presetClass="entr" presetSubtype="0" fill="hold" nodeType="withEffect">
+                                  <p:stCondLst>
+                                    <p:cond delay="0"/>
+                                  </p:stCondLst>
+                                  <p:childTnLst>
+                                    <p:set>
+                                      <p:cBhvr>
+                                        <p:cTn id="27" dur="1" fill="hold">
+                                          <p:stCondLst>
+                                            <p:cond delay="0"/>
+                                          </p:stCondLst>
+                                        </p:cTn>
+                                        <p:tgtEl>
+                                          <p:spTgt spid="25"/>
+                                        </p:tgtEl>
+                                        <p:attrNameLst>
+                                          <p:attrName>style.visibility</p:attrName>
+                                        </p:attrNameLst>
+                                      </p:cBhvr>
+                                      <p:to>
+                                        <p:strVal val="visible"/>
+                                      </p:to>
+                                    </p:set>
+                                    <p:animEffect transition="in" filter="fade">
+                                      <p:cBhvr>
+                                        <p:cTn id="28" dur="500"/>
+                                        <p:tgtEl>
+                                          <p:spTgt spid="25"/>
+                                        </p:tgtEl>
+                                      </p:cBhvr>
+                                    </p:animEffect>
+                                  </p:childTnLst>
+                                </p:cTn>
+                              </p:par>
+                              <p:par>
+                                <p:cTn id="29" presetID="10" presetClass="entr" presetSubtype="0" fill="hold" nodeType="withEffect">
+                                  <p:stCondLst>
+                                    <p:cond delay="0"/>
+                                  </p:stCondLst>
+                                  <p:childTnLst>
+                                    <p:set>
+                                      <p:cBhvr>
+                                        <p:cTn id="30" dur="1" fill="hold">
+                                          <p:stCondLst>
+                                            <p:cond delay="0"/>
+                                          </p:stCondLst>
+                                        </p:cTn>
+                                        <p:tgtEl>
+                                          <p:spTgt spid="27"/>
+                                        </p:tgtEl>
+                                        <p:attrNameLst>
+                                          <p:attrName>style.visibility</p:attrName>
+                                        </p:attrNameLst>
+                                      </p:cBhvr>
+                                      <p:to>
+                                        <p:strVal val="visible"/>
+                                      </p:to>
+                                    </p:set>
+                                    <p:animEffect transition="in" filter="fade">
+                                      <p:cBhvr>
+                                        <p:cTn id="31" dur="500"/>
+                                        <p:tgtEl>
+                                          <p:spTgt spid="27"/>
+                                        </p:tgtEl>
+                                      </p:cBhvr>
+                                    </p:animEffect>
+                                  </p:childTnLst>
+                                </p:cTn>
+                              </p:par>
+                              <p:par>
+                                <p:cTn id="32" presetID="10" presetClass="entr" presetSubtype="0" fill="hold" nodeType="withEffect">
+                                  <p:stCondLst>
+                                    <p:cond delay="0"/>
+                                  </p:stCondLst>
+                                  <p:childTnLst>
+                                    <p:set>
+                                      <p:cBhvr>
+                                        <p:cTn id="33" dur="1" fill="hold">
+                                          <p:stCondLst>
+                                            <p:cond delay="0"/>
+                                          </p:stCondLst>
+                                        </p:cTn>
+                                        <p:tgtEl>
+                                          <p:spTgt spid="30"/>
+                                        </p:tgtEl>
+                                        <p:attrNameLst>
+                                          <p:attrName>style.visibility</p:attrName>
+                                        </p:attrNameLst>
+                                      </p:cBhvr>
+                                      <p:to>
+                                        <p:strVal val="visible"/>
+                                      </p:to>
+                                    </p:set>
+                                    <p:animEffect transition="in" filter="fade">
+                                      <p:cBhvr>
+                                        <p:cTn id="34" dur="500"/>
+                                        <p:tgtEl>
+                                          <p:spTgt spid="30"/>
+                                        </p:tgtEl>
+                                      </p:cBhvr>
+                                    </p:animEffect>
+                                  </p:childTnLst>
+                                </p:cTn>
+                              </p:par>
+                              <p:par>
+                                <p:cTn id="35" presetID="10" presetClass="entr" presetSubtype="0" fill="hold" nodeType="withEffect">
+                                  <p:stCondLst>
+                                    <p:cond delay="0"/>
+                                  </p:stCondLst>
+                                  <p:childTnLst>
+                                    <p:set>
+                                      <p:cBhvr>
+                                        <p:cTn id="36" dur="1" fill="hold">
+                                          <p:stCondLst>
+                                            <p:cond delay="0"/>
+                                          </p:stCondLst>
+                                        </p:cTn>
+                                        <p:tgtEl>
+                                          <p:spTgt spid="33"/>
+                                        </p:tgtEl>
+                                        <p:attrNameLst>
+                                          <p:attrName>style.visibility</p:attrName>
+                                        </p:attrNameLst>
+                                      </p:cBhvr>
+                                      <p:to>
+                                        <p:strVal val="visible"/>
+                                      </p:to>
+                                    </p:set>
+                                    <p:animEffect transition="in" filter="fade">
+                                      <p:cBhvr>
+                                        <p:cTn id="37" dur="500"/>
+                                        <p:tgtEl>
+                                          <p:spTgt spid="33"/>
+                                        </p:tgtEl>
+                                      </p:cBhvr>
+                                    </p:animEffect>
+                                  </p:childTnLst>
+                                </p:cTn>
+                              </p:par>
+                              <p:par>
+                                <p:cTn id="38" presetID="10" presetClass="entr" presetSubtype="0" fill="hold" nodeType="withEffect">
+                                  <p:stCondLst>
+                                    <p:cond delay="0"/>
+                                  </p:stCondLst>
+                                  <p:childTnLst>
+                                    <p:set>
+                                      <p:cBhvr>
+                                        <p:cTn id="39" dur="1" fill="hold">
+                                          <p:stCondLst>
+                                            <p:cond delay="0"/>
+                                          </p:stCondLst>
+                                        </p:cTn>
+                                        <p:tgtEl>
+                                          <p:spTgt spid="36"/>
+                                        </p:tgtEl>
+                                        <p:attrNameLst>
+                                          <p:attrName>style.visibility</p:attrName>
+                                        </p:attrNameLst>
+                                      </p:cBhvr>
+                                      <p:to>
+                                        <p:strVal val="visible"/>
+                                      </p:to>
+                                    </p:set>
+                                    <p:animEffect transition="in" filter="fade">
+                                      <p:cBhvr>
+                                        <p:cTn id="40" dur="500"/>
+                                        <p:tgtEl>
+                                          <p:spTgt spid="36"/>
+                                        </p:tgtEl>
+                                      </p:cBhvr>
+                                    </p:animEffect>
+                                  </p:childTnLst>
+                                </p:cTn>
+                              </p:par>
+                              <p:par>
+                                <p:cTn id="41" presetID="10" presetClass="entr" presetSubtype="0" fill="hold" nodeType="withEffect">
+                                  <p:stCondLst>
+                                    <p:cond delay="0"/>
+                                  </p:stCondLst>
+                                  <p:childTnLst>
+                                    <p:set>
+                                      <p:cBhvr>
+                                        <p:cTn id="42" dur="1" fill="hold">
+                                          <p:stCondLst>
+                                            <p:cond delay="0"/>
+                                          </p:stCondLst>
+                                        </p:cTn>
+                                        <p:tgtEl>
+                                          <p:spTgt spid="39"/>
+                                        </p:tgtEl>
+                                        <p:attrNameLst>
+                                          <p:attrName>style.visibility</p:attrName>
+                                        </p:attrNameLst>
+                                      </p:cBhvr>
+                                      <p:to>
+                                        <p:strVal val="visible"/>
+                                      </p:to>
+                                    </p:set>
+                                    <p:animEffect transition="in" filter="fade">
+                                      <p:cBhvr>
+                                        <p:cTn id="43" dur="500"/>
+                                        <p:tgtEl>
+                                          <p:spTgt spid="39"/>
+                                        </p:tgtEl>
+                                      </p:cBhvr>
+                                    </p:animEffect>
+                                  </p:childTnLst>
+                                </p:cTn>
+                              </p:par>
+                              <p:par>
+                                <p:cTn id="44" presetID="10" presetClass="entr" presetSubtype="0" fill="hold" grpId="0" nodeType="withEffect">
+                                  <p:stCondLst>
+                                    <p:cond delay="0"/>
+                                  </p:stCondLst>
+                                  <p:childTnLst>
+                                    <p:set>
+                                      <p:cBhvr>
+                                        <p:cTn id="45" dur="1" fill="hold">
+                                          <p:stCondLst>
+                                            <p:cond delay="0"/>
+                                          </p:stCondLst>
+                                        </p:cTn>
+                                        <p:tgtEl>
+                                          <p:spTgt spid="62"/>
+                                        </p:tgtEl>
+                                        <p:attrNameLst>
+                                          <p:attrName>style.visibility</p:attrName>
+                                        </p:attrNameLst>
+                                      </p:cBhvr>
+                                      <p:to>
+                                        <p:strVal val="visible"/>
+                                      </p:to>
+                                    </p:set>
+                                    <p:animEffect transition="in" filter="fade">
+                                      <p:cBhvr>
+                                        <p:cTn id="46" dur="500"/>
+                                        <p:tgtEl>
+                                          <p:spTgt spid="62"/>
+                                        </p:tgtEl>
+                                      </p:cBhvr>
+                                    </p:animEffect>
+                                  </p:childTnLst>
+                                </p:cTn>
+                              </p:par>
+                              <p:par>
+                                <p:cTn id="47" presetID="10" presetClass="entr" presetSubtype="0" fill="hold" grpId="0" nodeType="withEffect">
+                                  <p:stCondLst>
+                                    <p:cond delay="0"/>
+                                  </p:stCondLst>
+                                  <p:childTnLst>
+                                    <p:set>
+                                      <p:cBhvr>
+                                        <p:cTn id="48" dur="1" fill="hold">
+                                          <p:stCondLst>
+                                            <p:cond delay="0"/>
+                                          </p:stCondLst>
+                                        </p:cTn>
+                                        <p:tgtEl>
+                                          <p:spTgt spid="63"/>
+                                        </p:tgtEl>
+                                        <p:attrNameLst>
+                                          <p:attrName>style.visibility</p:attrName>
+                                        </p:attrNameLst>
+                                      </p:cBhvr>
+                                      <p:to>
+                                        <p:strVal val="visible"/>
+                                      </p:to>
+                                    </p:set>
+                                    <p:animEffect transition="in" filter="fade">
+                                      <p:cBhvr>
+                                        <p:cTn id="49" dur="500"/>
+                                        <p:tgtEl>
+                                          <p:spTgt spid="63"/>
+                                        </p:tgtEl>
+                                      </p:cBhvr>
+                                    </p:animEffect>
+                                  </p:childTnLst>
+                                </p:cTn>
+                              </p:par>
+                              <p:par>
+                                <p:cTn id="50" presetID="10" presetClass="entr" presetSubtype="0" fill="hold" grpId="0" nodeType="withEffect">
+                                  <p:stCondLst>
+                                    <p:cond delay="0"/>
+                                  </p:stCondLst>
+                                  <p:childTnLst>
+                                    <p:set>
+                                      <p:cBhvr>
+                                        <p:cTn id="51" dur="1" fill="hold">
+                                          <p:stCondLst>
+                                            <p:cond delay="0"/>
+                                          </p:stCondLst>
+                                        </p:cTn>
+                                        <p:tgtEl>
+                                          <p:spTgt spid="1024"/>
+                                        </p:tgtEl>
+                                        <p:attrNameLst>
+                                          <p:attrName>style.visibility</p:attrName>
+                                        </p:attrNameLst>
+                                      </p:cBhvr>
+                                      <p:to>
+                                        <p:strVal val="visible"/>
+                                      </p:to>
+                                    </p:set>
+                                    <p:animEffect transition="in" filter="fade">
+                                      <p:cBhvr>
+                                        <p:cTn id="52" dur="500"/>
+                                        <p:tgtEl>
+                                          <p:spTgt spid="1024"/>
+                                        </p:tgtEl>
+                                      </p:cBhvr>
+                                    </p:animEffect>
+                                  </p:childTnLst>
+                                </p:cTn>
+                              </p:par>
+                              <p:par>
+                                <p:cTn id="53" presetID="10" presetClass="entr" presetSubtype="0" fill="hold" grpId="0" nodeType="withEffect">
+                                  <p:stCondLst>
+                                    <p:cond delay="0"/>
+                                  </p:stCondLst>
+                                  <p:childTnLst>
+                                    <p:set>
+                                      <p:cBhvr>
+                                        <p:cTn id="54" dur="1" fill="hold">
+                                          <p:stCondLst>
+                                            <p:cond delay="0"/>
+                                          </p:stCondLst>
+                                        </p:cTn>
+                                        <p:tgtEl>
+                                          <p:spTgt spid="1025"/>
+                                        </p:tgtEl>
+                                        <p:attrNameLst>
+                                          <p:attrName>style.visibility</p:attrName>
+                                        </p:attrNameLst>
+                                      </p:cBhvr>
+                                      <p:to>
+                                        <p:strVal val="visible"/>
+                                      </p:to>
+                                    </p:set>
+                                    <p:animEffect transition="in" filter="fade">
+                                      <p:cBhvr>
+                                        <p:cTn id="55" dur="500"/>
+                                        <p:tgtEl>
+                                          <p:spTgt spid="1025"/>
+                                        </p:tgtEl>
+                                      </p:cBhvr>
+                                    </p:animEffect>
+                                  </p:childTnLst>
+                                </p:cTn>
+                              </p:par>
+                              <p:par>
+                                <p:cTn id="56" presetID="10" presetClass="entr" presetSubtype="0" fill="hold" grpId="0" nodeType="withEffect">
+                                  <p:stCondLst>
+                                    <p:cond delay="0"/>
+                                  </p:stCondLst>
+                                  <p:childTnLst>
+                                    <p:set>
+                                      <p:cBhvr>
+                                        <p:cTn id="57" dur="1" fill="hold">
+                                          <p:stCondLst>
+                                            <p:cond delay="0"/>
+                                          </p:stCondLst>
+                                        </p:cTn>
+                                        <p:tgtEl>
+                                          <p:spTgt spid="1027"/>
+                                        </p:tgtEl>
+                                        <p:attrNameLst>
+                                          <p:attrName>style.visibility</p:attrName>
+                                        </p:attrNameLst>
+                                      </p:cBhvr>
+                                      <p:to>
+                                        <p:strVal val="visible"/>
+                                      </p:to>
+                                    </p:set>
+                                    <p:animEffect transition="in" filter="fade">
+                                      <p:cBhvr>
+                                        <p:cTn id="58" dur="500"/>
+                                        <p:tgtEl>
+                                          <p:spTgt spid="1027"/>
+                                        </p:tgtEl>
+                                      </p:cBhvr>
+                                    </p:animEffect>
+                                  </p:childTnLst>
+                                </p:cTn>
+                              </p:par>
+                              <p:par>
+                                <p:cTn id="59" presetID="10" presetClass="entr" presetSubtype="0" fill="hold" nodeType="withEffect">
+                                  <p:stCondLst>
+                                    <p:cond delay="0"/>
+                                  </p:stCondLst>
+                                  <p:childTnLst>
+                                    <p:set>
+                                      <p:cBhvr>
+                                        <p:cTn id="60" dur="1" fill="hold">
+                                          <p:stCondLst>
+                                            <p:cond delay="0"/>
+                                          </p:stCondLst>
+                                        </p:cTn>
+                                        <p:tgtEl>
+                                          <p:spTgt spid="1028"/>
+                                        </p:tgtEl>
+                                        <p:attrNameLst>
+                                          <p:attrName>style.visibility</p:attrName>
+                                        </p:attrNameLst>
+                                      </p:cBhvr>
+                                      <p:to>
+                                        <p:strVal val="visible"/>
+                                      </p:to>
+                                    </p:set>
+                                    <p:animEffect transition="in" filter="fade">
+                                      <p:cBhvr>
+                                        <p:cTn id="61" dur="500"/>
+                                        <p:tgtEl>
+                                          <p:spTgt spid="1028"/>
+                                        </p:tgtEl>
+                                      </p:cBhvr>
+                                    </p:animEffect>
+                                  </p:childTnLst>
+                                </p:cTn>
+                              </p:par>
+                              <p:par>
+                                <p:cTn id="62" presetID="10" presetClass="entr" presetSubtype="0" fill="hold" nodeType="withEffect">
+                                  <p:stCondLst>
+                                    <p:cond delay="0"/>
+                                  </p:stCondLst>
+                                  <p:childTnLst>
+                                    <p:set>
+                                      <p:cBhvr>
+                                        <p:cTn id="63" dur="1" fill="hold">
+                                          <p:stCondLst>
+                                            <p:cond delay="0"/>
+                                          </p:stCondLst>
+                                        </p:cTn>
+                                        <p:tgtEl>
+                                          <p:spTgt spid="1032"/>
+                                        </p:tgtEl>
+                                        <p:attrNameLst>
+                                          <p:attrName>style.visibility</p:attrName>
+                                        </p:attrNameLst>
+                                      </p:cBhvr>
+                                      <p:to>
+                                        <p:strVal val="visible"/>
+                                      </p:to>
+                                    </p:set>
+                                    <p:animEffect transition="in" filter="fade">
+                                      <p:cBhvr>
+                                        <p:cTn id="64" dur="500"/>
+                                        <p:tgtEl>
+                                          <p:spTgt spid="1032"/>
+                                        </p:tgtEl>
+                                      </p:cBhvr>
+                                    </p:animEffect>
+                                  </p:childTnLst>
+                                </p:cTn>
+                              </p:par>
+                              <p:par>
+                                <p:cTn id="65" presetID="10" presetClass="entr" presetSubtype="0" fill="hold" nodeType="withEffect">
+                                  <p:stCondLst>
+                                    <p:cond delay="0"/>
+                                  </p:stCondLst>
+                                  <p:childTnLst>
+                                    <p:set>
+                                      <p:cBhvr>
+                                        <p:cTn id="66" dur="1" fill="hold">
+                                          <p:stCondLst>
+                                            <p:cond delay="0"/>
+                                          </p:stCondLst>
+                                        </p:cTn>
+                                        <p:tgtEl>
+                                          <p:spTgt spid="1035"/>
+                                        </p:tgtEl>
+                                        <p:attrNameLst>
+                                          <p:attrName>style.visibility</p:attrName>
+                                        </p:attrNameLst>
+                                      </p:cBhvr>
+                                      <p:to>
+                                        <p:strVal val="visible"/>
+                                      </p:to>
+                                    </p:set>
+                                    <p:animEffect transition="in" filter="fade">
+                                      <p:cBhvr>
+                                        <p:cTn id="67" dur="500"/>
+                                        <p:tgtEl>
+                                          <p:spTgt spid="1035"/>
+                                        </p:tgtEl>
+                                      </p:cBhvr>
+                                    </p:animEffect>
+                                  </p:childTnLst>
+                                </p:cTn>
+                              </p:par>
+                              <p:par>
+                                <p:cTn id="68" presetID="10" presetClass="entr" presetSubtype="0" fill="hold" nodeType="withEffect">
+                                  <p:stCondLst>
+                                    <p:cond delay="0"/>
+                                  </p:stCondLst>
+                                  <p:childTnLst>
+                                    <p:set>
+                                      <p:cBhvr>
+                                        <p:cTn id="69" dur="1" fill="hold">
+                                          <p:stCondLst>
+                                            <p:cond delay="0"/>
+                                          </p:stCondLst>
+                                        </p:cTn>
+                                        <p:tgtEl>
+                                          <p:spTgt spid="1038"/>
+                                        </p:tgtEl>
+                                        <p:attrNameLst>
+                                          <p:attrName>style.visibility</p:attrName>
+                                        </p:attrNameLst>
+                                      </p:cBhvr>
+                                      <p:to>
+                                        <p:strVal val="visible"/>
+                                      </p:to>
+                                    </p:set>
+                                    <p:animEffect transition="in" filter="fade">
+                                      <p:cBhvr>
+                                        <p:cTn id="70" dur="500"/>
+                                        <p:tgtEl>
+                                          <p:spTgt spid="1038"/>
                                         </p:tgtEl>
                                       </p:cBhvr>
                                     </p:animEffect>
@@ -9807,9 +11604,18 @@
       </p:par>
     </p:tnLst>
     <p:bldLst>
-      <p:bldP spid="3" grpId="0" uiExpand="1" build="p"/>
-      <p:bldP spid="5" grpId="0"/>
-      <p:bldP spid="7" grpId="0"/>
+      <p:bldP spid="8" grpId="0" animBg="1"/>
+      <p:bldP spid="9" grpId="0" animBg="1"/>
+      <p:bldP spid="10" grpId="0" animBg="1"/>
+      <p:bldP spid="20" grpId="0" animBg="1"/>
+      <p:bldP spid="21" grpId="0" animBg="1"/>
+      <p:bldP spid="22" grpId="0" animBg="1"/>
+      <p:bldP spid="23" grpId="0" animBg="1"/>
+      <p:bldP spid="62" grpId="0"/>
+      <p:bldP spid="63" grpId="0" animBg="1"/>
+      <p:bldP spid="1024" grpId="0" animBg="1"/>
+      <p:bldP spid="1025" grpId="0" animBg="1"/>
+      <p:bldP spid="1027" grpId="0" animBg="1"/>
     </p:bldLst>
   </p:timing>
 </p:sld>
@@ -13403,7 +15209,7 @@
                             </p:stCondLst>
                             <p:childTnLst>
                               <p:par>
-                                <p:cTn id="5" presetID="10" presetClass="entr" presetSubtype="0" fill="hold" grpId="0" nodeType="afterEffect">
+                                <p:cTn id="5" presetID="10" presetClass="entr" presetSubtype="0" fill="hold" grpId="0" nodeType="withEffect">
                                   <p:stCondLst>
                                     <p:cond delay="0"/>
                                   </p:stCondLst>
@@ -14190,33 +15996,15 @@
                                   </p:childTnLst>
                                 </p:cTn>
                               </p:par>
-                            </p:childTnLst>
-                          </p:cTn>
-                        </p:par>
-                      </p:childTnLst>
-                    </p:cTn>
-                  </p:par>
-                  <p:par>
-                    <p:cTn id="73" fill="hold">
-                      <p:stCondLst>
-                        <p:cond delay="indefinite"/>
-                      </p:stCondLst>
-                      <p:childTnLst>
-                        <p:par>
-                          <p:cTn id="74" fill="hold">
-                            <p:stCondLst>
-                              <p:cond delay="0"/>
-                            </p:stCondLst>
-                            <p:childTnLst>
                               <p:par>
-                                <p:cTn id="75" presetID="10" presetClass="entr" presetSubtype="0" fill="hold" nodeType="clickEffect">
+                                <p:cTn id="73" presetID="10" presetClass="entr" presetSubtype="0" fill="hold" nodeType="withEffect">
                                   <p:stCondLst>
                                     <p:cond delay="0"/>
                                   </p:stCondLst>
                                   <p:childTnLst>
                                     <p:set>
                                       <p:cBhvr>
-                                        <p:cTn id="76" dur="1" fill="hold">
+                                        <p:cTn id="74" dur="1" fill="hold">
                                           <p:stCondLst>
                                             <p:cond delay="0"/>
                                           </p:stCondLst>
@@ -14234,7 +16022,7 @@
                                     </p:set>
                                     <p:animEffect transition="in" filter="fade">
                                       <p:cBhvr>
-                                        <p:cTn id="77" dur="500"/>
+                                        <p:cTn id="75" dur="500"/>
                                         <p:tgtEl>
                                           <p:spTgt spid="31"/>
                                         </p:tgtEl>
@@ -14244,14 +16032,14 @@
                                 </p:cTn>
                               </p:par>
                               <p:par>
-                                <p:cTn id="78" presetID="10" presetClass="entr" presetSubtype="0" fill="hold" nodeType="withEffect">
+                                <p:cTn id="76" presetID="10" presetClass="entr" presetSubtype="0" fill="hold" nodeType="withEffect">
                                   <p:stCondLst>
                                     <p:cond delay="0"/>
                                   </p:stCondLst>
                                   <p:childTnLst>
                                     <p:set>
                                       <p:cBhvr>
-                                        <p:cTn id="79" dur="1" fill="hold">
+                                        <p:cTn id="77" dur="1" fill="hold">
                                           <p:stCondLst>
                                             <p:cond delay="0"/>
                                           </p:stCondLst>
@@ -14269,7 +16057,7 @@
                                     </p:set>
                                     <p:animEffect transition="in" filter="fade">
                                       <p:cBhvr>
-                                        <p:cTn id="80" dur="500"/>
+                                        <p:cTn id="78" dur="500"/>
                                         <p:tgtEl>
                                           <p:spTgt spid="32"/>
                                         </p:tgtEl>
@@ -14279,14 +16067,14 @@
                                 </p:cTn>
                               </p:par>
                               <p:par>
-                                <p:cTn id="81" presetID="10" presetClass="entr" presetSubtype="0" fill="hold" nodeType="withEffect">
+                                <p:cTn id="79" presetID="10" presetClass="entr" presetSubtype="0" fill="hold" nodeType="withEffect">
                                   <p:stCondLst>
                                     <p:cond delay="0"/>
                                   </p:stCondLst>
                                   <p:childTnLst>
                                     <p:set>
                                       <p:cBhvr>
-                                        <p:cTn id="82" dur="1" fill="hold">
+                                        <p:cTn id="80" dur="1" fill="hold">
                                           <p:stCondLst>
                                             <p:cond delay="0"/>
                                           </p:stCondLst>
@@ -14304,7 +16092,7 @@
                                     </p:set>
                                     <p:animEffect transition="in" filter="fade">
                                       <p:cBhvr>
-                                        <p:cTn id="83" dur="500"/>
+                                        <p:cTn id="81" dur="500"/>
                                         <p:tgtEl>
                                           <p:spTgt spid="33"/>
                                         </p:tgtEl>
@@ -14314,14 +16102,14 @@
                                 </p:cTn>
                               </p:par>
                               <p:par>
-                                <p:cTn id="84" presetID="10" presetClass="entr" presetSubtype="0" fill="hold" nodeType="withEffect">
+                                <p:cTn id="82" presetID="10" presetClass="entr" presetSubtype="0" fill="hold" nodeType="withEffect">
                                   <p:stCondLst>
                                     <p:cond delay="0"/>
                                   </p:stCondLst>
                                   <p:childTnLst>
                                     <p:set>
                                       <p:cBhvr>
-                                        <p:cTn id="85" dur="1" fill="hold">
+                                        <p:cTn id="83" dur="1" fill="hold">
                                           <p:stCondLst>
                                             <p:cond delay="0"/>
                                           </p:stCondLst>
@@ -14339,7 +16127,7 @@
                                     </p:set>
                                     <p:animEffect transition="in" filter="fade">
                                       <p:cBhvr>
-                                        <p:cTn id="86" dur="500"/>
+                                        <p:cTn id="84" dur="500"/>
                                         <p:tgtEl>
                                           <p:spTgt spid="34"/>
                                         </p:tgtEl>
@@ -14349,14 +16137,14 @@
                                 </p:cTn>
                               </p:par>
                               <p:par>
-                                <p:cTn id="87" presetID="10" presetClass="entr" presetSubtype="0" fill="hold" nodeType="withEffect">
+                                <p:cTn id="85" presetID="10" presetClass="entr" presetSubtype="0" fill="hold" nodeType="withEffect">
                                   <p:stCondLst>
                                     <p:cond delay="0"/>
                                   </p:stCondLst>
                                   <p:childTnLst>
                                     <p:set>
                                       <p:cBhvr>
-                                        <p:cTn id="88" dur="1" fill="hold">
+                                        <p:cTn id="86" dur="1" fill="hold">
                                           <p:stCondLst>
                                             <p:cond delay="0"/>
                                           </p:stCondLst>
@@ -14374,7 +16162,7 @@
                                     </p:set>
                                     <p:animEffect transition="in" filter="fade">
                                       <p:cBhvr>
-                                        <p:cTn id="89" dur="500"/>
+                                        <p:cTn id="87" dur="500"/>
                                         <p:tgtEl>
                                           <p:spTgt spid="35"/>
                                         </p:tgtEl>
@@ -14384,14 +16172,14 @@
                                 </p:cTn>
                               </p:par>
                               <p:par>
-                                <p:cTn id="90" presetID="10" presetClass="entr" presetSubtype="0" fill="hold" nodeType="withEffect">
+                                <p:cTn id="88" presetID="10" presetClass="entr" presetSubtype="0" fill="hold" nodeType="withEffect">
                                   <p:stCondLst>
                                     <p:cond delay="0"/>
                                   </p:stCondLst>
                                   <p:childTnLst>
                                     <p:set>
                                       <p:cBhvr>
-                                        <p:cTn id="91" dur="1" fill="hold">
+                                        <p:cTn id="89" dur="1" fill="hold">
                                           <p:stCondLst>
                                             <p:cond delay="0"/>
                                           </p:stCondLst>
@@ -14409,7 +16197,7 @@
                                     </p:set>
                                     <p:animEffect transition="in" filter="fade">
                                       <p:cBhvr>
-                                        <p:cTn id="92" dur="500"/>
+                                        <p:cTn id="90" dur="500"/>
                                         <p:tgtEl>
                                           <p:spTgt spid="36"/>
                                         </p:tgtEl>
@@ -14419,14 +16207,14 @@
                                 </p:cTn>
                               </p:par>
                               <p:par>
-                                <p:cTn id="93" presetID="10" presetClass="entr" presetSubtype="0" fill="hold" nodeType="withEffect">
+                                <p:cTn id="91" presetID="10" presetClass="entr" presetSubtype="0" fill="hold" nodeType="withEffect">
                                   <p:stCondLst>
                                     <p:cond delay="0"/>
                                   </p:stCondLst>
                                   <p:childTnLst>
                                     <p:set>
                                       <p:cBhvr>
-                                        <p:cTn id="94" dur="1" fill="hold">
+                                        <p:cTn id="92" dur="1" fill="hold">
                                           <p:stCondLst>
                                             <p:cond delay="0"/>
                                           </p:stCondLst>
@@ -14444,7 +16232,7 @@
                                     </p:set>
                                     <p:animEffect transition="in" filter="fade">
                                       <p:cBhvr>
-                                        <p:cTn id="95" dur="500"/>
+                                        <p:cTn id="93" dur="500"/>
                                         <p:tgtEl>
                                           <p:spTgt spid="37"/>
                                         </p:tgtEl>
@@ -14454,14 +16242,14 @@
                                 </p:cTn>
                               </p:par>
                               <p:par>
-                                <p:cTn id="96" presetID="10" presetClass="entr" presetSubtype="0" fill="hold" nodeType="withEffect">
+                                <p:cTn id="94" presetID="10" presetClass="entr" presetSubtype="0" fill="hold" nodeType="withEffect">
                                   <p:stCondLst>
                                     <p:cond delay="0"/>
                                   </p:stCondLst>
                                   <p:childTnLst>
                                     <p:set>
                                       <p:cBhvr>
-                                        <p:cTn id="97" dur="1" fill="hold">
+                                        <p:cTn id="95" dur="1" fill="hold">
                                           <p:stCondLst>
                                             <p:cond delay="0"/>
                                           </p:stCondLst>
@@ -14479,7 +16267,7 @@
                                     </p:set>
                                     <p:animEffect transition="in" filter="fade">
                                       <p:cBhvr>
-                                        <p:cTn id="98" dur="500"/>
+                                        <p:cTn id="96" dur="500"/>
                                         <p:tgtEl>
                                           <p:spTgt spid="38"/>
                                         </p:tgtEl>
@@ -14489,14 +16277,14 @@
                                 </p:cTn>
                               </p:par>
                               <p:par>
-                                <p:cTn id="99" presetID="10" presetClass="entr" presetSubtype="0" fill="hold" nodeType="withEffect">
+                                <p:cTn id="97" presetID="10" presetClass="entr" presetSubtype="0" fill="hold" nodeType="withEffect">
                                   <p:stCondLst>
                                     <p:cond delay="0"/>
                                   </p:stCondLst>
                                   <p:childTnLst>
                                     <p:set>
                                       <p:cBhvr>
-                                        <p:cTn id="100" dur="1" fill="hold">
+                                        <p:cTn id="98" dur="1" fill="hold">
                                           <p:stCondLst>
                                             <p:cond delay="0"/>
                                           </p:stCondLst>
@@ -14514,7 +16302,7 @@
                                     </p:set>
                                     <p:animEffect transition="in" filter="fade">
                                       <p:cBhvr>
-                                        <p:cTn id="101" dur="500"/>
+                                        <p:cTn id="99" dur="500"/>
                                         <p:tgtEl>
                                           <p:spTgt spid="39"/>
                                         </p:tgtEl>
@@ -14524,14 +16312,14 @@
                                 </p:cTn>
                               </p:par>
                               <p:par>
-                                <p:cTn id="102" presetID="10" presetClass="entr" presetSubtype="0" fill="hold" nodeType="withEffect">
+                                <p:cTn id="100" presetID="10" presetClass="entr" presetSubtype="0" fill="hold" nodeType="withEffect">
                                   <p:stCondLst>
                                     <p:cond delay="0"/>
                                   </p:stCondLst>
                                   <p:childTnLst>
                                     <p:set>
                                       <p:cBhvr>
-                                        <p:cTn id="103" dur="1" fill="hold">
+                                        <p:cTn id="101" dur="1" fill="hold">
                                           <p:stCondLst>
                                             <p:cond delay="0"/>
                                           </p:stCondLst>
@@ -14549,7 +16337,7 @@
                                     </p:set>
                                     <p:animEffect transition="in" filter="fade">
                                       <p:cBhvr>
-                                        <p:cTn id="104" dur="500"/>
+                                        <p:cTn id="102" dur="500"/>
                                         <p:tgtEl>
                                           <p:spTgt spid="45"/>
                                         </p:tgtEl>
@@ -14559,14 +16347,14 @@
                                 </p:cTn>
                               </p:par>
                               <p:par>
-                                <p:cTn id="105" presetID="10" presetClass="entr" presetSubtype="0" fill="hold" nodeType="withEffect">
+                                <p:cTn id="103" presetID="10" presetClass="entr" presetSubtype="0" fill="hold" nodeType="withEffect">
                                   <p:stCondLst>
                                     <p:cond delay="0"/>
                                   </p:stCondLst>
                                   <p:childTnLst>
                                     <p:set>
                                       <p:cBhvr>
-                                        <p:cTn id="106" dur="1" fill="hold">
+                                        <p:cTn id="104" dur="1" fill="hold">
                                           <p:stCondLst>
                                             <p:cond delay="0"/>
                                           </p:stCondLst>
@@ -14584,7 +16372,7 @@
                                     </p:set>
                                     <p:animEffect transition="in" filter="fade">
                                       <p:cBhvr>
-                                        <p:cTn id="107" dur="500"/>
+                                        <p:cTn id="105" dur="500"/>
                                         <p:tgtEl>
                                           <p:spTgt spid="46"/>
                                         </p:tgtEl>
@@ -14594,14 +16382,14 @@
                                 </p:cTn>
                               </p:par>
                               <p:par>
-                                <p:cTn id="108" presetID="10" presetClass="entr" presetSubtype="0" fill="hold" nodeType="withEffect">
+                                <p:cTn id="106" presetID="10" presetClass="entr" presetSubtype="0" fill="hold" nodeType="withEffect">
                                   <p:stCondLst>
                                     <p:cond delay="0"/>
                                   </p:stCondLst>
                                   <p:childTnLst>
                                     <p:set>
                                       <p:cBhvr>
-                                        <p:cTn id="109" dur="1" fill="hold">
+                                        <p:cTn id="107" dur="1" fill="hold">
                                           <p:stCondLst>
                                             <p:cond delay="0"/>
                                           </p:stCondLst>
@@ -14619,7 +16407,7 @@
                                     </p:set>
                                     <p:animEffect transition="in" filter="fade">
                                       <p:cBhvr>
-                                        <p:cTn id="110" dur="500"/>
+                                        <p:cTn id="108" dur="500"/>
                                         <p:tgtEl>
                                           <p:spTgt spid="47"/>
                                         </p:tgtEl>
@@ -14629,14 +16417,14 @@
                                 </p:cTn>
                               </p:par>
                               <p:par>
-                                <p:cTn id="111" presetID="10" presetClass="entr" presetSubtype="0" fill="hold" nodeType="withEffect">
+                                <p:cTn id="109" presetID="10" presetClass="entr" presetSubtype="0" fill="hold" nodeType="withEffect">
                                   <p:stCondLst>
                                     <p:cond delay="0"/>
                                   </p:stCondLst>
                                   <p:childTnLst>
                                     <p:set>
                                       <p:cBhvr>
-                                        <p:cTn id="112" dur="1" fill="hold">
+                                        <p:cTn id="110" dur="1" fill="hold">
                                           <p:stCondLst>
                                             <p:cond delay="0"/>
                                           </p:stCondLst>
@@ -14654,7 +16442,7 @@
                                     </p:set>
                                     <p:animEffect transition="in" filter="fade">
                                       <p:cBhvr>
-                                        <p:cTn id="113" dur="500"/>
+                                        <p:cTn id="111" dur="500"/>
                                         <p:tgtEl>
                                           <p:spTgt spid="48"/>
                                         </p:tgtEl>
@@ -14664,14 +16452,14 @@
                                 </p:cTn>
                               </p:par>
                               <p:par>
-                                <p:cTn id="114" presetID="10" presetClass="entr" presetSubtype="0" fill="hold" nodeType="withEffect">
+                                <p:cTn id="112" presetID="10" presetClass="entr" presetSubtype="0" fill="hold" nodeType="withEffect">
                                   <p:stCondLst>
                                     <p:cond delay="0"/>
                                   </p:stCondLst>
                                   <p:childTnLst>
                                     <p:set>
                                       <p:cBhvr>
-                                        <p:cTn id="115" dur="1" fill="hold">
+                                        <p:cTn id="113" dur="1" fill="hold">
                                           <p:stCondLst>
                                             <p:cond delay="0"/>
                                           </p:stCondLst>
@@ -14689,7 +16477,7 @@
                                     </p:set>
                                     <p:animEffect transition="in" filter="fade">
                                       <p:cBhvr>
-                                        <p:cTn id="116" dur="500"/>
+                                        <p:cTn id="114" dur="500"/>
                                         <p:tgtEl>
                                           <p:spTgt spid="49"/>
                                         </p:tgtEl>
@@ -14699,14 +16487,14 @@
                                 </p:cTn>
                               </p:par>
                               <p:par>
-                                <p:cTn id="117" presetID="10" presetClass="entr" presetSubtype="0" fill="hold" nodeType="withEffect">
+                                <p:cTn id="115" presetID="10" presetClass="entr" presetSubtype="0" fill="hold" nodeType="withEffect">
                                   <p:stCondLst>
                                     <p:cond delay="0"/>
                                   </p:stCondLst>
                                   <p:childTnLst>
                                     <p:set>
                                       <p:cBhvr>
-                                        <p:cTn id="118" dur="1" fill="hold">
+                                        <p:cTn id="116" dur="1" fill="hold">
                                           <p:stCondLst>
                                             <p:cond delay="0"/>
                                           </p:stCondLst>
@@ -14724,7 +16512,7 @@
                                     </p:set>
                                     <p:animEffect transition="in" filter="fade">
                                       <p:cBhvr>
-                                        <p:cTn id="119" dur="500"/>
+                                        <p:cTn id="117" dur="500"/>
                                         <p:tgtEl>
                                           <p:spTgt spid="50"/>
                                         </p:tgtEl>
@@ -14734,14 +16522,14 @@
                                 </p:cTn>
                               </p:par>
                               <p:par>
-                                <p:cTn id="120" presetID="10" presetClass="entr" presetSubtype="0" fill="hold" nodeType="withEffect">
+                                <p:cTn id="118" presetID="10" presetClass="entr" presetSubtype="0" fill="hold" nodeType="withEffect">
                                   <p:stCondLst>
                                     <p:cond delay="0"/>
                                   </p:stCondLst>
                                   <p:childTnLst>
                                     <p:set>
                                       <p:cBhvr>
-                                        <p:cTn id="121" dur="1" fill="hold">
+                                        <p:cTn id="119" dur="1" fill="hold">
                                           <p:stCondLst>
                                             <p:cond delay="0"/>
                                           </p:stCondLst>
@@ -14759,7 +16547,7 @@
                                     </p:set>
                                     <p:animEffect transition="in" filter="fade">
                                       <p:cBhvr>
-                                        <p:cTn id="122" dur="500"/>
+                                        <p:cTn id="120" dur="500"/>
                                         <p:tgtEl>
                                           <p:spTgt spid="51"/>
                                         </p:tgtEl>
@@ -14769,14 +16557,14 @@
                                 </p:cTn>
                               </p:par>
                               <p:par>
-                                <p:cTn id="123" presetID="10" presetClass="entr" presetSubtype="0" fill="hold" nodeType="withEffect">
+                                <p:cTn id="121" presetID="10" presetClass="entr" presetSubtype="0" fill="hold" nodeType="withEffect">
                                   <p:stCondLst>
                                     <p:cond delay="0"/>
                                   </p:stCondLst>
                                   <p:childTnLst>
                                     <p:set>
                                       <p:cBhvr>
-                                        <p:cTn id="124" dur="1" fill="hold">
+                                        <p:cTn id="122" dur="1" fill="hold">
                                           <p:stCondLst>
                                             <p:cond delay="0"/>
                                           </p:stCondLst>
@@ -14794,7 +16582,7 @@
                                     </p:set>
                                     <p:animEffect transition="in" filter="fade">
                                       <p:cBhvr>
-                                        <p:cTn id="125" dur="500"/>
+                                        <p:cTn id="123" dur="500"/>
                                         <p:tgtEl>
                                           <p:spTgt spid="52"/>
                                         </p:tgtEl>
@@ -14804,14 +16592,14 @@
                                 </p:cTn>
                               </p:par>
                               <p:par>
-                                <p:cTn id="126" presetID="10" presetClass="entr" presetSubtype="0" fill="hold" nodeType="withEffect">
+                                <p:cTn id="124" presetID="10" presetClass="entr" presetSubtype="0" fill="hold" nodeType="withEffect">
                                   <p:stCondLst>
                                     <p:cond delay="0"/>
                                   </p:stCondLst>
                                   <p:childTnLst>
                                     <p:set>
                                       <p:cBhvr>
-                                        <p:cTn id="127" dur="1" fill="hold">
+                                        <p:cTn id="125" dur="1" fill="hold">
                                           <p:stCondLst>
                                             <p:cond delay="0"/>
                                           </p:stCondLst>
@@ -14829,7 +16617,7 @@
                                     </p:set>
                                     <p:animEffect transition="in" filter="fade">
                                       <p:cBhvr>
-                                        <p:cTn id="128" dur="500"/>
+                                        <p:cTn id="126" dur="500"/>
                                         <p:tgtEl>
                                           <p:spTgt spid="53"/>
                                         </p:tgtEl>
@@ -14839,14 +16627,14 @@
                                 </p:cTn>
                               </p:par>
                               <p:par>
-                                <p:cTn id="129" presetID="10" presetClass="entr" presetSubtype="0" fill="hold" nodeType="withEffect">
+                                <p:cTn id="127" presetID="10" presetClass="entr" presetSubtype="0" fill="hold" nodeType="withEffect">
                                   <p:stCondLst>
                                     <p:cond delay="0"/>
                                   </p:stCondLst>
                                   <p:childTnLst>
                                     <p:set>
                                       <p:cBhvr>
-                                        <p:cTn id="130" dur="1" fill="hold">
+                                        <p:cTn id="128" dur="1" fill="hold">
                                           <p:stCondLst>
                                             <p:cond delay="0"/>
                                           </p:stCondLst>
@@ -14864,7 +16652,7 @@
                                     </p:set>
                                     <p:animEffect transition="in" filter="fade">
                                       <p:cBhvr>
-                                        <p:cTn id="131" dur="500"/>
+                                        <p:cTn id="129" dur="500"/>
                                         <p:tgtEl>
                                           <p:spTgt spid="63"/>
                                         </p:tgtEl>
@@ -14874,14 +16662,14 @@
                                 </p:cTn>
                               </p:par>
                               <p:par>
-                                <p:cTn id="132" presetID="10" presetClass="entr" presetSubtype="0" fill="hold" nodeType="withEffect">
+                                <p:cTn id="130" presetID="10" presetClass="entr" presetSubtype="0" fill="hold" nodeType="withEffect">
                                   <p:stCondLst>
                                     <p:cond delay="0"/>
                                   </p:stCondLst>
                                   <p:childTnLst>
                                     <p:set>
                                       <p:cBhvr>
-                                        <p:cTn id="133" dur="1" fill="hold">
+                                        <p:cTn id="131" dur="1" fill="hold">
                                           <p:stCondLst>
                                             <p:cond delay="0"/>
                                           </p:stCondLst>
@@ -14899,7 +16687,7 @@
                                     </p:set>
                                     <p:animEffect transition="in" filter="fade">
                                       <p:cBhvr>
-                                        <p:cTn id="134" dur="500"/>
+                                        <p:cTn id="132" dur="500"/>
                                         <p:tgtEl>
                                           <p:spTgt spid="64"/>
                                         </p:tgtEl>
@@ -14909,14 +16697,14 @@
                                 </p:cTn>
                               </p:par>
                               <p:par>
-                                <p:cTn id="135" presetID="10" presetClass="entr" presetSubtype="0" fill="hold" nodeType="withEffect">
+                                <p:cTn id="133" presetID="10" presetClass="entr" presetSubtype="0" fill="hold" nodeType="withEffect">
                                   <p:stCondLst>
                                     <p:cond delay="0"/>
                                   </p:stCondLst>
                                   <p:childTnLst>
                                     <p:set>
                                       <p:cBhvr>
-                                        <p:cTn id="136" dur="1" fill="hold">
+                                        <p:cTn id="134" dur="1" fill="hold">
                                           <p:stCondLst>
                                             <p:cond delay="0"/>
                                           </p:stCondLst>
@@ -14934,7 +16722,7 @@
                                     </p:set>
                                     <p:animEffect transition="in" filter="fade">
                                       <p:cBhvr>
-                                        <p:cTn id="137" dur="500"/>
+                                        <p:cTn id="135" dur="500"/>
                                         <p:tgtEl>
                                           <p:spTgt spid="65"/>
                                         </p:tgtEl>
@@ -14944,14 +16732,14 @@
                                 </p:cTn>
                               </p:par>
                               <p:par>
-                                <p:cTn id="138" presetID="10" presetClass="entr" presetSubtype="0" fill="hold" nodeType="withEffect">
+                                <p:cTn id="136" presetID="10" presetClass="entr" presetSubtype="0" fill="hold" nodeType="withEffect">
                                   <p:stCondLst>
                                     <p:cond delay="0"/>
                                   </p:stCondLst>
                                   <p:childTnLst>
                                     <p:set>
                                       <p:cBhvr>
-                                        <p:cTn id="139" dur="1" fill="hold">
+                                        <p:cTn id="137" dur="1" fill="hold">
                                           <p:stCondLst>
                                             <p:cond delay="0"/>
                                           </p:stCondLst>
@@ -14969,7 +16757,7 @@
                                     </p:set>
                                     <p:animEffect transition="in" filter="fade">
                                       <p:cBhvr>
-                                        <p:cTn id="140" dur="500"/>
+                                        <p:cTn id="138" dur="500"/>
                                         <p:tgtEl>
                                           <p:spTgt spid="66"/>
                                         </p:tgtEl>
@@ -14979,14 +16767,14 @@
                                 </p:cTn>
                               </p:par>
                               <p:par>
-                                <p:cTn id="141" presetID="10" presetClass="entr" presetSubtype="0" fill="hold" nodeType="withEffect">
+                                <p:cTn id="139" presetID="10" presetClass="entr" presetSubtype="0" fill="hold" nodeType="withEffect">
                                   <p:stCondLst>
                                     <p:cond delay="0"/>
                                   </p:stCondLst>
                                   <p:childTnLst>
                                     <p:set>
                                       <p:cBhvr>
-                                        <p:cTn id="142" dur="1" fill="hold">
+                                        <p:cTn id="140" dur="1" fill="hold">
                                           <p:stCondLst>
                                             <p:cond delay="0"/>
                                           </p:stCondLst>
@@ -15004,7 +16792,7 @@
                                     </p:set>
                                     <p:animEffect transition="in" filter="fade">
                                       <p:cBhvr>
-                                        <p:cTn id="143" dur="500"/>
+                                        <p:cTn id="141" dur="500"/>
                                         <p:tgtEl>
                                           <p:spTgt spid="71"/>
                                         </p:tgtEl>
@@ -15014,14 +16802,14 @@
                                 </p:cTn>
                               </p:par>
                               <p:par>
-                                <p:cTn id="144" presetID="10" presetClass="entr" presetSubtype="0" fill="hold" nodeType="withEffect">
+                                <p:cTn id="142" presetID="10" presetClass="entr" presetSubtype="0" fill="hold" nodeType="withEffect">
                                   <p:stCondLst>
                                     <p:cond delay="0"/>
                                   </p:stCondLst>
                                   <p:childTnLst>
                                     <p:set>
                                       <p:cBhvr>
-                                        <p:cTn id="145" dur="1" fill="hold">
+                                        <p:cTn id="143" dur="1" fill="hold">
                                           <p:stCondLst>
                                             <p:cond delay="0"/>
                                           </p:stCondLst>
@@ -15039,7 +16827,7 @@
                                     </p:set>
                                     <p:animEffect transition="in" filter="fade">
                                       <p:cBhvr>
-                                        <p:cTn id="146" dur="500"/>
+                                        <p:cTn id="144" dur="500"/>
                                         <p:tgtEl>
                                           <p:spTgt spid="72"/>
                                         </p:tgtEl>
@@ -15049,14 +16837,14 @@
                                 </p:cTn>
                               </p:par>
                               <p:par>
-                                <p:cTn id="147" presetID="10" presetClass="entr" presetSubtype="0" fill="hold" nodeType="withEffect">
+                                <p:cTn id="145" presetID="10" presetClass="entr" presetSubtype="0" fill="hold" nodeType="withEffect">
                                   <p:stCondLst>
                                     <p:cond delay="0"/>
                                   </p:stCondLst>
                                   <p:childTnLst>
                                     <p:set>
                                       <p:cBhvr>
-                                        <p:cTn id="148" dur="1" fill="hold">
+                                        <p:cTn id="146" dur="1" fill="hold">
                                           <p:stCondLst>
                                             <p:cond delay="0"/>
                                           </p:stCondLst>
@@ -15074,7 +16862,7 @@
                                     </p:set>
                                     <p:animEffect transition="in" filter="fade">
                                       <p:cBhvr>
-                                        <p:cTn id="149" dur="500"/>
+                                        <p:cTn id="147" dur="500"/>
                                         <p:tgtEl>
                                           <p:spTgt spid="73"/>
                                         </p:tgtEl>
@@ -15084,14 +16872,14 @@
                                 </p:cTn>
                               </p:par>
                               <p:par>
-                                <p:cTn id="150" presetID="10" presetClass="entr" presetSubtype="0" fill="hold" nodeType="withEffect">
+                                <p:cTn id="148" presetID="10" presetClass="entr" presetSubtype="0" fill="hold" nodeType="withEffect">
                                   <p:stCondLst>
                                     <p:cond delay="0"/>
                                   </p:stCondLst>
                                   <p:childTnLst>
                                     <p:set>
                                       <p:cBhvr>
-                                        <p:cTn id="151" dur="1" fill="hold">
+                                        <p:cTn id="149" dur="1" fill="hold">
                                           <p:stCondLst>
                                             <p:cond delay="0"/>
                                           </p:stCondLst>
@@ -15109,7 +16897,7 @@
                                     </p:set>
                                     <p:animEffect transition="in" filter="fade">
                                       <p:cBhvr>
-                                        <p:cTn id="152" dur="500"/>
+                                        <p:cTn id="150" dur="500"/>
                                         <p:tgtEl>
                                           <p:spTgt spid="77"/>
                                         </p:tgtEl>
@@ -15119,14 +16907,14 @@
                                 </p:cTn>
                               </p:par>
                               <p:par>
-                                <p:cTn id="153" presetID="10" presetClass="entr" presetSubtype="0" fill="hold" nodeType="withEffect">
+                                <p:cTn id="151" presetID="10" presetClass="entr" presetSubtype="0" fill="hold" nodeType="withEffect">
                                   <p:stCondLst>
                                     <p:cond delay="0"/>
                                   </p:stCondLst>
                                   <p:childTnLst>
                                     <p:set>
                                       <p:cBhvr>
-                                        <p:cTn id="154" dur="1" fill="hold">
+                                        <p:cTn id="152" dur="1" fill="hold">
                                           <p:stCondLst>
                                             <p:cond delay="0"/>
                                           </p:stCondLst>
@@ -15144,7 +16932,7 @@
                                     </p:set>
                                     <p:animEffect transition="in" filter="fade">
                                       <p:cBhvr>
-                                        <p:cTn id="155" dur="500"/>
+                                        <p:cTn id="153" dur="500"/>
                                         <p:tgtEl>
                                           <p:spTgt spid="78"/>
                                         </p:tgtEl>
@@ -15160,26 +16948,26 @@
                     </p:cTn>
                   </p:par>
                   <p:par>
-                    <p:cTn id="156" fill="hold">
+                    <p:cTn id="154" fill="hold">
                       <p:stCondLst>
                         <p:cond delay="indefinite"/>
                       </p:stCondLst>
                       <p:childTnLst>
                         <p:par>
-                          <p:cTn id="157" fill="hold">
+                          <p:cTn id="155" fill="hold">
                             <p:stCondLst>
                               <p:cond delay="0"/>
                             </p:stCondLst>
                             <p:childTnLst>
                               <p:par>
-                                <p:cTn id="158" presetID="10" presetClass="entr" presetSubtype="0" fill="hold" grpId="0" nodeType="clickEffect">
+                                <p:cTn id="156" presetID="10" presetClass="entr" presetSubtype="0" fill="hold" grpId="0" nodeType="clickEffect">
                                   <p:stCondLst>
                                     <p:cond delay="0"/>
                                   </p:stCondLst>
                                   <p:childTnLst>
                                     <p:set>
                                       <p:cBhvr>
-                                        <p:cTn id="159" dur="1" fill="hold">
+                                        <p:cTn id="157" dur="1" fill="hold">
                                           <p:stCondLst>
                                             <p:cond delay="0"/>
                                           </p:stCondLst>
@@ -15197,7 +16985,7 @@
                                     </p:set>
                                     <p:animEffect transition="in" filter="fade">
                                       <p:cBhvr>
-                                        <p:cTn id="160" dur="500"/>
+                                        <p:cTn id="158" dur="500"/>
                                         <p:tgtEl>
                                           <p:spTgt spid="43"/>
                                         </p:tgtEl>
@@ -15207,14 +16995,14 @@
                                 </p:cTn>
                               </p:par>
                               <p:par>
-                                <p:cTn id="161" presetID="10" presetClass="entr" presetSubtype="0" fill="hold" grpId="0" nodeType="withEffect">
+                                <p:cTn id="159" presetID="10" presetClass="entr" presetSubtype="0" fill="hold" grpId="0" nodeType="withEffect">
                                   <p:stCondLst>
                                     <p:cond delay="0"/>
                                   </p:stCondLst>
                                   <p:childTnLst>
                                     <p:set>
                                       <p:cBhvr>
-                                        <p:cTn id="162" dur="1" fill="hold">
+                                        <p:cTn id="160" dur="1" fill="hold">
                                           <p:stCondLst>
                                             <p:cond delay="0"/>
                                           </p:stCondLst>
@@ -15232,7 +17020,7 @@
                                     </p:set>
                                     <p:animEffect transition="in" filter="fade">
                                       <p:cBhvr>
-                                        <p:cTn id="163" dur="500"/>
+                                        <p:cTn id="161" dur="500"/>
                                         <p:tgtEl>
                                           <p:spTgt spid="41"/>
                                         </p:tgtEl>
@@ -15242,14 +17030,14 @@
                                 </p:cTn>
                               </p:par>
                               <p:par>
-                                <p:cTn id="164" presetID="10" presetClass="entr" presetSubtype="0" fill="hold" grpId="0" nodeType="withEffect">
+                                <p:cTn id="162" presetID="10" presetClass="entr" presetSubtype="0" fill="hold" grpId="0" nodeType="withEffect">
                                   <p:stCondLst>
                                     <p:cond delay="0"/>
                                   </p:stCondLst>
                                   <p:childTnLst>
                                     <p:set>
                                       <p:cBhvr>
-                                        <p:cTn id="165" dur="1" fill="hold">
+                                        <p:cTn id="163" dur="1" fill="hold">
                                           <p:stCondLst>
                                             <p:cond delay="0"/>
                                           </p:stCondLst>
@@ -15267,7 +17055,7 @@
                                     </p:set>
                                     <p:animEffect transition="in" filter="fade">
                                       <p:cBhvr>
-                                        <p:cTn id="166" dur="500"/>
+                                        <p:cTn id="164" dur="500"/>
                                         <p:tgtEl>
                                           <p:spTgt spid="44"/>
                                         </p:tgtEl>
@@ -15280,20 +17068,20 @@
                           </p:cTn>
                         </p:par>
                         <p:par>
-                          <p:cTn id="167" fill="hold">
+                          <p:cTn id="165" fill="hold">
                             <p:stCondLst>
                               <p:cond delay="500"/>
                             </p:stCondLst>
                             <p:childTnLst>
                               <p:par>
-                                <p:cTn id="168" presetID="10" presetClass="entr" presetSubtype="0" fill="hold" grpId="0" nodeType="afterEffect">
+                                <p:cTn id="166" presetID="10" presetClass="entr" presetSubtype="0" fill="hold" grpId="0" nodeType="afterEffect">
                                   <p:stCondLst>
                                     <p:cond delay="0"/>
                                   </p:stCondLst>
                                   <p:childTnLst>
                                     <p:set>
                                       <p:cBhvr>
-                                        <p:cTn id="169" dur="1" fill="hold">
+                                        <p:cTn id="167" dur="1" fill="hold">
                                           <p:stCondLst>
                                             <p:cond delay="0"/>
                                           </p:stCondLst>
@@ -15311,9 +17099,44 @@
                                     </p:set>
                                     <p:animEffect transition="in" filter="fade">
                                       <p:cBhvr>
-                                        <p:cTn id="170" dur="500"/>
+                                        <p:cTn id="168" dur="500"/>
                                         <p:tgtEl>
                                           <p:spTgt spid="42"/>
+                                        </p:tgtEl>
+                                      </p:cBhvr>
+                                    </p:animEffect>
+                                  </p:childTnLst>
+                                </p:cTn>
+                              </p:par>
+                              <p:par>
+                                <p:cTn id="169" presetID="10" presetClass="entr" presetSubtype="0" fill="hold" grpId="0" nodeType="withEffect">
+                                  <p:stCondLst>
+                                    <p:cond delay="0"/>
+                                  </p:stCondLst>
+                                  <p:childTnLst>
+                                    <p:set>
+                                      <p:cBhvr>
+                                        <p:cTn id="170" dur="1" fill="hold">
+                                          <p:stCondLst>
+                                            <p:cond delay="0"/>
+                                          </p:stCondLst>
+                                        </p:cTn>
+                                        <p:tgtEl>
+                                          <p:spTgt spid="40"/>
+                                        </p:tgtEl>
+                                        <p:attrNameLst>
+                                          <p:attrName>style.visibility</p:attrName>
+                                        </p:attrNameLst>
+                                      </p:cBhvr>
+                                      <p:to>
+                                        <p:strVal val="visible"/>
+                                      </p:to>
+                                    </p:set>
+                                    <p:animEffect transition="in" filter="fade">
+                                      <p:cBhvr>
+                                        <p:cTn id="171" dur="500"/>
+                                        <p:tgtEl>
+                                          <p:spTgt spid="40"/>
                                         </p:tgtEl>
                                       </p:cBhvr>
                                     </p:animEffect>
@@ -15324,26 +17147,26 @@
                           </p:cTn>
                         </p:par>
                         <p:par>
-                          <p:cTn id="171" fill="hold">
+                          <p:cTn id="172" fill="hold">
                             <p:stCondLst>
                               <p:cond delay="1000"/>
                             </p:stCondLst>
                             <p:childTnLst>
                               <p:par>
-                                <p:cTn id="172" presetID="10" presetClass="entr" presetSubtype="0" fill="hold" grpId="0" nodeType="afterEffect">
+                                <p:cTn id="173" presetID="10" presetClass="entr" presetSubtype="0" fill="hold" grpId="0" nodeType="afterEffect">
                                   <p:stCondLst>
                                     <p:cond delay="0"/>
                                   </p:stCondLst>
                                   <p:childTnLst>
                                     <p:set>
                                       <p:cBhvr>
-                                        <p:cTn id="173" dur="1" fill="hold">
+                                        <p:cTn id="174" dur="1" fill="hold">
                                           <p:stCondLst>
                                             <p:cond delay="0"/>
                                           </p:stCondLst>
                                         </p:cTn>
                                         <p:tgtEl>
-                                          <p:spTgt spid="40"/>
+                                          <p:spTgt spid="4"/>
                                         </p:tgtEl>
                                         <p:attrNameLst>
                                           <p:attrName>style.visibility</p:attrName>
@@ -15355,51 +17178,7 @@
                                     </p:set>
                                     <p:animEffect transition="in" filter="fade">
                                       <p:cBhvr>
-                                        <p:cTn id="174" dur="500"/>
-                                        <p:tgtEl>
-                                          <p:spTgt spid="40"/>
-                                        </p:tgtEl>
-                                      </p:cBhvr>
-                                    </p:animEffect>
-                                  </p:childTnLst>
-                                </p:cTn>
-                              </p:par>
-                            </p:childTnLst>
-                          </p:cTn>
-                        </p:par>
-                        <p:par>
-                          <p:cTn id="175" fill="hold">
-                            <p:stCondLst>
-                              <p:cond delay="1500"/>
-                            </p:stCondLst>
-                            <p:childTnLst>
-                              <p:par>
-                                <p:cTn id="176" presetID="10" presetClass="entr" presetSubtype="0" fill="hold" grpId="0" nodeType="afterEffect">
-                                  <p:stCondLst>
-                                    <p:cond delay="0"/>
-                                  </p:stCondLst>
-                                  <p:childTnLst>
-                                    <p:set>
-                                      <p:cBhvr>
-                                        <p:cTn id="177" dur="1" fill="hold">
-                                          <p:stCondLst>
-                                            <p:cond delay="0"/>
-                                          </p:stCondLst>
-                                        </p:cTn>
-                                        <p:tgtEl>
-                                          <p:spTgt spid="4"/>
-                                        </p:tgtEl>
-                                        <p:attrNameLst>
-                                          <p:attrName>style.visibility</p:attrName>
-                                        </p:attrNameLst>
-                                      </p:cBhvr>
-                                      <p:to>
-                                        <p:strVal val="visible"/>
-                                      </p:to>
-                                    </p:set>
-                                    <p:animEffect transition="in" filter="fade">
-                                      <p:cBhvr>
-                                        <p:cTn id="178" dur="500"/>
+                                        <p:cTn id="175" dur="500"/>
                                         <p:tgtEl>
                                           <p:spTgt spid="4"/>
                                         </p:tgtEl>
@@ -15415,26 +17194,26 @@
                     </p:cTn>
                   </p:par>
                   <p:par>
-                    <p:cTn id="179" fill="hold">
+                    <p:cTn id="176" fill="hold">
                       <p:stCondLst>
                         <p:cond delay="indefinite"/>
                       </p:stCondLst>
                       <p:childTnLst>
                         <p:par>
-                          <p:cTn id="180" fill="hold">
+                          <p:cTn id="177" fill="hold">
                             <p:stCondLst>
                               <p:cond delay="0"/>
                             </p:stCondLst>
                             <p:childTnLst>
                               <p:par>
-                                <p:cTn id="181" presetID="10" presetClass="entr" presetSubtype="0" fill="hold" grpId="0" nodeType="clickEffect">
+                                <p:cTn id="178" presetID="10" presetClass="entr" presetSubtype="0" fill="hold" grpId="0" nodeType="clickEffect">
                                   <p:stCondLst>
                                     <p:cond delay="0"/>
                                   </p:stCondLst>
                                   <p:childTnLst>
                                     <p:set>
                                       <p:cBhvr>
-                                        <p:cTn id="182" dur="1" fill="hold">
+                                        <p:cTn id="179" dur="1" fill="hold">
                                           <p:stCondLst>
                                             <p:cond delay="0"/>
                                           </p:stCondLst>
@@ -15452,7 +17231,7 @@
                                     </p:set>
                                     <p:animEffect transition="in" filter="fade">
                                       <p:cBhvr>
-                                        <p:cTn id="183" dur="500"/>
+                                        <p:cTn id="180" dur="500"/>
                                         <p:tgtEl>
                                           <p:spTgt spid="5"/>
                                         </p:tgtEl>
@@ -15640,65 +17419,6 @@
       </p:sp>
       <p:sp>
         <p:nvSpPr>
-          <p:cNvPr id="30" name="Oval 29">
-            <a:extLst>
-              <a:ext uri="{FF2B5EF4-FFF2-40B4-BE49-F238E27FC236}">
-                <a16:creationId xmlns:a16="http://schemas.microsoft.com/office/drawing/2014/main" id="{597D4D2D-2802-E82A-0BEE-5908CAE37FC8}"/>
-              </a:ext>
-            </a:extLst>
-          </p:cNvPr>
-          <p:cNvSpPr/>
-          <p:nvPr/>
-        </p:nvSpPr>
-        <p:spPr>
-          <a:xfrm>
-            <a:off x="4023056" y="2804320"/>
-            <a:ext cx="455260" cy="458039"/>
-          </a:xfrm>
-          <a:prstGeom prst="ellipse">
-            <a:avLst/>
-          </a:prstGeom>
-          <a:solidFill>
-            <a:schemeClr val="bg1">
-              <a:lumMod val="85000"/>
-            </a:schemeClr>
-          </a:solidFill>
-          <a:ln w="28575" cap="flat" cmpd="sng" algn="ctr">
-            <a:solidFill>
-              <a:schemeClr val="tx1"/>
-            </a:solidFill>
-            <a:prstDash val="solid"/>
-            <a:miter lim="800000"/>
-          </a:ln>
-          <a:effectLst/>
-        </p:spPr>
-        <p:style>
-          <a:lnRef idx="2">
-            <a:schemeClr val="accent1">
-              <a:shade val="50000"/>
-            </a:schemeClr>
-          </a:lnRef>
-          <a:fillRef idx="1">
-            <a:schemeClr val="accent1"/>
-          </a:fillRef>
-          <a:effectRef idx="0">
-            <a:schemeClr val="accent1"/>
-          </a:effectRef>
-          <a:fontRef idx="minor">
-            <a:schemeClr val="lt1"/>
-          </a:fontRef>
-        </p:style>
-        <p:txBody>
-          <a:bodyPr rtlCol="0" anchor="ctr"/>
-          <a:lstStyle/>
-          <a:p>
-            <a:pPr algn="ctr"/>
-            <a:endParaRPr lang="en-US"/>
-          </a:p>
-        </p:txBody>
-      </p:sp>
-      <p:sp>
-        <p:nvSpPr>
           <p:cNvPr id="55" name="Oval 54">
             <a:extLst>
               <a:ext uri="{FF2B5EF4-FFF2-40B4-BE49-F238E27FC236}">
@@ -15862,14 +17582,14 @@
           <p:cNvCxnSpPr>
             <a:cxnSpLocks/>
             <a:stCxn id="3" idx="4"/>
-            <a:endCxn id="30" idx="0"/>
+            <a:endCxn id="46" idx="0"/>
           </p:cNvCxnSpPr>
           <p:nvPr/>
         </p:nvCxnSpPr>
         <p:spPr>
           <a:xfrm>
             <a:off x="3258196" y="2289830"/>
-            <a:ext cx="992490" cy="514490"/>
+            <a:ext cx="789077" cy="444030"/>
           </a:xfrm>
           <a:prstGeom prst="line">
             <a:avLst/>
@@ -15914,7 +17634,7 @@
         <p:spPr>
           <a:xfrm>
             <a:off x="3419155" y="2222752"/>
-            <a:ext cx="2221545" cy="523831"/>
+            <a:ext cx="1709251" cy="511108"/>
           </a:xfrm>
           <a:prstGeom prst="line">
             <a:avLst/>
@@ -15940,12 +17660,192 @@
           </a:fontRef>
         </p:style>
       </p:cxnSp>
+      <p:cxnSp>
+        <p:nvCxnSpPr>
+          <p:cNvPr id="205" name="Straight Connector 204">
+            <a:extLst>
+              <a:ext uri="{FF2B5EF4-FFF2-40B4-BE49-F238E27FC236}">
+                <a16:creationId xmlns:a16="http://schemas.microsoft.com/office/drawing/2014/main" id="{5D2E6A44-A67C-D498-AC88-1A58BE70CDBB}"/>
+              </a:ext>
+            </a:extLst>
+          </p:cNvPr>
+          <p:cNvCxnSpPr>
+            <a:cxnSpLocks/>
+            <a:stCxn id="55" idx="3"/>
+            <a:endCxn id="268" idx="0"/>
+          </p:cNvCxnSpPr>
+          <p:nvPr/>
+        </p:nvCxnSpPr>
+        <p:spPr>
+          <a:xfrm flipH="1">
+            <a:off x="1319976" y="3195281"/>
+            <a:ext cx="633569" cy="548612"/>
+          </a:xfrm>
+          <a:prstGeom prst="line">
+            <a:avLst/>
+          </a:prstGeom>
+          <a:ln w="28575">
+            <a:solidFill>
+              <a:schemeClr val="tx1"/>
+            </a:solidFill>
+          </a:ln>
+        </p:spPr>
+        <p:style>
+          <a:lnRef idx="1">
+            <a:schemeClr val="accent1"/>
+          </a:lnRef>
+          <a:fillRef idx="0">
+            <a:schemeClr val="accent1"/>
+          </a:fillRef>
+          <a:effectRef idx="0">
+            <a:schemeClr val="accent1"/>
+          </a:effectRef>
+          <a:fontRef idx="minor">
+            <a:schemeClr val="tx1"/>
+          </a:fontRef>
+        </p:style>
+      </p:cxnSp>
+      <p:cxnSp>
+        <p:nvCxnSpPr>
+          <p:cNvPr id="206" name="Straight Connector 205">
+            <a:extLst>
+              <a:ext uri="{FF2B5EF4-FFF2-40B4-BE49-F238E27FC236}">
+                <a16:creationId xmlns:a16="http://schemas.microsoft.com/office/drawing/2014/main" id="{8FEBDC40-D56A-950A-4E61-0E12C6BAD266}"/>
+              </a:ext>
+            </a:extLst>
+          </p:cNvPr>
+          <p:cNvCxnSpPr>
+            <a:cxnSpLocks/>
+            <a:stCxn id="55" idx="4"/>
+            <a:endCxn id="248" idx="0"/>
+          </p:cNvCxnSpPr>
+          <p:nvPr/>
+        </p:nvCxnSpPr>
+        <p:spPr>
+          <a:xfrm flipH="1">
+            <a:off x="1823491" y="3262359"/>
+            <a:ext cx="300098" cy="480514"/>
+          </a:xfrm>
+          <a:prstGeom prst="line">
+            <a:avLst/>
+          </a:prstGeom>
+          <a:ln w="28575">
+            <a:solidFill>
+              <a:schemeClr val="tx1"/>
+            </a:solidFill>
+          </a:ln>
+        </p:spPr>
+        <p:style>
+          <a:lnRef idx="1">
+            <a:schemeClr val="accent1"/>
+          </a:lnRef>
+          <a:fillRef idx="0">
+            <a:schemeClr val="accent1"/>
+          </a:fillRef>
+          <a:effectRef idx="0">
+            <a:schemeClr val="accent1"/>
+          </a:effectRef>
+          <a:fontRef idx="minor">
+            <a:schemeClr val="tx1"/>
+          </a:fontRef>
+        </p:style>
+      </p:cxnSp>
+      <p:cxnSp>
+        <p:nvCxnSpPr>
+          <p:cNvPr id="207" name="Straight Connector 206">
+            <a:extLst>
+              <a:ext uri="{FF2B5EF4-FFF2-40B4-BE49-F238E27FC236}">
+                <a16:creationId xmlns:a16="http://schemas.microsoft.com/office/drawing/2014/main" id="{3BDDFC46-0FAE-9F9E-2D08-192E5201469D}"/>
+              </a:ext>
+            </a:extLst>
+          </p:cNvPr>
+          <p:cNvCxnSpPr>
+            <a:cxnSpLocks/>
+            <a:stCxn id="55" idx="4"/>
+            <a:endCxn id="12" idx="0"/>
+          </p:cNvCxnSpPr>
+          <p:nvPr/>
+        </p:nvCxnSpPr>
+        <p:spPr>
+          <a:xfrm>
+            <a:off x="2123589" y="3262359"/>
+            <a:ext cx="233218" cy="480512"/>
+          </a:xfrm>
+          <a:prstGeom prst="line">
+            <a:avLst/>
+          </a:prstGeom>
+          <a:ln w="28575">
+            <a:solidFill>
+              <a:schemeClr val="tx1"/>
+            </a:solidFill>
+          </a:ln>
+        </p:spPr>
+        <p:style>
+          <a:lnRef idx="1">
+            <a:schemeClr val="accent1"/>
+          </a:lnRef>
+          <a:fillRef idx="0">
+            <a:schemeClr val="accent1"/>
+          </a:fillRef>
+          <a:effectRef idx="0">
+            <a:schemeClr val="accent1"/>
+          </a:effectRef>
+          <a:fontRef idx="minor">
+            <a:schemeClr val="tx1"/>
+          </a:fontRef>
+        </p:style>
+      </p:cxnSp>
+      <p:cxnSp>
+        <p:nvCxnSpPr>
+          <p:cNvPr id="208" name="Straight Connector 207">
+            <a:extLst>
+              <a:ext uri="{FF2B5EF4-FFF2-40B4-BE49-F238E27FC236}">
+                <a16:creationId xmlns:a16="http://schemas.microsoft.com/office/drawing/2014/main" id="{1D4961EC-B497-AFA9-61D0-B218D93E9C2C}"/>
+              </a:ext>
+            </a:extLst>
+          </p:cNvPr>
+          <p:cNvCxnSpPr>
+            <a:cxnSpLocks/>
+            <a:stCxn id="55" idx="5"/>
+            <a:endCxn id="253" idx="0"/>
+          </p:cNvCxnSpPr>
+          <p:nvPr/>
+        </p:nvCxnSpPr>
+        <p:spPr>
+          <a:xfrm>
+            <a:off x="2293633" y="3195281"/>
+            <a:ext cx="590902" cy="547591"/>
+          </a:xfrm>
+          <a:prstGeom prst="line">
+            <a:avLst/>
+          </a:prstGeom>
+          <a:ln w="28575">
+            <a:solidFill>
+              <a:schemeClr val="tx1"/>
+            </a:solidFill>
+          </a:ln>
+        </p:spPr>
+        <p:style>
+          <a:lnRef idx="1">
+            <a:schemeClr val="accent1"/>
+          </a:lnRef>
+          <a:fillRef idx="0">
+            <a:schemeClr val="accent1"/>
+          </a:fillRef>
+          <a:effectRef idx="0">
+            <a:schemeClr val="accent1"/>
+          </a:effectRef>
+          <a:fontRef idx="minor">
+            <a:schemeClr val="tx1"/>
+          </a:fontRef>
+        </p:style>
+      </p:cxnSp>
       <p:sp>
         <p:nvSpPr>
-          <p:cNvPr id="173" name="Oval 172">
-            <a:extLst>
-              <a:ext uri="{FF2B5EF4-FFF2-40B4-BE49-F238E27FC236}">
-                <a16:creationId xmlns:a16="http://schemas.microsoft.com/office/drawing/2014/main" id="{E43CDD70-B375-5913-84D6-5C5FB07D3E4A}"/>
+          <p:cNvPr id="232" name="Oval 231">
+            <a:extLst>
+              <a:ext uri="{FF2B5EF4-FFF2-40B4-BE49-F238E27FC236}">
+                <a16:creationId xmlns:a16="http://schemas.microsoft.com/office/drawing/2014/main" id="{94154297-2927-1B0C-8803-461AEE2DC0DA}"/>
               </a:ext>
             </a:extLst>
           </p:cNvPr>
@@ -15954,7 +17854,7 @@
         </p:nvSpPr>
         <p:spPr>
           <a:xfrm>
-            <a:off x="3795426" y="3758565"/>
+            <a:off x="1351979" y="4714662"/>
             <a:ext cx="455260" cy="458039"/>
           </a:xfrm>
           <a:prstGeom prst="ellipse">
@@ -15999,372 +17899,12 @@
           </a:p>
         </p:txBody>
       </p:sp>
-      <p:cxnSp>
-        <p:nvCxnSpPr>
-          <p:cNvPr id="175" name="Straight Connector 174">
-            <a:extLst>
-              <a:ext uri="{FF2B5EF4-FFF2-40B4-BE49-F238E27FC236}">
-                <a16:creationId xmlns:a16="http://schemas.microsoft.com/office/drawing/2014/main" id="{2FDBDF00-B913-0B79-480C-8B03FA4B3FCD}"/>
-              </a:ext>
-            </a:extLst>
-          </p:cNvPr>
-          <p:cNvCxnSpPr>
-            <a:cxnSpLocks/>
-            <a:stCxn id="30" idx="3"/>
-            <a:endCxn id="255" idx="0"/>
-          </p:cNvCxnSpPr>
-          <p:nvPr/>
-        </p:nvCxnSpPr>
-        <p:spPr>
-          <a:xfrm flipH="1">
-            <a:off x="3508975" y="3195281"/>
-            <a:ext cx="580752" cy="570063"/>
-          </a:xfrm>
-          <a:prstGeom prst="line">
-            <a:avLst/>
-          </a:prstGeom>
-          <a:ln w="28575">
-            <a:solidFill>
-              <a:schemeClr val="tx1"/>
-            </a:solidFill>
-          </a:ln>
-        </p:spPr>
-        <p:style>
-          <a:lnRef idx="1">
-            <a:schemeClr val="accent1"/>
-          </a:lnRef>
-          <a:fillRef idx="0">
-            <a:schemeClr val="accent1"/>
-          </a:fillRef>
-          <a:effectRef idx="0">
-            <a:schemeClr val="accent1"/>
-          </a:effectRef>
-          <a:fontRef idx="minor">
-            <a:schemeClr val="tx1"/>
-          </a:fontRef>
-        </p:style>
-      </p:cxnSp>
-      <p:cxnSp>
-        <p:nvCxnSpPr>
-          <p:cNvPr id="176" name="Straight Connector 175">
-            <a:extLst>
-              <a:ext uri="{FF2B5EF4-FFF2-40B4-BE49-F238E27FC236}">
-                <a16:creationId xmlns:a16="http://schemas.microsoft.com/office/drawing/2014/main" id="{A45E9DB7-2149-9662-B409-E8AB1022765F}"/>
-              </a:ext>
-            </a:extLst>
-          </p:cNvPr>
-          <p:cNvCxnSpPr>
-            <a:cxnSpLocks/>
-            <a:stCxn id="30" idx="4"/>
-            <a:endCxn id="173" idx="0"/>
-          </p:cNvCxnSpPr>
-          <p:nvPr/>
-        </p:nvCxnSpPr>
-        <p:spPr>
-          <a:xfrm flipH="1">
-            <a:off x="4023056" y="3262359"/>
-            <a:ext cx="227630" cy="496206"/>
-          </a:xfrm>
-          <a:prstGeom prst="line">
-            <a:avLst/>
-          </a:prstGeom>
-          <a:ln w="28575">
-            <a:solidFill>
-              <a:schemeClr val="tx1"/>
-            </a:solidFill>
-          </a:ln>
-        </p:spPr>
-        <p:style>
-          <a:lnRef idx="1">
-            <a:schemeClr val="accent1"/>
-          </a:lnRef>
-          <a:fillRef idx="0">
-            <a:schemeClr val="accent1"/>
-          </a:fillRef>
-          <a:effectRef idx="0">
-            <a:schemeClr val="accent1"/>
-          </a:effectRef>
-          <a:fontRef idx="minor">
-            <a:schemeClr val="tx1"/>
-          </a:fontRef>
-        </p:style>
-      </p:cxnSp>
-      <p:cxnSp>
-        <p:nvCxnSpPr>
-          <p:cNvPr id="177" name="Straight Connector 176">
-            <a:extLst>
-              <a:ext uri="{FF2B5EF4-FFF2-40B4-BE49-F238E27FC236}">
-                <a16:creationId xmlns:a16="http://schemas.microsoft.com/office/drawing/2014/main" id="{C045CE3F-9988-99B1-7401-C68DA34DCA66}"/>
-              </a:ext>
-            </a:extLst>
-          </p:cNvPr>
-          <p:cNvCxnSpPr>
-            <a:cxnSpLocks/>
-            <a:stCxn id="30" idx="4"/>
-            <a:endCxn id="257" idx="0"/>
-          </p:cNvCxnSpPr>
-          <p:nvPr/>
-        </p:nvCxnSpPr>
-        <p:spPr>
-          <a:xfrm>
-            <a:off x="4250686" y="3262359"/>
-            <a:ext cx="316707" cy="507612"/>
-          </a:xfrm>
-          <a:prstGeom prst="line">
-            <a:avLst/>
-          </a:prstGeom>
-          <a:ln w="28575">
-            <a:solidFill>
-              <a:schemeClr val="tx1"/>
-            </a:solidFill>
-          </a:ln>
-        </p:spPr>
-        <p:style>
-          <a:lnRef idx="1">
-            <a:schemeClr val="accent1"/>
-          </a:lnRef>
-          <a:fillRef idx="0">
-            <a:schemeClr val="accent1"/>
-          </a:fillRef>
-          <a:effectRef idx="0">
-            <a:schemeClr val="accent1"/>
-          </a:effectRef>
-          <a:fontRef idx="minor">
-            <a:schemeClr val="tx1"/>
-          </a:fontRef>
-        </p:style>
-      </p:cxnSp>
-      <p:cxnSp>
-        <p:nvCxnSpPr>
-          <p:cNvPr id="178" name="Straight Connector 177">
-            <a:extLst>
-              <a:ext uri="{FF2B5EF4-FFF2-40B4-BE49-F238E27FC236}">
-                <a16:creationId xmlns:a16="http://schemas.microsoft.com/office/drawing/2014/main" id="{406A3F83-0935-AA2A-3BDA-96FB21A1F613}"/>
-              </a:ext>
-            </a:extLst>
-          </p:cNvPr>
-          <p:cNvCxnSpPr>
-            <a:cxnSpLocks/>
-            <a:stCxn id="30" idx="5"/>
-            <a:endCxn id="259" idx="0"/>
-          </p:cNvCxnSpPr>
-          <p:nvPr/>
-        </p:nvCxnSpPr>
-        <p:spPr>
-          <a:xfrm>
-            <a:off x="4411645" y="3195281"/>
-            <a:ext cx="659263" cy="576466"/>
-          </a:xfrm>
-          <a:prstGeom prst="line">
-            <a:avLst/>
-          </a:prstGeom>
-          <a:ln w="28575">
-            <a:solidFill>
-              <a:schemeClr val="tx1"/>
-            </a:solidFill>
-          </a:ln>
-        </p:spPr>
-        <p:style>
-          <a:lnRef idx="1">
-            <a:schemeClr val="accent1"/>
-          </a:lnRef>
-          <a:fillRef idx="0">
-            <a:schemeClr val="accent1"/>
-          </a:fillRef>
-          <a:effectRef idx="0">
-            <a:schemeClr val="accent1"/>
-          </a:effectRef>
-          <a:fontRef idx="minor">
-            <a:schemeClr val="tx1"/>
-          </a:fontRef>
-        </p:style>
-      </p:cxnSp>
-      <p:cxnSp>
-        <p:nvCxnSpPr>
-          <p:cNvPr id="205" name="Straight Connector 204">
-            <a:extLst>
-              <a:ext uri="{FF2B5EF4-FFF2-40B4-BE49-F238E27FC236}">
-                <a16:creationId xmlns:a16="http://schemas.microsoft.com/office/drawing/2014/main" id="{5D2E6A44-A67C-D498-AC88-1A58BE70CDBB}"/>
-              </a:ext>
-            </a:extLst>
-          </p:cNvPr>
-          <p:cNvCxnSpPr>
-            <a:cxnSpLocks/>
-            <a:stCxn id="55" idx="3"/>
-            <a:endCxn id="268" idx="0"/>
-          </p:cNvCxnSpPr>
-          <p:nvPr/>
-        </p:nvCxnSpPr>
-        <p:spPr>
-          <a:xfrm flipH="1">
-            <a:off x="1319976" y="3195281"/>
-            <a:ext cx="633569" cy="548612"/>
-          </a:xfrm>
-          <a:prstGeom prst="line">
-            <a:avLst/>
-          </a:prstGeom>
-          <a:ln w="28575">
-            <a:solidFill>
-              <a:schemeClr val="tx1"/>
-            </a:solidFill>
-          </a:ln>
-        </p:spPr>
-        <p:style>
-          <a:lnRef idx="1">
-            <a:schemeClr val="accent1"/>
-          </a:lnRef>
-          <a:fillRef idx="0">
-            <a:schemeClr val="accent1"/>
-          </a:fillRef>
-          <a:effectRef idx="0">
-            <a:schemeClr val="accent1"/>
-          </a:effectRef>
-          <a:fontRef idx="minor">
-            <a:schemeClr val="tx1"/>
-          </a:fontRef>
-        </p:style>
-      </p:cxnSp>
-      <p:cxnSp>
-        <p:nvCxnSpPr>
-          <p:cNvPr id="206" name="Straight Connector 205">
-            <a:extLst>
-              <a:ext uri="{FF2B5EF4-FFF2-40B4-BE49-F238E27FC236}">
-                <a16:creationId xmlns:a16="http://schemas.microsoft.com/office/drawing/2014/main" id="{8FEBDC40-D56A-950A-4E61-0E12C6BAD266}"/>
-              </a:ext>
-            </a:extLst>
-          </p:cNvPr>
-          <p:cNvCxnSpPr>
-            <a:cxnSpLocks/>
-            <a:stCxn id="55" idx="4"/>
-            <a:endCxn id="248" idx="0"/>
-          </p:cNvCxnSpPr>
-          <p:nvPr/>
-        </p:nvCxnSpPr>
-        <p:spPr>
-          <a:xfrm flipH="1">
-            <a:off x="1823491" y="3262359"/>
-            <a:ext cx="300098" cy="480514"/>
-          </a:xfrm>
-          <a:prstGeom prst="line">
-            <a:avLst/>
-          </a:prstGeom>
-          <a:ln w="28575">
-            <a:solidFill>
-              <a:schemeClr val="tx1"/>
-            </a:solidFill>
-          </a:ln>
-        </p:spPr>
-        <p:style>
-          <a:lnRef idx="1">
-            <a:schemeClr val="accent1"/>
-          </a:lnRef>
-          <a:fillRef idx="0">
-            <a:schemeClr val="accent1"/>
-          </a:fillRef>
-          <a:effectRef idx="0">
-            <a:schemeClr val="accent1"/>
-          </a:effectRef>
-          <a:fontRef idx="minor">
-            <a:schemeClr val="tx1"/>
-          </a:fontRef>
-        </p:style>
-      </p:cxnSp>
-      <p:cxnSp>
-        <p:nvCxnSpPr>
-          <p:cNvPr id="207" name="Straight Connector 206">
-            <a:extLst>
-              <a:ext uri="{FF2B5EF4-FFF2-40B4-BE49-F238E27FC236}">
-                <a16:creationId xmlns:a16="http://schemas.microsoft.com/office/drawing/2014/main" id="{3BDDFC46-0FAE-9F9E-2D08-192E5201469D}"/>
-              </a:ext>
-            </a:extLst>
-          </p:cNvPr>
-          <p:cNvCxnSpPr>
-            <a:cxnSpLocks/>
-            <a:stCxn id="55" idx="4"/>
-            <a:endCxn id="251" idx="0"/>
-          </p:cNvCxnSpPr>
-          <p:nvPr/>
-        </p:nvCxnSpPr>
-        <p:spPr>
-          <a:xfrm>
-            <a:off x="2123589" y="3262359"/>
-            <a:ext cx="237783" cy="480513"/>
-          </a:xfrm>
-          <a:prstGeom prst="line">
-            <a:avLst/>
-          </a:prstGeom>
-          <a:ln w="28575">
-            <a:solidFill>
-              <a:schemeClr val="tx1"/>
-            </a:solidFill>
-          </a:ln>
-        </p:spPr>
-        <p:style>
-          <a:lnRef idx="1">
-            <a:schemeClr val="accent1"/>
-          </a:lnRef>
-          <a:fillRef idx="0">
-            <a:schemeClr val="accent1"/>
-          </a:fillRef>
-          <a:effectRef idx="0">
-            <a:schemeClr val="accent1"/>
-          </a:effectRef>
-          <a:fontRef idx="minor">
-            <a:schemeClr val="tx1"/>
-          </a:fontRef>
-        </p:style>
-      </p:cxnSp>
-      <p:cxnSp>
-        <p:nvCxnSpPr>
-          <p:cNvPr id="208" name="Straight Connector 207">
-            <a:extLst>
-              <a:ext uri="{FF2B5EF4-FFF2-40B4-BE49-F238E27FC236}">
-                <a16:creationId xmlns:a16="http://schemas.microsoft.com/office/drawing/2014/main" id="{1D4961EC-B497-AFA9-61D0-B218D93E9C2C}"/>
-              </a:ext>
-            </a:extLst>
-          </p:cNvPr>
-          <p:cNvCxnSpPr>
-            <a:cxnSpLocks/>
-            <a:stCxn id="55" idx="5"/>
-            <a:endCxn id="253" idx="0"/>
-          </p:cNvCxnSpPr>
-          <p:nvPr/>
-        </p:nvCxnSpPr>
-        <p:spPr>
-          <a:xfrm>
-            <a:off x="2293633" y="3195281"/>
-            <a:ext cx="590902" cy="547591"/>
-          </a:xfrm>
-          <a:prstGeom prst="line">
-            <a:avLst/>
-          </a:prstGeom>
-          <a:ln w="28575">
-            <a:solidFill>
-              <a:schemeClr val="tx1"/>
-            </a:solidFill>
-          </a:ln>
-        </p:spPr>
-        <p:style>
-          <a:lnRef idx="1">
-            <a:schemeClr val="accent1"/>
-          </a:lnRef>
-          <a:fillRef idx="0">
-            <a:schemeClr val="accent1"/>
-          </a:fillRef>
-          <a:effectRef idx="0">
-            <a:schemeClr val="accent1"/>
-          </a:effectRef>
-          <a:fontRef idx="minor">
-            <a:schemeClr val="tx1"/>
-          </a:fontRef>
-        </p:style>
-      </p:cxnSp>
       <p:sp>
         <p:nvSpPr>
-          <p:cNvPr id="232" name="Oval 231">
-            <a:extLst>
-              <a:ext uri="{FF2B5EF4-FFF2-40B4-BE49-F238E27FC236}">
-                <a16:creationId xmlns:a16="http://schemas.microsoft.com/office/drawing/2014/main" id="{94154297-2927-1B0C-8803-461AEE2DC0DA}"/>
+          <p:cNvPr id="233" name="Oval 232">
+            <a:extLst>
+              <a:ext uri="{FF2B5EF4-FFF2-40B4-BE49-F238E27FC236}">
+                <a16:creationId xmlns:a16="http://schemas.microsoft.com/office/drawing/2014/main" id="{CF20D298-1419-A3CC-77C5-54FC667348CC}"/>
               </a:ext>
             </a:extLst>
           </p:cNvPr>
@@ -16373,7 +17913,7 @@
         </p:nvSpPr>
         <p:spPr>
           <a:xfrm>
-            <a:off x="3064144" y="4730102"/>
+            <a:off x="2345715" y="4719150"/>
             <a:ext cx="455260" cy="458039"/>
           </a:xfrm>
           <a:prstGeom prst="ellipse">
@@ -16420,10 +17960,10 @@
       </p:sp>
       <p:sp>
         <p:nvSpPr>
-          <p:cNvPr id="233" name="Oval 232">
-            <a:extLst>
-              <a:ext uri="{FF2B5EF4-FFF2-40B4-BE49-F238E27FC236}">
-                <a16:creationId xmlns:a16="http://schemas.microsoft.com/office/drawing/2014/main" id="{CF20D298-1419-A3CC-77C5-54FC667348CC}"/>
+          <p:cNvPr id="234" name="Oval 233">
+            <a:extLst>
+              <a:ext uri="{FF2B5EF4-FFF2-40B4-BE49-F238E27FC236}">
+                <a16:creationId xmlns:a16="http://schemas.microsoft.com/office/drawing/2014/main" id="{75EAF15E-1A64-6ECA-32DF-CC004A254A01}"/>
               </a:ext>
             </a:extLst>
           </p:cNvPr>
@@ -16432,7 +17972,7 @@
         </p:nvSpPr>
         <p:spPr>
           <a:xfrm>
-            <a:off x="4089727" y="4730104"/>
+            <a:off x="1848847" y="4709231"/>
             <a:ext cx="455260" cy="458039"/>
           </a:xfrm>
           <a:prstGeom prst="ellipse">
@@ -16479,10 +18019,10 @@
       </p:sp>
       <p:sp>
         <p:nvSpPr>
-          <p:cNvPr id="234" name="Oval 233">
-            <a:extLst>
-              <a:ext uri="{FF2B5EF4-FFF2-40B4-BE49-F238E27FC236}">
-                <a16:creationId xmlns:a16="http://schemas.microsoft.com/office/drawing/2014/main" id="{75EAF15E-1A64-6ECA-32DF-CC004A254A01}"/>
+          <p:cNvPr id="235" name="Oval 234">
+            <a:extLst>
+              <a:ext uri="{FF2B5EF4-FFF2-40B4-BE49-F238E27FC236}">
+                <a16:creationId xmlns:a16="http://schemas.microsoft.com/office/drawing/2014/main" id="{1ECDE397-6470-2B8C-0A00-5DA5A618A2EA}"/>
               </a:ext>
             </a:extLst>
           </p:cNvPr>
@@ -16491,7 +18031,7 @@
         </p:nvSpPr>
         <p:spPr>
           <a:xfrm>
-            <a:off x="3575646" y="4730103"/>
+            <a:off x="2857140" y="4701535"/>
             <a:ext cx="455260" cy="458039"/>
           </a:xfrm>
           <a:prstGeom prst="ellipse">
@@ -16536,65 +18076,6 @@
           </a:p>
         </p:txBody>
       </p:sp>
-      <p:sp>
-        <p:nvSpPr>
-          <p:cNvPr id="235" name="Oval 234">
-            <a:extLst>
-              <a:ext uri="{FF2B5EF4-FFF2-40B4-BE49-F238E27FC236}">
-                <a16:creationId xmlns:a16="http://schemas.microsoft.com/office/drawing/2014/main" id="{1ECDE397-6470-2B8C-0A00-5DA5A618A2EA}"/>
-              </a:ext>
-            </a:extLst>
-          </p:cNvPr>
-          <p:cNvSpPr/>
-          <p:nvPr/>
-        </p:nvSpPr>
-        <p:spPr>
-          <a:xfrm>
-            <a:off x="4593242" y="4701535"/>
-            <a:ext cx="455260" cy="458039"/>
-          </a:xfrm>
-          <a:prstGeom prst="ellipse">
-            <a:avLst/>
-          </a:prstGeom>
-          <a:solidFill>
-            <a:schemeClr val="bg1">
-              <a:lumMod val="85000"/>
-            </a:schemeClr>
-          </a:solidFill>
-          <a:ln w="28575" cap="flat" cmpd="sng" algn="ctr">
-            <a:solidFill>
-              <a:schemeClr val="tx1"/>
-            </a:solidFill>
-            <a:prstDash val="solid"/>
-            <a:miter lim="800000"/>
-          </a:ln>
-          <a:effectLst/>
-        </p:spPr>
-        <p:style>
-          <a:lnRef idx="2">
-            <a:schemeClr val="accent1">
-              <a:shade val="50000"/>
-            </a:schemeClr>
-          </a:lnRef>
-          <a:fillRef idx="1">
-            <a:schemeClr val="accent1"/>
-          </a:fillRef>
-          <a:effectRef idx="0">
-            <a:schemeClr val="accent1"/>
-          </a:effectRef>
-          <a:fontRef idx="minor">
-            <a:schemeClr val="lt1"/>
-          </a:fontRef>
-        </p:style>
-        <p:txBody>
-          <a:bodyPr rtlCol="0" anchor="ctr"/>
-          <a:lstStyle/>
-          <a:p>
-            <a:pPr algn="ctr"/>
-            <a:endParaRPr lang="en-US"/>
-          </a:p>
-        </p:txBody>
-      </p:sp>
       <p:cxnSp>
         <p:nvCxnSpPr>
           <p:cNvPr id="236" name="Straight Connector 235">
@@ -16606,14 +18087,15 @@
           </p:cNvPr>
           <p:cNvCxnSpPr>
             <a:cxnSpLocks/>
-            <a:stCxn id="173" idx="3"/>
+            <a:stCxn id="12" idx="3"/>
+            <a:endCxn id="232" idx="0"/>
           </p:cNvCxnSpPr>
           <p:nvPr/>
         </p:nvCxnSpPr>
         <p:spPr>
           <a:xfrm flipH="1">
-            <a:off x="3304809" y="4149526"/>
-            <a:ext cx="557288" cy="580578"/>
+            <a:off x="1579609" y="4133832"/>
+            <a:ext cx="616239" cy="580830"/>
           </a:xfrm>
           <a:prstGeom prst="line">
             <a:avLst/>
@@ -16650,15 +18132,15 @@
           </p:cNvPr>
           <p:cNvCxnSpPr>
             <a:cxnSpLocks/>
-            <a:stCxn id="173" idx="4"/>
+            <a:stCxn id="12" idx="4"/>
             <a:endCxn id="234" idx="0"/>
           </p:cNvCxnSpPr>
           <p:nvPr/>
         </p:nvCxnSpPr>
         <p:spPr>
           <a:xfrm flipH="1">
-            <a:off x="3803276" y="4216604"/>
-            <a:ext cx="219780" cy="513499"/>
+            <a:off x="2076477" y="4200910"/>
+            <a:ext cx="280330" cy="508321"/>
           </a:xfrm>
           <a:prstGeom prst="line">
             <a:avLst/>
@@ -16695,15 +18177,15 @@
           </p:cNvPr>
           <p:cNvCxnSpPr>
             <a:cxnSpLocks/>
-            <a:stCxn id="173" idx="4"/>
+            <a:stCxn id="12" idx="4"/>
             <a:endCxn id="233" idx="0"/>
           </p:cNvCxnSpPr>
           <p:nvPr/>
         </p:nvCxnSpPr>
         <p:spPr>
           <a:xfrm>
-            <a:off x="4023056" y="4216604"/>
-            <a:ext cx="294301" cy="513500"/>
+            <a:off x="2356807" y="4200910"/>
+            <a:ext cx="216538" cy="518240"/>
           </a:xfrm>
           <a:prstGeom prst="line">
             <a:avLst/>
@@ -16740,15 +18222,15 @@
           </p:cNvPr>
           <p:cNvCxnSpPr>
             <a:cxnSpLocks/>
-            <a:stCxn id="173" idx="5"/>
+            <a:stCxn id="12" idx="5"/>
             <a:endCxn id="235" idx="0"/>
           </p:cNvCxnSpPr>
           <p:nvPr/>
         </p:nvCxnSpPr>
         <p:spPr>
           <a:xfrm>
-            <a:off x="4184015" y="4149526"/>
-            <a:ext cx="636857" cy="552009"/>
+            <a:off x="2517766" y="4133832"/>
+            <a:ext cx="567004" cy="567703"/>
           </a:xfrm>
           <a:prstGeom prst="line">
             <a:avLst/>
@@ -16851,7 +18333,7 @@
         </p:nvSpPr>
         <p:spPr>
           <a:xfrm>
-            <a:off x="5413070" y="2746583"/>
+            <a:off x="4900776" y="2733860"/>
             <a:ext cx="455260" cy="458039"/>
           </a:xfrm>
           <a:prstGeom prst="rect">
@@ -16957,65 +18439,6 @@
       </p:sp>
       <p:sp>
         <p:nvSpPr>
-          <p:cNvPr id="251" name="Rectangle 250">
-            <a:extLst>
-              <a:ext uri="{FF2B5EF4-FFF2-40B4-BE49-F238E27FC236}">
-                <a16:creationId xmlns:a16="http://schemas.microsoft.com/office/drawing/2014/main" id="{DC448EBF-5A59-18F9-A236-2B48BCE80233}"/>
-              </a:ext>
-            </a:extLst>
-          </p:cNvPr>
-          <p:cNvSpPr/>
-          <p:nvPr/>
-        </p:nvSpPr>
-        <p:spPr>
-          <a:xfrm>
-            <a:off x="2133742" y="3742872"/>
-            <a:ext cx="455260" cy="458039"/>
-          </a:xfrm>
-          <a:prstGeom prst="rect">
-            <a:avLst/>
-          </a:prstGeom>
-          <a:solidFill>
-            <a:schemeClr val="bg1">
-              <a:lumMod val="85000"/>
-            </a:schemeClr>
-          </a:solidFill>
-          <a:ln w="28575" cap="flat" cmpd="sng" algn="ctr">
-            <a:solidFill>
-              <a:schemeClr val="tx1"/>
-            </a:solidFill>
-            <a:prstDash val="solid"/>
-            <a:miter lim="800000"/>
-          </a:ln>
-          <a:effectLst/>
-        </p:spPr>
-        <p:style>
-          <a:lnRef idx="2">
-            <a:schemeClr val="accent1">
-              <a:shade val="50000"/>
-            </a:schemeClr>
-          </a:lnRef>
-          <a:fillRef idx="1">
-            <a:schemeClr val="accent1"/>
-          </a:fillRef>
-          <a:effectRef idx="0">
-            <a:schemeClr val="accent1"/>
-          </a:effectRef>
-          <a:fontRef idx="minor">
-            <a:schemeClr val="lt1"/>
-          </a:fontRef>
-        </p:style>
-        <p:txBody>
-          <a:bodyPr rtlCol="0" anchor="ctr"/>
-          <a:lstStyle/>
-          <a:p>
-            <a:pPr algn="ctr"/>
-            <a:endParaRPr lang="en-US"/>
-          </a:p>
-        </p:txBody>
-      </p:sp>
-      <p:sp>
-        <p:nvSpPr>
           <p:cNvPr id="253" name="Rectangle 252">
             <a:extLst>
               <a:ext uri="{FF2B5EF4-FFF2-40B4-BE49-F238E27FC236}">
@@ -17075,183 +18498,6 @@
       </p:sp>
       <p:sp>
         <p:nvSpPr>
-          <p:cNvPr id="255" name="Rectangle 254">
-            <a:extLst>
-              <a:ext uri="{FF2B5EF4-FFF2-40B4-BE49-F238E27FC236}">
-                <a16:creationId xmlns:a16="http://schemas.microsoft.com/office/drawing/2014/main" id="{4F03AEF4-FFE5-3BDC-DEAB-734FA88D974F}"/>
-              </a:ext>
-            </a:extLst>
-          </p:cNvPr>
-          <p:cNvSpPr/>
-          <p:nvPr/>
-        </p:nvSpPr>
-        <p:spPr>
-          <a:xfrm>
-            <a:off x="3281345" y="3765344"/>
-            <a:ext cx="455260" cy="458039"/>
-          </a:xfrm>
-          <a:prstGeom prst="rect">
-            <a:avLst/>
-          </a:prstGeom>
-          <a:solidFill>
-            <a:schemeClr val="bg1">
-              <a:lumMod val="85000"/>
-            </a:schemeClr>
-          </a:solidFill>
-          <a:ln w="28575" cap="flat" cmpd="sng" algn="ctr">
-            <a:solidFill>
-              <a:schemeClr val="tx1"/>
-            </a:solidFill>
-            <a:prstDash val="solid"/>
-            <a:miter lim="800000"/>
-          </a:ln>
-          <a:effectLst/>
-        </p:spPr>
-        <p:style>
-          <a:lnRef idx="2">
-            <a:schemeClr val="accent1">
-              <a:shade val="50000"/>
-            </a:schemeClr>
-          </a:lnRef>
-          <a:fillRef idx="1">
-            <a:schemeClr val="accent1"/>
-          </a:fillRef>
-          <a:effectRef idx="0">
-            <a:schemeClr val="accent1"/>
-          </a:effectRef>
-          <a:fontRef idx="minor">
-            <a:schemeClr val="lt1"/>
-          </a:fontRef>
-        </p:style>
-        <p:txBody>
-          <a:bodyPr rtlCol="0" anchor="ctr"/>
-          <a:lstStyle/>
-          <a:p>
-            <a:pPr algn="ctr"/>
-            <a:endParaRPr lang="en-US"/>
-          </a:p>
-        </p:txBody>
-      </p:sp>
-      <p:sp>
-        <p:nvSpPr>
-          <p:cNvPr id="257" name="Rectangle 256">
-            <a:extLst>
-              <a:ext uri="{FF2B5EF4-FFF2-40B4-BE49-F238E27FC236}">
-                <a16:creationId xmlns:a16="http://schemas.microsoft.com/office/drawing/2014/main" id="{E564D29C-097A-D6B5-8329-C67D22375286}"/>
-              </a:ext>
-            </a:extLst>
-          </p:cNvPr>
-          <p:cNvSpPr/>
-          <p:nvPr/>
-        </p:nvSpPr>
-        <p:spPr>
-          <a:xfrm>
-            <a:off x="4339763" y="3769971"/>
-            <a:ext cx="455260" cy="458039"/>
-          </a:xfrm>
-          <a:prstGeom prst="rect">
-            <a:avLst/>
-          </a:prstGeom>
-          <a:solidFill>
-            <a:schemeClr val="bg1">
-              <a:lumMod val="85000"/>
-            </a:schemeClr>
-          </a:solidFill>
-          <a:ln w="28575" cap="flat" cmpd="sng" algn="ctr">
-            <a:solidFill>
-              <a:schemeClr val="tx1"/>
-            </a:solidFill>
-            <a:prstDash val="solid"/>
-            <a:miter lim="800000"/>
-          </a:ln>
-          <a:effectLst/>
-        </p:spPr>
-        <p:style>
-          <a:lnRef idx="2">
-            <a:schemeClr val="accent1">
-              <a:shade val="50000"/>
-            </a:schemeClr>
-          </a:lnRef>
-          <a:fillRef idx="1">
-            <a:schemeClr val="accent1"/>
-          </a:fillRef>
-          <a:effectRef idx="0">
-            <a:schemeClr val="accent1"/>
-          </a:effectRef>
-          <a:fontRef idx="minor">
-            <a:schemeClr val="lt1"/>
-          </a:fontRef>
-        </p:style>
-        <p:txBody>
-          <a:bodyPr rtlCol="0" anchor="ctr"/>
-          <a:lstStyle/>
-          <a:p>
-            <a:pPr algn="ctr"/>
-            <a:endParaRPr lang="en-US"/>
-          </a:p>
-        </p:txBody>
-      </p:sp>
-      <p:sp>
-        <p:nvSpPr>
-          <p:cNvPr id="259" name="Rectangle 258">
-            <a:extLst>
-              <a:ext uri="{FF2B5EF4-FFF2-40B4-BE49-F238E27FC236}">
-                <a16:creationId xmlns:a16="http://schemas.microsoft.com/office/drawing/2014/main" id="{4B55D52B-6FBF-C861-5C99-0F55B29F07CE}"/>
-              </a:ext>
-            </a:extLst>
-          </p:cNvPr>
-          <p:cNvSpPr/>
-          <p:nvPr/>
-        </p:nvSpPr>
-        <p:spPr>
-          <a:xfrm>
-            <a:off x="4843278" y="3771747"/>
-            <a:ext cx="455260" cy="458039"/>
-          </a:xfrm>
-          <a:prstGeom prst="rect">
-            <a:avLst/>
-          </a:prstGeom>
-          <a:solidFill>
-            <a:schemeClr val="bg1">
-              <a:lumMod val="85000"/>
-            </a:schemeClr>
-          </a:solidFill>
-          <a:ln w="28575" cap="flat" cmpd="sng" algn="ctr">
-            <a:solidFill>
-              <a:schemeClr val="tx1"/>
-            </a:solidFill>
-            <a:prstDash val="solid"/>
-            <a:miter lim="800000"/>
-          </a:ln>
-          <a:effectLst/>
-        </p:spPr>
-        <p:style>
-          <a:lnRef idx="2">
-            <a:schemeClr val="accent1">
-              <a:shade val="50000"/>
-            </a:schemeClr>
-          </a:lnRef>
-          <a:fillRef idx="1">
-            <a:schemeClr val="accent1"/>
-          </a:fillRef>
-          <a:effectRef idx="0">
-            <a:schemeClr val="accent1"/>
-          </a:effectRef>
-          <a:fontRef idx="minor">
-            <a:schemeClr val="lt1"/>
-          </a:fontRef>
-        </p:style>
-        <p:txBody>
-          <a:bodyPr rtlCol="0" anchor="ctr"/>
-          <a:lstStyle/>
-          <a:p>
-            <a:pPr algn="ctr"/>
-            <a:endParaRPr lang="en-US"/>
-          </a:p>
-        </p:txBody>
-      </p:sp>
-      <p:sp>
-        <p:nvSpPr>
           <p:cNvPr id="268" name="Rectangle 267">
             <a:extLst>
               <a:ext uri="{FF2B5EF4-FFF2-40B4-BE49-F238E27FC236}">
@@ -17405,10 +18651,10 @@
       </p:sp>
       <p:sp>
         <p:nvSpPr>
-          <p:cNvPr id="21" name="TextBox 20">
-            <a:extLst>
-              <a:ext uri="{FF2B5EF4-FFF2-40B4-BE49-F238E27FC236}">
-                <a16:creationId xmlns:a16="http://schemas.microsoft.com/office/drawing/2014/main" id="{EE2BB9F1-528B-7324-D8A6-B1408D5FB301}"/>
+          <p:cNvPr id="22" name="TextBox 21">
+            <a:extLst>
+              <a:ext uri="{FF2B5EF4-FFF2-40B4-BE49-F238E27FC236}">
+                <a16:creationId xmlns:a16="http://schemas.microsoft.com/office/drawing/2014/main" id="{66888418-6A97-D8B5-FCC4-1BE6379A825B}"/>
               </a:ext>
             </a:extLst>
           </p:cNvPr>
@@ -17417,42 +18663,7 @@
         </p:nvSpPr>
         <p:spPr>
           <a:xfrm>
-            <a:off x="4010228" y="2893067"/>
-            <a:ext cx="474810" cy="307777"/>
-          </a:xfrm>
-          <a:prstGeom prst="rect">
-            <a:avLst/>
-          </a:prstGeom>
-          <a:noFill/>
-        </p:spPr>
-        <p:txBody>
-          <a:bodyPr wrap="none" rtlCol="0">
-            <a:spAutoFit/>
-          </a:bodyPr>
-          <a:lstStyle/>
-          <a:p>
-            <a:r>
-              <a:rPr lang="en-US" sz="1400" b="1" dirty="0"/>
-              <a:t>SW</a:t>
-            </a:r>
-          </a:p>
-        </p:txBody>
-      </p:sp>
-      <p:sp>
-        <p:nvSpPr>
-          <p:cNvPr id="22" name="TextBox 21">
-            <a:extLst>
-              <a:ext uri="{FF2B5EF4-FFF2-40B4-BE49-F238E27FC236}">
-                <a16:creationId xmlns:a16="http://schemas.microsoft.com/office/drawing/2014/main" id="{66888418-6A97-D8B5-FCC4-1BE6379A825B}"/>
-              </a:ext>
-            </a:extLst>
-          </p:cNvPr>
-          <p:cNvSpPr txBox="1"/>
-          <p:nvPr/>
-        </p:nvSpPr>
-        <p:spPr>
-          <a:xfrm>
-            <a:off x="5445283" y="2817043"/>
+            <a:off x="4932989" y="2804320"/>
             <a:ext cx="404278" cy="307777"/>
           </a:xfrm>
           <a:prstGeom prst="rect">
@@ -17826,10 +19037,10 @@
       </p:cxnSp>
       <p:cxnSp>
         <p:nvCxnSpPr>
-          <p:cNvPr id="43" name="Straight Connector 42">
-            <a:extLst>
-              <a:ext uri="{FF2B5EF4-FFF2-40B4-BE49-F238E27FC236}">
-                <a16:creationId xmlns:a16="http://schemas.microsoft.com/office/drawing/2014/main" id="{B7E26C59-2B05-90EE-7888-C716E3999E73}"/>
+          <p:cNvPr id="52" name="Straight Connector 51">
+            <a:extLst>
+              <a:ext uri="{FF2B5EF4-FFF2-40B4-BE49-F238E27FC236}">
+                <a16:creationId xmlns:a16="http://schemas.microsoft.com/office/drawing/2014/main" id="{E7FEC74F-F22C-CA9F-77F1-CA6639534539}"/>
               </a:ext>
             </a:extLst>
           </p:cNvPr>
@@ -17840,93 +19051,7 @@
         </p:nvCxnSpPr>
         <p:spPr>
           <a:xfrm flipV="1">
-            <a:off x="8041732" y="3629385"/>
-            <a:ext cx="0" cy="2428515"/>
-          </a:xfrm>
-          <a:prstGeom prst="line">
-            <a:avLst/>
-          </a:prstGeom>
-          <a:ln w="28575">
-            <a:solidFill>
-              <a:schemeClr val="tx1"/>
-            </a:solidFill>
-          </a:ln>
-        </p:spPr>
-        <p:style>
-          <a:lnRef idx="1">
-            <a:schemeClr val="accent1"/>
-          </a:lnRef>
-          <a:fillRef idx="0">
-            <a:schemeClr val="accent1"/>
-          </a:fillRef>
-          <a:effectRef idx="0">
-            <a:schemeClr val="accent1"/>
-          </a:effectRef>
-          <a:fontRef idx="minor">
-            <a:schemeClr val="tx1"/>
-          </a:fontRef>
-        </p:style>
-      </p:cxnSp>
-      <p:cxnSp>
-        <p:nvCxnSpPr>
-          <p:cNvPr id="47" name="Straight Connector 46">
-            <a:extLst>
-              <a:ext uri="{FF2B5EF4-FFF2-40B4-BE49-F238E27FC236}">
-                <a16:creationId xmlns:a16="http://schemas.microsoft.com/office/drawing/2014/main" id="{6FE20715-1F70-1EC9-40C8-8FAB3812A350}"/>
-              </a:ext>
-            </a:extLst>
-          </p:cNvPr>
-          <p:cNvCxnSpPr>
-            <a:cxnSpLocks/>
-          </p:cNvCxnSpPr>
-          <p:nvPr/>
-        </p:nvCxnSpPr>
-        <p:spPr>
-          <a:xfrm>
-            <a:off x="6897010" y="4843642"/>
-            <a:ext cx="2289445" cy="0"/>
-          </a:xfrm>
-          <a:prstGeom prst="line">
-            <a:avLst/>
-          </a:prstGeom>
-          <a:ln w="28575">
-            <a:solidFill>
-              <a:schemeClr val="tx1"/>
-            </a:solidFill>
-          </a:ln>
-        </p:spPr>
-        <p:style>
-          <a:lnRef idx="1">
-            <a:schemeClr val="accent1"/>
-          </a:lnRef>
-          <a:fillRef idx="0">
-            <a:schemeClr val="accent1"/>
-          </a:fillRef>
-          <a:effectRef idx="0">
-            <a:schemeClr val="accent1"/>
-          </a:effectRef>
-          <a:fontRef idx="minor">
-            <a:schemeClr val="tx1"/>
-          </a:fontRef>
-        </p:style>
-      </p:cxnSp>
-      <p:cxnSp>
-        <p:nvCxnSpPr>
-          <p:cNvPr id="52" name="Straight Connector 51">
-            <a:extLst>
-              <a:ext uri="{FF2B5EF4-FFF2-40B4-BE49-F238E27FC236}">
-                <a16:creationId xmlns:a16="http://schemas.microsoft.com/office/drawing/2014/main" id="{E7FEC74F-F22C-CA9F-77F1-CA6639534539}"/>
-              </a:ext>
-            </a:extLst>
-          </p:cNvPr>
-          <p:cNvCxnSpPr>
-            <a:cxnSpLocks/>
-          </p:cNvCxnSpPr>
-          <p:nvPr/>
-        </p:nvCxnSpPr>
-        <p:spPr>
-          <a:xfrm flipV="1">
-            <a:off x="8596903" y="3629385"/>
+            <a:off x="9775998" y="2447195"/>
             <a:ext cx="0" cy="1214257"/>
           </a:xfrm>
           <a:prstGeom prst="line">
@@ -17969,7 +19094,7 @@
         </p:nvCxnSpPr>
         <p:spPr>
           <a:xfrm flipH="1">
-            <a:off x="8039354" y="4244430"/>
+            <a:off x="9158094" y="3030160"/>
             <a:ext cx="1115097" cy="0"/>
           </a:xfrm>
           <a:prstGeom prst="line">
@@ -18067,7 +19192,7 @@
         </p:nvSpPr>
         <p:spPr>
           <a:xfrm>
-            <a:off x="9878450" y="2957371"/>
+            <a:off x="9878450" y="3075703"/>
             <a:ext cx="168387" cy="178102"/>
           </a:xfrm>
           <a:prstGeom prst="ellipse">
@@ -18181,7 +19306,7 @@
         </p:nvSpPr>
         <p:spPr>
           <a:xfrm>
-            <a:off x="8847990" y="3799106"/>
+            <a:off x="9269360" y="2744186"/>
             <a:ext cx="168387" cy="178102"/>
           </a:xfrm>
           <a:prstGeom prst="ellipse">
@@ -18226,63 +19351,6 @@
       </p:sp>
       <p:sp>
         <p:nvSpPr>
-          <p:cNvPr id="133" name="Oval 132">
-            <a:extLst>
-              <a:ext uri="{FF2B5EF4-FFF2-40B4-BE49-F238E27FC236}">
-                <a16:creationId xmlns:a16="http://schemas.microsoft.com/office/drawing/2014/main" id="{1E1E416D-CE7D-8641-0F5F-05693656FDDD}"/>
-              </a:ext>
-            </a:extLst>
-          </p:cNvPr>
-          <p:cNvSpPr/>
-          <p:nvPr/>
-        </p:nvSpPr>
-        <p:spPr>
-          <a:xfrm>
-            <a:off x="8280138" y="4453063"/>
-            <a:ext cx="168387" cy="178102"/>
-          </a:xfrm>
-          <a:prstGeom prst="ellipse">
-            <a:avLst/>
-          </a:prstGeom>
-          <a:solidFill>
-            <a:schemeClr val="tx1"/>
-          </a:solidFill>
-          <a:ln w="12700" cap="flat" cmpd="sng" algn="ctr">
-            <a:solidFill>
-              <a:schemeClr val="tx1"/>
-            </a:solidFill>
-            <a:prstDash val="solid"/>
-            <a:miter lim="800000"/>
-          </a:ln>
-          <a:effectLst/>
-        </p:spPr>
-        <p:style>
-          <a:lnRef idx="2">
-            <a:schemeClr val="accent1">
-              <a:shade val="50000"/>
-            </a:schemeClr>
-          </a:lnRef>
-          <a:fillRef idx="1">
-            <a:schemeClr val="accent1"/>
-          </a:fillRef>
-          <a:effectRef idx="0">
-            <a:schemeClr val="accent1"/>
-          </a:effectRef>
-          <a:fontRef idx="minor">
-            <a:schemeClr val="lt1"/>
-          </a:fontRef>
-        </p:style>
-        <p:txBody>
-          <a:bodyPr rtlCol="0" anchor="ctr"/>
-          <a:lstStyle/>
-          <a:p>
-            <a:pPr algn="ctr"/>
-            <a:endParaRPr lang="en-US"/>
-          </a:p>
-        </p:txBody>
-      </p:sp>
-      <p:sp>
-        <p:nvSpPr>
           <p:cNvPr id="134" name="TextBox 133">
             <a:extLst>
               <a:ext uri="{FF2B5EF4-FFF2-40B4-BE49-F238E27FC236}">
@@ -18386,6 +19454,159 @@
               <a:t>Example</a:t>
             </a:r>
             <a:endParaRPr lang="en-US" sz="3600" dirty="0"/>
+          </a:p>
+        </p:txBody>
+      </p:sp>
+      <p:sp>
+        <p:nvSpPr>
+          <p:cNvPr id="12" name="Oval 11">
+            <a:extLst>
+              <a:ext uri="{FF2B5EF4-FFF2-40B4-BE49-F238E27FC236}">
+                <a16:creationId xmlns:a16="http://schemas.microsoft.com/office/drawing/2014/main" id="{58D33C32-8325-F4D0-2EF0-1A6E0B07645F}"/>
+              </a:ext>
+            </a:extLst>
+          </p:cNvPr>
+          <p:cNvSpPr/>
+          <p:nvPr/>
+        </p:nvSpPr>
+        <p:spPr>
+          <a:xfrm>
+            <a:off x="2129177" y="3742871"/>
+            <a:ext cx="455260" cy="458039"/>
+          </a:xfrm>
+          <a:prstGeom prst="ellipse">
+            <a:avLst/>
+          </a:prstGeom>
+          <a:solidFill>
+            <a:schemeClr val="bg1">
+              <a:lumMod val="85000"/>
+            </a:schemeClr>
+          </a:solidFill>
+          <a:ln w="28575" cap="flat" cmpd="sng" algn="ctr">
+            <a:solidFill>
+              <a:schemeClr val="tx1"/>
+            </a:solidFill>
+            <a:prstDash val="solid"/>
+            <a:miter lim="800000"/>
+          </a:ln>
+          <a:effectLst/>
+        </p:spPr>
+        <p:style>
+          <a:lnRef idx="2">
+            <a:schemeClr val="accent1">
+              <a:shade val="50000"/>
+            </a:schemeClr>
+          </a:lnRef>
+          <a:fillRef idx="1">
+            <a:schemeClr val="accent1"/>
+          </a:fillRef>
+          <a:effectRef idx="0">
+            <a:schemeClr val="accent1"/>
+          </a:effectRef>
+          <a:fontRef idx="minor">
+            <a:schemeClr val="lt1"/>
+          </a:fontRef>
+        </p:style>
+        <p:txBody>
+          <a:bodyPr rtlCol="0" anchor="ctr"/>
+          <a:lstStyle/>
+          <a:p>
+            <a:pPr algn="ctr"/>
+            <a:endParaRPr lang="en-US"/>
+          </a:p>
+        </p:txBody>
+      </p:sp>
+      <p:sp>
+        <p:nvSpPr>
+          <p:cNvPr id="46" name="Rectangle 45">
+            <a:extLst>
+              <a:ext uri="{FF2B5EF4-FFF2-40B4-BE49-F238E27FC236}">
+                <a16:creationId xmlns:a16="http://schemas.microsoft.com/office/drawing/2014/main" id="{AE8D2F1B-307E-4662-74BF-1372310E0417}"/>
+              </a:ext>
+            </a:extLst>
+          </p:cNvPr>
+          <p:cNvSpPr/>
+          <p:nvPr/>
+        </p:nvSpPr>
+        <p:spPr>
+          <a:xfrm>
+            <a:off x="3819643" y="2733860"/>
+            <a:ext cx="455260" cy="458039"/>
+          </a:xfrm>
+          <a:prstGeom prst="rect">
+            <a:avLst/>
+          </a:prstGeom>
+          <a:solidFill>
+            <a:schemeClr val="bg1">
+              <a:lumMod val="85000"/>
+            </a:schemeClr>
+          </a:solidFill>
+          <a:ln w="28575" cap="flat" cmpd="sng" algn="ctr">
+            <a:solidFill>
+              <a:schemeClr val="tx1"/>
+            </a:solidFill>
+            <a:prstDash val="solid"/>
+            <a:miter lim="800000"/>
+          </a:ln>
+          <a:effectLst/>
+        </p:spPr>
+        <p:style>
+          <a:lnRef idx="2">
+            <a:schemeClr val="accent1">
+              <a:shade val="50000"/>
+            </a:schemeClr>
+          </a:lnRef>
+          <a:fillRef idx="1">
+            <a:schemeClr val="accent1"/>
+          </a:fillRef>
+          <a:effectRef idx="0">
+            <a:schemeClr val="accent1"/>
+          </a:effectRef>
+          <a:fontRef idx="minor">
+            <a:schemeClr val="lt1"/>
+          </a:fontRef>
+        </p:style>
+        <p:txBody>
+          <a:bodyPr rtlCol="0" anchor="ctr"/>
+          <a:lstStyle/>
+          <a:p>
+            <a:pPr algn="ctr"/>
+            <a:endParaRPr lang="en-US"/>
+          </a:p>
+        </p:txBody>
+      </p:sp>
+      <p:sp>
+        <p:nvSpPr>
+          <p:cNvPr id="48" name="TextBox 47">
+            <a:extLst>
+              <a:ext uri="{FF2B5EF4-FFF2-40B4-BE49-F238E27FC236}">
+                <a16:creationId xmlns:a16="http://schemas.microsoft.com/office/drawing/2014/main" id="{1217EAC9-AC0D-B2C7-D198-0D1C1D39E388}"/>
+              </a:ext>
+            </a:extLst>
+          </p:cNvPr>
+          <p:cNvSpPr txBox="1"/>
+          <p:nvPr/>
+        </p:nvSpPr>
+        <p:spPr>
+          <a:xfrm>
+            <a:off x="3851856" y="2804320"/>
+            <a:ext cx="474810" cy="307777"/>
+          </a:xfrm>
+          <a:prstGeom prst="rect">
+            <a:avLst/>
+          </a:prstGeom>
+          <a:noFill/>
+        </p:spPr>
+        <p:txBody>
+          <a:bodyPr wrap="none" rtlCol="0">
+            <a:spAutoFit/>
+          </a:bodyPr>
+          <a:lstStyle/>
+          <a:p>
+            <a:r>
+              <a:rPr lang="en-US" sz="1400" b="1" dirty="0"/>
+              <a:t>SW</a:t>
+            </a:r>
           </a:p>
         </p:txBody>
       </p:sp>
@@ -18967,7 +20188,7 @@
                                           </p:stCondLst>
                                         </p:cTn>
                                         <p:tgtEl>
-                                          <p:spTgt spid="21"/>
+                                          <p:spTgt spid="22"/>
                                         </p:tgtEl>
                                         <p:attrNameLst>
                                           <p:attrName>style.visibility</p:attrName>
@@ -18981,7 +20202,7 @@
                                       <p:cBhvr>
                                         <p:cTn id="53" dur="500"/>
                                         <p:tgtEl>
-                                          <p:spTgt spid="21"/>
+                                          <p:spTgt spid="22"/>
                                         </p:tgtEl>
                                       </p:cBhvr>
                                     </p:animEffect>
@@ -19002,7 +20223,7 @@
                                           </p:stCondLst>
                                         </p:cTn>
                                         <p:tgtEl>
-                                          <p:spTgt spid="30"/>
+                                          <p:spTgt spid="246"/>
                                         </p:tgtEl>
                                         <p:attrNameLst>
                                           <p:attrName>style.visibility</p:attrName>
@@ -19016,7 +20237,7 @@
                                       <p:cBhvr>
                                         <p:cTn id="56" dur="500"/>
                                         <p:tgtEl>
-                                          <p:spTgt spid="30"/>
+                                          <p:spTgt spid="246"/>
                                         </p:tgtEl>
                                       </p:cBhvr>
                                     </p:animEffect>
@@ -19037,7 +20258,7 @@
                                           </p:stCondLst>
                                         </p:cTn>
                                         <p:tgtEl>
-                                          <p:spTgt spid="22"/>
+                                          <p:spTgt spid="46"/>
                                         </p:tgtEl>
                                         <p:attrNameLst>
                                           <p:attrName>style.visibility</p:attrName>
@@ -19051,7 +20272,7 @@
                                       <p:cBhvr>
                                         <p:cTn id="59" dur="500"/>
                                         <p:tgtEl>
-                                          <p:spTgt spid="22"/>
+                                          <p:spTgt spid="46"/>
                                         </p:tgtEl>
                                       </p:cBhvr>
                                     </p:animEffect>
@@ -19072,7 +20293,7 @@
                                           </p:stCondLst>
                                         </p:cTn>
                                         <p:tgtEl>
-                                          <p:spTgt spid="246"/>
+                                          <p:spTgt spid="48"/>
                                         </p:tgtEl>
                                         <p:attrNameLst>
                                           <p:attrName>style.visibility</p:attrName>
@@ -19086,7 +20307,7 @@
                                       <p:cBhvr>
                                         <p:cTn id="62" dur="500"/>
                                         <p:tgtEl>
-                                          <p:spTgt spid="246"/>
+                                          <p:spTgt spid="48"/>
                                         </p:tgtEl>
                                       </p:cBhvr>
                                     </p:animEffect>
@@ -19160,7 +20381,7 @@
                                           </p:stCondLst>
                                         </p:cTn>
                                         <p:tgtEl>
-                                          <p:spTgt spid="133"/>
+                                          <p:spTgt spid="253"/>
                                         </p:tgtEl>
                                         <p:attrNameLst>
                                           <p:attrName>style.visibility</p:attrName>
@@ -19174,37 +20395,28 @@
                                       <p:cBhvr>
                                         <p:cTn id="70" dur="500"/>
                                         <p:tgtEl>
-                                          <p:spTgt spid="133"/>
+                                          <p:spTgt spid="253"/>
                                         </p:tgtEl>
                                       </p:cBhvr>
                                     </p:animEffect>
                                   </p:childTnLst>
                                 </p:cTn>
                               </p:par>
-                            </p:childTnLst>
-                          </p:cTn>
-                        </p:par>
-                        <p:par>
-                          <p:cTn id="71" fill="hold">
-                            <p:stCondLst>
-                              <p:cond delay="500"/>
-                            </p:stCondLst>
-                            <p:childTnLst>
                               <p:par>
-                                <p:cTn id="72" presetID="10" presetClass="entr" presetSubtype="0" fill="hold" nodeType="afterEffect">
+                                <p:cTn id="71" presetID="10" presetClass="entr" presetSubtype="0" fill="hold" nodeType="withEffect">
                                   <p:stCondLst>
                                     <p:cond delay="0"/>
                                   </p:stCondLst>
                                   <p:childTnLst>
                                     <p:set>
                                       <p:cBhvr>
-                                        <p:cTn id="73" dur="1" fill="hold">
+                                        <p:cTn id="72" dur="1" fill="hold">
                                           <p:stCondLst>
                                             <p:cond delay="0"/>
                                           </p:stCondLst>
                                         </p:cTn>
                                         <p:tgtEl>
-                                          <p:spTgt spid="178"/>
+                                          <p:spTgt spid="208"/>
                                         </p:tgtEl>
                                         <p:attrNameLst>
                                           <p:attrName>style.visibility</p:attrName>
@@ -19216,9 +20428,9 @@
                                     </p:set>
                                     <p:animEffect transition="in" filter="fade">
                                       <p:cBhvr>
-                                        <p:cTn id="74" dur="500"/>
-                                        <p:tgtEl>
-                                          <p:spTgt spid="178"/>
+                                        <p:cTn id="73" dur="500"/>
+                                        <p:tgtEl>
+                                          <p:spTgt spid="208"/>
                                         </p:tgtEl>
                                       </p:cBhvr>
                                     </p:animEffect>
@@ -19226,20 +20438,20 @@
                                 </p:cTn>
                               </p:par>
                               <p:par>
-                                <p:cTn id="75" presetID="10" presetClass="entr" presetSubtype="0" fill="hold" nodeType="withEffect">
+                                <p:cTn id="74" presetID="10" presetClass="entr" presetSubtype="0" fill="hold" nodeType="withEffect">
                                   <p:stCondLst>
                                     <p:cond delay="0"/>
                                   </p:stCondLst>
                                   <p:childTnLst>
                                     <p:set>
                                       <p:cBhvr>
-                                        <p:cTn id="76" dur="1" fill="hold">
+                                        <p:cTn id="75" dur="1" fill="hold">
                                           <p:stCondLst>
                                             <p:cond delay="0"/>
                                           </p:stCondLst>
                                         </p:cTn>
                                         <p:tgtEl>
-                                          <p:spTgt spid="177"/>
+                                          <p:spTgt spid="207"/>
                                         </p:tgtEl>
                                         <p:attrNameLst>
                                           <p:attrName>style.visibility</p:attrName>
@@ -19251,9 +20463,9 @@
                                     </p:set>
                                     <p:animEffect transition="in" filter="fade">
                                       <p:cBhvr>
-                                        <p:cTn id="77" dur="500"/>
-                                        <p:tgtEl>
-                                          <p:spTgt spid="177"/>
+                                        <p:cTn id="76" dur="500"/>
+                                        <p:tgtEl>
+                                          <p:spTgt spid="207"/>
                                         </p:tgtEl>
                                       </p:cBhvr>
                                     </p:animEffect>
@@ -19261,20 +20473,20 @@
                                 </p:cTn>
                               </p:par>
                               <p:par>
-                                <p:cTn id="78" presetID="10" presetClass="entr" presetSubtype="0" fill="hold" nodeType="withEffect">
+                                <p:cTn id="77" presetID="10" presetClass="entr" presetSubtype="0" fill="hold" nodeType="withEffect">
                                   <p:stCondLst>
                                     <p:cond delay="0"/>
                                   </p:stCondLst>
                                   <p:childTnLst>
                                     <p:set>
                                       <p:cBhvr>
-                                        <p:cTn id="79" dur="1" fill="hold">
+                                        <p:cTn id="78" dur="1" fill="hold">
                                           <p:stCondLst>
                                             <p:cond delay="0"/>
                                           </p:stCondLst>
                                         </p:cTn>
                                         <p:tgtEl>
-                                          <p:spTgt spid="176"/>
+                                          <p:spTgt spid="206"/>
                                         </p:tgtEl>
                                         <p:attrNameLst>
                                           <p:attrName>style.visibility</p:attrName>
@@ -19286,9 +20498,9 @@
                                     </p:set>
                                     <p:animEffect transition="in" filter="fade">
                                       <p:cBhvr>
-                                        <p:cTn id="80" dur="500"/>
-                                        <p:tgtEl>
-                                          <p:spTgt spid="176"/>
+                                        <p:cTn id="79" dur="500"/>
+                                        <p:tgtEl>
+                                          <p:spTgt spid="206"/>
                                         </p:tgtEl>
                                       </p:cBhvr>
                                     </p:animEffect>
@@ -19296,20 +20508,20 @@
                                 </p:cTn>
                               </p:par>
                               <p:par>
-                                <p:cTn id="81" presetID="10" presetClass="entr" presetSubtype="0" fill="hold" nodeType="withEffect">
+                                <p:cTn id="80" presetID="10" presetClass="entr" presetSubtype="0" fill="hold" grpId="0" nodeType="withEffect">
                                   <p:stCondLst>
                                     <p:cond delay="0"/>
                                   </p:stCondLst>
                                   <p:childTnLst>
                                     <p:set>
                                       <p:cBhvr>
-                                        <p:cTn id="82" dur="1" fill="hold">
+                                        <p:cTn id="81" dur="1" fill="hold">
                                           <p:stCondLst>
                                             <p:cond delay="0"/>
                                           </p:stCondLst>
                                         </p:cTn>
                                         <p:tgtEl>
-                                          <p:spTgt spid="175"/>
+                                          <p:spTgt spid="248"/>
                                         </p:tgtEl>
                                         <p:attrNameLst>
                                           <p:attrName>style.visibility</p:attrName>
@@ -19321,9 +20533,9 @@
                                     </p:set>
                                     <p:animEffect transition="in" filter="fade">
                                       <p:cBhvr>
-                                        <p:cTn id="83" dur="500"/>
-                                        <p:tgtEl>
-                                          <p:spTgt spid="175"/>
+                                        <p:cTn id="82" dur="500"/>
+                                        <p:tgtEl>
+                                          <p:spTgt spid="248"/>
                                         </p:tgtEl>
                                       </p:cBhvr>
                                     </p:animEffect>
@@ -19331,20 +20543,20 @@
                                 </p:cTn>
                               </p:par>
                               <p:par>
-                                <p:cTn id="84" presetID="10" presetClass="entr" presetSubtype="0" fill="hold" grpId="0" nodeType="withEffect">
+                                <p:cTn id="83" presetID="10" presetClass="entr" presetSubtype="0" fill="hold" grpId="0" nodeType="withEffect">
                                   <p:stCondLst>
                                     <p:cond delay="0"/>
                                   </p:stCondLst>
                                   <p:childTnLst>
                                     <p:set>
                                       <p:cBhvr>
-                                        <p:cTn id="85" dur="1" fill="hold">
+                                        <p:cTn id="84" dur="1" fill="hold">
                                           <p:stCondLst>
                                             <p:cond delay="0"/>
                                           </p:stCondLst>
                                         </p:cTn>
                                         <p:tgtEl>
-                                          <p:spTgt spid="255"/>
+                                          <p:spTgt spid="268"/>
                                         </p:tgtEl>
                                         <p:attrNameLst>
                                           <p:attrName>style.visibility</p:attrName>
@@ -19356,9 +20568,9 @@
                                     </p:set>
                                     <p:animEffect transition="in" filter="fade">
                                       <p:cBhvr>
-                                        <p:cTn id="86" dur="500"/>
-                                        <p:tgtEl>
-                                          <p:spTgt spid="255"/>
+                                        <p:cTn id="85" dur="500"/>
+                                        <p:tgtEl>
+                                          <p:spTgt spid="268"/>
                                         </p:tgtEl>
                                       </p:cBhvr>
                                     </p:animEffect>
@@ -19366,20 +20578,20 @@
                                 </p:cTn>
                               </p:par>
                               <p:par>
-                                <p:cTn id="87" presetID="10" presetClass="entr" presetSubtype="0" fill="hold" grpId="0" nodeType="withEffect">
+                                <p:cTn id="86" presetID="10" presetClass="entr" presetSubtype="0" fill="hold" nodeType="withEffect">
                                   <p:stCondLst>
                                     <p:cond delay="0"/>
                                   </p:stCondLst>
                                   <p:childTnLst>
                                     <p:set>
                                       <p:cBhvr>
-                                        <p:cTn id="88" dur="1" fill="hold">
+                                        <p:cTn id="87" dur="1" fill="hold">
                                           <p:stCondLst>
                                             <p:cond delay="0"/>
                                           </p:stCondLst>
                                         </p:cTn>
                                         <p:tgtEl>
-                                          <p:spTgt spid="257"/>
+                                          <p:spTgt spid="205"/>
                                         </p:tgtEl>
                                         <p:attrNameLst>
                                           <p:attrName>style.visibility</p:attrName>
@@ -19391,9 +20603,9 @@
                                     </p:set>
                                     <p:animEffect transition="in" filter="fade">
                                       <p:cBhvr>
-                                        <p:cTn id="89" dur="500"/>
-                                        <p:tgtEl>
-                                          <p:spTgt spid="257"/>
+                                        <p:cTn id="88" dur="500"/>
+                                        <p:tgtEl>
+                                          <p:spTgt spid="205"/>
                                         </p:tgtEl>
                                       </p:cBhvr>
                                     </p:animEffect>
@@ -19401,20 +20613,20 @@
                                 </p:cTn>
                               </p:par>
                               <p:par>
-                                <p:cTn id="90" presetID="10" presetClass="entr" presetSubtype="0" fill="hold" grpId="0" nodeType="withEffect">
+                                <p:cTn id="89" presetID="10" presetClass="entr" presetSubtype="0" fill="hold" nodeType="withEffect">
                                   <p:stCondLst>
                                     <p:cond delay="0"/>
                                   </p:stCondLst>
                                   <p:childTnLst>
                                     <p:set>
                                       <p:cBhvr>
-                                        <p:cTn id="91" dur="1" fill="hold">
+                                        <p:cTn id="90" dur="1" fill="hold">
                                           <p:stCondLst>
                                             <p:cond delay="0"/>
                                           </p:stCondLst>
                                         </p:cTn>
                                         <p:tgtEl>
-                                          <p:spTgt spid="259"/>
+                                          <p:spTgt spid="39"/>
                                         </p:tgtEl>
                                         <p:attrNameLst>
                                           <p:attrName>style.visibility</p:attrName>
@@ -19426,9 +20638,9 @@
                                     </p:set>
                                     <p:animEffect transition="in" filter="fade">
                                       <p:cBhvr>
-                                        <p:cTn id="92" dur="500"/>
-                                        <p:tgtEl>
-                                          <p:spTgt spid="259"/>
+                                        <p:cTn id="91" dur="500"/>
+                                        <p:tgtEl>
+                                          <p:spTgt spid="39"/>
                                         </p:tgtEl>
                                       </p:cBhvr>
                                     </p:animEffect>
@@ -19436,20 +20648,20 @@
                                 </p:cTn>
                               </p:par>
                               <p:par>
-                                <p:cTn id="93" presetID="10" presetClass="entr" presetSubtype="0" fill="hold" grpId="0" nodeType="withEffect">
+                                <p:cTn id="92" presetID="10" presetClass="entr" presetSubtype="0" fill="hold" nodeType="withEffect">
                                   <p:stCondLst>
                                     <p:cond delay="0"/>
                                   </p:stCondLst>
                                   <p:childTnLst>
                                     <p:set>
                                       <p:cBhvr>
-                                        <p:cTn id="94" dur="1" fill="hold">
+                                        <p:cTn id="93" dur="1" fill="hold">
                                           <p:stCondLst>
                                             <p:cond delay="0"/>
                                           </p:stCondLst>
                                         </p:cTn>
                                         <p:tgtEl>
-                                          <p:spTgt spid="173"/>
+                                          <p:spTgt spid="36"/>
                                         </p:tgtEl>
                                         <p:attrNameLst>
                                           <p:attrName>style.visibility</p:attrName>
@@ -19461,9 +20673,9 @@
                                     </p:set>
                                     <p:animEffect transition="in" filter="fade">
                                       <p:cBhvr>
-                                        <p:cTn id="95" dur="500"/>
-                                        <p:tgtEl>
-                                          <p:spTgt spid="173"/>
+                                        <p:cTn id="94" dur="500"/>
+                                        <p:tgtEl>
+                                          <p:spTgt spid="36"/>
                                         </p:tgtEl>
                                       </p:cBhvr>
                                     </p:animEffect>
@@ -19471,434 +20683,14 @@
                                 </p:cTn>
                               </p:par>
                               <p:par>
-                                <p:cTn id="96" presetID="10" presetClass="entr" presetSubtype="0" fill="hold" grpId="0" nodeType="withEffect">
-                                  <p:stCondLst>
-                                    <p:cond delay="0"/>
-                                  </p:stCondLst>
-                                  <p:childTnLst>
-                                    <p:set>
-                                      <p:cBhvr>
-                                        <p:cTn id="97" dur="1" fill="hold">
-                                          <p:stCondLst>
-                                            <p:cond delay="0"/>
-                                          </p:stCondLst>
-                                        </p:cTn>
-                                        <p:tgtEl>
-                                          <p:spTgt spid="253"/>
-                                        </p:tgtEl>
-                                        <p:attrNameLst>
-                                          <p:attrName>style.visibility</p:attrName>
-                                        </p:attrNameLst>
-                                      </p:cBhvr>
-                                      <p:to>
-                                        <p:strVal val="visible"/>
-                                      </p:to>
-                                    </p:set>
-                                    <p:animEffect transition="in" filter="fade">
-                                      <p:cBhvr>
-                                        <p:cTn id="98" dur="500"/>
-                                        <p:tgtEl>
-                                          <p:spTgt spid="253"/>
-                                        </p:tgtEl>
-                                      </p:cBhvr>
-                                    </p:animEffect>
-                                  </p:childTnLst>
-                                </p:cTn>
-                              </p:par>
-                              <p:par>
-                                <p:cTn id="99" presetID="10" presetClass="entr" presetSubtype="0" fill="hold" nodeType="withEffect">
-                                  <p:stCondLst>
-                                    <p:cond delay="0"/>
-                                  </p:stCondLst>
-                                  <p:childTnLst>
-                                    <p:set>
-                                      <p:cBhvr>
-                                        <p:cTn id="100" dur="1" fill="hold">
-                                          <p:stCondLst>
-                                            <p:cond delay="0"/>
-                                          </p:stCondLst>
-                                        </p:cTn>
-                                        <p:tgtEl>
-                                          <p:spTgt spid="208"/>
-                                        </p:tgtEl>
-                                        <p:attrNameLst>
-                                          <p:attrName>style.visibility</p:attrName>
-                                        </p:attrNameLst>
-                                      </p:cBhvr>
-                                      <p:to>
-                                        <p:strVal val="visible"/>
-                                      </p:to>
-                                    </p:set>
-                                    <p:animEffect transition="in" filter="fade">
-                                      <p:cBhvr>
-                                        <p:cTn id="101" dur="500"/>
-                                        <p:tgtEl>
-                                          <p:spTgt spid="208"/>
-                                        </p:tgtEl>
-                                      </p:cBhvr>
-                                    </p:animEffect>
-                                  </p:childTnLst>
-                                </p:cTn>
-                              </p:par>
-                              <p:par>
-                                <p:cTn id="102" presetID="10" presetClass="entr" presetSubtype="0" fill="hold" nodeType="withEffect">
-                                  <p:stCondLst>
-                                    <p:cond delay="0"/>
-                                  </p:stCondLst>
-                                  <p:childTnLst>
-                                    <p:set>
-                                      <p:cBhvr>
-                                        <p:cTn id="103" dur="1" fill="hold">
-                                          <p:stCondLst>
-                                            <p:cond delay="0"/>
-                                          </p:stCondLst>
-                                        </p:cTn>
-                                        <p:tgtEl>
-                                          <p:spTgt spid="207"/>
-                                        </p:tgtEl>
-                                        <p:attrNameLst>
-                                          <p:attrName>style.visibility</p:attrName>
-                                        </p:attrNameLst>
-                                      </p:cBhvr>
-                                      <p:to>
-                                        <p:strVal val="visible"/>
-                                      </p:to>
-                                    </p:set>
-                                    <p:animEffect transition="in" filter="fade">
-                                      <p:cBhvr>
-                                        <p:cTn id="104" dur="500"/>
-                                        <p:tgtEl>
-                                          <p:spTgt spid="207"/>
-                                        </p:tgtEl>
-                                      </p:cBhvr>
-                                    </p:animEffect>
-                                  </p:childTnLst>
-                                </p:cTn>
-                              </p:par>
-                              <p:par>
-                                <p:cTn id="105" presetID="10" presetClass="entr" presetSubtype="0" fill="hold" grpId="0" nodeType="withEffect">
-                                  <p:stCondLst>
-                                    <p:cond delay="0"/>
-                                  </p:stCondLst>
-                                  <p:childTnLst>
-                                    <p:set>
-                                      <p:cBhvr>
-                                        <p:cTn id="106" dur="1" fill="hold">
-                                          <p:stCondLst>
-                                            <p:cond delay="0"/>
-                                          </p:stCondLst>
-                                        </p:cTn>
-                                        <p:tgtEl>
-                                          <p:spTgt spid="251"/>
-                                        </p:tgtEl>
-                                        <p:attrNameLst>
-                                          <p:attrName>style.visibility</p:attrName>
-                                        </p:attrNameLst>
-                                      </p:cBhvr>
-                                      <p:to>
-                                        <p:strVal val="visible"/>
-                                      </p:to>
-                                    </p:set>
-                                    <p:animEffect transition="in" filter="fade">
-                                      <p:cBhvr>
-                                        <p:cTn id="107" dur="500"/>
-                                        <p:tgtEl>
-                                          <p:spTgt spid="251"/>
-                                        </p:tgtEl>
-                                      </p:cBhvr>
-                                    </p:animEffect>
-                                  </p:childTnLst>
-                                </p:cTn>
-                              </p:par>
-                              <p:par>
-                                <p:cTn id="108" presetID="10" presetClass="entr" presetSubtype="0" fill="hold" nodeType="withEffect">
-                                  <p:stCondLst>
-                                    <p:cond delay="0"/>
-                                  </p:stCondLst>
-                                  <p:childTnLst>
-                                    <p:set>
-                                      <p:cBhvr>
-                                        <p:cTn id="109" dur="1" fill="hold">
-                                          <p:stCondLst>
-                                            <p:cond delay="0"/>
-                                          </p:stCondLst>
-                                        </p:cTn>
-                                        <p:tgtEl>
-                                          <p:spTgt spid="206"/>
-                                        </p:tgtEl>
-                                        <p:attrNameLst>
-                                          <p:attrName>style.visibility</p:attrName>
-                                        </p:attrNameLst>
-                                      </p:cBhvr>
-                                      <p:to>
-                                        <p:strVal val="visible"/>
-                                      </p:to>
-                                    </p:set>
-                                    <p:animEffect transition="in" filter="fade">
-                                      <p:cBhvr>
-                                        <p:cTn id="110" dur="500"/>
-                                        <p:tgtEl>
-                                          <p:spTgt spid="206"/>
-                                        </p:tgtEl>
-                                      </p:cBhvr>
-                                    </p:animEffect>
-                                  </p:childTnLst>
-                                </p:cTn>
-                              </p:par>
-                              <p:par>
-                                <p:cTn id="111" presetID="10" presetClass="entr" presetSubtype="0" fill="hold" grpId="0" nodeType="withEffect">
-                                  <p:stCondLst>
-                                    <p:cond delay="0"/>
-                                  </p:stCondLst>
-                                  <p:childTnLst>
-                                    <p:set>
-                                      <p:cBhvr>
-                                        <p:cTn id="112" dur="1" fill="hold">
-                                          <p:stCondLst>
-                                            <p:cond delay="0"/>
-                                          </p:stCondLst>
-                                        </p:cTn>
-                                        <p:tgtEl>
-                                          <p:spTgt spid="248"/>
-                                        </p:tgtEl>
-                                        <p:attrNameLst>
-                                          <p:attrName>style.visibility</p:attrName>
-                                        </p:attrNameLst>
-                                      </p:cBhvr>
-                                      <p:to>
-                                        <p:strVal val="visible"/>
-                                      </p:to>
-                                    </p:set>
-                                    <p:animEffect transition="in" filter="fade">
-                                      <p:cBhvr>
-                                        <p:cTn id="113" dur="500"/>
-                                        <p:tgtEl>
-                                          <p:spTgt spid="248"/>
-                                        </p:tgtEl>
-                                      </p:cBhvr>
-                                    </p:animEffect>
-                                  </p:childTnLst>
-                                </p:cTn>
-                              </p:par>
-                              <p:par>
-                                <p:cTn id="114" presetID="10" presetClass="entr" presetSubtype="0" fill="hold" grpId="0" nodeType="withEffect">
-                                  <p:stCondLst>
-                                    <p:cond delay="0"/>
-                                  </p:stCondLst>
-                                  <p:childTnLst>
-                                    <p:set>
-                                      <p:cBhvr>
-                                        <p:cTn id="115" dur="1" fill="hold">
-                                          <p:stCondLst>
-                                            <p:cond delay="0"/>
-                                          </p:stCondLst>
-                                        </p:cTn>
-                                        <p:tgtEl>
-                                          <p:spTgt spid="268"/>
-                                        </p:tgtEl>
-                                        <p:attrNameLst>
-                                          <p:attrName>style.visibility</p:attrName>
-                                        </p:attrNameLst>
-                                      </p:cBhvr>
-                                      <p:to>
-                                        <p:strVal val="visible"/>
-                                      </p:to>
-                                    </p:set>
-                                    <p:animEffect transition="in" filter="fade">
-                                      <p:cBhvr>
-                                        <p:cTn id="116" dur="500"/>
-                                        <p:tgtEl>
-                                          <p:spTgt spid="268"/>
-                                        </p:tgtEl>
-                                      </p:cBhvr>
-                                    </p:animEffect>
-                                  </p:childTnLst>
-                                </p:cTn>
-                              </p:par>
-                              <p:par>
-                                <p:cTn id="117" presetID="10" presetClass="entr" presetSubtype="0" fill="hold" nodeType="withEffect">
-                                  <p:stCondLst>
-                                    <p:cond delay="0"/>
-                                  </p:stCondLst>
-                                  <p:childTnLst>
-                                    <p:set>
-                                      <p:cBhvr>
-                                        <p:cTn id="118" dur="1" fill="hold">
-                                          <p:stCondLst>
-                                            <p:cond delay="0"/>
-                                          </p:stCondLst>
-                                        </p:cTn>
-                                        <p:tgtEl>
-                                          <p:spTgt spid="205"/>
-                                        </p:tgtEl>
-                                        <p:attrNameLst>
-                                          <p:attrName>style.visibility</p:attrName>
-                                        </p:attrNameLst>
-                                      </p:cBhvr>
-                                      <p:to>
-                                        <p:strVal val="visible"/>
-                                      </p:to>
-                                    </p:set>
-                                    <p:animEffect transition="in" filter="fade">
-                                      <p:cBhvr>
-                                        <p:cTn id="119" dur="500"/>
-                                        <p:tgtEl>
-                                          <p:spTgt spid="205"/>
-                                        </p:tgtEl>
-                                      </p:cBhvr>
-                                    </p:animEffect>
-                                  </p:childTnLst>
-                                </p:cTn>
-                              </p:par>
-                              <p:par>
-                                <p:cTn id="120" presetID="10" presetClass="entr" presetSubtype="0" fill="hold" nodeType="withEffect">
-                                  <p:stCondLst>
-                                    <p:cond delay="0"/>
-                                  </p:stCondLst>
-                                  <p:childTnLst>
-                                    <p:set>
-                                      <p:cBhvr>
-                                        <p:cTn id="121" dur="1" fill="hold">
-                                          <p:stCondLst>
-                                            <p:cond delay="0"/>
-                                          </p:stCondLst>
-                                        </p:cTn>
-                                        <p:tgtEl>
-                                          <p:spTgt spid="39"/>
-                                        </p:tgtEl>
-                                        <p:attrNameLst>
-                                          <p:attrName>style.visibility</p:attrName>
-                                        </p:attrNameLst>
-                                      </p:cBhvr>
-                                      <p:to>
-                                        <p:strVal val="visible"/>
-                                      </p:to>
-                                    </p:set>
-                                    <p:animEffect transition="in" filter="fade">
-                                      <p:cBhvr>
-                                        <p:cTn id="122" dur="500"/>
-                                        <p:tgtEl>
-                                          <p:spTgt spid="39"/>
-                                        </p:tgtEl>
-                                      </p:cBhvr>
-                                    </p:animEffect>
-                                  </p:childTnLst>
-                                </p:cTn>
-                              </p:par>
-                              <p:par>
-                                <p:cTn id="123" presetID="10" presetClass="entr" presetSubtype="0" fill="hold" nodeType="withEffect">
-                                  <p:stCondLst>
-                                    <p:cond delay="0"/>
-                                  </p:stCondLst>
-                                  <p:childTnLst>
-                                    <p:set>
-                                      <p:cBhvr>
-                                        <p:cTn id="124" dur="1" fill="hold">
-                                          <p:stCondLst>
-                                            <p:cond delay="0"/>
-                                          </p:stCondLst>
-                                        </p:cTn>
-                                        <p:tgtEl>
-                                          <p:spTgt spid="36"/>
-                                        </p:tgtEl>
-                                        <p:attrNameLst>
-                                          <p:attrName>style.visibility</p:attrName>
-                                        </p:attrNameLst>
-                                      </p:cBhvr>
-                                      <p:to>
-                                        <p:strVal val="visible"/>
-                                      </p:to>
-                                    </p:set>
-                                    <p:animEffect transition="in" filter="fade">
-                                      <p:cBhvr>
-                                        <p:cTn id="125" dur="500"/>
-                                        <p:tgtEl>
-                                          <p:spTgt spid="36"/>
-                                        </p:tgtEl>
-                                      </p:cBhvr>
-                                    </p:animEffect>
-                                  </p:childTnLst>
-                                </p:cTn>
-                              </p:par>
-                              <p:par>
-                                <p:cTn id="126" presetID="10" presetClass="entr" presetSubtype="0" fill="hold" nodeType="withEffect">
-                                  <p:stCondLst>
-                                    <p:cond delay="0"/>
-                                  </p:stCondLst>
-                                  <p:childTnLst>
-                                    <p:set>
-                                      <p:cBhvr>
-                                        <p:cTn id="127" dur="1" fill="hold">
-                                          <p:stCondLst>
-                                            <p:cond delay="0"/>
-                                          </p:stCondLst>
-                                        </p:cTn>
-                                        <p:tgtEl>
-                                          <p:spTgt spid="43"/>
-                                        </p:tgtEl>
-                                        <p:attrNameLst>
-                                          <p:attrName>style.visibility</p:attrName>
-                                        </p:attrNameLst>
-                                      </p:cBhvr>
-                                      <p:to>
-                                        <p:strVal val="visible"/>
-                                      </p:to>
-                                    </p:set>
-                                    <p:animEffect transition="in" filter="fade">
-                                      <p:cBhvr>
-                                        <p:cTn id="128" dur="500"/>
-                                        <p:tgtEl>
-                                          <p:spTgt spid="43"/>
-                                        </p:tgtEl>
-                                      </p:cBhvr>
-                                    </p:animEffect>
-                                  </p:childTnLst>
-                                </p:cTn>
-                              </p:par>
-                              <p:par>
-                                <p:cTn id="129" presetID="10" presetClass="entr" presetSubtype="0" fill="hold" nodeType="withEffect">
-                                  <p:stCondLst>
-                                    <p:cond delay="0"/>
-                                  </p:stCondLst>
-                                  <p:childTnLst>
-                                    <p:set>
-                                      <p:cBhvr>
-                                        <p:cTn id="130" dur="1" fill="hold">
-                                          <p:stCondLst>
-                                            <p:cond delay="0"/>
-                                          </p:stCondLst>
-                                        </p:cTn>
-                                        <p:tgtEl>
-                                          <p:spTgt spid="47"/>
-                                        </p:tgtEl>
-                                        <p:attrNameLst>
-                                          <p:attrName>style.visibility</p:attrName>
-                                        </p:attrNameLst>
-                                      </p:cBhvr>
-                                      <p:to>
-                                        <p:strVal val="visible"/>
-                                      </p:to>
-                                    </p:set>
-                                    <p:animEffect transition="in" filter="fade">
-                                      <p:cBhvr>
-                                        <p:cTn id="131" dur="500"/>
-                                        <p:tgtEl>
-                                          <p:spTgt spid="47"/>
-                                        </p:tgtEl>
-                                      </p:cBhvr>
-                                    </p:animEffect>
-                                  </p:childTnLst>
-                                </p:cTn>
-                              </p:par>
-                              <p:par>
-                                <p:cTn id="132" presetID="10" presetClass="exit" presetSubtype="0" fill="hold" grpId="1" nodeType="withEffect">
+                                <p:cTn id="95" presetID="10" presetClass="exit" presetSubtype="0" fill="hold" grpId="1" nodeType="withEffect">
                                   <p:stCondLst>
                                     <p:cond delay="0"/>
                                   </p:stCondLst>
                                   <p:childTnLst>
                                     <p:animEffect transition="out" filter="fade">
                                       <p:cBhvr>
-                                        <p:cTn id="133" dur="500"/>
+                                        <p:cTn id="96" dur="500"/>
                                         <p:tgtEl>
                                           <p:spTgt spid="33"/>
                                         </p:tgtEl>
@@ -19906,7 +20698,7 @@
                                     </p:animEffect>
                                     <p:set>
                                       <p:cBhvr>
-                                        <p:cTn id="134" dur="1" fill="hold">
+                                        <p:cTn id="97" dur="1" fill="hold">
                                           <p:stCondLst>
                                             <p:cond delay="499"/>
                                           </p:stCondLst>
@@ -19926,14 +20718,14 @@
                                 </p:cTn>
                               </p:par>
                               <p:par>
-                                <p:cTn id="135" presetID="10" presetClass="exit" presetSubtype="0" fill="hold" grpId="1" nodeType="withEffect">
+                                <p:cTn id="98" presetID="10" presetClass="exit" presetSubtype="0" fill="hold" grpId="1" nodeType="withEffect">
                                   <p:stCondLst>
                                     <p:cond delay="0"/>
                                   </p:stCondLst>
                                   <p:childTnLst>
                                     <p:animEffect transition="out" filter="fade">
                                       <p:cBhvr>
-                                        <p:cTn id="136" dur="500"/>
+                                        <p:cTn id="99" dur="500"/>
                                         <p:tgtEl>
                                           <p:spTgt spid="34"/>
                                         </p:tgtEl>
@@ -19941,7 +20733,7 @@
                                     </p:animEffect>
                                     <p:set>
                                       <p:cBhvr>
-                                        <p:cTn id="137" dur="1" fill="hold">
+                                        <p:cTn id="100" dur="1" fill="hold">
                                           <p:stCondLst>
                                             <p:cond delay="499"/>
                                           </p:stCondLst>
@@ -19957,6 +20749,41 @@
                                         <p:strVal val="hidden"/>
                                       </p:to>
                                     </p:set>
+                                  </p:childTnLst>
+                                </p:cTn>
+                              </p:par>
+                              <p:par>
+                                <p:cTn id="101" presetID="10" presetClass="entr" presetSubtype="0" fill="hold" grpId="0" nodeType="withEffect">
+                                  <p:stCondLst>
+                                    <p:cond delay="0"/>
+                                  </p:stCondLst>
+                                  <p:childTnLst>
+                                    <p:set>
+                                      <p:cBhvr>
+                                        <p:cTn id="102" dur="1" fill="hold">
+                                          <p:stCondLst>
+                                            <p:cond delay="0"/>
+                                          </p:stCondLst>
+                                        </p:cTn>
+                                        <p:tgtEl>
+                                          <p:spTgt spid="12"/>
+                                        </p:tgtEl>
+                                        <p:attrNameLst>
+                                          <p:attrName>style.visibility</p:attrName>
+                                        </p:attrNameLst>
+                                      </p:cBhvr>
+                                      <p:to>
+                                        <p:strVal val="visible"/>
+                                      </p:to>
+                                    </p:set>
+                                    <p:animEffect transition="in" filter="fade">
+                                      <p:cBhvr>
+                                        <p:cTn id="103" dur="500"/>
+                                        <p:tgtEl>
+                                          <p:spTgt spid="12"/>
+                                        </p:tgtEl>
+                                      </p:cBhvr>
+                                    </p:animEffect>
                                   </p:childTnLst>
                                 </p:cTn>
                               </p:par>
@@ -19967,26 +20794,26 @@
                     </p:cTn>
                   </p:par>
                   <p:par>
-                    <p:cTn id="138" fill="hold">
+                    <p:cTn id="104" fill="hold">
                       <p:stCondLst>
                         <p:cond delay="indefinite"/>
                       </p:stCondLst>
                       <p:childTnLst>
                         <p:par>
-                          <p:cTn id="139" fill="hold">
+                          <p:cTn id="105" fill="hold">
                             <p:stCondLst>
                               <p:cond delay="0"/>
                             </p:stCondLst>
                             <p:childTnLst>
                               <p:par>
-                                <p:cTn id="140" presetID="10" presetClass="entr" presetSubtype="0" fill="hold" grpId="0" nodeType="clickEffect">
+                                <p:cTn id="106" presetID="10" presetClass="entr" presetSubtype="0" fill="hold" grpId="0" nodeType="clickEffect">
                                   <p:stCondLst>
                                     <p:cond delay="0"/>
                                   </p:stCondLst>
                                   <p:childTnLst>
                                     <p:set>
                                       <p:cBhvr>
-                                        <p:cTn id="141" dur="1" fill="hold">
+                                        <p:cTn id="107" dur="1" fill="hold">
                                           <p:stCondLst>
                                             <p:cond delay="0"/>
                                           </p:stCondLst>
@@ -20004,7 +20831,7 @@
                                     </p:set>
                                     <p:animEffect transition="in" filter="fade">
                                       <p:cBhvr>
-                                        <p:cTn id="142" dur="500"/>
+                                        <p:cTn id="108" dur="500"/>
                                         <p:tgtEl>
                                           <p:spTgt spid="132"/>
                                         </p:tgtEl>
@@ -20017,20 +20844,20 @@
                           </p:cTn>
                         </p:par>
                         <p:par>
-                          <p:cTn id="143" fill="hold">
+                          <p:cTn id="109" fill="hold">
                             <p:stCondLst>
                               <p:cond delay="500"/>
                             </p:stCondLst>
                             <p:childTnLst>
                               <p:par>
-                                <p:cTn id="144" presetID="10" presetClass="entr" presetSubtype="0" fill="hold" nodeType="afterEffect">
+                                <p:cTn id="110" presetID="10" presetClass="entr" presetSubtype="0" fill="hold" nodeType="afterEffect">
                                   <p:stCondLst>
                                     <p:cond delay="0"/>
                                   </p:stCondLst>
                                   <p:childTnLst>
                                     <p:set>
                                       <p:cBhvr>
-                                        <p:cTn id="145" dur="1" fill="hold">
+                                        <p:cTn id="111" dur="1" fill="hold">
                                           <p:stCondLst>
                                             <p:cond delay="0"/>
                                           </p:stCondLst>
@@ -20048,7 +20875,7 @@
                                     </p:set>
                                     <p:animEffect transition="in" filter="fade">
                                       <p:cBhvr>
-                                        <p:cTn id="146" dur="500"/>
+                                        <p:cTn id="112" dur="500"/>
                                         <p:tgtEl>
                                           <p:spTgt spid="239"/>
                                         </p:tgtEl>
@@ -20058,14 +20885,14 @@
                                 </p:cTn>
                               </p:par>
                               <p:par>
-                                <p:cTn id="147" presetID="10" presetClass="entr" presetSubtype="0" fill="hold" grpId="0" nodeType="withEffect">
+                                <p:cTn id="113" presetID="10" presetClass="entr" presetSubtype="0" fill="hold" grpId="0" nodeType="withEffect">
                                   <p:stCondLst>
                                     <p:cond delay="0"/>
                                   </p:stCondLst>
                                   <p:childTnLst>
                                     <p:set>
                                       <p:cBhvr>
-                                        <p:cTn id="148" dur="1" fill="hold">
+                                        <p:cTn id="114" dur="1" fill="hold">
                                           <p:stCondLst>
                                             <p:cond delay="0"/>
                                           </p:stCondLst>
@@ -20083,7 +20910,7 @@
                                     </p:set>
                                     <p:animEffect transition="in" filter="fade">
                                       <p:cBhvr>
-                                        <p:cTn id="149" dur="500"/>
+                                        <p:cTn id="115" dur="500"/>
                                         <p:tgtEl>
                                           <p:spTgt spid="235"/>
                                         </p:tgtEl>
@@ -20093,14 +20920,14 @@
                                 </p:cTn>
                               </p:par>
                               <p:par>
-                                <p:cTn id="150" presetID="10" presetClass="entr" presetSubtype="0" fill="hold" nodeType="withEffect">
+                                <p:cTn id="116" presetID="10" presetClass="entr" presetSubtype="0" fill="hold" nodeType="withEffect">
                                   <p:stCondLst>
                                     <p:cond delay="0"/>
                                   </p:stCondLst>
                                   <p:childTnLst>
                                     <p:set>
                                       <p:cBhvr>
-                                        <p:cTn id="151" dur="1" fill="hold">
+                                        <p:cTn id="117" dur="1" fill="hold">
                                           <p:stCondLst>
                                             <p:cond delay="0"/>
                                           </p:stCondLst>
@@ -20118,7 +20945,7 @@
                                     </p:set>
                                     <p:animEffect transition="in" filter="fade">
                                       <p:cBhvr>
-                                        <p:cTn id="152" dur="500"/>
+                                        <p:cTn id="118" dur="500"/>
                                         <p:tgtEl>
                                           <p:spTgt spid="238"/>
                                         </p:tgtEl>
@@ -20128,14 +20955,14 @@
                                 </p:cTn>
                               </p:par>
                               <p:par>
-                                <p:cTn id="153" presetID="10" presetClass="entr" presetSubtype="0" fill="hold" grpId="0" nodeType="withEffect">
+                                <p:cTn id="119" presetID="10" presetClass="entr" presetSubtype="0" fill="hold" grpId="0" nodeType="withEffect">
                                   <p:stCondLst>
                                     <p:cond delay="0"/>
                                   </p:stCondLst>
                                   <p:childTnLst>
                                     <p:set>
                                       <p:cBhvr>
-                                        <p:cTn id="154" dur="1" fill="hold">
+                                        <p:cTn id="120" dur="1" fill="hold">
                                           <p:stCondLst>
                                             <p:cond delay="0"/>
                                           </p:stCondLst>
@@ -20153,7 +20980,7 @@
                                     </p:set>
                                     <p:animEffect transition="in" filter="fade">
                                       <p:cBhvr>
-                                        <p:cTn id="155" dur="500"/>
+                                        <p:cTn id="121" dur="500"/>
                                         <p:tgtEl>
                                           <p:spTgt spid="233"/>
                                         </p:tgtEl>
@@ -20163,14 +20990,14 @@
                                 </p:cTn>
                               </p:par>
                               <p:par>
-                                <p:cTn id="156" presetID="10" presetClass="entr" presetSubtype="0" fill="hold" nodeType="withEffect">
+                                <p:cTn id="122" presetID="10" presetClass="entr" presetSubtype="0" fill="hold" nodeType="withEffect">
                                   <p:stCondLst>
                                     <p:cond delay="0"/>
                                   </p:stCondLst>
                                   <p:childTnLst>
                                     <p:set>
                                       <p:cBhvr>
-                                        <p:cTn id="157" dur="1" fill="hold">
+                                        <p:cTn id="123" dur="1" fill="hold">
                                           <p:stCondLst>
                                             <p:cond delay="0"/>
                                           </p:stCondLst>
@@ -20188,7 +21015,7 @@
                                     </p:set>
                                     <p:animEffect transition="in" filter="fade">
                                       <p:cBhvr>
-                                        <p:cTn id="158" dur="500"/>
+                                        <p:cTn id="124" dur="500"/>
                                         <p:tgtEl>
                                           <p:spTgt spid="237"/>
                                         </p:tgtEl>
@@ -20198,14 +21025,14 @@
                                 </p:cTn>
                               </p:par>
                               <p:par>
-                                <p:cTn id="159" presetID="10" presetClass="entr" presetSubtype="0" fill="hold" grpId="0" nodeType="withEffect">
+                                <p:cTn id="125" presetID="10" presetClass="entr" presetSubtype="0" fill="hold" grpId="0" nodeType="withEffect">
                                   <p:stCondLst>
                                     <p:cond delay="0"/>
                                   </p:stCondLst>
                                   <p:childTnLst>
                                     <p:set>
                                       <p:cBhvr>
-                                        <p:cTn id="160" dur="1" fill="hold">
+                                        <p:cTn id="126" dur="1" fill="hold">
                                           <p:stCondLst>
                                             <p:cond delay="0"/>
                                           </p:stCondLst>
@@ -20223,7 +21050,7 @@
                                     </p:set>
                                     <p:animEffect transition="in" filter="fade">
                                       <p:cBhvr>
-                                        <p:cTn id="161" dur="500"/>
+                                        <p:cTn id="127" dur="500"/>
                                         <p:tgtEl>
                                           <p:spTgt spid="234"/>
                                         </p:tgtEl>
@@ -20233,14 +21060,14 @@
                                 </p:cTn>
                               </p:par>
                               <p:par>
-                                <p:cTn id="162" presetID="10" presetClass="entr" presetSubtype="0" fill="hold" nodeType="withEffect">
+                                <p:cTn id="128" presetID="10" presetClass="entr" presetSubtype="0" fill="hold" nodeType="withEffect">
                                   <p:stCondLst>
                                     <p:cond delay="0"/>
                                   </p:stCondLst>
                                   <p:childTnLst>
                                     <p:set>
                                       <p:cBhvr>
-                                        <p:cTn id="163" dur="1" fill="hold">
+                                        <p:cTn id="129" dur="1" fill="hold">
                                           <p:stCondLst>
                                             <p:cond delay="0"/>
                                           </p:stCondLst>
@@ -20258,7 +21085,7 @@
                                     </p:set>
                                     <p:animEffect transition="in" filter="fade">
                                       <p:cBhvr>
-                                        <p:cTn id="164" dur="500"/>
+                                        <p:cTn id="130" dur="500"/>
                                         <p:tgtEl>
                                           <p:spTgt spid="236"/>
                                         </p:tgtEl>
@@ -20268,14 +21095,14 @@
                                 </p:cTn>
                               </p:par>
                               <p:par>
-                                <p:cTn id="165" presetID="10" presetClass="entr" presetSubtype="0" fill="hold" grpId="0" nodeType="withEffect">
+                                <p:cTn id="131" presetID="10" presetClass="entr" presetSubtype="0" fill="hold" grpId="0" nodeType="withEffect">
                                   <p:stCondLst>
                                     <p:cond delay="0"/>
                                   </p:stCondLst>
                                   <p:childTnLst>
                                     <p:set>
                                       <p:cBhvr>
-                                        <p:cTn id="166" dur="1" fill="hold">
+                                        <p:cTn id="132" dur="1" fill="hold">
                                           <p:stCondLst>
                                             <p:cond delay="0"/>
                                           </p:stCondLst>
@@ -20293,7 +21120,7 @@
                                     </p:set>
                                     <p:animEffect transition="in" filter="fade">
                                       <p:cBhvr>
-                                        <p:cTn id="167" dur="500"/>
+                                        <p:cTn id="133" dur="500"/>
                                         <p:tgtEl>
                                           <p:spTgt spid="232"/>
                                         </p:tgtEl>
@@ -20303,14 +21130,14 @@
                                 </p:cTn>
                               </p:par>
                               <p:par>
-                                <p:cTn id="168" presetID="10" presetClass="entr" presetSubtype="0" fill="hold" nodeType="withEffect">
+                                <p:cTn id="134" presetID="10" presetClass="entr" presetSubtype="0" fill="hold" nodeType="withEffect">
                                   <p:stCondLst>
                                     <p:cond delay="0"/>
                                   </p:stCondLst>
                                   <p:childTnLst>
                                     <p:set>
                                       <p:cBhvr>
-                                        <p:cTn id="169" dur="1" fill="hold">
+                                        <p:cTn id="135" dur="1" fill="hold">
                                           <p:stCondLst>
                                             <p:cond delay="0"/>
                                           </p:stCondLst>
@@ -20328,7 +21155,7 @@
                                     </p:set>
                                     <p:animEffect transition="in" filter="fade">
                                       <p:cBhvr>
-                                        <p:cTn id="170" dur="500"/>
+                                        <p:cTn id="136" dur="500"/>
                                         <p:tgtEl>
                                           <p:spTgt spid="52"/>
                                         </p:tgtEl>
@@ -20338,14 +21165,14 @@
                                 </p:cTn>
                               </p:par>
                               <p:par>
-                                <p:cTn id="171" presetID="10" presetClass="entr" presetSubtype="0" fill="hold" nodeType="withEffect">
+                                <p:cTn id="137" presetID="10" presetClass="entr" presetSubtype="0" fill="hold" nodeType="withEffect">
                                   <p:stCondLst>
                                     <p:cond delay="0"/>
                                   </p:stCondLst>
                                   <p:childTnLst>
                                     <p:set>
                                       <p:cBhvr>
-                                        <p:cTn id="172" dur="1" fill="hold">
+                                        <p:cTn id="138" dur="1" fill="hold">
                                           <p:stCondLst>
                                             <p:cond delay="0"/>
                                           </p:stCondLst>
@@ -20363,7 +21190,7 @@
                                     </p:set>
                                     <p:animEffect transition="in" filter="fade">
                                       <p:cBhvr>
-                                        <p:cTn id="173" dur="500"/>
+                                        <p:cTn id="139" dur="500"/>
                                         <p:tgtEl>
                                           <p:spTgt spid="54"/>
                                         </p:tgtEl>
@@ -20376,20 +21203,20 @@
                           </p:cTn>
                         </p:par>
                         <p:par>
-                          <p:cTn id="174" fill="hold">
+                          <p:cTn id="140" fill="hold">
                             <p:stCondLst>
                               <p:cond delay="1000"/>
                             </p:stCondLst>
                             <p:childTnLst>
                               <p:par>
-                                <p:cTn id="175" presetID="10" presetClass="entr" presetSubtype="0" fill="hold" grpId="0" nodeType="afterEffect">
+                                <p:cTn id="141" presetID="10" presetClass="entr" presetSubtype="0" fill="hold" grpId="0" nodeType="afterEffect">
                                   <p:stCondLst>
                                     <p:cond delay="0"/>
                                   </p:stCondLst>
                                   <p:childTnLst>
                                     <p:set>
                                       <p:cBhvr>
-                                        <p:cTn id="176" dur="1" fill="hold">
+                                        <p:cTn id="142" dur="1" fill="hold">
                                           <p:stCondLst>
                                             <p:cond delay="0"/>
                                           </p:stCondLst>
@@ -20407,7 +21234,7 @@
                                     </p:set>
                                     <p:animEffect transition="in" filter="fade">
                                       <p:cBhvr>
-                                        <p:cTn id="177" dur="500"/>
+                                        <p:cTn id="143" dur="500"/>
                                         <p:tgtEl>
                                           <p:spTgt spid="136"/>
                                         </p:tgtEl>
@@ -20444,9 +21271,7 @@
       </p:par>
     </p:tnLst>
     <p:bldLst>
-      <p:bldP spid="30" grpId="0" animBg="1"/>
       <p:bldP spid="55" grpId="0" animBg="1"/>
-      <p:bldP spid="173" grpId="0" animBg="1"/>
       <p:bldP spid="232" grpId="0" animBg="1"/>
       <p:bldP spid="233" grpId="0" animBg="1"/>
       <p:bldP spid="234" grpId="0" animBg="1"/>
@@ -20454,14 +21279,9 @@
       <p:bldP spid="244" grpId="0" animBg="1"/>
       <p:bldP spid="246" grpId="0" animBg="1"/>
       <p:bldP spid="248" grpId="0" animBg="1"/>
-      <p:bldP spid="251" grpId="0" animBg="1"/>
       <p:bldP spid="253" grpId="0" animBg="1"/>
-      <p:bldP spid="255" grpId="0" animBg="1"/>
-      <p:bldP spid="257" grpId="0" animBg="1"/>
-      <p:bldP spid="259" grpId="0" animBg="1"/>
       <p:bldP spid="268" grpId="0" animBg="1"/>
       <p:bldP spid="20" grpId="0"/>
-      <p:bldP spid="21" grpId="0"/>
       <p:bldP spid="22" grpId="0"/>
       <p:bldP spid="29" grpId="0"/>
       <p:bldP spid="31" grpId="0"/>
@@ -20473,8 +21293,10 @@
       <p:bldP spid="129" grpId="0" animBg="1"/>
       <p:bldP spid="130" grpId="0" animBg="1"/>
       <p:bldP spid="132" grpId="0" animBg="1"/>
-      <p:bldP spid="133" grpId="0" animBg="1"/>
       <p:bldP spid="136" grpId="0"/>
+      <p:bldP spid="12" grpId="0" animBg="1"/>
+      <p:bldP spid="46" grpId="0" animBg="1"/>
+      <p:bldP spid="48" grpId="0"/>
     </p:bldLst>
   </p:timing>
 </p:sld>
@@ -20531,7 +21353,7 @@
           <a:p>
             <a:r>
               <a:rPr lang="en-US" dirty="0"/>
-              <a:t>data flow (per time-step)</a:t>
+              <a:t>Every time-step</a:t>
             </a:r>
           </a:p>
         </p:txBody>

--- a/N-Body Simulator.pptx
+++ b/N-Body Simulator.pptx
@@ -5,7 +5,7 @@
     <p:sldMasterId id="2147483699" r:id="rId1"/>
   </p:sldMasterIdLst>
   <p:notesMasterIdLst>
-    <p:notesMasterId r:id="rId13"/>
+    <p:notesMasterId r:id="rId12"/>
   </p:notesMasterIdLst>
   <p:sldIdLst>
     <p:sldId id="256" r:id="rId2"/>
@@ -13,12 +13,11 @@
     <p:sldId id="265" r:id="rId4"/>
     <p:sldId id="266" r:id="rId5"/>
     <p:sldId id="274" r:id="rId6"/>
-    <p:sldId id="264" r:id="rId7"/>
-    <p:sldId id="269" r:id="rId8"/>
-    <p:sldId id="271" r:id="rId9"/>
-    <p:sldId id="260" r:id="rId10"/>
-    <p:sldId id="273" r:id="rId11"/>
-    <p:sldId id="270" r:id="rId12"/>
+    <p:sldId id="269" r:id="rId7"/>
+    <p:sldId id="271" r:id="rId8"/>
+    <p:sldId id="260" r:id="rId9"/>
+    <p:sldId id="273" r:id="rId10"/>
+    <p:sldId id="270" r:id="rId11"/>
   </p:sldIdLst>
   <p:sldSz cx="12192000" cy="6858000"/>
   <p:notesSz cx="6858000" cy="9144000"/>
@@ -602,194 +601,6 @@
           <a:bodyPr/>
           <a:lstStyle/>
           <a:p>
-            <a:pPr marL="171450" indent="-171450">
-              <a:buFont typeface="Arial" panose="020B0604020202020204" pitchFamily="34" charset="0"/>
-              <a:buChar char="•"/>
-            </a:pPr>
-            <a:r>
-              <a:rPr lang="en-US" dirty="0"/>
-              <a:t>We can now look at parallelizing the force computation. </a:t>
-            </a:r>
-          </a:p>
-          <a:p>
-            <a:pPr marL="171450" indent="-171450">
-              <a:buFont typeface="Arial" panose="020B0604020202020204" pitchFamily="34" charset="0"/>
-              <a:buChar char="•"/>
-            </a:pPr>
-            <a:r>
-              <a:rPr lang="en-US" dirty="0"/>
-              <a:t>This is a similar layout to what we have seen throughout the semester with futures and threads.</a:t>
-            </a:r>
-          </a:p>
-          <a:p>
-            <a:pPr marL="228600" indent="-228600">
-              <a:buFont typeface="+mj-lt"/>
-              <a:buAutoNum type="arabicPeriod"/>
-            </a:pPr>
-            <a:r>
-              <a:rPr lang="en-US" dirty="0"/>
-              <a:t>Divide the work evenly across the threads.</a:t>
-            </a:r>
-          </a:p>
-          <a:p>
-            <a:pPr marL="228600" indent="-228600">
-              <a:buFont typeface="+mj-lt"/>
-              <a:buAutoNum type="arabicPeriod"/>
-            </a:pPr>
-            <a:r>
-              <a:rPr lang="en-US" dirty="0"/>
-              <a:t>Prepare a container to hold all the running threads’ futures.</a:t>
-            </a:r>
-          </a:p>
-          <a:p>
-            <a:pPr marL="228600" indent="-228600">
-              <a:buFont typeface="+mj-lt"/>
-              <a:buAutoNum type="arabicPeriod"/>
-            </a:pPr>
-            <a:r>
-              <a:rPr lang="en-US" dirty="0"/>
-              <a:t>Launch one async task per thread, pushing each future into the list.</a:t>
-            </a:r>
-          </a:p>
-          <a:p>
-            <a:pPr marL="0" indent="0">
-              <a:buFont typeface="+mj-lt"/>
-              <a:buNone/>
-            </a:pPr>
-            <a:r>
-              <a:rPr lang="en-US" dirty="0"/>
-              <a:t>Then, inside the lambda: </a:t>
-            </a:r>
-          </a:p>
-          <a:p>
-            <a:pPr marL="228600" lvl="0" indent="-228600">
-              <a:buFont typeface="+mj-lt"/>
-              <a:buAutoNum type="arabicPeriod"/>
-            </a:pPr>
-            <a:r>
-              <a:rPr lang="en-US" dirty="0"/>
-              <a:t>Calculate the start and end index for this thread’s range of bodies.</a:t>
-            </a:r>
-          </a:p>
-          <a:p>
-            <a:pPr marL="228600" lvl="0" indent="-228600">
-              <a:buFont typeface="+mj-lt"/>
-              <a:buAutoNum type="arabicPeriod"/>
-            </a:pPr>
-            <a:r>
-              <a:rPr lang="en-US" dirty="0"/>
-              <a:t>Each thread loops over its assigned bodies, calling </a:t>
-            </a:r>
-            <a:r>
-              <a:rPr lang="en-US" dirty="0" err="1"/>
-              <a:t>calculateForces</a:t>
-            </a:r>
-            <a:r>
-              <a:rPr lang="en-US" dirty="0"/>
-              <a:t>() for each one</a:t>
-            </a:r>
-            <a:endParaRPr lang="en-US" sz="1100" dirty="0"/>
-          </a:p>
-          <a:p>
-            <a:pPr marL="228600" lvl="0" indent="-228600">
-              <a:buFont typeface="+mj-lt"/>
-              <a:buAutoNum type="arabicPeriod"/>
-            </a:pPr>
-            <a:r>
-              <a:rPr lang="en-US" dirty="0"/>
-              <a:t>Wait for all threads to finish with </a:t>
-            </a:r>
-            <a:r>
-              <a:rPr lang="en-US" dirty="0" err="1"/>
-              <a:t>futures.get</a:t>
-            </a:r>
-            <a:r>
-              <a:rPr lang="en-US" dirty="0"/>
-              <a:t>()</a:t>
-            </a:r>
-          </a:p>
-        </p:txBody>
-      </p:sp>
-      <p:sp>
-        <p:nvSpPr>
-          <p:cNvPr id="4" name="Slide Number Placeholder 3"/>
-          <p:cNvSpPr>
-            <a:spLocks noGrp="1"/>
-          </p:cNvSpPr>
-          <p:nvPr>
-            <p:ph type="sldNum" sz="quarter" idx="5"/>
-          </p:nvPr>
-        </p:nvSpPr>
-        <p:spPr/>
-        <p:txBody>
-          <a:bodyPr/>
-          <a:lstStyle/>
-          <a:p>
-            <a:fld id="{1411DE64-72CD-497D-912D-461EB2EB4985}" type="slidenum">
-              <a:rPr lang="en-US" smtClean="0"/>
-              <a:t>10</a:t>
-            </a:fld>
-            <a:endParaRPr lang="en-US"/>
-          </a:p>
-        </p:txBody>
-      </p:sp>
-    </p:spTree>
-    <p:extLst>
-      <p:ext uri="{BB962C8B-B14F-4D97-AF65-F5344CB8AC3E}">
-        <p14:creationId xmlns:p14="http://schemas.microsoft.com/office/powerpoint/2010/main" val="2021316243"/>
-      </p:ext>
-    </p:extLst>
-  </p:cSld>
-  <p:clrMapOvr>
-    <a:masterClrMapping/>
-  </p:clrMapOvr>
-</p:notes>
-</file>
-
-<file path=ppt/notesSlides/notesSlide11.xml><?xml version="1.0" encoding="utf-8"?>
-<p:notes xmlns:a="http://schemas.openxmlformats.org/drawingml/2006/main" xmlns:r="http://schemas.openxmlformats.org/officeDocument/2006/relationships" xmlns:p="http://schemas.openxmlformats.org/presentationml/2006/main">
-  <p:cSld>
-    <p:spTree>
-      <p:nvGrpSpPr>
-        <p:cNvPr id="1" name=""/>
-        <p:cNvGrpSpPr/>
-        <p:nvPr/>
-      </p:nvGrpSpPr>
-      <p:grpSpPr>
-        <a:xfrm>
-          <a:off x="0" y="0"/>
-          <a:ext cx="0" cy="0"/>
-          <a:chOff x="0" y="0"/>
-          <a:chExt cx="0" cy="0"/>
-        </a:xfrm>
-      </p:grpSpPr>
-      <p:sp>
-        <p:nvSpPr>
-          <p:cNvPr id="2" name="Slide Image Placeholder 1"/>
-          <p:cNvSpPr>
-            <a:spLocks noGrp="1" noRot="1" noChangeAspect="1"/>
-          </p:cNvSpPr>
-          <p:nvPr>
-            <p:ph type="sldImg"/>
-          </p:nvPr>
-        </p:nvSpPr>
-        <p:spPr/>
-      </p:sp>
-      <p:sp>
-        <p:nvSpPr>
-          <p:cNvPr id="3" name="Notes Placeholder 2"/>
-          <p:cNvSpPr>
-            <a:spLocks noGrp="1"/>
-          </p:cNvSpPr>
-          <p:nvPr>
-            <p:ph type="body" idx="1"/>
-          </p:nvPr>
-        </p:nvSpPr>
-        <p:spPr/>
-        <p:txBody>
-          <a:bodyPr/>
-          <a:lstStyle/>
-          <a:p>
             <a:r>
               <a:rPr lang="en-US" dirty="0"/>
               <a:t>I do plan to continue work on this simulator because I found it interesting. My final goal is to reach one million bodies. </a:t>
@@ -986,7 +797,7 @@
           <a:p>
             <a:fld id="{1411DE64-72CD-497D-912D-461EB2EB4985}" type="slidenum">
               <a:rPr lang="en-US" smtClean="0"/>
-              <a:t>11</a:t>
+              <a:t>10</a:t>
             </a:fld>
             <a:endParaRPr lang="en-US"/>
           </a:p>
@@ -1078,18 +889,7 @@
                 </a:r>
                 <a:r>
                   <a:rPr lang="en-US" sz="1200" dirty="0"/>
-                  <a:t> celestial bodies over time, governed by Newton’s gravity equation. Each body interacts with every other via gravitational forces, influencing acceleration, velocity, and position.</a:t>
-                </a:r>
-                <a:endParaRPr lang="en-US" dirty="0"/>
-              </a:p>
-              <a:p>
-                <a:pPr marL="171450" indent="-171450">
-                  <a:buFont typeface="Arial" panose="020B0604020202020204" pitchFamily="34" charset="0"/>
-                  <a:buChar char="•"/>
-                </a:pPr>
-                <a:r>
-                  <a:rPr lang="en-US" dirty="0"/>
-                  <a:t>Most n-body simulators will slowly generate a collection of position points for each frame and save all this data to do visual processing after computation. My challenge is that I want my simulator to both compute gravity and positions, whilst also visually rendering these points in real time.</a:t>
+                  <a:t> celestial bodies over time, governed by Newton’s gravity equation. </a:t>
                 </a:r>
               </a:p>
               <a:p>
@@ -1180,7 +980,56 @@
                   <a:rPr lang="en-US" sz="2000" dirty="0"/>
                   <a:t>.</a:t>
                 </a:r>
-                <a:endParaRPr lang="en-US" sz="1100" dirty="0"/>
+              </a:p>
+              <a:p>
+                <a:pPr marL="285750" lvl="0" indent="-285750">
+                  <a:buFont typeface="Arial" panose="020B0604020202020204" pitchFamily="34" charset="0"/>
+                  <a:buChar char="•"/>
+                </a:pPr>
+                <a:r>
+                  <a:rPr lang="en-US" sz="1100" dirty="0"/>
+                  <a:t>A few of the key features that I implemented were:</a:t>
+                </a:r>
+              </a:p>
+              <a:p>
+                <a:pPr marL="742950" lvl="1" indent="-285750">
+                  <a:buFont typeface="Arial" panose="020B0604020202020204" pitchFamily="34" charset="0"/>
+                  <a:buChar char="•"/>
+                </a:pPr>
+                <a:r>
+                  <a:rPr lang="en-US" sz="1100" dirty="0"/>
+                  <a:t>Running the simulation in real time with visualization. Most n-body simulators will slowly generate a collection of position points for each frame and save all this data to do visual processing after computation. My challenge is that I want my simulator to both compute gravity and positions, whilst also visually rendering these points in real time.</a:t>
+                </a:r>
+              </a:p>
+              <a:p>
+                <a:pPr marL="742950" lvl="1" indent="-285750">
+                  <a:buFont typeface="Arial" panose="020B0604020202020204" pitchFamily="34" charset="0"/>
+                  <a:buChar char="•"/>
+                </a:pPr>
+                <a:r>
+                  <a:rPr lang="en-US" sz="1600" dirty="0"/>
+                  <a:t>Can run about 22,000 bodies before visual lagging</a:t>
+                </a:r>
+              </a:p>
+              <a:p>
+                <a:pPr marL="742950" lvl="1" indent="-285750">
+                  <a:buFont typeface="Arial" panose="020B0604020202020204" pitchFamily="34" charset="0"/>
+                  <a:buChar char="•"/>
+                </a:pPr>
+                <a:r>
+                  <a:rPr lang="en-US" sz="1600" dirty="0"/>
+                  <a:t>Implemented Barnes-Hut algorithm with a quad tree data structure</a:t>
+                </a:r>
+              </a:p>
+              <a:p>
+                <a:pPr marL="742950" lvl="1" indent="-285750">
+                  <a:buFont typeface="Arial" panose="020B0604020202020204" pitchFamily="34" charset="0"/>
+                  <a:buChar char="•"/>
+                </a:pPr>
+                <a:r>
+                  <a:rPr lang="en-US" sz="1100" dirty="0"/>
+                  <a:t>And the force computations are multithreaded </a:t>
+                </a:r>
               </a:p>
               <a:p>
                 <a:endParaRPr lang="en-US" dirty="0"/>
@@ -1231,18 +1080,7 @@
                 </a:r>
                 <a:r>
                   <a:rPr lang="en-US" sz="1200" dirty="0"/>
-                  <a:t> celestial bodies over time, governed by Newton’s gravity equation. Each body interacts with every other via gravitational forces, influencing acceleration, velocity, and position.</a:t>
-                </a:r>
-                <a:endParaRPr lang="en-US" dirty="0"/>
-              </a:p>
-              <a:p>
-                <a:pPr marL="171450" indent="-171450">
-                  <a:buFont typeface="Arial" panose="020B0604020202020204" pitchFamily="34" charset="0"/>
-                  <a:buChar char="•"/>
-                </a:pPr>
-                <a:r>
-                  <a:rPr lang="en-US" dirty="0"/>
-                  <a:t>Most n-body simulators will slowly generate a collection of position points for each frame and save all this data to do visual processing after computation. My challenge is that I want my simulator to both compute gravity and positions, whilst also visually rendering these points in real time.</a:t>
+                  <a:t> celestial bodies over time, governed by Newton’s gravity equation. </a:t>
                 </a:r>
               </a:p>
               <a:p>
@@ -1293,7 +1131,56 @@
                   <a:rPr lang="en-US" sz="2000" dirty="0"/>
                   <a:t>.</a:t>
                 </a:r>
-                <a:endParaRPr lang="en-US" sz="1100" dirty="0"/>
+              </a:p>
+              <a:p>
+                <a:pPr marL="285750" lvl="0" indent="-285750">
+                  <a:buFont typeface="Arial" panose="020B0604020202020204" pitchFamily="34" charset="0"/>
+                  <a:buChar char="•"/>
+                </a:pPr>
+                <a:r>
+                  <a:rPr lang="en-US" sz="1100" dirty="0"/>
+                  <a:t>A few of the key features that I implemented were:</a:t>
+                </a:r>
+              </a:p>
+              <a:p>
+                <a:pPr marL="742950" lvl="1" indent="-285750">
+                  <a:buFont typeface="Arial" panose="020B0604020202020204" pitchFamily="34" charset="0"/>
+                  <a:buChar char="•"/>
+                </a:pPr>
+                <a:r>
+                  <a:rPr lang="en-US" sz="1100" dirty="0"/>
+                  <a:t>Running the simulation in real time with visualization. Most n-body simulators will slowly generate a collection of position points for each frame and save all this data to do visual processing after computation. My challenge is that I want my simulator to both compute gravity and positions, whilst also visually rendering these points in real time.</a:t>
+                </a:r>
+              </a:p>
+              <a:p>
+                <a:pPr marL="742950" lvl="1" indent="-285750">
+                  <a:buFont typeface="Arial" panose="020B0604020202020204" pitchFamily="34" charset="0"/>
+                  <a:buChar char="•"/>
+                </a:pPr>
+                <a:r>
+                  <a:rPr lang="en-US" sz="1600" dirty="0"/>
+                  <a:t>Can run about 22,000 bodies before visual lagging</a:t>
+                </a:r>
+              </a:p>
+              <a:p>
+                <a:pPr marL="742950" lvl="1" indent="-285750">
+                  <a:buFont typeface="Arial" panose="020B0604020202020204" pitchFamily="34" charset="0"/>
+                  <a:buChar char="•"/>
+                </a:pPr>
+                <a:r>
+                  <a:rPr lang="en-US" sz="1600" dirty="0"/>
+                  <a:t>Implemented Barnes-Hut algorithm with a quad tree data structure</a:t>
+                </a:r>
+              </a:p>
+              <a:p>
+                <a:pPr marL="742950" lvl="1" indent="-285750">
+                  <a:buFont typeface="Arial" panose="020B0604020202020204" pitchFamily="34" charset="0"/>
+                  <a:buChar char="•"/>
+                </a:pPr>
+                <a:r>
+                  <a:rPr lang="en-US" sz="1100" dirty="0"/>
+                  <a:t>And the force computations are multithreaded </a:t>
+                </a:r>
               </a:p>
               <a:p>
                 <a:endParaRPr lang="en-US" dirty="0"/>
@@ -1602,7 +1489,7 @@
                 </a:pPr>
                 <a:r>
                   <a:rPr lang="en-US" sz="1200" dirty="0"/>
-                  <a:t>If a region does not satisfy our criteria, then we can recurse into smaller subregions within a quadtree data structure. Since these regions are smaller, they are more likely to satisfy our criteria.</a:t>
+                  <a:t>If a region does not satisfy our criteria, then we can recurse into smaller subregions within a quadtree data structure. Since these regions are smaller, they are more likely to satisfy our criteria. </a:t>
                 </a:r>
               </a:p>
               <a:p>
@@ -1625,7 +1512,7 @@
                 </a:pPr>
                 <a:r>
                   <a:rPr lang="en-US" sz="1200" dirty="0"/>
-                  <a:t>The check for if we should subdivide is when a regions capacity is over a set parameter.</a:t>
+                  <a:t>The check for if we should subdivide is when a regions number of bodies is over a set parameter.</a:t>
                 </a:r>
               </a:p>
               <a:p>
@@ -2974,23 +2861,19 @@
           <a:bodyPr/>
           <a:lstStyle/>
           <a:p>
+            <a:r>
+              <a:rPr lang="en-US" dirty="0"/>
+              <a:t>This is the update function which runs once per timestep. We see three main sections:</a:t>
+            </a:r>
+          </a:p>
+          <a:p>
             <a:pPr marL="171450" indent="-171450">
               <a:buFont typeface="Arial" panose="020B0604020202020204" pitchFamily="34" charset="0"/>
               <a:buChar char="•"/>
             </a:pPr>
             <a:r>
               <a:rPr lang="en-US" dirty="0"/>
-              <a:t>This is loop for a single time-step. </a:t>
-            </a:r>
-          </a:p>
-          <a:p>
-            <a:pPr marL="171450" indent="-171450">
-              <a:buFont typeface="Arial" panose="020B0604020202020204" pitchFamily="34" charset="0"/>
-              <a:buChar char="•"/>
-            </a:pPr>
-            <a:r>
-              <a:rPr lang="en-US" dirty="0"/>
-              <a:t>As you can see, </a:t>
+              <a:t>First we build the quadtree </a:t>
             </a:r>
           </a:p>
           <a:p>
@@ -3000,7 +2883,7 @@
             </a:pPr>
             <a:r>
               <a:rPr lang="en-US" dirty="0"/>
-              <a:t>we first open a window</a:t>
+              <a:t>This is done by creating a new quadtree with an initial region that is equal to the size of the window</a:t>
             </a:r>
           </a:p>
           <a:p>
@@ -3010,7 +2893,7 @@
             </a:pPr>
             <a:r>
               <a:rPr lang="en-US" dirty="0"/>
-              <a:t>Then we tell SFML to clear the screen to black</a:t>
+              <a:t>Populating the tree with bodies </a:t>
             </a:r>
           </a:p>
           <a:p>
@@ -3020,28 +2903,35 @@
             </a:pPr>
             <a:r>
               <a:rPr lang="en-US" dirty="0"/>
-              <a:t>Then we run one iteration of the simulation with a fixed time</a:t>
+              <a:t>Then propagating the masses and center of masses up through the internal nodes</a:t>
             </a:r>
           </a:p>
           <a:p>
-            <a:pPr marL="628650" lvl="1" indent="-171450">
+            <a:pPr marL="171450" lvl="0" indent="-171450">
               <a:buFont typeface="Arial" panose="020B0604020202020204" pitchFamily="34" charset="0"/>
               <a:buChar char="•"/>
             </a:pPr>
             <a:r>
-              <a:rPr lang="en-US" dirty="0"/>
-              <a:t>Then we tell call a render function that will draw all the bodies</a:t>
+              <a:rPr lang="en-US" sz="1100" dirty="0"/>
+              <a:t>The next thing we do in a time step is calculate the forces using the Barnes Hut approximation</a:t>
             </a:r>
           </a:p>
           <a:p>
-            <a:pPr marL="628650" lvl="1" indent="-171450">
+            <a:pPr marL="171450" lvl="0" indent="-171450">
               <a:buFont typeface="Arial" panose="020B0604020202020204" pitchFamily="34" charset="0"/>
               <a:buChar char="•"/>
             </a:pPr>
             <a:r>
-              <a:rPr lang="en-US" dirty="0"/>
-              <a:t>Finally, we tell SFML to render the newly drawn bodies</a:t>
+              <a:rPr lang="en-US" sz="1100" dirty="0"/>
+              <a:t>Lastly, we update the velocity and position vectors of each body. This is done with the acceleration vectors produced by the calculate forces function</a:t>
             </a:r>
+          </a:p>
+          <a:p>
+            <a:pPr marL="171450" indent="-171450">
+              <a:buFont typeface="Arial" panose="020B0604020202020204" pitchFamily="34" charset="0"/>
+              <a:buChar char="•"/>
+            </a:pPr>
+            <a:endParaRPr lang="en-US" dirty="0"/>
           </a:p>
         </p:txBody>
       </p:sp>
@@ -3071,7 +2961,7 @@
     </p:spTree>
     <p:extLst>
       <p:ext uri="{BB962C8B-B14F-4D97-AF65-F5344CB8AC3E}">
-        <p14:creationId xmlns:p14="http://schemas.microsoft.com/office/powerpoint/2010/main" val="305850068"/>
+        <p14:creationId xmlns:p14="http://schemas.microsoft.com/office/powerpoint/2010/main" val="2907404638"/>
       </p:ext>
     </p:extLst>
   </p:cSld>
@@ -3127,7 +3017,7 @@
           <a:p>
             <a:r>
               <a:rPr lang="en-US" dirty="0"/>
-              <a:t>If we look into the simulation update function, we see three main sections:</a:t>
+              <a:t>This is an overview of the data flow.</a:t>
             </a:r>
           </a:p>
           <a:p>
@@ -3137,7 +3027,17 @@
             </a:pPr>
             <a:r>
               <a:rPr lang="en-US" dirty="0"/>
-              <a:t>First we build the quadtree </a:t>
+              <a:t>There is a lot going on here that I don’t have time to fully cover, however I would like to focus on the simulation </a:t>
+            </a:r>
+          </a:p>
+          <a:p>
+            <a:pPr marL="171450" indent="-171450">
+              <a:buFont typeface="Arial" panose="020B0604020202020204" pitchFamily="34" charset="0"/>
+              <a:buChar char="•"/>
+            </a:pPr>
+            <a:r>
+              <a:rPr lang="en-US" dirty="0"/>
+              <a:t>Here you can see the three regions that I just discussed:</a:t>
             </a:r>
           </a:p>
           <a:p>
@@ -3147,7 +3047,7 @@
             </a:pPr>
             <a:r>
               <a:rPr lang="en-US" dirty="0"/>
-              <a:t>This is done by creating a new quadtree with an initial region that is equal to the size of the window</a:t>
+              <a:t>Building the quadtree</a:t>
             </a:r>
           </a:p>
           <a:p>
@@ -3157,7 +3057,7 @@
             </a:pPr>
             <a:r>
               <a:rPr lang="en-US" dirty="0"/>
-              <a:t>Populating the tree with bodies </a:t>
+              <a:t>Propagating masses</a:t>
             </a:r>
           </a:p>
           <a:p>
@@ -3167,40 +3067,8 @@
             </a:pPr>
             <a:r>
               <a:rPr lang="en-US" dirty="0"/>
-              <a:t>Then propagating the masses and center of masses up through the internal nodes</a:t>
+              <a:t>And calculating forces</a:t>
             </a:r>
-          </a:p>
-          <a:p>
-            <a:pPr marL="171450" lvl="0" indent="-171450">
-              <a:buFont typeface="Arial" panose="020B0604020202020204" pitchFamily="34" charset="0"/>
-              <a:buChar char="•"/>
-            </a:pPr>
-            <a:r>
-              <a:rPr lang="en-US" sz="1100" dirty="0"/>
-              <a:t>The next thing we do in a time step is calculate the forces using the Barnes Hut approximation</a:t>
-            </a:r>
-          </a:p>
-          <a:p>
-            <a:pPr marL="171450" lvl="0" indent="-171450">
-              <a:buFont typeface="Arial" panose="020B0604020202020204" pitchFamily="34" charset="0"/>
-              <a:buChar char="•"/>
-            </a:pPr>
-            <a:r>
-              <a:rPr lang="en-US" sz="1100" dirty="0"/>
-              <a:t>Lastly, we update the velocity and position vectors of each body. This is done with the acceleration vectors produced by the calculate forces </a:t>
-            </a:r>
-            <a:r>
-              <a:rPr lang="en-US" sz="1100" dirty="0" err="1"/>
-              <a:t>funciton</a:t>
-            </a:r>
-            <a:endParaRPr lang="en-US" sz="1100" dirty="0"/>
-          </a:p>
-          <a:p>
-            <a:pPr marL="171450" indent="-171450">
-              <a:buFont typeface="Arial" panose="020B0604020202020204" pitchFamily="34" charset="0"/>
-              <a:buChar char="•"/>
-            </a:pPr>
-            <a:endParaRPr lang="en-US" dirty="0"/>
           </a:p>
         </p:txBody>
       </p:sp>
@@ -3230,7 +3098,7 @@
     </p:spTree>
     <p:extLst>
       <p:ext uri="{BB962C8B-B14F-4D97-AF65-F5344CB8AC3E}">
-        <p14:creationId xmlns:p14="http://schemas.microsoft.com/office/powerpoint/2010/main" val="2907404638"/>
+        <p14:creationId xmlns:p14="http://schemas.microsoft.com/office/powerpoint/2010/main" val="3801380919"/>
       </p:ext>
     </p:extLst>
   </p:cSld>
@@ -3286,7 +3154,7 @@
           <a:p>
             <a:r>
               <a:rPr lang="en-US" dirty="0"/>
-              <a:t>This is an overview of the data flow.</a:t>
+              <a:t>This is the component diagram for the simulator.</a:t>
             </a:r>
           </a:p>
           <a:p>
@@ -3296,17 +3164,7 @@
             </a:pPr>
             <a:r>
               <a:rPr lang="en-US" dirty="0"/>
-              <a:t>There is a lot going on here that I don’t have time to fully cover, however I would like to focus on the simulation </a:t>
-            </a:r>
-          </a:p>
-          <a:p>
-            <a:pPr marL="171450" indent="-171450">
-              <a:buFont typeface="Arial" panose="020B0604020202020204" pitchFamily="34" charset="0"/>
-              <a:buChar char="•"/>
-            </a:pPr>
-            <a:r>
-              <a:rPr lang="en-US" dirty="0"/>
-              <a:t>Here you can see the three regions that I just discussed:</a:t>
+              <a:t>We have four main classes: </a:t>
             </a:r>
           </a:p>
           <a:p>
@@ -3316,7 +3174,7 @@
             </a:pPr>
             <a:r>
               <a:rPr lang="en-US" dirty="0"/>
-              <a:t>Building the quadtree</a:t>
+              <a:t>The body class, which defines a single body object</a:t>
             </a:r>
           </a:p>
           <a:p>
@@ -3326,7 +3184,7 @@
             </a:pPr>
             <a:r>
               <a:rPr lang="en-US" dirty="0"/>
-              <a:t>Propagating masses</a:t>
+              <a:t>The simulation class, which is where we defined our initial bodies position and velocity, and where we run our main simulation loop</a:t>
             </a:r>
           </a:p>
           <a:p>
@@ -3336,7 +3194,17 @@
             </a:pPr>
             <a:r>
               <a:rPr lang="en-US" dirty="0"/>
-              <a:t>And calculating forces</a:t>
+              <a:t>The Quadtree class, which defines the quadtree data structure and defines a region class</a:t>
+            </a:r>
+          </a:p>
+          <a:p>
+            <a:pPr marL="628650" lvl="1" indent="-171450">
+              <a:buFont typeface="Arial" panose="020B0604020202020204" pitchFamily="34" charset="0"/>
+              <a:buChar char="•"/>
+            </a:pPr>
+            <a:r>
+              <a:rPr lang="en-US" dirty="0"/>
+              <a:t>And I separated the force calculation into its own class so that in the future I may use other types of physics equations</a:t>
             </a:r>
           </a:p>
         </p:txBody>
@@ -3367,7 +3235,7 @@
     </p:spTree>
     <p:extLst>
       <p:ext uri="{BB962C8B-B14F-4D97-AF65-F5344CB8AC3E}">
-        <p14:creationId xmlns:p14="http://schemas.microsoft.com/office/powerpoint/2010/main" val="3801380919"/>
+        <p14:creationId xmlns:p14="http://schemas.microsoft.com/office/powerpoint/2010/main" val="3203932809"/>
       </p:ext>
     </p:extLst>
   </p:cSld>
@@ -3421,59 +3289,110 @@
           <a:bodyPr/>
           <a:lstStyle/>
           <a:p>
-            <a:r>
-              <a:rPr lang="en-US" dirty="0"/>
-              <a:t>This is the component diagram for the simulator.</a:t>
-            </a:r>
-          </a:p>
-          <a:p>
             <a:pPr marL="171450" indent="-171450">
               <a:buFont typeface="Arial" panose="020B0604020202020204" pitchFamily="34" charset="0"/>
               <a:buChar char="•"/>
             </a:pPr>
             <a:r>
               <a:rPr lang="en-US" dirty="0"/>
-              <a:t>We have four main classes: </a:t>
+              <a:t>We can now look at parallelizing the force computation. </a:t>
             </a:r>
           </a:p>
           <a:p>
-            <a:pPr marL="628650" lvl="1" indent="-171450">
+            <a:pPr marL="171450" indent="-171450">
               <a:buFont typeface="Arial" panose="020B0604020202020204" pitchFamily="34" charset="0"/>
               <a:buChar char="•"/>
             </a:pPr>
             <a:r>
               <a:rPr lang="en-US" dirty="0"/>
-              <a:t>The body class, which defines a single body object</a:t>
+              <a:t>This is a similar layout to what we have seen throughout the semester with futures and threads.</a:t>
             </a:r>
           </a:p>
           <a:p>
-            <a:pPr marL="628650" lvl="1" indent="-171450">
-              <a:buFont typeface="Arial" panose="020B0604020202020204" pitchFamily="34" charset="0"/>
-              <a:buChar char="•"/>
+            <a:pPr marL="228600" indent="-228600">
+              <a:buFont typeface="+mj-lt"/>
+              <a:buAutoNum type="arabicPeriod"/>
             </a:pPr>
             <a:r>
               <a:rPr lang="en-US" dirty="0"/>
-              <a:t>The simulation class, which is where we defined our initial bodies position and velocity, and where we run our main simulation loop</a:t>
+              <a:t>Divide the work evenly across the threads.</a:t>
             </a:r>
           </a:p>
           <a:p>
-            <a:pPr marL="628650" lvl="1" indent="-171450">
-              <a:buFont typeface="Arial" panose="020B0604020202020204" pitchFamily="34" charset="0"/>
-              <a:buChar char="•"/>
+            <a:pPr marL="228600" indent="-228600">
+              <a:buFont typeface="+mj-lt"/>
+              <a:buAutoNum type="arabicPeriod"/>
             </a:pPr>
             <a:r>
               <a:rPr lang="en-US" dirty="0"/>
-              <a:t>The Quadtree class, which defines the quadtree data structure and defines a region class</a:t>
+              <a:t>Prepare a container to hold all the running threads’ futures.</a:t>
             </a:r>
           </a:p>
           <a:p>
-            <a:pPr marL="628650" lvl="1" indent="-171450">
-              <a:buFont typeface="Arial" panose="020B0604020202020204" pitchFamily="34" charset="0"/>
-              <a:buChar char="•"/>
+            <a:pPr marL="228600" indent="-228600">
+              <a:buFont typeface="+mj-lt"/>
+              <a:buAutoNum type="arabicPeriod"/>
             </a:pPr>
             <a:r>
               <a:rPr lang="en-US" dirty="0"/>
-              <a:t>And I separated the force calculation into its own class so that in the future I may use other types of physics equations</a:t>
+              <a:t>Launch one async task per thread, pushing each future into the list.</a:t>
+            </a:r>
+          </a:p>
+          <a:p>
+            <a:pPr marL="0" indent="0">
+              <a:buFont typeface="+mj-lt"/>
+              <a:buNone/>
+            </a:pPr>
+            <a:r>
+              <a:rPr lang="en-US" dirty="0"/>
+              <a:t>Then, inside the lambda: </a:t>
+            </a:r>
+          </a:p>
+          <a:p>
+            <a:pPr marL="228600" lvl="0" indent="-228600">
+              <a:buFont typeface="+mj-lt"/>
+              <a:buAutoNum type="arabicPeriod"/>
+            </a:pPr>
+            <a:r>
+              <a:rPr lang="en-US" dirty="0"/>
+              <a:t>Calculate the start and end index for this thread’s range of bodies.</a:t>
+            </a:r>
+          </a:p>
+          <a:p>
+            <a:pPr marL="228600" lvl="0" indent="-228600">
+              <a:buFont typeface="+mj-lt"/>
+              <a:buAutoNum type="arabicPeriod"/>
+            </a:pPr>
+            <a:r>
+              <a:rPr lang="en-US" dirty="0"/>
+              <a:t>Each thread loops over its assigned bodies, calling </a:t>
+            </a:r>
+            <a:r>
+              <a:rPr lang="en-US" dirty="0" err="1"/>
+              <a:t>calculateForces</a:t>
+            </a:r>
+            <a:r>
+              <a:rPr lang="en-US" dirty="0"/>
+              <a:t>() for each one</a:t>
+            </a:r>
+            <a:endParaRPr lang="en-US" sz="1100" dirty="0"/>
+          </a:p>
+          <a:p>
+            <a:pPr marL="228600" lvl="0" indent="-228600">
+              <a:buFont typeface="+mj-lt"/>
+              <a:buAutoNum type="arabicPeriod"/>
+            </a:pPr>
+            <a:r>
+              <a:rPr lang="en-US" dirty="0"/>
+              <a:t>Wait for all threads to finish with </a:t>
+            </a:r>
+            <a:r>
+              <a:rPr lang="en-US" dirty="0" err="1"/>
+              <a:t>futures.get</a:t>
+            </a:r>
+            <a:r>
+              <a:rPr lang="en-US" dirty="0"/>
+              <a:t>()</a:t>
             </a:r>
           </a:p>
         </p:txBody>
@@ -3504,7 +3423,7 @@
     </p:spTree>
     <p:extLst>
       <p:ext uri="{BB962C8B-B14F-4D97-AF65-F5344CB8AC3E}">
-        <p14:creationId xmlns:p14="http://schemas.microsoft.com/office/powerpoint/2010/main" val="3203932809"/>
+        <p14:creationId xmlns:p14="http://schemas.microsoft.com/office/powerpoint/2010/main" val="2021316243"/>
       </p:ext>
     </p:extLst>
   </p:cSld>
@@ -6840,1945 +6759,6 @@
         <p:cNvPr id="1" name="">
           <a:extLst>
             <a:ext uri="{FF2B5EF4-FFF2-40B4-BE49-F238E27FC236}">
-              <a16:creationId xmlns:a16="http://schemas.microsoft.com/office/drawing/2014/main" id="{66BBF233-BFBA-BB33-2CD1-22872818F9DC}"/>
-            </a:ext>
-          </a:extLst>
-        </p:cNvPr>
-        <p:cNvGrpSpPr/>
-        <p:nvPr/>
-      </p:nvGrpSpPr>
-      <p:grpSpPr>
-        <a:xfrm>
-          <a:off x="0" y="0"/>
-          <a:ext cx="0" cy="0"/>
-          <a:chOff x="0" y="0"/>
-          <a:chExt cx="0" cy="0"/>
-        </a:xfrm>
-      </p:grpSpPr>
-      <p:sp>
-        <p:nvSpPr>
-          <p:cNvPr id="2" name="Title 1">
-            <a:extLst>
-              <a:ext uri="{FF2B5EF4-FFF2-40B4-BE49-F238E27FC236}">
-                <a16:creationId xmlns:a16="http://schemas.microsoft.com/office/drawing/2014/main" id="{810D94FC-75B3-B713-8881-D6726501A00A}"/>
-              </a:ext>
-            </a:extLst>
-          </p:cNvPr>
-          <p:cNvSpPr>
-            <a:spLocks noGrp="1"/>
-          </p:cNvSpPr>
-          <p:nvPr>
-            <p:ph type="title"/>
-          </p:nvPr>
-        </p:nvSpPr>
-        <p:spPr>
-          <a:xfrm>
-            <a:off x="700634" y="154236"/>
-            <a:ext cx="7165171" cy="661012"/>
-          </a:xfrm>
-        </p:spPr>
-        <p:txBody>
-          <a:bodyPr>
-            <a:noAutofit/>
-          </a:bodyPr>
-          <a:lstStyle/>
-          <a:p>
-            <a:r>
-              <a:rPr lang="en-US" dirty="0"/>
-              <a:t>Parallelism using Futures</a:t>
-            </a:r>
-          </a:p>
-        </p:txBody>
-      </p:sp>
-      <p:pic>
-        <p:nvPicPr>
-          <p:cNvPr id="6" name="Picture 5">
-            <a:extLst>
-              <a:ext uri="{FF2B5EF4-FFF2-40B4-BE49-F238E27FC236}">
-                <a16:creationId xmlns:a16="http://schemas.microsoft.com/office/drawing/2014/main" id="{9F76E0FA-AAFE-50E9-A43E-0E190FA088C7}"/>
-              </a:ext>
-            </a:extLst>
-          </p:cNvPr>
-          <p:cNvPicPr>
-            <a:picLocks noChangeAspect="1"/>
-          </p:cNvPicPr>
-          <p:nvPr/>
-        </p:nvPicPr>
-        <p:blipFill>
-          <a:blip r:embed="rId3"/>
-          <a:stretch>
-            <a:fillRect/>
-          </a:stretch>
-        </p:blipFill>
-        <p:spPr>
-          <a:xfrm>
-            <a:off x="2671466" y="815248"/>
-            <a:ext cx="6849068" cy="5676992"/>
-          </a:xfrm>
-          <a:prstGeom prst="rect">
-            <a:avLst/>
-          </a:prstGeom>
-        </p:spPr>
-      </p:pic>
-      <p:sp>
-        <p:nvSpPr>
-          <p:cNvPr id="8" name="Left Brace 7">
-            <a:extLst>
-              <a:ext uri="{FF2B5EF4-FFF2-40B4-BE49-F238E27FC236}">
-                <a16:creationId xmlns:a16="http://schemas.microsoft.com/office/drawing/2014/main" id="{C1857320-0B43-13CF-CB94-E05E916B7F7C}"/>
-              </a:ext>
-            </a:extLst>
-          </p:cNvPr>
-          <p:cNvSpPr/>
-          <p:nvPr/>
-        </p:nvSpPr>
-        <p:spPr>
-          <a:xfrm>
-            <a:off x="1666240" y="2214880"/>
-            <a:ext cx="873760" cy="3515360"/>
-          </a:xfrm>
-          <a:prstGeom prst="leftBrace">
-            <a:avLst/>
-          </a:prstGeom>
-          <a:ln w="38100">
-            <a:solidFill>
-              <a:schemeClr val="tx1"/>
-            </a:solidFill>
-          </a:ln>
-        </p:spPr>
-        <p:style>
-          <a:lnRef idx="1">
-            <a:schemeClr val="accent1"/>
-          </a:lnRef>
-          <a:fillRef idx="0">
-            <a:schemeClr val="accent1"/>
-          </a:fillRef>
-          <a:effectRef idx="0">
-            <a:schemeClr val="accent1"/>
-          </a:effectRef>
-          <a:fontRef idx="minor">
-            <a:schemeClr val="tx1"/>
-          </a:fontRef>
-        </p:style>
-        <p:txBody>
-          <a:bodyPr rtlCol="0" anchor="ctr"/>
-          <a:lstStyle/>
-          <a:p>
-            <a:pPr algn="ctr"/>
-            <a:endParaRPr lang="en-US" dirty="0"/>
-          </a:p>
-        </p:txBody>
-      </p:sp>
-      <p:sp>
-        <p:nvSpPr>
-          <p:cNvPr id="9" name="TextBox 8">
-            <a:extLst>
-              <a:ext uri="{FF2B5EF4-FFF2-40B4-BE49-F238E27FC236}">
-                <a16:creationId xmlns:a16="http://schemas.microsoft.com/office/drawing/2014/main" id="{FD7AB5CD-A284-EA62-8268-3734537E838B}"/>
-              </a:ext>
-            </a:extLst>
-          </p:cNvPr>
-          <p:cNvSpPr txBox="1"/>
-          <p:nvPr/>
-        </p:nvSpPr>
-        <p:spPr>
-          <a:xfrm>
-            <a:off x="232639" y="3557061"/>
-            <a:ext cx="1453411" cy="830997"/>
-          </a:xfrm>
-          <a:prstGeom prst="rect">
-            <a:avLst/>
-          </a:prstGeom>
-          <a:noFill/>
-        </p:spPr>
-        <p:txBody>
-          <a:bodyPr wrap="none" rtlCol="0">
-            <a:spAutoFit/>
-          </a:bodyPr>
-          <a:lstStyle/>
-          <a:p>
-            <a:r>
-              <a:rPr lang="en-US" sz="2400" b="1" dirty="0"/>
-              <a:t>Parallel   </a:t>
-            </a:r>
-          </a:p>
-          <a:p>
-            <a:r>
-              <a:rPr lang="en-US" sz="2400" b="1" dirty="0"/>
-              <a:t>Section</a:t>
-            </a:r>
-          </a:p>
-        </p:txBody>
-      </p:sp>
-      <p:sp>
-        <p:nvSpPr>
-          <p:cNvPr id="3" name="Arrow: Right 2">
-            <a:extLst>
-              <a:ext uri="{FF2B5EF4-FFF2-40B4-BE49-F238E27FC236}">
-                <a16:creationId xmlns:a16="http://schemas.microsoft.com/office/drawing/2014/main" id="{EFE0DB67-851C-DC88-1CD9-6CD726A1E20C}"/>
-              </a:ext>
-            </a:extLst>
-          </p:cNvPr>
-          <p:cNvSpPr/>
-          <p:nvPr/>
-        </p:nvSpPr>
-        <p:spPr>
-          <a:xfrm rot="10800000">
-            <a:off x="9648824" y="2567305"/>
-            <a:ext cx="409575" cy="271145"/>
-          </a:xfrm>
-          <a:prstGeom prst="rightArrow">
-            <a:avLst/>
-          </a:prstGeom>
-          <a:solidFill>
-            <a:schemeClr val="tx1"/>
-          </a:solidFill>
-          <a:ln w="12700" cap="flat" cmpd="sng" algn="ctr">
-            <a:noFill/>
-            <a:prstDash val="solid"/>
-            <a:miter lim="800000"/>
-          </a:ln>
-          <a:effectLst/>
-        </p:spPr>
-        <p:style>
-          <a:lnRef idx="2">
-            <a:schemeClr val="accent1">
-              <a:shade val="50000"/>
-            </a:schemeClr>
-          </a:lnRef>
-          <a:fillRef idx="1">
-            <a:schemeClr val="accent1"/>
-          </a:fillRef>
-          <a:effectRef idx="0">
-            <a:schemeClr val="accent1"/>
-          </a:effectRef>
-          <a:fontRef idx="minor">
-            <a:schemeClr val="lt1"/>
-          </a:fontRef>
-        </p:style>
-        <p:txBody>
-          <a:bodyPr rtlCol="0" anchor="ctr"/>
-          <a:lstStyle/>
-          <a:p>
-            <a:pPr algn="ctr"/>
-            <a:endParaRPr lang="en-US"/>
-          </a:p>
-        </p:txBody>
-      </p:sp>
-      <p:sp>
-        <p:nvSpPr>
-          <p:cNvPr id="5" name="Arrow: Right 4">
-            <a:extLst>
-              <a:ext uri="{FF2B5EF4-FFF2-40B4-BE49-F238E27FC236}">
-                <a16:creationId xmlns:a16="http://schemas.microsoft.com/office/drawing/2014/main" id="{52638590-15E0-C679-98B1-0312B3F6C6D5}"/>
-              </a:ext>
-            </a:extLst>
-          </p:cNvPr>
-          <p:cNvSpPr/>
-          <p:nvPr/>
-        </p:nvSpPr>
-        <p:spPr>
-          <a:xfrm rot="10800000">
-            <a:off x="9648824" y="2910205"/>
-            <a:ext cx="409575" cy="271145"/>
-          </a:xfrm>
-          <a:prstGeom prst="rightArrow">
-            <a:avLst/>
-          </a:prstGeom>
-          <a:solidFill>
-            <a:schemeClr val="tx1"/>
-          </a:solidFill>
-          <a:ln w="12700" cap="flat" cmpd="sng" algn="ctr">
-            <a:noFill/>
-            <a:prstDash val="solid"/>
-            <a:miter lim="800000"/>
-          </a:ln>
-          <a:effectLst/>
-        </p:spPr>
-        <p:style>
-          <a:lnRef idx="2">
-            <a:schemeClr val="accent1">
-              <a:shade val="50000"/>
-            </a:schemeClr>
-          </a:lnRef>
-          <a:fillRef idx="1">
-            <a:schemeClr val="accent1"/>
-          </a:fillRef>
-          <a:effectRef idx="0">
-            <a:schemeClr val="accent1"/>
-          </a:effectRef>
-          <a:fontRef idx="minor">
-            <a:schemeClr val="lt1"/>
-          </a:fontRef>
-        </p:style>
-        <p:txBody>
-          <a:bodyPr rtlCol="0" anchor="ctr"/>
-          <a:lstStyle/>
-          <a:p>
-            <a:pPr algn="ctr"/>
-            <a:endParaRPr lang="en-US"/>
-          </a:p>
-        </p:txBody>
-      </p:sp>
-      <p:sp>
-        <p:nvSpPr>
-          <p:cNvPr id="7" name="Arrow: Right 6">
-            <a:extLst>
-              <a:ext uri="{FF2B5EF4-FFF2-40B4-BE49-F238E27FC236}">
-                <a16:creationId xmlns:a16="http://schemas.microsoft.com/office/drawing/2014/main" id="{9F2FCDA5-3D89-F110-4376-088CC6C09E4B}"/>
-              </a:ext>
-            </a:extLst>
-          </p:cNvPr>
-          <p:cNvSpPr/>
-          <p:nvPr/>
-        </p:nvSpPr>
-        <p:spPr>
-          <a:xfrm rot="10800000">
-            <a:off x="9648824" y="3445828"/>
-            <a:ext cx="409575" cy="271145"/>
-          </a:xfrm>
-          <a:prstGeom prst="rightArrow">
-            <a:avLst/>
-          </a:prstGeom>
-          <a:solidFill>
-            <a:schemeClr val="tx1"/>
-          </a:solidFill>
-          <a:ln w="12700" cap="flat" cmpd="sng" algn="ctr">
-            <a:noFill/>
-            <a:prstDash val="solid"/>
-            <a:miter lim="800000"/>
-          </a:ln>
-          <a:effectLst/>
-        </p:spPr>
-        <p:style>
-          <a:lnRef idx="2">
-            <a:schemeClr val="accent1">
-              <a:shade val="50000"/>
-            </a:schemeClr>
-          </a:lnRef>
-          <a:fillRef idx="1">
-            <a:schemeClr val="accent1"/>
-          </a:fillRef>
-          <a:effectRef idx="0">
-            <a:schemeClr val="accent1"/>
-          </a:effectRef>
-          <a:fontRef idx="minor">
-            <a:schemeClr val="lt1"/>
-          </a:fontRef>
-        </p:style>
-        <p:txBody>
-          <a:bodyPr rtlCol="0" anchor="ctr"/>
-          <a:lstStyle/>
-          <a:p>
-            <a:pPr algn="ctr"/>
-            <a:endParaRPr lang="en-US"/>
-          </a:p>
-        </p:txBody>
-      </p:sp>
-      <p:sp>
-        <p:nvSpPr>
-          <p:cNvPr id="10" name="Arrow: Right 9">
-            <a:extLst>
-              <a:ext uri="{FF2B5EF4-FFF2-40B4-BE49-F238E27FC236}">
-                <a16:creationId xmlns:a16="http://schemas.microsoft.com/office/drawing/2014/main" id="{309DA287-ECC2-08C1-B78D-2807E903231C}"/>
-              </a:ext>
-            </a:extLst>
-          </p:cNvPr>
-          <p:cNvSpPr/>
-          <p:nvPr/>
-        </p:nvSpPr>
-        <p:spPr>
-          <a:xfrm rot="10800000">
-            <a:off x="9667873" y="3836986"/>
-            <a:ext cx="409575" cy="271145"/>
-          </a:xfrm>
-          <a:prstGeom prst="rightArrow">
-            <a:avLst/>
-          </a:prstGeom>
-          <a:solidFill>
-            <a:schemeClr val="tx1"/>
-          </a:solidFill>
-          <a:ln w="12700" cap="flat" cmpd="sng" algn="ctr">
-            <a:noFill/>
-            <a:prstDash val="solid"/>
-            <a:miter lim="800000"/>
-          </a:ln>
-          <a:effectLst/>
-        </p:spPr>
-        <p:style>
-          <a:lnRef idx="2">
-            <a:schemeClr val="accent1">
-              <a:shade val="50000"/>
-            </a:schemeClr>
-          </a:lnRef>
-          <a:fillRef idx="1">
-            <a:schemeClr val="accent1"/>
-          </a:fillRef>
-          <a:effectRef idx="0">
-            <a:schemeClr val="accent1"/>
-          </a:effectRef>
-          <a:fontRef idx="minor">
-            <a:schemeClr val="lt1"/>
-          </a:fontRef>
-        </p:style>
-        <p:txBody>
-          <a:bodyPr rtlCol="0" anchor="ctr"/>
-          <a:lstStyle/>
-          <a:p>
-            <a:pPr algn="ctr"/>
-            <a:endParaRPr lang="en-US"/>
-          </a:p>
-        </p:txBody>
-      </p:sp>
-      <p:sp>
-        <p:nvSpPr>
-          <p:cNvPr id="11" name="Arrow: Right 10">
-            <a:extLst>
-              <a:ext uri="{FF2B5EF4-FFF2-40B4-BE49-F238E27FC236}">
-                <a16:creationId xmlns:a16="http://schemas.microsoft.com/office/drawing/2014/main" id="{D48C0550-D425-E328-3EB3-9E88D0827285}"/>
-              </a:ext>
-            </a:extLst>
-          </p:cNvPr>
-          <p:cNvSpPr/>
-          <p:nvPr/>
-        </p:nvSpPr>
-        <p:spPr>
-          <a:xfrm rot="10800000">
-            <a:off x="9667872" y="4394249"/>
-            <a:ext cx="409575" cy="271145"/>
-          </a:xfrm>
-          <a:prstGeom prst="rightArrow">
-            <a:avLst/>
-          </a:prstGeom>
-          <a:solidFill>
-            <a:schemeClr val="tx1"/>
-          </a:solidFill>
-          <a:ln w="12700" cap="flat" cmpd="sng" algn="ctr">
-            <a:noFill/>
-            <a:prstDash val="solid"/>
-            <a:miter lim="800000"/>
-          </a:ln>
-          <a:effectLst/>
-        </p:spPr>
-        <p:style>
-          <a:lnRef idx="2">
-            <a:schemeClr val="accent1">
-              <a:shade val="50000"/>
-            </a:schemeClr>
-          </a:lnRef>
-          <a:fillRef idx="1">
-            <a:schemeClr val="accent1"/>
-          </a:fillRef>
-          <a:effectRef idx="0">
-            <a:schemeClr val="accent1"/>
-          </a:effectRef>
-          <a:fontRef idx="minor">
-            <a:schemeClr val="lt1"/>
-          </a:fontRef>
-        </p:style>
-        <p:txBody>
-          <a:bodyPr rtlCol="0" anchor="ctr"/>
-          <a:lstStyle/>
-          <a:p>
-            <a:pPr algn="ctr"/>
-            <a:endParaRPr lang="en-US"/>
-          </a:p>
-        </p:txBody>
-      </p:sp>
-      <p:sp>
-        <p:nvSpPr>
-          <p:cNvPr id="12" name="Arrow: Right 11">
-            <a:extLst>
-              <a:ext uri="{FF2B5EF4-FFF2-40B4-BE49-F238E27FC236}">
-                <a16:creationId xmlns:a16="http://schemas.microsoft.com/office/drawing/2014/main" id="{EA2C51F9-7584-8272-D20D-35860F709021}"/>
-              </a:ext>
-            </a:extLst>
-          </p:cNvPr>
-          <p:cNvSpPr/>
-          <p:nvPr/>
-        </p:nvSpPr>
-        <p:spPr>
-          <a:xfrm rot="10800000">
-            <a:off x="9648823" y="5207098"/>
-            <a:ext cx="409575" cy="271145"/>
-          </a:xfrm>
-          <a:prstGeom prst="rightArrow">
-            <a:avLst/>
-          </a:prstGeom>
-          <a:solidFill>
-            <a:schemeClr val="tx1"/>
-          </a:solidFill>
-          <a:ln w="12700" cap="flat" cmpd="sng" algn="ctr">
-            <a:noFill/>
-            <a:prstDash val="solid"/>
-            <a:miter lim="800000"/>
-          </a:ln>
-          <a:effectLst/>
-        </p:spPr>
-        <p:style>
-          <a:lnRef idx="2">
-            <a:schemeClr val="accent1">
-              <a:shade val="50000"/>
-            </a:schemeClr>
-          </a:lnRef>
-          <a:fillRef idx="1">
-            <a:schemeClr val="accent1"/>
-          </a:fillRef>
-          <a:effectRef idx="0">
-            <a:schemeClr val="accent1"/>
-          </a:effectRef>
-          <a:fontRef idx="minor">
-            <a:schemeClr val="lt1"/>
-          </a:fontRef>
-        </p:style>
-        <p:txBody>
-          <a:bodyPr rtlCol="0" anchor="ctr"/>
-          <a:lstStyle/>
-          <a:p>
-            <a:pPr algn="ctr"/>
-            <a:endParaRPr lang="en-US"/>
-          </a:p>
-        </p:txBody>
-      </p:sp>
-      <p:cxnSp>
-        <p:nvCxnSpPr>
-          <p:cNvPr id="15" name="Straight Connector 14">
-            <a:extLst>
-              <a:ext uri="{FF2B5EF4-FFF2-40B4-BE49-F238E27FC236}">
-                <a16:creationId xmlns:a16="http://schemas.microsoft.com/office/drawing/2014/main" id="{4926913A-4F6C-7046-25AF-277874B1BE3F}"/>
-              </a:ext>
-            </a:extLst>
-          </p:cNvPr>
-          <p:cNvCxnSpPr/>
-          <p:nvPr/>
-        </p:nvCxnSpPr>
-        <p:spPr>
-          <a:xfrm>
-            <a:off x="2965450" y="2717800"/>
-            <a:ext cx="3067050" cy="0"/>
-          </a:xfrm>
-          <a:prstGeom prst="line">
-            <a:avLst/>
-          </a:prstGeom>
-          <a:ln w="28575">
-            <a:solidFill>
-              <a:schemeClr val="bg1"/>
-            </a:solidFill>
-          </a:ln>
-        </p:spPr>
-        <p:style>
-          <a:lnRef idx="1">
-            <a:schemeClr val="accent1"/>
-          </a:lnRef>
-          <a:fillRef idx="0">
-            <a:schemeClr val="accent1"/>
-          </a:fillRef>
-          <a:effectRef idx="0">
-            <a:schemeClr val="accent1"/>
-          </a:effectRef>
-          <a:fontRef idx="minor">
-            <a:schemeClr val="tx1"/>
-          </a:fontRef>
-        </p:style>
-      </p:cxnSp>
-      <p:cxnSp>
-        <p:nvCxnSpPr>
-          <p:cNvPr id="16" name="Straight Connector 15">
-            <a:extLst>
-              <a:ext uri="{FF2B5EF4-FFF2-40B4-BE49-F238E27FC236}">
-                <a16:creationId xmlns:a16="http://schemas.microsoft.com/office/drawing/2014/main" id="{5D3D4ABD-749A-B580-65E3-9B4DDE83D682}"/>
-              </a:ext>
-            </a:extLst>
-          </p:cNvPr>
-          <p:cNvCxnSpPr>
-            <a:cxnSpLocks/>
-          </p:cNvCxnSpPr>
-          <p:nvPr/>
-        </p:nvCxnSpPr>
-        <p:spPr>
-          <a:xfrm>
-            <a:off x="2965450" y="3035300"/>
-            <a:ext cx="2514600" cy="0"/>
-          </a:xfrm>
-          <a:prstGeom prst="line">
-            <a:avLst/>
-          </a:prstGeom>
-          <a:ln w="28575">
-            <a:solidFill>
-              <a:schemeClr val="bg1"/>
-            </a:solidFill>
-          </a:ln>
-        </p:spPr>
-        <p:style>
-          <a:lnRef idx="1">
-            <a:schemeClr val="accent1"/>
-          </a:lnRef>
-          <a:fillRef idx="0">
-            <a:schemeClr val="accent1"/>
-          </a:fillRef>
-          <a:effectRef idx="0">
-            <a:schemeClr val="accent1"/>
-          </a:effectRef>
-          <a:fontRef idx="minor">
-            <a:schemeClr val="tx1"/>
-          </a:fontRef>
-        </p:style>
-      </p:cxnSp>
-      <p:cxnSp>
-        <p:nvCxnSpPr>
-          <p:cNvPr id="18" name="Straight Connector 17">
-            <a:extLst>
-              <a:ext uri="{FF2B5EF4-FFF2-40B4-BE49-F238E27FC236}">
-                <a16:creationId xmlns:a16="http://schemas.microsoft.com/office/drawing/2014/main" id="{7576715F-A403-8B91-B439-CB230C685B7B}"/>
-              </a:ext>
-            </a:extLst>
-          </p:cNvPr>
-          <p:cNvCxnSpPr>
-            <a:cxnSpLocks/>
-          </p:cNvCxnSpPr>
-          <p:nvPr/>
-        </p:nvCxnSpPr>
-        <p:spPr>
-          <a:xfrm>
-            <a:off x="3225800" y="3675856"/>
-            <a:ext cx="3771900" cy="0"/>
-          </a:xfrm>
-          <a:prstGeom prst="line">
-            <a:avLst/>
-          </a:prstGeom>
-          <a:ln w="28575">
-            <a:solidFill>
-              <a:schemeClr val="bg1"/>
-            </a:solidFill>
-          </a:ln>
-        </p:spPr>
-        <p:style>
-          <a:lnRef idx="1">
-            <a:schemeClr val="accent1"/>
-          </a:lnRef>
-          <a:fillRef idx="0">
-            <a:schemeClr val="accent1"/>
-          </a:fillRef>
-          <a:effectRef idx="0">
-            <a:schemeClr val="accent1"/>
-          </a:effectRef>
-          <a:fontRef idx="minor">
-            <a:schemeClr val="tx1"/>
-          </a:fontRef>
-        </p:style>
-      </p:cxnSp>
-      <p:cxnSp>
-        <p:nvCxnSpPr>
-          <p:cNvPr id="20" name="Straight Connector 19">
-            <a:extLst>
-              <a:ext uri="{FF2B5EF4-FFF2-40B4-BE49-F238E27FC236}">
-                <a16:creationId xmlns:a16="http://schemas.microsoft.com/office/drawing/2014/main" id="{C55182D4-AF92-3E9C-8442-2BCABD4928DE}"/>
-              </a:ext>
-            </a:extLst>
-          </p:cNvPr>
-          <p:cNvCxnSpPr>
-            <a:cxnSpLocks/>
-          </p:cNvCxnSpPr>
-          <p:nvPr/>
-        </p:nvCxnSpPr>
-        <p:spPr>
-          <a:xfrm>
-            <a:off x="3467100" y="4132737"/>
-            <a:ext cx="4654550" cy="0"/>
-          </a:xfrm>
-          <a:prstGeom prst="line">
-            <a:avLst/>
-          </a:prstGeom>
-          <a:ln w="28575">
-            <a:solidFill>
-              <a:schemeClr val="bg1"/>
-            </a:solidFill>
-          </a:ln>
-        </p:spPr>
-        <p:style>
-          <a:lnRef idx="1">
-            <a:schemeClr val="accent1"/>
-          </a:lnRef>
-          <a:fillRef idx="0">
-            <a:schemeClr val="accent1"/>
-          </a:fillRef>
-          <a:effectRef idx="0">
-            <a:schemeClr val="accent1"/>
-          </a:effectRef>
-          <a:fontRef idx="minor">
-            <a:schemeClr val="tx1"/>
-          </a:fontRef>
-        </p:style>
-      </p:cxnSp>
-      <p:cxnSp>
-        <p:nvCxnSpPr>
-          <p:cNvPr id="22" name="Straight Connector 21">
-            <a:extLst>
-              <a:ext uri="{FF2B5EF4-FFF2-40B4-BE49-F238E27FC236}">
-                <a16:creationId xmlns:a16="http://schemas.microsoft.com/office/drawing/2014/main" id="{1CDD8E49-7617-CF68-3FB1-ED2CB9EFA4A6}"/>
-              </a:ext>
-            </a:extLst>
-          </p:cNvPr>
-          <p:cNvCxnSpPr>
-            <a:cxnSpLocks/>
-          </p:cNvCxnSpPr>
-          <p:nvPr/>
-        </p:nvCxnSpPr>
-        <p:spPr>
-          <a:xfrm>
-            <a:off x="3467100" y="3986687"/>
-            <a:ext cx="2063750" cy="0"/>
-          </a:xfrm>
-          <a:prstGeom prst="line">
-            <a:avLst/>
-          </a:prstGeom>
-          <a:ln w="28575">
-            <a:solidFill>
-              <a:schemeClr val="bg1"/>
-            </a:solidFill>
-          </a:ln>
-        </p:spPr>
-        <p:style>
-          <a:lnRef idx="1">
-            <a:schemeClr val="accent1"/>
-          </a:lnRef>
-          <a:fillRef idx="0">
-            <a:schemeClr val="accent1"/>
-          </a:fillRef>
-          <a:effectRef idx="0">
-            <a:schemeClr val="accent1"/>
-          </a:effectRef>
-          <a:fontRef idx="minor">
-            <a:schemeClr val="tx1"/>
-          </a:fontRef>
-        </p:style>
-      </p:cxnSp>
-      <p:cxnSp>
-        <p:nvCxnSpPr>
-          <p:cNvPr id="24" name="Straight Connector 23">
-            <a:extLst>
-              <a:ext uri="{FF2B5EF4-FFF2-40B4-BE49-F238E27FC236}">
-                <a16:creationId xmlns:a16="http://schemas.microsoft.com/office/drawing/2014/main" id="{05CB6D98-CD8F-BAAD-1986-27E9FDB34E51}"/>
-              </a:ext>
-            </a:extLst>
-          </p:cNvPr>
-          <p:cNvCxnSpPr>
-            <a:cxnSpLocks/>
-          </p:cNvCxnSpPr>
-          <p:nvPr/>
-        </p:nvCxnSpPr>
-        <p:spPr>
-          <a:xfrm>
-            <a:off x="3727450" y="4608987"/>
-            <a:ext cx="2787650" cy="0"/>
-          </a:xfrm>
-          <a:prstGeom prst="line">
-            <a:avLst/>
-          </a:prstGeom>
-          <a:ln w="28575">
-            <a:solidFill>
-              <a:schemeClr val="bg1"/>
-            </a:solidFill>
-          </a:ln>
-        </p:spPr>
-        <p:style>
-          <a:lnRef idx="1">
-            <a:schemeClr val="accent1"/>
-          </a:lnRef>
-          <a:fillRef idx="0">
-            <a:schemeClr val="accent1"/>
-          </a:fillRef>
-          <a:effectRef idx="0">
-            <a:schemeClr val="accent1"/>
-          </a:effectRef>
-          <a:fontRef idx="minor">
-            <a:schemeClr val="tx1"/>
-          </a:fontRef>
-        </p:style>
-      </p:cxnSp>
-      <p:cxnSp>
-        <p:nvCxnSpPr>
-          <p:cNvPr id="27" name="Straight Connector 26">
-            <a:extLst>
-              <a:ext uri="{FF2B5EF4-FFF2-40B4-BE49-F238E27FC236}">
-                <a16:creationId xmlns:a16="http://schemas.microsoft.com/office/drawing/2014/main" id="{BAC9C639-D375-D063-C1E4-1EF4918377D3}"/>
-              </a:ext>
-            </a:extLst>
-          </p:cNvPr>
-          <p:cNvCxnSpPr>
-            <a:cxnSpLocks/>
-          </p:cNvCxnSpPr>
-          <p:nvPr/>
-        </p:nvCxnSpPr>
-        <p:spPr>
-          <a:xfrm>
-            <a:off x="3203575" y="5561487"/>
-            <a:ext cx="523875" cy="0"/>
-          </a:xfrm>
-          <a:prstGeom prst="line">
-            <a:avLst/>
-          </a:prstGeom>
-          <a:ln w="28575">
-            <a:solidFill>
-              <a:schemeClr val="bg1"/>
-            </a:solidFill>
-          </a:ln>
-        </p:spPr>
-        <p:style>
-          <a:lnRef idx="1">
-            <a:schemeClr val="accent1"/>
-          </a:lnRef>
-          <a:fillRef idx="0">
-            <a:schemeClr val="accent1"/>
-          </a:fillRef>
-          <a:effectRef idx="0">
-            <a:schemeClr val="accent1"/>
-          </a:effectRef>
-          <a:fontRef idx="minor">
-            <a:schemeClr val="tx1"/>
-          </a:fontRef>
-        </p:style>
-      </p:cxnSp>
-    </p:spTree>
-    <p:extLst>
-      <p:ext uri="{BB962C8B-B14F-4D97-AF65-F5344CB8AC3E}">
-        <p14:creationId xmlns:p14="http://schemas.microsoft.com/office/powerpoint/2010/main" val="1009718050"/>
-      </p:ext>
-    </p:extLst>
-  </p:cSld>
-  <p:clrMapOvr>
-    <a:masterClrMapping/>
-  </p:clrMapOvr>
-  <p:timing>
-    <p:tnLst>
-      <p:par>
-        <p:cTn id="1" dur="indefinite" restart="never" nodeType="tmRoot">
-          <p:childTnLst>
-            <p:seq concurrent="1" nextAc="seek">
-              <p:cTn id="2" dur="indefinite" nodeType="mainSeq">
-                <p:childTnLst>
-                  <p:par>
-                    <p:cTn id="3" fill="hold">
-                      <p:stCondLst>
-                        <p:cond delay="indefinite"/>
-                        <p:cond evt="onBegin" delay="0">
-                          <p:tn val="2"/>
-                        </p:cond>
-                      </p:stCondLst>
-                      <p:childTnLst>
-                        <p:par>
-                          <p:cTn id="4" fill="hold">
-                            <p:stCondLst>
-                              <p:cond delay="0"/>
-                            </p:stCondLst>
-                            <p:childTnLst>
-                              <p:par>
-                                <p:cTn id="5" presetID="10" presetClass="entr" presetSubtype="0" fill="hold" grpId="0" nodeType="afterEffect">
-                                  <p:stCondLst>
-                                    <p:cond delay="0"/>
-                                  </p:stCondLst>
-                                  <p:childTnLst>
-                                    <p:set>
-                                      <p:cBhvr>
-                                        <p:cTn id="6" dur="1" fill="hold">
-                                          <p:stCondLst>
-                                            <p:cond delay="0"/>
-                                          </p:stCondLst>
-                                        </p:cTn>
-                                        <p:tgtEl>
-                                          <p:spTgt spid="8"/>
-                                        </p:tgtEl>
-                                        <p:attrNameLst>
-                                          <p:attrName>style.visibility</p:attrName>
-                                        </p:attrNameLst>
-                                      </p:cBhvr>
-                                      <p:to>
-                                        <p:strVal val="visible"/>
-                                      </p:to>
-                                    </p:set>
-                                    <p:animEffect transition="in" filter="fade">
-                                      <p:cBhvr>
-                                        <p:cTn id="7" dur="250"/>
-                                        <p:tgtEl>
-                                          <p:spTgt spid="8"/>
-                                        </p:tgtEl>
-                                      </p:cBhvr>
-                                    </p:animEffect>
-                                  </p:childTnLst>
-                                </p:cTn>
-                              </p:par>
-                              <p:par>
-                                <p:cTn id="8" presetID="10" presetClass="entr" presetSubtype="0" fill="hold" grpId="0" nodeType="withEffect">
-                                  <p:stCondLst>
-                                    <p:cond delay="0"/>
-                                  </p:stCondLst>
-                                  <p:childTnLst>
-                                    <p:set>
-                                      <p:cBhvr>
-                                        <p:cTn id="9" dur="1" fill="hold">
-                                          <p:stCondLst>
-                                            <p:cond delay="0"/>
-                                          </p:stCondLst>
-                                        </p:cTn>
-                                        <p:tgtEl>
-                                          <p:spTgt spid="9"/>
-                                        </p:tgtEl>
-                                        <p:attrNameLst>
-                                          <p:attrName>style.visibility</p:attrName>
-                                        </p:attrNameLst>
-                                      </p:cBhvr>
-                                      <p:to>
-                                        <p:strVal val="visible"/>
-                                      </p:to>
-                                    </p:set>
-                                    <p:animEffect transition="in" filter="fade">
-                                      <p:cBhvr>
-                                        <p:cTn id="10" dur="250"/>
-                                        <p:tgtEl>
-                                          <p:spTgt spid="9"/>
-                                        </p:tgtEl>
-                                      </p:cBhvr>
-                                    </p:animEffect>
-                                  </p:childTnLst>
-                                </p:cTn>
-                              </p:par>
-                              <p:par>
-                                <p:cTn id="11" presetID="10" presetClass="entr" presetSubtype="0" fill="hold" nodeType="withEffect">
-                                  <p:stCondLst>
-                                    <p:cond delay="0"/>
-                                  </p:stCondLst>
-                                  <p:childTnLst>
-                                    <p:set>
-                                      <p:cBhvr>
-                                        <p:cTn id="12" dur="1" fill="hold">
-                                          <p:stCondLst>
-                                            <p:cond delay="0"/>
-                                          </p:stCondLst>
-                                        </p:cTn>
-                                        <p:tgtEl>
-                                          <p:spTgt spid="6"/>
-                                        </p:tgtEl>
-                                        <p:attrNameLst>
-                                          <p:attrName>style.visibility</p:attrName>
-                                        </p:attrNameLst>
-                                      </p:cBhvr>
-                                      <p:to>
-                                        <p:strVal val="visible"/>
-                                      </p:to>
-                                    </p:set>
-                                    <p:animEffect transition="in" filter="fade">
-                                      <p:cBhvr>
-                                        <p:cTn id="13" dur="250"/>
-                                        <p:tgtEl>
-                                          <p:spTgt spid="6"/>
-                                        </p:tgtEl>
-                                      </p:cBhvr>
-                                    </p:animEffect>
-                                  </p:childTnLst>
-                                </p:cTn>
-                              </p:par>
-                            </p:childTnLst>
-                          </p:cTn>
-                        </p:par>
-                      </p:childTnLst>
-                    </p:cTn>
-                  </p:par>
-                  <p:par>
-                    <p:cTn id="14" fill="hold">
-                      <p:stCondLst>
-                        <p:cond delay="indefinite"/>
-                      </p:stCondLst>
-                      <p:childTnLst>
-                        <p:par>
-                          <p:cTn id="15" fill="hold">
-                            <p:stCondLst>
-                              <p:cond delay="0"/>
-                            </p:stCondLst>
-                            <p:childTnLst>
-                              <p:par>
-                                <p:cTn id="16" presetID="10" presetClass="entr" presetSubtype="0" fill="hold" grpId="0" nodeType="clickEffect">
-                                  <p:stCondLst>
-                                    <p:cond delay="0"/>
-                                  </p:stCondLst>
-                                  <p:childTnLst>
-                                    <p:set>
-                                      <p:cBhvr>
-                                        <p:cTn id="17" dur="1" fill="hold">
-                                          <p:stCondLst>
-                                            <p:cond delay="0"/>
-                                          </p:stCondLst>
-                                        </p:cTn>
-                                        <p:tgtEl>
-                                          <p:spTgt spid="3"/>
-                                        </p:tgtEl>
-                                        <p:attrNameLst>
-                                          <p:attrName>style.visibility</p:attrName>
-                                        </p:attrNameLst>
-                                      </p:cBhvr>
-                                      <p:to>
-                                        <p:strVal val="visible"/>
-                                      </p:to>
-                                    </p:set>
-                                    <p:animEffect transition="in" filter="fade">
-                                      <p:cBhvr>
-                                        <p:cTn id="18" dur="250"/>
-                                        <p:tgtEl>
-                                          <p:spTgt spid="3"/>
-                                        </p:tgtEl>
-                                      </p:cBhvr>
-                                    </p:animEffect>
-                                  </p:childTnLst>
-                                </p:cTn>
-                              </p:par>
-                              <p:par>
-                                <p:cTn id="19" presetID="10" presetClass="entr" presetSubtype="0" fill="hold" nodeType="withEffect">
-                                  <p:stCondLst>
-                                    <p:cond delay="0"/>
-                                  </p:stCondLst>
-                                  <p:childTnLst>
-                                    <p:set>
-                                      <p:cBhvr>
-                                        <p:cTn id="20" dur="1" fill="hold">
-                                          <p:stCondLst>
-                                            <p:cond delay="0"/>
-                                          </p:stCondLst>
-                                        </p:cTn>
-                                        <p:tgtEl>
-                                          <p:spTgt spid="15"/>
-                                        </p:tgtEl>
-                                        <p:attrNameLst>
-                                          <p:attrName>style.visibility</p:attrName>
-                                        </p:attrNameLst>
-                                      </p:cBhvr>
-                                      <p:to>
-                                        <p:strVal val="visible"/>
-                                      </p:to>
-                                    </p:set>
-                                    <p:animEffect transition="in" filter="fade">
-                                      <p:cBhvr>
-                                        <p:cTn id="21" dur="250"/>
-                                        <p:tgtEl>
-                                          <p:spTgt spid="15"/>
-                                        </p:tgtEl>
-                                      </p:cBhvr>
-                                    </p:animEffect>
-                                  </p:childTnLst>
-                                </p:cTn>
-                              </p:par>
-                            </p:childTnLst>
-                          </p:cTn>
-                        </p:par>
-                      </p:childTnLst>
-                    </p:cTn>
-                  </p:par>
-                  <p:par>
-                    <p:cTn id="22" fill="hold">
-                      <p:stCondLst>
-                        <p:cond delay="indefinite"/>
-                      </p:stCondLst>
-                      <p:childTnLst>
-                        <p:par>
-                          <p:cTn id="23" fill="hold">
-                            <p:stCondLst>
-                              <p:cond delay="0"/>
-                            </p:stCondLst>
-                            <p:childTnLst>
-                              <p:par>
-                                <p:cTn id="24" presetID="10" presetClass="exit" presetSubtype="0" fill="hold" grpId="1" nodeType="clickEffect">
-                                  <p:stCondLst>
-                                    <p:cond delay="0"/>
-                                  </p:stCondLst>
-                                  <p:childTnLst>
-                                    <p:animEffect transition="out" filter="fade">
-                                      <p:cBhvr>
-                                        <p:cTn id="25" dur="250"/>
-                                        <p:tgtEl>
-                                          <p:spTgt spid="3"/>
-                                        </p:tgtEl>
-                                      </p:cBhvr>
-                                    </p:animEffect>
-                                    <p:set>
-                                      <p:cBhvr>
-                                        <p:cTn id="26" dur="1" fill="hold">
-                                          <p:stCondLst>
-                                            <p:cond delay="249"/>
-                                          </p:stCondLst>
-                                        </p:cTn>
-                                        <p:tgtEl>
-                                          <p:spTgt spid="3"/>
-                                        </p:tgtEl>
-                                        <p:attrNameLst>
-                                          <p:attrName>style.visibility</p:attrName>
-                                        </p:attrNameLst>
-                                      </p:cBhvr>
-                                      <p:to>
-                                        <p:strVal val="hidden"/>
-                                      </p:to>
-                                    </p:set>
-                                  </p:childTnLst>
-                                </p:cTn>
-                              </p:par>
-                              <p:par>
-                                <p:cTn id="27" presetID="10" presetClass="exit" presetSubtype="0" fill="hold" nodeType="withEffect">
-                                  <p:stCondLst>
-                                    <p:cond delay="0"/>
-                                  </p:stCondLst>
-                                  <p:childTnLst>
-                                    <p:animEffect transition="out" filter="fade">
-                                      <p:cBhvr>
-                                        <p:cTn id="28" dur="250"/>
-                                        <p:tgtEl>
-                                          <p:spTgt spid="15"/>
-                                        </p:tgtEl>
-                                      </p:cBhvr>
-                                    </p:animEffect>
-                                    <p:set>
-                                      <p:cBhvr>
-                                        <p:cTn id="29" dur="1" fill="hold">
-                                          <p:stCondLst>
-                                            <p:cond delay="249"/>
-                                          </p:stCondLst>
-                                        </p:cTn>
-                                        <p:tgtEl>
-                                          <p:spTgt spid="15"/>
-                                        </p:tgtEl>
-                                        <p:attrNameLst>
-                                          <p:attrName>style.visibility</p:attrName>
-                                        </p:attrNameLst>
-                                      </p:cBhvr>
-                                      <p:to>
-                                        <p:strVal val="hidden"/>
-                                      </p:to>
-                                    </p:set>
-                                  </p:childTnLst>
-                                </p:cTn>
-                              </p:par>
-                              <p:par>
-                                <p:cTn id="30" presetID="10" presetClass="entr" presetSubtype="0" fill="hold" nodeType="withEffect">
-                                  <p:stCondLst>
-                                    <p:cond delay="0"/>
-                                  </p:stCondLst>
-                                  <p:childTnLst>
-                                    <p:set>
-                                      <p:cBhvr>
-                                        <p:cTn id="31" dur="1" fill="hold">
-                                          <p:stCondLst>
-                                            <p:cond delay="0"/>
-                                          </p:stCondLst>
-                                        </p:cTn>
-                                        <p:tgtEl>
-                                          <p:spTgt spid="16"/>
-                                        </p:tgtEl>
-                                        <p:attrNameLst>
-                                          <p:attrName>style.visibility</p:attrName>
-                                        </p:attrNameLst>
-                                      </p:cBhvr>
-                                      <p:to>
-                                        <p:strVal val="visible"/>
-                                      </p:to>
-                                    </p:set>
-                                    <p:animEffect transition="in" filter="fade">
-                                      <p:cBhvr>
-                                        <p:cTn id="32" dur="250"/>
-                                        <p:tgtEl>
-                                          <p:spTgt spid="16"/>
-                                        </p:tgtEl>
-                                      </p:cBhvr>
-                                    </p:animEffect>
-                                  </p:childTnLst>
-                                </p:cTn>
-                              </p:par>
-                              <p:par>
-                                <p:cTn id="33" presetID="10" presetClass="entr" presetSubtype="0" fill="hold" grpId="0" nodeType="withEffect">
-                                  <p:stCondLst>
-                                    <p:cond delay="0"/>
-                                  </p:stCondLst>
-                                  <p:childTnLst>
-                                    <p:set>
-                                      <p:cBhvr>
-                                        <p:cTn id="34" dur="1" fill="hold">
-                                          <p:stCondLst>
-                                            <p:cond delay="0"/>
-                                          </p:stCondLst>
-                                        </p:cTn>
-                                        <p:tgtEl>
-                                          <p:spTgt spid="5"/>
-                                        </p:tgtEl>
-                                        <p:attrNameLst>
-                                          <p:attrName>style.visibility</p:attrName>
-                                        </p:attrNameLst>
-                                      </p:cBhvr>
-                                      <p:to>
-                                        <p:strVal val="visible"/>
-                                      </p:to>
-                                    </p:set>
-                                    <p:animEffect transition="in" filter="fade">
-                                      <p:cBhvr>
-                                        <p:cTn id="35" dur="250"/>
-                                        <p:tgtEl>
-                                          <p:spTgt spid="5"/>
-                                        </p:tgtEl>
-                                      </p:cBhvr>
-                                    </p:animEffect>
-                                  </p:childTnLst>
-                                </p:cTn>
-                              </p:par>
-                            </p:childTnLst>
-                          </p:cTn>
-                        </p:par>
-                      </p:childTnLst>
-                    </p:cTn>
-                  </p:par>
-                  <p:par>
-                    <p:cTn id="36" fill="hold">
-                      <p:stCondLst>
-                        <p:cond delay="indefinite"/>
-                      </p:stCondLst>
-                      <p:childTnLst>
-                        <p:par>
-                          <p:cTn id="37" fill="hold">
-                            <p:stCondLst>
-                              <p:cond delay="0"/>
-                            </p:stCondLst>
-                            <p:childTnLst>
-                              <p:par>
-                                <p:cTn id="38" presetID="10" presetClass="exit" presetSubtype="0" fill="hold" grpId="1" nodeType="clickEffect">
-                                  <p:stCondLst>
-                                    <p:cond delay="0"/>
-                                  </p:stCondLst>
-                                  <p:childTnLst>
-                                    <p:animEffect transition="out" filter="fade">
-                                      <p:cBhvr>
-                                        <p:cTn id="39" dur="250"/>
-                                        <p:tgtEl>
-                                          <p:spTgt spid="5"/>
-                                        </p:tgtEl>
-                                      </p:cBhvr>
-                                    </p:animEffect>
-                                    <p:set>
-                                      <p:cBhvr>
-                                        <p:cTn id="40" dur="1" fill="hold">
-                                          <p:stCondLst>
-                                            <p:cond delay="249"/>
-                                          </p:stCondLst>
-                                        </p:cTn>
-                                        <p:tgtEl>
-                                          <p:spTgt spid="5"/>
-                                        </p:tgtEl>
-                                        <p:attrNameLst>
-                                          <p:attrName>style.visibility</p:attrName>
-                                        </p:attrNameLst>
-                                      </p:cBhvr>
-                                      <p:to>
-                                        <p:strVal val="hidden"/>
-                                      </p:to>
-                                    </p:set>
-                                  </p:childTnLst>
-                                </p:cTn>
-                              </p:par>
-                              <p:par>
-                                <p:cTn id="41" presetID="10" presetClass="entr" presetSubtype="0" fill="hold" grpId="0" nodeType="withEffect">
-                                  <p:stCondLst>
-                                    <p:cond delay="0"/>
-                                  </p:stCondLst>
-                                  <p:childTnLst>
-                                    <p:set>
-                                      <p:cBhvr>
-                                        <p:cTn id="42" dur="1" fill="hold">
-                                          <p:stCondLst>
-                                            <p:cond delay="0"/>
-                                          </p:stCondLst>
-                                        </p:cTn>
-                                        <p:tgtEl>
-                                          <p:spTgt spid="7"/>
-                                        </p:tgtEl>
-                                        <p:attrNameLst>
-                                          <p:attrName>style.visibility</p:attrName>
-                                        </p:attrNameLst>
-                                      </p:cBhvr>
-                                      <p:to>
-                                        <p:strVal val="visible"/>
-                                      </p:to>
-                                    </p:set>
-                                    <p:animEffect transition="in" filter="fade">
-                                      <p:cBhvr>
-                                        <p:cTn id="43" dur="250"/>
-                                        <p:tgtEl>
-                                          <p:spTgt spid="7"/>
-                                        </p:tgtEl>
-                                      </p:cBhvr>
-                                    </p:animEffect>
-                                  </p:childTnLst>
-                                </p:cTn>
-                              </p:par>
-                              <p:par>
-                                <p:cTn id="44" presetID="10" presetClass="exit" presetSubtype="0" fill="hold" nodeType="withEffect">
-                                  <p:stCondLst>
-                                    <p:cond delay="0"/>
-                                  </p:stCondLst>
-                                  <p:childTnLst>
-                                    <p:animEffect transition="out" filter="fade">
-                                      <p:cBhvr>
-                                        <p:cTn id="45" dur="250"/>
-                                        <p:tgtEl>
-                                          <p:spTgt spid="16"/>
-                                        </p:tgtEl>
-                                      </p:cBhvr>
-                                    </p:animEffect>
-                                    <p:set>
-                                      <p:cBhvr>
-                                        <p:cTn id="46" dur="1" fill="hold">
-                                          <p:stCondLst>
-                                            <p:cond delay="249"/>
-                                          </p:stCondLst>
-                                        </p:cTn>
-                                        <p:tgtEl>
-                                          <p:spTgt spid="16"/>
-                                        </p:tgtEl>
-                                        <p:attrNameLst>
-                                          <p:attrName>style.visibility</p:attrName>
-                                        </p:attrNameLst>
-                                      </p:cBhvr>
-                                      <p:to>
-                                        <p:strVal val="hidden"/>
-                                      </p:to>
-                                    </p:set>
-                                  </p:childTnLst>
-                                </p:cTn>
-                              </p:par>
-                              <p:par>
-                                <p:cTn id="47" presetID="10" presetClass="entr" presetSubtype="0" fill="hold" nodeType="withEffect">
-                                  <p:stCondLst>
-                                    <p:cond delay="0"/>
-                                  </p:stCondLst>
-                                  <p:childTnLst>
-                                    <p:set>
-                                      <p:cBhvr>
-                                        <p:cTn id="48" dur="1" fill="hold">
-                                          <p:stCondLst>
-                                            <p:cond delay="0"/>
-                                          </p:stCondLst>
-                                        </p:cTn>
-                                        <p:tgtEl>
-                                          <p:spTgt spid="18"/>
-                                        </p:tgtEl>
-                                        <p:attrNameLst>
-                                          <p:attrName>style.visibility</p:attrName>
-                                        </p:attrNameLst>
-                                      </p:cBhvr>
-                                      <p:to>
-                                        <p:strVal val="visible"/>
-                                      </p:to>
-                                    </p:set>
-                                    <p:animEffect transition="in" filter="fade">
-                                      <p:cBhvr>
-                                        <p:cTn id="49" dur="250"/>
-                                        <p:tgtEl>
-                                          <p:spTgt spid="18"/>
-                                        </p:tgtEl>
-                                      </p:cBhvr>
-                                    </p:animEffect>
-                                  </p:childTnLst>
-                                </p:cTn>
-                              </p:par>
-                            </p:childTnLst>
-                          </p:cTn>
-                        </p:par>
-                      </p:childTnLst>
-                    </p:cTn>
-                  </p:par>
-                  <p:par>
-                    <p:cTn id="50" fill="hold">
-                      <p:stCondLst>
-                        <p:cond delay="indefinite"/>
-                      </p:stCondLst>
-                      <p:childTnLst>
-                        <p:par>
-                          <p:cTn id="51" fill="hold">
-                            <p:stCondLst>
-                              <p:cond delay="0"/>
-                            </p:stCondLst>
-                            <p:childTnLst>
-                              <p:par>
-                                <p:cTn id="52" presetID="10" presetClass="exit" presetSubtype="0" fill="hold" grpId="1" nodeType="clickEffect">
-                                  <p:stCondLst>
-                                    <p:cond delay="0"/>
-                                  </p:stCondLst>
-                                  <p:childTnLst>
-                                    <p:animEffect transition="out" filter="fade">
-                                      <p:cBhvr>
-                                        <p:cTn id="53" dur="250"/>
-                                        <p:tgtEl>
-                                          <p:spTgt spid="7"/>
-                                        </p:tgtEl>
-                                      </p:cBhvr>
-                                    </p:animEffect>
-                                    <p:set>
-                                      <p:cBhvr>
-                                        <p:cTn id="54" dur="1" fill="hold">
-                                          <p:stCondLst>
-                                            <p:cond delay="249"/>
-                                          </p:stCondLst>
-                                        </p:cTn>
-                                        <p:tgtEl>
-                                          <p:spTgt spid="7"/>
-                                        </p:tgtEl>
-                                        <p:attrNameLst>
-                                          <p:attrName>style.visibility</p:attrName>
-                                        </p:attrNameLst>
-                                      </p:cBhvr>
-                                      <p:to>
-                                        <p:strVal val="hidden"/>
-                                      </p:to>
-                                    </p:set>
-                                  </p:childTnLst>
-                                </p:cTn>
-                              </p:par>
-                              <p:par>
-                                <p:cTn id="55" presetID="10" presetClass="exit" presetSubtype="0" fill="hold" nodeType="withEffect">
-                                  <p:stCondLst>
-                                    <p:cond delay="0"/>
-                                  </p:stCondLst>
-                                  <p:childTnLst>
-                                    <p:animEffect transition="out" filter="fade">
-                                      <p:cBhvr>
-                                        <p:cTn id="56" dur="250"/>
-                                        <p:tgtEl>
-                                          <p:spTgt spid="18"/>
-                                        </p:tgtEl>
-                                      </p:cBhvr>
-                                    </p:animEffect>
-                                    <p:set>
-                                      <p:cBhvr>
-                                        <p:cTn id="57" dur="1" fill="hold">
-                                          <p:stCondLst>
-                                            <p:cond delay="249"/>
-                                          </p:stCondLst>
-                                        </p:cTn>
-                                        <p:tgtEl>
-                                          <p:spTgt spid="18"/>
-                                        </p:tgtEl>
-                                        <p:attrNameLst>
-                                          <p:attrName>style.visibility</p:attrName>
-                                        </p:attrNameLst>
-                                      </p:cBhvr>
-                                      <p:to>
-                                        <p:strVal val="hidden"/>
-                                      </p:to>
-                                    </p:set>
-                                  </p:childTnLst>
-                                </p:cTn>
-                              </p:par>
-                              <p:par>
-                                <p:cTn id="58" presetID="10" presetClass="entr" presetSubtype="0" fill="hold" grpId="0" nodeType="withEffect">
-                                  <p:stCondLst>
-                                    <p:cond delay="0"/>
-                                  </p:stCondLst>
-                                  <p:childTnLst>
-                                    <p:set>
-                                      <p:cBhvr>
-                                        <p:cTn id="59" dur="1" fill="hold">
-                                          <p:stCondLst>
-                                            <p:cond delay="0"/>
-                                          </p:stCondLst>
-                                        </p:cTn>
-                                        <p:tgtEl>
-                                          <p:spTgt spid="10"/>
-                                        </p:tgtEl>
-                                        <p:attrNameLst>
-                                          <p:attrName>style.visibility</p:attrName>
-                                        </p:attrNameLst>
-                                      </p:cBhvr>
-                                      <p:to>
-                                        <p:strVal val="visible"/>
-                                      </p:to>
-                                    </p:set>
-                                    <p:animEffect transition="in" filter="fade">
-                                      <p:cBhvr>
-                                        <p:cTn id="60" dur="250"/>
-                                        <p:tgtEl>
-                                          <p:spTgt spid="10"/>
-                                        </p:tgtEl>
-                                      </p:cBhvr>
-                                    </p:animEffect>
-                                  </p:childTnLst>
-                                </p:cTn>
-                              </p:par>
-                              <p:par>
-                                <p:cTn id="61" presetID="10" presetClass="entr" presetSubtype="0" fill="hold" nodeType="withEffect">
-                                  <p:stCondLst>
-                                    <p:cond delay="0"/>
-                                  </p:stCondLst>
-                                  <p:childTnLst>
-                                    <p:set>
-                                      <p:cBhvr>
-                                        <p:cTn id="62" dur="1" fill="hold">
-                                          <p:stCondLst>
-                                            <p:cond delay="0"/>
-                                          </p:stCondLst>
-                                        </p:cTn>
-                                        <p:tgtEl>
-                                          <p:spTgt spid="22"/>
-                                        </p:tgtEl>
-                                        <p:attrNameLst>
-                                          <p:attrName>style.visibility</p:attrName>
-                                        </p:attrNameLst>
-                                      </p:cBhvr>
-                                      <p:to>
-                                        <p:strVal val="visible"/>
-                                      </p:to>
-                                    </p:set>
-                                    <p:animEffect transition="in" filter="fade">
-                                      <p:cBhvr>
-                                        <p:cTn id="63" dur="250"/>
-                                        <p:tgtEl>
-                                          <p:spTgt spid="22"/>
-                                        </p:tgtEl>
-                                      </p:cBhvr>
-                                    </p:animEffect>
-                                  </p:childTnLst>
-                                </p:cTn>
-                              </p:par>
-                              <p:par>
-                                <p:cTn id="64" presetID="10" presetClass="entr" presetSubtype="0" fill="hold" nodeType="withEffect">
-                                  <p:stCondLst>
-                                    <p:cond delay="0"/>
-                                  </p:stCondLst>
-                                  <p:childTnLst>
-                                    <p:set>
-                                      <p:cBhvr>
-                                        <p:cTn id="65" dur="1" fill="hold">
-                                          <p:stCondLst>
-                                            <p:cond delay="0"/>
-                                          </p:stCondLst>
-                                        </p:cTn>
-                                        <p:tgtEl>
-                                          <p:spTgt spid="20"/>
-                                        </p:tgtEl>
-                                        <p:attrNameLst>
-                                          <p:attrName>style.visibility</p:attrName>
-                                        </p:attrNameLst>
-                                      </p:cBhvr>
-                                      <p:to>
-                                        <p:strVal val="visible"/>
-                                      </p:to>
-                                    </p:set>
-                                    <p:animEffect transition="in" filter="fade">
-                                      <p:cBhvr>
-                                        <p:cTn id="66" dur="250"/>
-                                        <p:tgtEl>
-                                          <p:spTgt spid="20"/>
-                                        </p:tgtEl>
-                                      </p:cBhvr>
-                                    </p:animEffect>
-                                  </p:childTnLst>
-                                </p:cTn>
-                              </p:par>
-                            </p:childTnLst>
-                          </p:cTn>
-                        </p:par>
-                      </p:childTnLst>
-                    </p:cTn>
-                  </p:par>
-                  <p:par>
-                    <p:cTn id="67" fill="hold">
-                      <p:stCondLst>
-                        <p:cond delay="indefinite"/>
-                      </p:stCondLst>
-                      <p:childTnLst>
-                        <p:par>
-                          <p:cTn id="68" fill="hold">
-                            <p:stCondLst>
-                              <p:cond delay="0"/>
-                            </p:stCondLst>
-                            <p:childTnLst>
-                              <p:par>
-                                <p:cTn id="69" presetID="10" presetClass="exit" presetSubtype="0" fill="hold" grpId="1" nodeType="clickEffect">
-                                  <p:stCondLst>
-                                    <p:cond delay="0"/>
-                                  </p:stCondLst>
-                                  <p:childTnLst>
-                                    <p:animEffect transition="out" filter="fade">
-                                      <p:cBhvr>
-                                        <p:cTn id="70" dur="250"/>
-                                        <p:tgtEl>
-                                          <p:spTgt spid="10"/>
-                                        </p:tgtEl>
-                                      </p:cBhvr>
-                                    </p:animEffect>
-                                    <p:set>
-                                      <p:cBhvr>
-                                        <p:cTn id="71" dur="1" fill="hold">
-                                          <p:stCondLst>
-                                            <p:cond delay="249"/>
-                                          </p:stCondLst>
-                                        </p:cTn>
-                                        <p:tgtEl>
-                                          <p:spTgt spid="10"/>
-                                        </p:tgtEl>
-                                        <p:attrNameLst>
-                                          <p:attrName>style.visibility</p:attrName>
-                                        </p:attrNameLst>
-                                      </p:cBhvr>
-                                      <p:to>
-                                        <p:strVal val="hidden"/>
-                                      </p:to>
-                                    </p:set>
-                                  </p:childTnLst>
-                                </p:cTn>
-                              </p:par>
-                              <p:par>
-                                <p:cTn id="72" presetID="10" presetClass="exit" presetSubtype="0" fill="hold" nodeType="withEffect">
-                                  <p:stCondLst>
-                                    <p:cond delay="0"/>
-                                  </p:stCondLst>
-                                  <p:childTnLst>
-                                    <p:animEffect transition="out" filter="fade">
-                                      <p:cBhvr>
-                                        <p:cTn id="73" dur="250"/>
-                                        <p:tgtEl>
-                                          <p:spTgt spid="22"/>
-                                        </p:tgtEl>
-                                      </p:cBhvr>
-                                    </p:animEffect>
-                                    <p:set>
-                                      <p:cBhvr>
-                                        <p:cTn id="74" dur="1" fill="hold">
-                                          <p:stCondLst>
-                                            <p:cond delay="249"/>
-                                          </p:stCondLst>
-                                        </p:cTn>
-                                        <p:tgtEl>
-                                          <p:spTgt spid="22"/>
-                                        </p:tgtEl>
-                                        <p:attrNameLst>
-                                          <p:attrName>style.visibility</p:attrName>
-                                        </p:attrNameLst>
-                                      </p:cBhvr>
-                                      <p:to>
-                                        <p:strVal val="hidden"/>
-                                      </p:to>
-                                    </p:set>
-                                  </p:childTnLst>
-                                </p:cTn>
-                              </p:par>
-                              <p:par>
-                                <p:cTn id="75" presetID="10" presetClass="exit" presetSubtype="0" fill="hold" nodeType="withEffect">
-                                  <p:stCondLst>
-                                    <p:cond delay="0"/>
-                                  </p:stCondLst>
-                                  <p:childTnLst>
-                                    <p:animEffect transition="out" filter="fade">
-                                      <p:cBhvr>
-                                        <p:cTn id="76" dur="250"/>
-                                        <p:tgtEl>
-                                          <p:spTgt spid="20"/>
-                                        </p:tgtEl>
-                                      </p:cBhvr>
-                                    </p:animEffect>
-                                    <p:set>
-                                      <p:cBhvr>
-                                        <p:cTn id="77" dur="1" fill="hold">
-                                          <p:stCondLst>
-                                            <p:cond delay="249"/>
-                                          </p:stCondLst>
-                                        </p:cTn>
-                                        <p:tgtEl>
-                                          <p:spTgt spid="20"/>
-                                        </p:tgtEl>
-                                        <p:attrNameLst>
-                                          <p:attrName>style.visibility</p:attrName>
-                                        </p:attrNameLst>
-                                      </p:cBhvr>
-                                      <p:to>
-                                        <p:strVal val="hidden"/>
-                                      </p:to>
-                                    </p:set>
-                                  </p:childTnLst>
-                                </p:cTn>
-                              </p:par>
-                              <p:par>
-                                <p:cTn id="78" presetID="10" presetClass="entr" presetSubtype="0" fill="hold" grpId="0" nodeType="withEffect">
-                                  <p:stCondLst>
-                                    <p:cond delay="0"/>
-                                  </p:stCondLst>
-                                  <p:childTnLst>
-                                    <p:set>
-                                      <p:cBhvr>
-                                        <p:cTn id="79" dur="1" fill="hold">
-                                          <p:stCondLst>
-                                            <p:cond delay="0"/>
-                                          </p:stCondLst>
-                                        </p:cTn>
-                                        <p:tgtEl>
-                                          <p:spTgt spid="11"/>
-                                        </p:tgtEl>
-                                        <p:attrNameLst>
-                                          <p:attrName>style.visibility</p:attrName>
-                                        </p:attrNameLst>
-                                      </p:cBhvr>
-                                      <p:to>
-                                        <p:strVal val="visible"/>
-                                      </p:to>
-                                    </p:set>
-                                    <p:animEffect transition="in" filter="fade">
-                                      <p:cBhvr>
-                                        <p:cTn id="80" dur="250"/>
-                                        <p:tgtEl>
-                                          <p:spTgt spid="11"/>
-                                        </p:tgtEl>
-                                      </p:cBhvr>
-                                    </p:animEffect>
-                                  </p:childTnLst>
-                                </p:cTn>
-                              </p:par>
-                              <p:par>
-                                <p:cTn id="81" presetID="10" presetClass="entr" presetSubtype="0" fill="hold" nodeType="withEffect">
-                                  <p:stCondLst>
-                                    <p:cond delay="0"/>
-                                  </p:stCondLst>
-                                  <p:childTnLst>
-                                    <p:set>
-                                      <p:cBhvr>
-                                        <p:cTn id="82" dur="1" fill="hold">
-                                          <p:stCondLst>
-                                            <p:cond delay="0"/>
-                                          </p:stCondLst>
-                                        </p:cTn>
-                                        <p:tgtEl>
-                                          <p:spTgt spid="24"/>
-                                        </p:tgtEl>
-                                        <p:attrNameLst>
-                                          <p:attrName>style.visibility</p:attrName>
-                                        </p:attrNameLst>
-                                      </p:cBhvr>
-                                      <p:to>
-                                        <p:strVal val="visible"/>
-                                      </p:to>
-                                    </p:set>
-                                    <p:animEffect transition="in" filter="fade">
-                                      <p:cBhvr>
-                                        <p:cTn id="83" dur="250"/>
-                                        <p:tgtEl>
-                                          <p:spTgt spid="24"/>
-                                        </p:tgtEl>
-                                      </p:cBhvr>
-                                    </p:animEffect>
-                                  </p:childTnLst>
-                                </p:cTn>
-                              </p:par>
-                            </p:childTnLst>
-                          </p:cTn>
-                        </p:par>
-                      </p:childTnLst>
-                    </p:cTn>
-                  </p:par>
-                  <p:par>
-                    <p:cTn id="84" fill="hold">
-                      <p:stCondLst>
-                        <p:cond delay="indefinite"/>
-                      </p:stCondLst>
-                      <p:childTnLst>
-                        <p:par>
-                          <p:cTn id="85" fill="hold">
-                            <p:stCondLst>
-                              <p:cond delay="0"/>
-                            </p:stCondLst>
-                            <p:childTnLst>
-                              <p:par>
-                                <p:cTn id="86" presetID="10" presetClass="exit" presetSubtype="0" fill="hold" nodeType="clickEffect">
-                                  <p:stCondLst>
-                                    <p:cond delay="0"/>
-                                  </p:stCondLst>
-                                  <p:childTnLst>
-                                    <p:animEffect transition="out" filter="fade">
-                                      <p:cBhvr>
-                                        <p:cTn id="87" dur="250"/>
-                                        <p:tgtEl>
-                                          <p:spTgt spid="24"/>
-                                        </p:tgtEl>
-                                      </p:cBhvr>
-                                    </p:animEffect>
-                                    <p:set>
-                                      <p:cBhvr>
-                                        <p:cTn id="88" dur="1" fill="hold">
-                                          <p:stCondLst>
-                                            <p:cond delay="249"/>
-                                          </p:stCondLst>
-                                        </p:cTn>
-                                        <p:tgtEl>
-                                          <p:spTgt spid="24"/>
-                                        </p:tgtEl>
-                                        <p:attrNameLst>
-                                          <p:attrName>style.visibility</p:attrName>
-                                        </p:attrNameLst>
-                                      </p:cBhvr>
-                                      <p:to>
-                                        <p:strVal val="hidden"/>
-                                      </p:to>
-                                    </p:set>
-                                  </p:childTnLst>
-                                </p:cTn>
-                              </p:par>
-                              <p:par>
-                                <p:cTn id="89" presetID="10" presetClass="exit" presetSubtype="0" fill="hold" grpId="1" nodeType="withEffect">
-                                  <p:stCondLst>
-                                    <p:cond delay="0"/>
-                                  </p:stCondLst>
-                                  <p:childTnLst>
-                                    <p:animEffect transition="out" filter="fade">
-                                      <p:cBhvr>
-                                        <p:cTn id="90" dur="250"/>
-                                        <p:tgtEl>
-                                          <p:spTgt spid="11"/>
-                                        </p:tgtEl>
-                                      </p:cBhvr>
-                                    </p:animEffect>
-                                    <p:set>
-                                      <p:cBhvr>
-                                        <p:cTn id="91" dur="1" fill="hold">
-                                          <p:stCondLst>
-                                            <p:cond delay="249"/>
-                                          </p:stCondLst>
-                                        </p:cTn>
-                                        <p:tgtEl>
-                                          <p:spTgt spid="11"/>
-                                        </p:tgtEl>
-                                        <p:attrNameLst>
-                                          <p:attrName>style.visibility</p:attrName>
-                                        </p:attrNameLst>
-                                      </p:cBhvr>
-                                      <p:to>
-                                        <p:strVal val="hidden"/>
-                                      </p:to>
-                                    </p:set>
-                                  </p:childTnLst>
-                                </p:cTn>
-                              </p:par>
-                              <p:par>
-                                <p:cTn id="92" presetID="10" presetClass="entr" presetSubtype="0" fill="hold" grpId="0" nodeType="withEffect">
-                                  <p:stCondLst>
-                                    <p:cond delay="0"/>
-                                  </p:stCondLst>
-                                  <p:childTnLst>
-                                    <p:set>
-                                      <p:cBhvr>
-                                        <p:cTn id="93" dur="1" fill="hold">
-                                          <p:stCondLst>
-                                            <p:cond delay="0"/>
-                                          </p:stCondLst>
-                                        </p:cTn>
-                                        <p:tgtEl>
-                                          <p:spTgt spid="12"/>
-                                        </p:tgtEl>
-                                        <p:attrNameLst>
-                                          <p:attrName>style.visibility</p:attrName>
-                                        </p:attrNameLst>
-                                      </p:cBhvr>
-                                      <p:to>
-                                        <p:strVal val="visible"/>
-                                      </p:to>
-                                    </p:set>
-                                    <p:animEffect transition="in" filter="fade">
-                                      <p:cBhvr>
-                                        <p:cTn id="94" dur="250"/>
-                                        <p:tgtEl>
-                                          <p:spTgt spid="12"/>
-                                        </p:tgtEl>
-                                      </p:cBhvr>
-                                    </p:animEffect>
-                                  </p:childTnLst>
-                                </p:cTn>
-                              </p:par>
-                              <p:par>
-                                <p:cTn id="95" presetID="10" presetClass="entr" presetSubtype="0" fill="hold" nodeType="withEffect">
-                                  <p:stCondLst>
-                                    <p:cond delay="0"/>
-                                  </p:stCondLst>
-                                  <p:childTnLst>
-                                    <p:set>
-                                      <p:cBhvr>
-                                        <p:cTn id="96" dur="1" fill="hold">
-                                          <p:stCondLst>
-                                            <p:cond delay="0"/>
-                                          </p:stCondLst>
-                                        </p:cTn>
-                                        <p:tgtEl>
-                                          <p:spTgt spid="27"/>
-                                        </p:tgtEl>
-                                        <p:attrNameLst>
-                                          <p:attrName>style.visibility</p:attrName>
-                                        </p:attrNameLst>
-                                      </p:cBhvr>
-                                      <p:to>
-                                        <p:strVal val="visible"/>
-                                      </p:to>
-                                    </p:set>
-                                    <p:animEffect transition="in" filter="fade">
-                                      <p:cBhvr>
-                                        <p:cTn id="97" dur="250"/>
-                                        <p:tgtEl>
-                                          <p:spTgt spid="27"/>
-                                        </p:tgtEl>
-                                      </p:cBhvr>
-                                    </p:animEffect>
-                                  </p:childTnLst>
-                                </p:cTn>
-                              </p:par>
-                            </p:childTnLst>
-                          </p:cTn>
-                        </p:par>
-                      </p:childTnLst>
-                    </p:cTn>
-                  </p:par>
-                </p:childTnLst>
-              </p:cTn>
-              <p:prevCondLst>
-                <p:cond evt="onPrev" delay="0">
-                  <p:tgtEl>
-                    <p:sldTgt/>
-                  </p:tgtEl>
-                </p:cond>
-              </p:prevCondLst>
-              <p:nextCondLst>
-                <p:cond evt="onNext" delay="0">
-                  <p:tgtEl>
-                    <p:sldTgt/>
-                  </p:tgtEl>
-                </p:cond>
-              </p:nextCondLst>
-            </p:seq>
-          </p:childTnLst>
-        </p:cTn>
-      </p:par>
-    </p:tnLst>
-    <p:bldLst>
-      <p:bldP spid="8" grpId="0" animBg="1"/>
-      <p:bldP spid="9" grpId="0"/>
-      <p:bldP spid="3" grpId="0" animBg="1"/>
-      <p:bldP spid="3" grpId="1" animBg="1"/>
-      <p:bldP spid="5" grpId="0" animBg="1"/>
-      <p:bldP spid="5" grpId="1" animBg="1"/>
-      <p:bldP spid="7" grpId="0" animBg="1"/>
-      <p:bldP spid="7" grpId="1" animBg="1"/>
-      <p:bldP spid="10" grpId="0" animBg="1"/>
-      <p:bldP spid="10" grpId="1" animBg="1"/>
-      <p:bldP spid="11" grpId="0" animBg="1"/>
-      <p:bldP spid="11" grpId="1" animBg="1"/>
-      <p:bldP spid="12" grpId="0" animBg="1"/>
-    </p:bldLst>
-  </p:timing>
-</p:sld>
-</file>
-
-<file path=ppt/slides/slide11.xml><?xml version="1.0" encoding="utf-8"?>
-<p:sld xmlns:a="http://schemas.openxmlformats.org/drawingml/2006/main" xmlns:r="http://schemas.openxmlformats.org/officeDocument/2006/relationships" xmlns:p="http://schemas.openxmlformats.org/presentationml/2006/main">
-  <p:cSld>
-    <p:spTree>
-      <p:nvGrpSpPr>
-        <p:cNvPr id="1" name="">
-          <a:extLst>
-            <a:ext uri="{FF2B5EF4-FFF2-40B4-BE49-F238E27FC236}">
               <a16:creationId xmlns:a16="http://schemas.microsoft.com/office/drawing/2014/main" id="{F430920C-FD9D-255B-3DE0-1FB21D3CE5C2}"/>
             </a:ext>
           </a:extLst>
@@ -9453,7 +7433,7 @@
         <p:spPr>
           <a:xfrm>
             <a:off x="673250" y="132203"/>
-            <a:ext cx="6553816" cy="771181"/>
+            <a:ext cx="2231315" cy="771181"/>
           </a:xfrm>
         </p:spPr>
         <p:txBody>
@@ -9717,7 +7697,7 @@
         </p:nvSpPr>
         <p:spPr>
           <a:xfrm>
-            <a:off x="8412078" y="5831306"/>
+            <a:off x="8577790" y="5023099"/>
             <a:ext cx="589547" cy="565484"/>
           </a:xfrm>
           <a:prstGeom prst="ellipse">
@@ -9944,7 +7924,7 @@
         <p:spPr>
           <a:xfrm>
             <a:off x="8151445" y="3432399"/>
-            <a:ext cx="346970" cy="2481720"/>
+            <a:ext cx="512682" cy="1673513"/>
           </a:xfrm>
           <a:prstGeom prst="straightConnector1">
             <a:avLst/>
@@ -10171,7 +8151,7 @@
             </p:nvSpPr>
             <p:spPr>
               <a:xfrm>
-                <a:off x="868367" y="3017309"/>
+                <a:off x="859611" y="1207558"/>
                 <a:ext cx="3699711" cy="1155253"/>
               </a:xfrm>
               <a:prstGeom prst="rect">
@@ -10328,7 +8308,7 @@
             </p:nvSpPr>
             <p:spPr>
               <a:xfrm>
-                <a:off x="868367" y="3017309"/>
+                <a:off x="859611" y="1207558"/>
                 <a:ext cx="3699711" cy="1155253"/>
               </a:xfrm>
               <a:prstGeom prst="rect">
@@ -10337,7 +8317,7 @@
               <a:blipFill>
                 <a:blip r:embed="rId3"/>
                 <a:stretch>
-                  <a:fillRect b="-529"/>
+                  <a:fillRect b="-526"/>
                 </a:stretch>
               </a:blipFill>
             </p:spPr>
@@ -10488,7 +8468,7 @@
         </p:nvSpPr>
         <p:spPr>
           <a:xfrm>
-            <a:off x="5192602" y="4477754"/>
+            <a:off x="5801172" y="3964182"/>
             <a:ext cx="589547" cy="565484"/>
           </a:xfrm>
           <a:prstGeom prst="ellipse">
@@ -10702,8 +8682,8 @@
         </p:nvCxnSpPr>
         <p:spPr>
           <a:xfrm flipH="1">
-            <a:off x="5695812" y="3432399"/>
-            <a:ext cx="2038760" cy="1128168"/>
+            <a:off x="6304382" y="3432399"/>
+            <a:ext cx="1430190" cy="614596"/>
           </a:xfrm>
           <a:prstGeom prst="straightConnector1">
             <a:avLst/>
@@ -10776,6 +8756,129 @@
           </a:fontRef>
         </p:style>
       </p:cxnSp>
+      <p:sp>
+        <p:nvSpPr>
+          <p:cNvPr id="1057" name="TextBox 1056">
+            <a:extLst>
+              <a:ext uri="{FF2B5EF4-FFF2-40B4-BE49-F238E27FC236}">
+                <a16:creationId xmlns:a16="http://schemas.microsoft.com/office/drawing/2014/main" id="{8A4A306C-E819-F79A-83D5-3050F9DE0988}"/>
+              </a:ext>
+            </a:extLst>
+          </p:cNvPr>
+          <p:cNvSpPr txBox="1"/>
+          <p:nvPr/>
+        </p:nvSpPr>
+        <p:spPr>
+          <a:xfrm>
+            <a:off x="303912" y="4111255"/>
+            <a:ext cx="5346592" cy="1200329"/>
+          </a:xfrm>
+          <a:prstGeom prst="rect">
+            <a:avLst/>
+          </a:prstGeom>
+          <a:noFill/>
+        </p:spPr>
+        <p:txBody>
+          <a:bodyPr wrap="none" rtlCol="0">
+            <a:spAutoFit/>
+          </a:bodyPr>
+          <a:lstStyle/>
+          <a:p>
+            <a:pPr marL="285750" indent="-285750">
+              <a:buFont typeface="Arial" panose="020B0604020202020204" pitchFamily="34" charset="0"/>
+              <a:buChar char="•"/>
+            </a:pPr>
+            <a:r>
+              <a:rPr lang="en-US" dirty="0"/>
+              <a:t>Real time computation and visualization </a:t>
+            </a:r>
+          </a:p>
+          <a:p>
+            <a:pPr marL="285750" indent="-285750">
+              <a:buFont typeface="Arial" panose="020B0604020202020204" pitchFamily="34" charset="0"/>
+              <a:buChar char="•"/>
+            </a:pPr>
+            <a:r>
+              <a:rPr lang="en-US" dirty="0"/>
+              <a:t>Can run about 22,000 bodies before visual lagging</a:t>
+            </a:r>
+          </a:p>
+          <a:p>
+            <a:pPr marL="285750" indent="-285750">
+              <a:buFont typeface="Arial" panose="020B0604020202020204" pitchFamily="34" charset="0"/>
+              <a:buChar char="•"/>
+            </a:pPr>
+            <a:r>
+              <a:rPr lang="en-US" dirty="0"/>
+              <a:t>Barnes-Hut Algorithm</a:t>
+            </a:r>
+          </a:p>
+          <a:p>
+            <a:pPr marL="285750" indent="-285750">
+              <a:buFont typeface="Arial" panose="020B0604020202020204" pitchFamily="34" charset="0"/>
+              <a:buChar char="•"/>
+            </a:pPr>
+            <a:r>
+              <a:rPr lang="en-US" dirty="0"/>
+              <a:t>Multithreaded force calculations</a:t>
+            </a:r>
+          </a:p>
+        </p:txBody>
+      </p:sp>
+      <p:sp>
+        <p:nvSpPr>
+          <p:cNvPr id="1058" name="Title 1">
+            <a:extLst>
+              <a:ext uri="{FF2B5EF4-FFF2-40B4-BE49-F238E27FC236}">
+                <a16:creationId xmlns:a16="http://schemas.microsoft.com/office/drawing/2014/main" id="{7A66F5E0-42E4-64B7-A380-CF5CEFA9DD36}"/>
+              </a:ext>
+            </a:extLst>
+          </p:cNvPr>
+          <p:cNvSpPr txBox="1">
+            <a:spLocks/>
+          </p:cNvSpPr>
+          <p:nvPr/>
+        </p:nvSpPr>
+        <p:spPr>
+          <a:xfrm>
+            <a:off x="394753" y="3424759"/>
+            <a:ext cx="2231315" cy="771181"/>
+          </a:xfrm>
+          <a:prstGeom prst="rect">
+            <a:avLst/>
+          </a:prstGeom>
+        </p:spPr>
+        <p:txBody>
+          <a:bodyPr vert="horz" lIns="91440" tIns="45720" rIns="91440" bIns="45720" rtlCol="0" anchor="t">
+            <a:normAutofit fontScale="92500"/>
+          </a:bodyPr>
+          <a:lstStyle>
+            <a:lvl1pPr algn="l" defTabSz="914400" rtl="0" eaLnBrk="1" latinLnBrk="0" hangingPunct="1">
+              <a:lnSpc>
+                <a:spcPct val="100000"/>
+              </a:lnSpc>
+              <a:spcBef>
+                <a:spcPct val="0"/>
+              </a:spcBef>
+              <a:buNone/>
+              <a:defRPr sz="4000" kern="1200" cap="all" spc="30" baseline="0">
+                <a:solidFill>
+                  <a:schemeClr val="tx1"/>
+                </a:solidFill>
+                <a:latin typeface="+mj-lt"/>
+                <a:ea typeface="+mj-ea"/>
+                <a:cs typeface="+mj-cs"/>
+              </a:defRPr>
+            </a:lvl1pPr>
+          </a:lstStyle>
+          <a:p>
+            <a:r>
+              <a:rPr lang="en-US" dirty="0"/>
+              <a:t>Features</a:t>
+            </a:r>
+          </a:p>
+        </p:txBody>
+      </p:sp>
     </p:spTree>
     <p:extLst>
       <p:ext uri="{BB962C8B-B14F-4D97-AF65-F5344CB8AC3E}">
@@ -11570,6 +9673,112 @@
                                         <p:cTn id="70" dur="500"/>
                                         <p:tgtEl>
                                           <p:spTgt spid="1038"/>
+                                        </p:tgtEl>
+                                      </p:cBhvr>
+                                    </p:animEffect>
+                                  </p:childTnLst>
+                                </p:cTn>
+                              </p:par>
+                            </p:childTnLst>
+                          </p:cTn>
+                        </p:par>
+                      </p:childTnLst>
+                    </p:cTn>
+                  </p:par>
+                  <p:par>
+                    <p:cTn id="71" fill="hold">
+                      <p:stCondLst>
+                        <p:cond delay="indefinite"/>
+                      </p:stCondLst>
+                      <p:childTnLst>
+                        <p:par>
+                          <p:cTn id="72" fill="hold">
+                            <p:stCondLst>
+                              <p:cond delay="0"/>
+                            </p:stCondLst>
+                            <p:childTnLst>
+                              <p:par>
+                                <p:cTn id="73" presetID="10" presetClass="entr" presetSubtype="0" fill="hold" grpId="0" nodeType="clickEffect">
+                                  <p:stCondLst>
+                                    <p:cond delay="0"/>
+                                  </p:stCondLst>
+                                  <p:childTnLst>
+                                    <p:set>
+                                      <p:cBhvr>
+                                        <p:cTn id="74" dur="1" fill="hold">
+                                          <p:stCondLst>
+                                            <p:cond delay="0"/>
+                                          </p:stCondLst>
+                                        </p:cTn>
+                                        <p:tgtEl>
+                                          <p:spTgt spid="1058"/>
+                                        </p:tgtEl>
+                                        <p:attrNameLst>
+                                          <p:attrName>style.visibility</p:attrName>
+                                        </p:attrNameLst>
+                                      </p:cBhvr>
+                                      <p:to>
+                                        <p:strVal val="visible"/>
+                                      </p:to>
+                                    </p:set>
+                                    <p:animEffect transition="in" filter="fade">
+                                      <p:cBhvr>
+                                        <p:cTn id="75" dur="500"/>
+                                        <p:tgtEl>
+                                          <p:spTgt spid="1058"/>
+                                        </p:tgtEl>
+                                      </p:cBhvr>
+                                    </p:animEffect>
+                                  </p:childTnLst>
+                                </p:cTn>
+                              </p:par>
+                            </p:childTnLst>
+                          </p:cTn>
+                        </p:par>
+                      </p:childTnLst>
+                    </p:cTn>
+                  </p:par>
+                  <p:par>
+                    <p:cTn id="76" fill="hold">
+                      <p:stCondLst>
+                        <p:cond delay="indefinite"/>
+                      </p:stCondLst>
+                      <p:childTnLst>
+                        <p:par>
+                          <p:cTn id="77" fill="hold">
+                            <p:stCondLst>
+                              <p:cond delay="0"/>
+                            </p:stCondLst>
+                            <p:childTnLst>
+                              <p:par>
+                                <p:cTn id="78" presetID="10" presetClass="entr" presetSubtype="0" fill="hold" grpId="0" nodeType="clickEffect">
+                                  <p:stCondLst>
+                                    <p:cond delay="0"/>
+                                  </p:stCondLst>
+                                  <p:childTnLst>
+                                    <p:set>
+                                      <p:cBhvr>
+                                        <p:cTn id="79" dur="1" fill="hold">
+                                          <p:stCondLst>
+                                            <p:cond delay="0"/>
+                                          </p:stCondLst>
+                                        </p:cTn>
+                                        <p:tgtEl>
+                                          <p:spTgt spid="1057"/>
+                                        </p:tgtEl>
+                                        <p:attrNameLst>
+                                          <p:attrName>style.visibility</p:attrName>
+                                        </p:attrNameLst>
+                                      </p:cBhvr>
+                                      <p:to>
+                                        <p:strVal val="visible"/>
+                                      </p:to>
+                                    </p:set>
+                                    <p:animEffect transition="in" filter="fade">
+                                      <p:cBhvr>
+                                        <p:cTn id="80" dur="500"/>
+                                        <p:tgtEl>
+                                          <p:spTgt spid="1057"/>
                                         </p:tgtEl>
                                       </p:cBhvr>
                                     </p:animEffect>
@@ -11616,6 +9825,8 @@
       <p:bldP spid="1024" grpId="0" animBg="1"/>
       <p:bldP spid="1025" grpId="0" animBg="1"/>
       <p:bldP spid="1027" grpId="0" animBg="1"/>
+      <p:bldP spid="1057" grpId="0"/>
+      <p:bldP spid="1058" grpId="0"/>
     </p:bldLst>
   </p:timing>
 </p:sld>
@@ -20718,49 +18929,14 @@
                                 </p:cTn>
                               </p:par>
                               <p:par>
-                                <p:cTn id="98" presetID="10" presetClass="exit" presetSubtype="0" fill="hold" grpId="1" nodeType="withEffect">
-                                  <p:stCondLst>
-                                    <p:cond delay="0"/>
-                                  </p:stCondLst>
-                                  <p:childTnLst>
-                                    <p:animEffect transition="out" filter="fade">
-                                      <p:cBhvr>
-                                        <p:cTn id="99" dur="500"/>
-                                        <p:tgtEl>
-                                          <p:spTgt spid="34"/>
-                                        </p:tgtEl>
-                                      </p:cBhvr>
-                                    </p:animEffect>
-                                    <p:set>
-                                      <p:cBhvr>
-                                        <p:cTn id="100" dur="1" fill="hold">
-                                          <p:stCondLst>
-                                            <p:cond delay="499"/>
-                                          </p:stCondLst>
-                                        </p:cTn>
-                                        <p:tgtEl>
-                                          <p:spTgt spid="34"/>
-                                        </p:tgtEl>
-                                        <p:attrNameLst>
-                                          <p:attrName>style.visibility</p:attrName>
-                                        </p:attrNameLst>
-                                      </p:cBhvr>
-                                      <p:to>
-                                        <p:strVal val="hidden"/>
-                                      </p:to>
-                                    </p:set>
-                                  </p:childTnLst>
-                                </p:cTn>
-                              </p:par>
-                              <p:par>
-                                <p:cTn id="101" presetID="10" presetClass="entr" presetSubtype="0" fill="hold" grpId="0" nodeType="withEffect">
+                                <p:cTn id="98" presetID="10" presetClass="entr" presetSubtype="0" fill="hold" grpId="0" nodeType="withEffect">
                                   <p:stCondLst>
                                     <p:cond delay="0"/>
                                   </p:stCondLst>
                                   <p:childTnLst>
                                     <p:set>
                                       <p:cBhvr>
-                                        <p:cTn id="102" dur="1" fill="hold">
+                                        <p:cTn id="99" dur="1" fill="hold">
                                           <p:stCondLst>
                                             <p:cond delay="0"/>
                                           </p:stCondLst>
@@ -20778,7 +18954,7 @@
                                     </p:set>
                                     <p:animEffect transition="in" filter="fade">
                                       <p:cBhvr>
-                                        <p:cTn id="103" dur="500"/>
+                                        <p:cTn id="100" dur="500"/>
                                         <p:tgtEl>
                                           <p:spTgt spid="12"/>
                                         </p:tgtEl>
@@ -20794,26 +18970,26 @@
                     </p:cTn>
                   </p:par>
                   <p:par>
-                    <p:cTn id="104" fill="hold">
+                    <p:cTn id="101" fill="hold">
                       <p:stCondLst>
                         <p:cond delay="indefinite"/>
                       </p:stCondLst>
                       <p:childTnLst>
                         <p:par>
-                          <p:cTn id="105" fill="hold">
+                          <p:cTn id="102" fill="hold">
                             <p:stCondLst>
                               <p:cond delay="0"/>
                             </p:stCondLst>
                             <p:childTnLst>
                               <p:par>
-                                <p:cTn id="106" presetID="10" presetClass="entr" presetSubtype="0" fill="hold" grpId="0" nodeType="clickEffect">
+                                <p:cTn id="103" presetID="10" presetClass="entr" presetSubtype="0" fill="hold" grpId="0" nodeType="clickEffect">
                                   <p:stCondLst>
                                     <p:cond delay="0"/>
                                   </p:stCondLst>
                                   <p:childTnLst>
                                     <p:set>
                                       <p:cBhvr>
-                                        <p:cTn id="107" dur="1" fill="hold">
+                                        <p:cTn id="104" dur="1" fill="hold">
                                           <p:stCondLst>
                                             <p:cond delay="0"/>
                                           </p:stCondLst>
@@ -20831,7 +19007,7 @@
                                     </p:set>
                                     <p:animEffect transition="in" filter="fade">
                                       <p:cBhvr>
-                                        <p:cTn id="108" dur="500"/>
+                                        <p:cTn id="105" dur="500"/>
                                         <p:tgtEl>
                                           <p:spTgt spid="132"/>
                                         </p:tgtEl>
@@ -20844,26 +19020,61 @@
                           </p:cTn>
                         </p:par>
                         <p:par>
-                          <p:cTn id="109" fill="hold">
+                          <p:cTn id="106" fill="hold">
                             <p:stCondLst>
                               <p:cond delay="500"/>
                             </p:stCondLst>
                             <p:childTnLst>
                               <p:par>
-                                <p:cTn id="110" presetID="10" presetClass="entr" presetSubtype="0" fill="hold" nodeType="afterEffect">
+                                <p:cTn id="107" presetID="10" presetClass="entr" presetSubtype="0" fill="hold" nodeType="afterEffect">
                                   <p:stCondLst>
                                     <p:cond delay="0"/>
                                   </p:stCondLst>
                                   <p:childTnLst>
                                     <p:set>
                                       <p:cBhvr>
+                                        <p:cTn id="108" dur="1" fill="hold">
+                                          <p:stCondLst>
+                                            <p:cond delay="0"/>
+                                          </p:stCondLst>
+                                        </p:cTn>
+                                        <p:tgtEl>
+                                          <p:spTgt spid="239"/>
+                                        </p:tgtEl>
+                                        <p:attrNameLst>
+                                          <p:attrName>style.visibility</p:attrName>
+                                        </p:attrNameLst>
+                                      </p:cBhvr>
+                                      <p:to>
+                                        <p:strVal val="visible"/>
+                                      </p:to>
+                                    </p:set>
+                                    <p:animEffect transition="in" filter="fade">
+                                      <p:cBhvr>
+                                        <p:cTn id="109" dur="500"/>
+                                        <p:tgtEl>
+                                          <p:spTgt spid="239"/>
+                                        </p:tgtEl>
+                                      </p:cBhvr>
+                                    </p:animEffect>
+                                  </p:childTnLst>
+                                </p:cTn>
+                              </p:par>
+                              <p:par>
+                                <p:cTn id="110" presetID="10" presetClass="entr" presetSubtype="0" fill="hold" grpId="0" nodeType="withEffect">
+                                  <p:stCondLst>
+                                    <p:cond delay="0"/>
+                                  </p:stCondLst>
+                                  <p:childTnLst>
+                                    <p:set>
+                                      <p:cBhvr>
                                         <p:cTn id="111" dur="1" fill="hold">
                                           <p:stCondLst>
                                             <p:cond delay="0"/>
                                           </p:stCondLst>
                                         </p:cTn>
                                         <p:tgtEl>
-                                          <p:spTgt spid="239"/>
+                                          <p:spTgt spid="235"/>
                                         </p:tgtEl>
                                         <p:attrNameLst>
                                           <p:attrName>style.visibility</p:attrName>
@@ -20877,7 +19088,7 @@
                                       <p:cBhvr>
                                         <p:cTn id="112" dur="500"/>
                                         <p:tgtEl>
-                                          <p:spTgt spid="239"/>
+                                          <p:spTgt spid="235"/>
                                         </p:tgtEl>
                                       </p:cBhvr>
                                     </p:animEffect>
@@ -20885,7 +19096,7 @@
                                 </p:cTn>
                               </p:par>
                               <p:par>
-                                <p:cTn id="113" presetID="10" presetClass="entr" presetSubtype="0" fill="hold" grpId="0" nodeType="withEffect">
+                                <p:cTn id="113" presetID="10" presetClass="entr" presetSubtype="0" fill="hold" nodeType="withEffect">
                                   <p:stCondLst>
                                     <p:cond delay="0"/>
                                   </p:stCondLst>
@@ -20898,7 +19109,7 @@
                                           </p:stCondLst>
                                         </p:cTn>
                                         <p:tgtEl>
-                                          <p:spTgt spid="235"/>
+                                          <p:spTgt spid="238"/>
                                         </p:tgtEl>
                                         <p:attrNameLst>
                                           <p:attrName>style.visibility</p:attrName>
@@ -20912,7 +19123,7 @@
                                       <p:cBhvr>
                                         <p:cTn id="115" dur="500"/>
                                         <p:tgtEl>
-                                          <p:spTgt spid="235"/>
+                                          <p:spTgt spid="238"/>
                                         </p:tgtEl>
                                       </p:cBhvr>
                                     </p:animEffect>
@@ -20920,7 +19131,7 @@
                                 </p:cTn>
                               </p:par>
                               <p:par>
-                                <p:cTn id="116" presetID="10" presetClass="entr" presetSubtype="0" fill="hold" nodeType="withEffect">
+                                <p:cTn id="116" presetID="10" presetClass="entr" presetSubtype="0" fill="hold" grpId="0" nodeType="withEffect">
                                   <p:stCondLst>
                                     <p:cond delay="0"/>
                                   </p:stCondLst>
@@ -20933,7 +19144,7 @@
                                           </p:stCondLst>
                                         </p:cTn>
                                         <p:tgtEl>
-                                          <p:spTgt spid="238"/>
+                                          <p:spTgt spid="233"/>
                                         </p:tgtEl>
                                         <p:attrNameLst>
                                           <p:attrName>style.visibility</p:attrName>
@@ -20947,7 +19158,7 @@
                                       <p:cBhvr>
                                         <p:cTn id="118" dur="500"/>
                                         <p:tgtEl>
-                                          <p:spTgt spid="238"/>
+                                          <p:spTgt spid="233"/>
                                         </p:tgtEl>
                                       </p:cBhvr>
                                     </p:animEffect>
@@ -20955,7 +19166,7 @@
                                 </p:cTn>
                               </p:par>
                               <p:par>
-                                <p:cTn id="119" presetID="10" presetClass="entr" presetSubtype="0" fill="hold" grpId="0" nodeType="withEffect">
+                                <p:cTn id="119" presetID="10" presetClass="entr" presetSubtype="0" fill="hold" nodeType="withEffect">
                                   <p:stCondLst>
                                     <p:cond delay="0"/>
                                   </p:stCondLst>
@@ -20968,7 +19179,7 @@
                                           </p:stCondLst>
                                         </p:cTn>
                                         <p:tgtEl>
-                                          <p:spTgt spid="233"/>
+                                          <p:spTgt spid="237"/>
                                         </p:tgtEl>
                                         <p:attrNameLst>
                                           <p:attrName>style.visibility</p:attrName>
@@ -20982,7 +19193,7 @@
                                       <p:cBhvr>
                                         <p:cTn id="121" dur="500"/>
                                         <p:tgtEl>
-                                          <p:spTgt spid="233"/>
+                                          <p:spTgt spid="237"/>
                                         </p:tgtEl>
                                       </p:cBhvr>
                                     </p:animEffect>
@@ -20990,7 +19201,7 @@
                                 </p:cTn>
                               </p:par>
                               <p:par>
-                                <p:cTn id="122" presetID="10" presetClass="entr" presetSubtype="0" fill="hold" nodeType="withEffect">
+                                <p:cTn id="122" presetID="10" presetClass="entr" presetSubtype="0" fill="hold" grpId="0" nodeType="withEffect">
                                   <p:stCondLst>
                                     <p:cond delay="0"/>
                                   </p:stCondLst>
@@ -21003,7 +19214,7 @@
                                           </p:stCondLst>
                                         </p:cTn>
                                         <p:tgtEl>
-                                          <p:spTgt spid="237"/>
+                                          <p:spTgt spid="234"/>
                                         </p:tgtEl>
                                         <p:attrNameLst>
                                           <p:attrName>style.visibility</p:attrName>
@@ -21017,7 +19228,7 @@
                                       <p:cBhvr>
                                         <p:cTn id="124" dur="500"/>
                                         <p:tgtEl>
-                                          <p:spTgt spid="237"/>
+                                          <p:spTgt spid="234"/>
                                         </p:tgtEl>
                                       </p:cBhvr>
                                     </p:animEffect>
@@ -21025,7 +19236,7 @@
                                 </p:cTn>
                               </p:par>
                               <p:par>
-                                <p:cTn id="125" presetID="10" presetClass="entr" presetSubtype="0" fill="hold" grpId="0" nodeType="withEffect">
+                                <p:cTn id="125" presetID="10" presetClass="entr" presetSubtype="0" fill="hold" nodeType="withEffect">
                                   <p:stCondLst>
                                     <p:cond delay="0"/>
                                   </p:stCondLst>
@@ -21038,7 +19249,7 @@
                                           </p:stCondLst>
                                         </p:cTn>
                                         <p:tgtEl>
-                                          <p:spTgt spid="234"/>
+                                          <p:spTgt spid="236"/>
                                         </p:tgtEl>
                                         <p:attrNameLst>
                                           <p:attrName>style.visibility</p:attrName>
@@ -21052,7 +19263,7 @@
                                       <p:cBhvr>
                                         <p:cTn id="127" dur="500"/>
                                         <p:tgtEl>
-                                          <p:spTgt spid="234"/>
+                                          <p:spTgt spid="236"/>
                                         </p:tgtEl>
                                       </p:cBhvr>
                                     </p:animEffect>
@@ -21060,7 +19271,7 @@
                                 </p:cTn>
                               </p:par>
                               <p:par>
-                                <p:cTn id="128" presetID="10" presetClass="entr" presetSubtype="0" fill="hold" nodeType="withEffect">
+                                <p:cTn id="128" presetID="10" presetClass="entr" presetSubtype="0" fill="hold" grpId="0" nodeType="withEffect">
                                   <p:stCondLst>
                                     <p:cond delay="0"/>
                                   </p:stCondLst>
@@ -21073,7 +19284,7 @@
                                           </p:stCondLst>
                                         </p:cTn>
                                         <p:tgtEl>
-                                          <p:spTgt spid="236"/>
+                                          <p:spTgt spid="232"/>
                                         </p:tgtEl>
                                         <p:attrNameLst>
                                           <p:attrName>style.visibility</p:attrName>
@@ -21087,7 +19298,7 @@
                                       <p:cBhvr>
                                         <p:cTn id="130" dur="500"/>
                                         <p:tgtEl>
-                                          <p:spTgt spid="236"/>
+                                          <p:spTgt spid="232"/>
                                         </p:tgtEl>
                                       </p:cBhvr>
                                     </p:animEffect>
@@ -21095,7 +19306,7 @@
                                 </p:cTn>
                               </p:par>
                               <p:par>
-                                <p:cTn id="131" presetID="10" presetClass="entr" presetSubtype="0" fill="hold" grpId="0" nodeType="withEffect">
+                                <p:cTn id="131" presetID="10" presetClass="entr" presetSubtype="0" fill="hold" nodeType="withEffect">
                                   <p:stCondLst>
                                     <p:cond delay="0"/>
                                   </p:stCondLst>
@@ -21108,7 +19319,7 @@
                                           </p:stCondLst>
                                         </p:cTn>
                                         <p:tgtEl>
-                                          <p:spTgt spid="232"/>
+                                          <p:spTgt spid="52"/>
                                         </p:tgtEl>
                                         <p:attrNameLst>
                                           <p:attrName>style.visibility</p:attrName>
@@ -21122,7 +19333,7 @@
                                       <p:cBhvr>
                                         <p:cTn id="133" dur="500"/>
                                         <p:tgtEl>
-                                          <p:spTgt spid="232"/>
+                                          <p:spTgt spid="52"/>
                                         </p:tgtEl>
                                       </p:cBhvr>
                                     </p:animEffect>
@@ -21143,7 +19354,7 @@
                                           </p:stCondLst>
                                         </p:cTn>
                                         <p:tgtEl>
-                                          <p:spTgt spid="52"/>
+                                          <p:spTgt spid="54"/>
                                         </p:tgtEl>
                                         <p:attrNameLst>
                                           <p:attrName>style.visibility</p:attrName>
@@ -21156,41 +19367,6 @@
                                     <p:animEffect transition="in" filter="fade">
                                       <p:cBhvr>
                                         <p:cTn id="136" dur="500"/>
-                                        <p:tgtEl>
-                                          <p:spTgt spid="52"/>
-                                        </p:tgtEl>
-                                      </p:cBhvr>
-                                    </p:animEffect>
-                                  </p:childTnLst>
-                                </p:cTn>
-                              </p:par>
-                              <p:par>
-                                <p:cTn id="137" presetID="10" presetClass="entr" presetSubtype="0" fill="hold" nodeType="withEffect">
-                                  <p:stCondLst>
-                                    <p:cond delay="0"/>
-                                  </p:stCondLst>
-                                  <p:childTnLst>
-                                    <p:set>
-                                      <p:cBhvr>
-                                        <p:cTn id="138" dur="1" fill="hold">
-                                          <p:stCondLst>
-                                            <p:cond delay="0"/>
-                                          </p:stCondLst>
-                                        </p:cTn>
-                                        <p:tgtEl>
-                                          <p:spTgt spid="54"/>
-                                        </p:tgtEl>
-                                        <p:attrNameLst>
-                                          <p:attrName>style.visibility</p:attrName>
-                                        </p:attrNameLst>
-                                      </p:cBhvr>
-                                      <p:to>
-                                        <p:strVal val="visible"/>
-                                      </p:to>
-                                    </p:set>
-                                    <p:animEffect transition="in" filter="fade">
-                                      <p:cBhvr>
-                                        <p:cTn id="139" dur="500"/>
                                         <p:tgtEl>
                                           <p:spTgt spid="54"/>
                                         </p:tgtEl>
@@ -21203,20 +19379,20 @@
                           </p:cTn>
                         </p:par>
                         <p:par>
-                          <p:cTn id="140" fill="hold">
+                          <p:cTn id="137" fill="hold">
                             <p:stCondLst>
                               <p:cond delay="1000"/>
                             </p:stCondLst>
                             <p:childTnLst>
                               <p:par>
-                                <p:cTn id="141" presetID="10" presetClass="entr" presetSubtype="0" fill="hold" grpId="0" nodeType="afterEffect">
+                                <p:cTn id="138" presetID="10" presetClass="entr" presetSubtype="0" fill="hold" grpId="0" nodeType="afterEffect">
                                   <p:stCondLst>
                                     <p:cond delay="0"/>
                                   </p:stCondLst>
                                   <p:childTnLst>
                                     <p:set>
                                       <p:cBhvr>
-                                        <p:cTn id="142" dur="1" fill="hold">
+                                        <p:cTn id="139" dur="1" fill="hold">
                                           <p:stCondLst>
                                             <p:cond delay="0"/>
                                           </p:stCondLst>
@@ -21234,7 +19410,7 @@
                                     </p:set>
                                     <p:animEffect transition="in" filter="fade">
                                       <p:cBhvr>
-                                        <p:cTn id="143" dur="500"/>
+                                        <p:cTn id="140" dur="500"/>
                                         <p:tgtEl>
                                           <p:spTgt spid="136"/>
                                         </p:tgtEl>
@@ -21288,7 +19464,6 @@
       <p:bldP spid="33" grpId="0"/>
       <p:bldP spid="33" grpId="1"/>
       <p:bldP spid="34" grpId="0"/>
-      <p:bldP spid="34" grpId="1"/>
       <p:bldP spid="35" grpId="0"/>
       <p:bldP spid="129" grpId="0" animBg="1"/>
       <p:bldP spid="130" grpId="0" animBg="1"/>
@@ -21303,1260 +19478,6 @@
 </file>
 
 <file path=ppt/slides/slide6.xml><?xml version="1.0" encoding="utf-8"?>
-<p:sld xmlns:a="http://schemas.openxmlformats.org/drawingml/2006/main" xmlns:r="http://schemas.openxmlformats.org/officeDocument/2006/relationships" xmlns:p="http://schemas.openxmlformats.org/presentationml/2006/main">
-  <p:cSld>
-    <p:spTree>
-      <p:nvGrpSpPr>
-        <p:cNvPr id="1" name="">
-          <a:extLst>
-            <a:ext uri="{FF2B5EF4-FFF2-40B4-BE49-F238E27FC236}">
-              <a16:creationId xmlns:a16="http://schemas.microsoft.com/office/drawing/2014/main" id="{C33AF2AD-33B2-8881-0981-89ED3B46FA28}"/>
-            </a:ext>
-          </a:extLst>
-        </p:cNvPr>
-        <p:cNvGrpSpPr/>
-        <p:nvPr/>
-      </p:nvGrpSpPr>
-      <p:grpSpPr>
-        <a:xfrm>
-          <a:off x="0" y="0"/>
-          <a:ext cx="0" cy="0"/>
-          <a:chOff x="0" y="0"/>
-          <a:chExt cx="0" cy="0"/>
-        </a:xfrm>
-      </p:grpSpPr>
-      <p:sp>
-        <p:nvSpPr>
-          <p:cNvPr id="2" name="Title 1">
-            <a:extLst>
-              <a:ext uri="{FF2B5EF4-FFF2-40B4-BE49-F238E27FC236}">
-                <a16:creationId xmlns:a16="http://schemas.microsoft.com/office/drawing/2014/main" id="{F7C86D78-3382-77EB-C857-4A704B3DD6BD}"/>
-              </a:ext>
-            </a:extLst>
-          </p:cNvPr>
-          <p:cNvSpPr>
-            <a:spLocks noGrp="1"/>
-          </p:cNvSpPr>
-          <p:nvPr>
-            <p:ph type="title"/>
-          </p:nvPr>
-        </p:nvSpPr>
-        <p:spPr>
-          <a:xfrm>
-            <a:off x="673250" y="132203"/>
-            <a:ext cx="6553816" cy="771181"/>
-          </a:xfrm>
-        </p:spPr>
-        <p:txBody>
-          <a:bodyPr/>
-          <a:lstStyle/>
-          <a:p>
-            <a:r>
-              <a:rPr lang="en-US" dirty="0"/>
-              <a:t>Every time-step</a:t>
-            </a:r>
-          </a:p>
-        </p:txBody>
-      </p:sp>
-      <p:pic>
-        <p:nvPicPr>
-          <p:cNvPr id="6" name="Picture 5">
-            <a:extLst>
-              <a:ext uri="{FF2B5EF4-FFF2-40B4-BE49-F238E27FC236}">
-                <a16:creationId xmlns:a16="http://schemas.microsoft.com/office/drawing/2014/main" id="{A1FCF3B4-D7D2-A333-7013-A7649912348D}"/>
-              </a:ext>
-            </a:extLst>
-          </p:cNvPr>
-          <p:cNvPicPr>
-            <a:picLocks noChangeAspect="1"/>
-          </p:cNvPicPr>
-          <p:nvPr/>
-        </p:nvPicPr>
-        <p:blipFill>
-          <a:blip r:embed="rId3"/>
-          <a:stretch>
-            <a:fillRect/>
-          </a:stretch>
-        </p:blipFill>
-        <p:spPr>
-          <a:xfrm>
-            <a:off x="2598624" y="2164962"/>
-            <a:ext cx="6994752" cy="3688281"/>
-          </a:xfrm>
-          <a:prstGeom prst="rect">
-            <a:avLst/>
-          </a:prstGeom>
-        </p:spPr>
-      </p:pic>
-      <p:sp>
-        <p:nvSpPr>
-          <p:cNvPr id="7" name="Content Placeholder 2">
-            <a:extLst>
-              <a:ext uri="{FF2B5EF4-FFF2-40B4-BE49-F238E27FC236}">
-                <a16:creationId xmlns:a16="http://schemas.microsoft.com/office/drawing/2014/main" id="{05DF0B48-99DD-0699-9D1C-9AB6931B9964}"/>
-              </a:ext>
-            </a:extLst>
-          </p:cNvPr>
-          <p:cNvSpPr>
-            <a:spLocks noGrp="1"/>
-          </p:cNvSpPr>
-          <p:nvPr>
-            <p:ph idx="1"/>
-          </p:nvPr>
-        </p:nvSpPr>
-        <p:spPr>
-          <a:xfrm>
-            <a:off x="797989" y="1395930"/>
-            <a:ext cx="3459379" cy="551789"/>
-          </a:xfrm>
-        </p:spPr>
-        <p:txBody>
-          <a:bodyPr>
-            <a:noAutofit/>
-          </a:bodyPr>
-          <a:lstStyle/>
-          <a:p>
-            <a:r>
-              <a:rPr lang="en-US" sz="3200" b="1" dirty="0"/>
-              <a:t>Each Time-Step:</a:t>
-            </a:r>
-          </a:p>
-        </p:txBody>
-      </p:sp>
-      <p:cxnSp>
-        <p:nvCxnSpPr>
-          <p:cNvPr id="3" name="Straight Connector 2">
-            <a:extLst>
-              <a:ext uri="{FF2B5EF4-FFF2-40B4-BE49-F238E27FC236}">
-                <a16:creationId xmlns:a16="http://schemas.microsoft.com/office/drawing/2014/main" id="{18B36221-DE75-620C-E5FA-9A9580809383}"/>
-              </a:ext>
-            </a:extLst>
-          </p:cNvPr>
-          <p:cNvCxnSpPr>
-            <a:cxnSpLocks/>
-          </p:cNvCxnSpPr>
-          <p:nvPr/>
-        </p:nvCxnSpPr>
-        <p:spPr>
-          <a:xfrm>
-            <a:off x="3227777" y="4014449"/>
-            <a:ext cx="2326079" cy="0"/>
-          </a:xfrm>
-          <a:prstGeom prst="line">
-            <a:avLst/>
-          </a:prstGeom>
-          <a:ln w="28575">
-            <a:solidFill>
-              <a:schemeClr val="bg1"/>
-            </a:solidFill>
-          </a:ln>
-        </p:spPr>
-        <p:style>
-          <a:lnRef idx="1">
-            <a:schemeClr val="accent1"/>
-          </a:lnRef>
-          <a:fillRef idx="0">
-            <a:schemeClr val="accent1"/>
-          </a:fillRef>
-          <a:effectRef idx="0">
-            <a:schemeClr val="accent1"/>
-          </a:effectRef>
-          <a:fontRef idx="minor">
-            <a:schemeClr val="tx1"/>
-          </a:fontRef>
-        </p:style>
-      </p:cxnSp>
-      <p:sp>
-        <p:nvSpPr>
-          <p:cNvPr id="5" name="Arrow: Right 4">
-            <a:extLst>
-              <a:ext uri="{FF2B5EF4-FFF2-40B4-BE49-F238E27FC236}">
-                <a16:creationId xmlns:a16="http://schemas.microsoft.com/office/drawing/2014/main" id="{E0331C7D-BCF7-48EB-D6E9-36FB78C64AE5}"/>
-              </a:ext>
-            </a:extLst>
-          </p:cNvPr>
-          <p:cNvSpPr/>
-          <p:nvPr/>
-        </p:nvSpPr>
-        <p:spPr>
-          <a:xfrm>
-            <a:off x="2118103" y="3873529"/>
-            <a:ext cx="409575" cy="271145"/>
-          </a:xfrm>
-          <a:prstGeom prst="rightArrow">
-            <a:avLst/>
-          </a:prstGeom>
-          <a:solidFill>
-            <a:schemeClr val="tx1"/>
-          </a:solidFill>
-          <a:ln w="12700" cap="flat" cmpd="sng" algn="ctr">
-            <a:noFill/>
-            <a:prstDash val="solid"/>
-            <a:miter lim="800000"/>
-          </a:ln>
-          <a:effectLst/>
-        </p:spPr>
-        <p:style>
-          <a:lnRef idx="2">
-            <a:schemeClr val="accent1">
-              <a:shade val="50000"/>
-            </a:schemeClr>
-          </a:lnRef>
-          <a:fillRef idx="1">
-            <a:schemeClr val="accent1"/>
-          </a:fillRef>
-          <a:effectRef idx="0">
-            <a:schemeClr val="accent1"/>
-          </a:effectRef>
-          <a:fontRef idx="minor">
-            <a:schemeClr val="lt1"/>
-          </a:fontRef>
-        </p:style>
-        <p:txBody>
-          <a:bodyPr rtlCol="0" anchor="ctr"/>
-          <a:lstStyle/>
-          <a:p>
-            <a:pPr algn="ctr"/>
-            <a:endParaRPr lang="en-US"/>
-          </a:p>
-        </p:txBody>
-      </p:sp>
-      <p:cxnSp>
-        <p:nvCxnSpPr>
-          <p:cNvPr id="8" name="Straight Connector 7">
-            <a:extLst>
-              <a:ext uri="{FF2B5EF4-FFF2-40B4-BE49-F238E27FC236}">
-                <a16:creationId xmlns:a16="http://schemas.microsoft.com/office/drawing/2014/main" id="{2667F115-C85A-160F-B59B-ECBC218E00CA}"/>
-              </a:ext>
-            </a:extLst>
-          </p:cNvPr>
-          <p:cNvCxnSpPr>
-            <a:cxnSpLocks/>
-          </p:cNvCxnSpPr>
-          <p:nvPr/>
-        </p:nvCxnSpPr>
-        <p:spPr>
-          <a:xfrm>
-            <a:off x="3227777" y="4580809"/>
-            <a:ext cx="2603397" cy="0"/>
-          </a:xfrm>
-          <a:prstGeom prst="line">
-            <a:avLst/>
-          </a:prstGeom>
-          <a:ln w="28575">
-            <a:solidFill>
-              <a:schemeClr val="bg1"/>
-            </a:solidFill>
-          </a:ln>
-        </p:spPr>
-        <p:style>
-          <a:lnRef idx="1">
-            <a:schemeClr val="accent1"/>
-          </a:lnRef>
-          <a:fillRef idx="0">
-            <a:schemeClr val="accent1"/>
-          </a:fillRef>
-          <a:effectRef idx="0">
-            <a:schemeClr val="accent1"/>
-          </a:effectRef>
-          <a:fontRef idx="minor">
-            <a:schemeClr val="tx1"/>
-          </a:fontRef>
-        </p:style>
-      </p:cxnSp>
-      <p:sp>
-        <p:nvSpPr>
-          <p:cNvPr id="9" name="Arrow: Right 8">
-            <a:extLst>
-              <a:ext uri="{FF2B5EF4-FFF2-40B4-BE49-F238E27FC236}">
-                <a16:creationId xmlns:a16="http://schemas.microsoft.com/office/drawing/2014/main" id="{B96D8460-E03B-7354-0E0D-5065DE53C1C3}"/>
-              </a:ext>
-            </a:extLst>
-          </p:cNvPr>
-          <p:cNvSpPr/>
-          <p:nvPr/>
-        </p:nvSpPr>
-        <p:spPr>
-          <a:xfrm>
-            <a:off x="2118103" y="4475634"/>
-            <a:ext cx="409575" cy="271145"/>
-          </a:xfrm>
-          <a:prstGeom prst="rightArrow">
-            <a:avLst/>
-          </a:prstGeom>
-          <a:solidFill>
-            <a:schemeClr val="tx1"/>
-          </a:solidFill>
-          <a:ln w="12700" cap="flat" cmpd="sng" algn="ctr">
-            <a:noFill/>
-            <a:prstDash val="solid"/>
-            <a:miter lim="800000"/>
-          </a:ln>
-          <a:effectLst/>
-        </p:spPr>
-        <p:style>
-          <a:lnRef idx="2">
-            <a:schemeClr val="accent1">
-              <a:shade val="50000"/>
-            </a:schemeClr>
-          </a:lnRef>
-          <a:fillRef idx="1">
-            <a:schemeClr val="accent1"/>
-          </a:fillRef>
-          <a:effectRef idx="0">
-            <a:schemeClr val="accent1"/>
-          </a:effectRef>
-          <a:fontRef idx="minor">
-            <a:schemeClr val="lt1"/>
-          </a:fontRef>
-        </p:style>
-        <p:txBody>
-          <a:bodyPr rtlCol="0" anchor="ctr"/>
-          <a:lstStyle/>
-          <a:p>
-            <a:pPr algn="ctr"/>
-            <a:endParaRPr lang="en-US"/>
-          </a:p>
-        </p:txBody>
-      </p:sp>
-      <p:cxnSp>
-        <p:nvCxnSpPr>
-          <p:cNvPr id="10" name="Straight Connector 9">
-            <a:extLst>
-              <a:ext uri="{FF2B5EF4-FFF2-40B4-BE49-F238E27FC236}">
-                <a16:creationId xmlns:a16="http://schemas.microsoft.com/office/drawing/2014/main" id="{9BA83E15-7DEB-5F3C-E10E-48DDED37527B}"/>
-              </a:ext>
-            </a:extLst>
-          </p:cNvPr>
-          <p:cNvCxnSpPr>
-            <a:cxnSpLocks/>
-          </p:cNvCxnSpPr>
-          <p:nvPr/>
-        </p:nvCxnSpPr>
-        <p:spPr>
-          <a:xfrm>
-            <a:off x="3227777" y="5643381"/>
-            <a:ext cx="1254282" cy="0"/>
-          </a:xfrm>
-          <a:prstGeom prst="line">
-            <a:avLst/>
-          </a:prstGeom>
-          <a:ln w="28575">
-            <a:solidFill>
-              <a:schemeClr val="bg1"/>
-            </a:solidFill>
-          </a:ln>
-        </p:spPr>
-        <p:style>
-          <a:lnRef idx="1">
-            <a:schemeClr val="accent1"/>
-          </a:lnRef>
-          <a:fillRef idx="0">
-            <a:schemeClr val="accent1"/>
-          </a:fillRef>
-          <a:effectRef idx="0">
-            <a:schemeClr val="accent1"/>
-          </a:effectRef>
-          <a:fontRef idx="minor">
-            <a:schemeClr val="tx1"/>
-          </a:fontRef>
-        </p:style>
-      </p:cxnSp>
-      <p:sp>
-        <p:nvSpPr>
-          <p:cNvPr id="11" name="Arrow: Right 10">
-            <a:extLst>
-              <a:ext uri="{FF2B5EF4-FFF2-40B4-BE49-F238E27FC236}">
-                <a16:creationId xmlns:a16="http://schemas.microsoft.com/office/drawing/2014/main" id="{9010BCD8-42B7-8EE6-D1D0-4E3245D8BD7C}"/>
-              </a:ext>
-            </a:extLst>
-          </p:cNvPr>
-          <p:cNvSpPr/>
-          <p:nvPr/>
-        </p:nvSpPr>
-        <p:spPr>
-          <a:xfrm>
-            <a:off x="2115934" y="5507808"/>
-            <a:ext cx="409575" cy="271145"/>
-          </a:xfrm>
-          <a:prstGeom prst="rightArrow">
-            <a:avLst/>
-          </a:prstGeom>
-          <a:solidFill>
-            <a:schemeClr val="tx1"/>
-          </a:solidFill>
-          <a:ln w="12700" cap="flat" cmpd="sng" algn="ctr">
-            <a:noFill/>
-            <a:prstDash val="solid"/>
-            <a:miter lim="800000"/>
-          </a:ln>
-          <a:effectLst/>
-        </p:spPr>
-        <p:style>
-          <a:lnRef idx="2">
-            <a:schemeClr val="accent1">
-              <a:shade val="50000"/>
-            </a:schemeClr>
-          </a:lnRef>
-          <a:fillRef idx="1">
-            <a:schemeClr val="accent1"/>
-          </a:fillRef>
-          <a:effectRef idx="0">
-            <a:schemeClr val="accent1"/>
-          </a:effectRef>
-          <a:fontRef idx="minor">
-            <a:schemeClr val="lt1"/>
-          </a:fontRef>
-        </p:style>
-        <p:txBody>
-          <a:bodyPr rtlCol="0" anchor="ctr"/>
-          <a:lstStyle/>
-          <a:p>
-            <a:pPr algn="ctr"/>
-            <a:endParaRPr lang="en-US"/>
-          </a:p>
-        </p:txBody>
-      </p:sp>
-      <p:cxnSp>
-        <p:nvCxnSpPr>
-          <p:cNvPr id="12" name="Straight Connector 11">
-            <a:extLst>
-              <a:ext uri="{FF2B5EF4-FFF2-40B4-BE49-F238E27FC236}">
-                <a16:creationId xmlns:a16="http://schemas.microsoft.com/office/drawing/2014/main" id="{2D3B4E91-6384-8E63-D865-057FF5EE7503}"/>
-              </a:ext>
-            </a:extLst>
-          </p:cNvPr>
-          <p:cNvCxnSpPr>
-            <a:cxnSpLocks/>
-          </p:cNvCxnSpPr>
-          <p:nvPr/>
-        </p:nvCxnSpPr>
-        <p:spPr>
-          <a:xfrm>
-            <a:off x="3227777" y="5133715"/>
-            <a:ext cx="1936334" cy="0"/>
-          </a:xfrm>
-          <a:prstGeom prst="line">
-            <a:avLst/>
-          </a:prstGeom>
-          <a:ln w="28575">
-            <a:solidFill>
-              <a:schemeClr val="bg1"/>
-            </a:solidFill>
-          </a:ln>
-        </p:spPr>
-        <p:style>
-          <a:lnRef idx="1">
-            <a:schemeClr val="accent1"/>
-          </a:lnRef>
-          <a:fillRef idx="0">
-            <a:schemeClr val="accent1"/>
-          </a:fillRef>
-          <a:effectRef idx="0">
-            <a:schemeClr val="accent1"/>
-          </a:effectRef>
-          <a:fontRef idx="minor">
-            <a:schemeClr val="tx1"/>
-          </a:fontRef>
-        </p:style>
-      </p:cxnSp>
-      <p:sp>
-        <p:nvSpPr>
-          <p:cNvPr id="13" name="Arrow: Right 12">
-            <a:extLst>
-              <a:ext uri="{FF2B5EF4-FFF2-40B4-BE49-F238E27FC236}">
-                <a16:creationId xmlns:a16="http://schemas.microsoft.com/office/drawing/2014/main" id="{6F4838B2-E1FB-5489-66A9-89C57CD9FD23}"/>
-              </a:ext>
-            </a:extLst>
-          </p:cNvPr>
-          <p:cNvSpPr/>
-          <p:nvPr/>
-        </p:nvSpPr>
-        <p:spPr>
-          <a:xfrm>
-            <a:off x="2118103" y="4992795"/>
-            <a:ext cx="409575" cy="271145"/>
-          </a:xfrm>
-          <a:prstGeom prst="rightArrow">
-            <a:avLst/>
-          </a:prstGeom>
-          <a:solidFill>
-            <a:schemeClr val="tx1"/>
-          </a:solidFill>
-          <a:ln w="12700" cap="flat" cmpd="sng" algn="ctr">
-            <a:noFill/>
-            <a:prstDash val="solid"/>
-            <a:miter lim="800000"/>
-          </a:ln>
-          <a:effectLst/>
-        </p:spPr>
-        <p:style>
-          <a:lnRef idx="2">
-            <a:schemeClr val="accent1">
-              <a:shade val="50000"/>
-            </a:schemeClr>
-          </a:lnRef>
-          <a:fillRef idx="1">
-            <a:schemeClr val="accent1"/>
-          </a:fillRef>
-          <a:effectRef idx="0">
-            <a:schemeClr val="accent1"/>
-          </a:effectRef>
-          <a:fontRef idx="minor">
-            <a:schemeClr val="lt1"/>
-          </a:fontRef>
-        </p:style>
-        <p:txBody>
-          <a:bodyPr rtlCol="0" anchor="ctr"/>
-          <a:lstStyle/>
-          <a:p>
-            <a:pPr algn="ctr"/>
-            <a:endParaRPr lang="en-US"/>
-          </a:p>
-        </p:txBody>
-      </p:sp>
-    </p:spTree>
-    <p:extLst>
-      <p:ext uri="{BB962C8B-B14F-4D97-AF65-F5344CB8AC3E}">
-        <p14:creationId xmlns:p14="http://schemas.microsoft.com/office/powerpoint/2010/main" val="544127772"/>
-      </p:ext>
-    </p:extLst>
-  </p:cSld>
-  <p:clrMapOvr>
-    <a:masterClrMapping/>
-  </p:clrMapOvr>
-  <p:timing>
-    <p:tnLst>
-      <p:par>
-        <p:cTn id="1" dur="indefinite" restart="never" nodeType="tmRoot">
-          <p:childTnLst>
-            <p:seq concurrent="1" nextAc="seek">
-              <p:cTn id="2" dur="indefinite" nodeType="mainSeq">
-                <p:childTnLst>
-                  <p:par>
-                    <p:cTn id="3" fill="hold">
-                      <p:stCondLst>
-                        <p:cond delay="indefinite"/>
-                        <p:cond evt="onBegin" delay="0">
-                          <p:tn val="2"/>
-                        </p:cond>
-                      </p:stCondLst>
-                      <p:childTnLst>
-                        <p:par>
-                          <p:cTn id="4" fill="hold">
-                            <p:stCondLst>
-                              <p:cond delay="0"/>
-                            </p:stCondLst>
-                            <p:childTnLst>
-                              <p:par>
-                                <p:cTn id="5" presetID="10" presetClass="entr" presetSubtype="0" fill="hold" grpId="0" nodeType="afterEffect">
-                                  <p:stCondLst>
-                                    <p:cond delay="0"/>
-                                  </p:stCondLst>
-                                  <p:childTnLst>
-                                    <p:set>
-                                      <p:cBhvr>
-                                        <p:cTn id="6" dur="1" fill="hold">
-                                          <p:stCondLst>
-                                            <p:cond delay="0"/>
-                                          </p:stCondLst>
-                                        </p:cTn>
-                                        <p:tgtEl>
-                                          <p:spTgt spid="7">
-                                            <p:txEl>
-                                              <p:pRg st="0" end="0"/>
-                                            </p:txEl>
-                                          </p:spTgt>
-                                        </p:tgtEl>
-                                        <p:attrNameLst>
-                                          <p:attrName>style.visibility</p:attrName>
-                                        </p:attrNameLst>
-                                      </p:cBhvr>
-                                      <p:to>
-                                        <p:strVal val="visible"/>
-                                      </p:to>
-                                    </p:set>
-                                    <p:animEffect transition="in" filter="fade">
-                                      <p:cBhvr>
-                                        <p:cTn id="7" dur="250"/>
-                                        <p:tgtEl>
-                                          <p:spTgt spid="7">
-                                            <p:txEl>
-                                              <p:pRg st="0" end="0"/>
-                                            </p:txEl>
-                                          </p:spTgt>
-                                        </p:tgtEl>
-                                      </p:cBhvr>
-                                    </p:animEffect>
-                                  </p:childTnLst>
-                                </p:cTn>
-                              </p:par>
-                              <p:par>
-                                <p:cTn id="8" presetID="10" presetClass="entr" presetSubtype="0" fill="hold" nodeType="withEffect">
-                                  <p:stCondLst>
-                                    <p:cond delay="0"/>
-                                  </p:stCondLst>
-                                  <p:childTnLst>
-                                    <p:set>
-                                      <p:cBhvr>
-                                        <p:cTn id="9" dur="1" fill="hold">
-                                          <p:stCondLst>
-                                            <p:cond delay="0"/>
-                                          </p:stCondLst>
-                                        </p:cTn>
-                                        <p:tgtEl>
-                                          <p:spTgt spid="6"/>
-                                        </p:tgtEl>
-                                        <p:attrNameLst>
-                                          <p:attrName>style.visibility</p:attrName>
-                                        </p:attrNameLst>
-                                      </p:cBhvr>
-                                      <p:to>
-                                        <p:strVal val="visible"/>
-                                      </p:to>
-                                    </p:set>
-                                    <p:animEffect transition="in" filter="fade">
-                                      <p:cBhvr>
-                                        <p:cTn id="10" dur="250"/>
-                                        <p:tgtEl>
-                                          <p:spTgt spid="6"/>
-                                        </p:tgtEl>
-                                      </p:cBhvr>
-                                    </p:animEffect>
-                                  </p:childTnLst>
-                                </p:cTn>
-                              </p:par>
-                            </p:childTnLst>
-                          </p:cTn>
-                        </p:par>
-                      </p:childTnLst>
-                    </p:cTn>
-                  </p:par>
-                  <p:par>
-                    <p:cTn id="11" fill="hold">
-                      <p:stCondLst>
-                        <p:cond delay="indefinite"/>
-                      </p:stCondLst>
-                      <p:childTnLst>
-                        <p:par>
-                          <p:cTn id="12" fill="hold">
-                            <p:stCondLst>
-                              <p:cond delay="0"/>
-                            </p:stCondLst>
-                            <p:childTnLst>
-                              <p:par>
-                                <p:cTn id="13" presetID="10" presetClass="entr" presetSubtype="0" fill="hold" nodeType="clickEffect">
-                                  <p:stCondLst>
-                                    <p:cond delay="0"/>
-                                  </p:stCondLst>
-                                  <p:childTnLst>
-                                    <p:set>
-                                      <p:cBhvr>
-                                        <p:cTn id="14" dur="1" fill="hold">
-                                          <p:stCondLst>
-                                            <p:cond delay="0"/>
-                                          </p:stCondLst>
-                                        </p:cTn>
-                                        <p:tgtEl>
-                                          <p:spTgt spid="3"/>
-                                        </p:tgtEl>
-                                        <p:attrNameLst>
-                                          <p:attrName>style.visibility</p:attrName>
-                                        </p:attrNameLst>
-                                      </p:cBhvr>
-                                      <p:to>
-                                        <p:strVal val="visible"/>
-                                      </p:to>
-                                    </p:set>
-                                    <p:animEffect transition="in" filter="fade">
-                                      <p:cBhvr>
-                                        <p:cTn id="15" dur="250"/>
-                                        <p:tgtEl>
-                                          <p:spTgt spid="3"/>
-                                        </p:tgtEl>
-                                      </p:cBhvr>
-                                    </p:animEffect>
-                                  </p:childTnLst>
-                                </p:cTn>
-                              </p:par>
-                              <p:par>
-                                <p:cTn id="16" presetID="10" presetClass="entr" presetSubtype="0" fill="hold" grpId="0" nodeType="withEffect">
-                                  <p:stCondLst>
-                                    <p:cond delay="0"/>
-                                  </p:stCondLst>
-                                  <p:childTnLst>
-                                    <p:set>
-                                      <p:cBhvr>
-                                        <p:cTn id="17" dur="1" fill="hold">
-                                          <p:stCondLst>
-                                            <p:cond delay="0"/>
-                                          </p:stCondLst>
-                                        </p:cTn>
-                                        <p:tgtEl>
-                                          <p:spTgt spid="5"/>
-                                        </p:tgtEl>
-                                        <p:attrNameLst>
-                                          <p:attrName>style.visibility</p:attrName>
-                                        </p:attrNameLst>
-                                      </p:cBhvr>
-                                      <p:to>
-                                        <p:strVal val="visible"/>
-                                      </p:to>
-                                    </p:set>
-                                    <p:animEffect transition="in" filter="fade">
-                                      <p:cBhvr>
-                                        <p:cTn id="18" dur="250"/>
-                                        <p:tgtEl>
-                                          <p:spTgt spid="5"/>
-                                        </p:tgtEl>
-                                      </p:cBhvr>
-                                    </p:animEffect>
-                                  </p:childTnLst>
-                                </p:cTn>
-                              </p:par>
-                            </p:childTnLst>
-                          </p:cTn>
-                        </p:par>
-                      </p:childTnLst>
-                    </p:cTn>
-                  </p:par>
-                  <p:par>
-                    <p:cTn id="19" fill="hold">
-                      <p:stCondLst>
-                        <p:cond delay="indefinite"/>
-                      </p:stCondLst>
-                      <p:childTnLst>
-                        <p:par>
-                          <p:cTn id="20" fill="hold">
-                            <p:stCondLst>
-                              <p:cond delay="0"/>
-                            </p:stCondLst>
-                            <p:childTnLst>
-                              <p:par>
-                                <p:cTn id="21" presetID="10" presetClass="exit" presetSubtype="0" fill="hold" nodeType="clickEffect">
-                                  <p:stCondLst>
-                                    <p:cond delay="0"/>
-                                  </p:stCondLst>
-                                  <p:childTnLst>
-                                    <p:animEffect transition="out" filter="fade">
-                                      <p:cBhvr>
-                                        <p:cTn id="22" dur="250"/>
-                                        <p:tgtEl>
-                                          <p:spTgt spid="3"/>
-                                        </p:tgtEl>
-                                      </p:cBhvr>
-                                    </p:animEffect>
-                                    <p:set>
-                                      <p:cBhvr>
-                                        <p:cTn id="23" dur="1" fill="hold">
-                                          <p:stCondLst>
-                                            <p:cond delay="249"/>
-                                          </p:stCondLst>
-                                        </p:cTn>
-                                        <p:tgtEl>
-                                          <p:spTgt spid="3"/>
-                                        </p:tgtEl>
-                                        <p:attrNameLst>
-                                          <p:attrName>style.visibility</p:attrName>
-                                        </p:attrNameLst>
-                                      </p:cBhvr>
-                                      <p:to>
-                                        <p:strVal val="hidden"/>
-                                      </p:to>
-                                    </p:set>
-                                  </p:childTnLst>
-                                </p:cTn>
-                              </p:par>
-                              <p:par>
-                                <p:cTn id="24" presetID="10" presetClass="exit" presetSubtype="0" fill="hold" grpId="1" nodeType="withEffect">
-                                  <p:stCondLst>
-                                    <p:cond delay="0"/>
-                                  </p:stCondLst>
-                                  <p:childTnLst>
-                                    <p:animEffect transition="out" filter="fade">
-                                      <p:cBhvr>
-                                        <p:cTn id="25" dur="250"/>
-                                        <p:tgtEl>
-                                          <p:spTgt spid="5"/>
-                                        </p:tgtEl>
-                                      </p:cBhvr>
-                                    </p:animEffect>
-                                    <p:set>
-                                      <p:cBhvr>
-                                        <p:cTn id="26" dur="1" fill="hold">
-                                          <p:stCondLst>
-                                            <p:cond delay="249"/>
-                                          </p:stCondLst>
-                                        </p:cTn>
-                                        <p:tgtEl>
-                                          <p:spTgt spid="5"/>
-                                        </p:tgtEl>
-                                        <p:attrNameLst>
-                                          <p:attrName>style.visibility</p:attrName>
-                                        </p:attrNameLst>
-                                      </p:cBhvr>
-                                      <p:to>
-                                        <p:strVal val="hidden"/>
-                                      </p:to>
-                                    </p:set>
-                                  </p:childTnLst>
-                                </p:cTn>
-                              </p:par>
-                            </p:childTnLst>
-                          </p:cTn>
-                        </p:par>
-                        <p:par>
-                          <p:cTn id="27" fill="hold">
-                            <p:stCondLst>
-                              <p:cond delay="250"/>
-                            </p:stCondLst>
-                            <p:childTnLst>
-                              <p:par>
-                                <p:cTn id="28" presetID="10" presetClass="entr" presetSubtype="0" fill="hold" nodeType="afterEffect">
-                                  <p:stCondLst>
-                                    <p:cond delay="0"/>
-                                  </p:stCondLst>
-                                  <p:childTnLst>
-                                    <p:set>
-                                      <p:cBhvr>
-                                        <p:cTn id="29" dur="1" fill="hold">
-                                          <p:stCondLst>
-                                            <p:cond delay="0"/>
-                                          </p:stCondLst>
-                                        </p:cTn>
-                                        <p:tgtEl>
-                                          <p:spTgt spid="8"/>
-                                        </p:tgtEl>
-                                        <p:attrNameLst>
-                                          <p:attrName>style.visibility</p:attrName>
-                                        </p:attrNameLst>
-                                      </p:cBhvr>
-                                      <p:to>
-                                        <p:strVal val="visible"/>
-                                      </p:to>
-                                    </p:set>
-                                    <p:animEffect transition="in" filter="fade">
-                                      <p:cBhvr>
-                                        <p:cTn id="30" dur="250"/>
-                                        <p:tgtEl>
-                                          <p:spTgt spid="8"/>
-                                        </p:tgtEl>
-                                      </p:cBhvr>
-                                    </p:animEffect>
-                                  </p:childTnLst>
-                                </p:cTn>
-                              </p:par>
-                              <p:par>
-                                <p:cTn id="31" presetID="10" presetClass="entr" presetSubtype="0" fill="hold" grpId="0" nodeType="withEffect">
-                                  <p:stCondLst>
-                                    <p:cond delay="0"/>
-                                  </p:stCondLst>
-                                  <p:childTnLst>
-                                    <p:set>
-                                      <p:cBhvr>
-                                        <p:cTn id="32" dur="1" fill="hold">
-                                          <p:stCondLst>
-                                            <p:cond delay="0"/>
-                                          </p:stCondLst>
-                                        </p:cTn>
-                                        <p:tgtEl>
-                                          <p:spTgt spid="9"/>
-                                        </p:tgtEl>
-                                        <p:attrNameLst>
-                                          <p:attrName>style.visibility</p:attrName>
-                                        </p:attrNameLst>
-                                      </p:cBhvr>
-                                      <p:to>
-                                        <p:strVal val="visible"/>
-                                      </p:to>
-                                    </p:set>
-                                    <p:animEffect transition="in" filter="fade">
-                                      <p:cBhvr>
-                                        <p:cTn id="33" dur="250"/>
-                                        <p:tgtEl>
-                                          <p:spTgt spid="9"/>
-                                        </p:tgtEl>
-                                      </p:cBhvr>
-                                    </p:animEffect>
-                                  </p:childTnLst>
-                                </p:cTn>
-                              </p:par>
-                            </p:childTnLst>
-                          </p:cTn>
-                        </p:par>
-                      </p:childTnLst>
-                    </p:cTn>
-                  </p:par>
-                  <p:par>
-                    <p:cTn id="34" fill="hold">
-                      <p:stCondLst>
-                        <p:cond delay="indefinite"/>
-                      </p:stCondLst>
-                      <p:childTnLst>
-                        <p:par>
-                          <p:cTn id="35" fill="hold">
-                            <p:stCondLst>
-                              <p:cond delay="0"/>
-                            </p:stCondLst>
-                            <p:childTnLst>
-                              <p:par>
-                                <p:cTn id="36" presetID="10" presetClass="exit" presetSubtype="0" fill="hold" nodeType="clickEffect">
-                                  <p:stCondLst>
-                                    <p:cond delay="0"/>
-                                  </p:stCondLst>
-                                  <p:childTnLst>
-                                    <p:animEffect transition="out" filter="fade">
-                                      <p:cBhvr>
-                                        <p:cTn id="37" dur="250"/>
-                                        <p:tgtEl>
-                                          <p:spTgt spid="8"/>
-                                        </p:tgtEl>
-                                      </p:cBhvr>
-                                    </p:animEffect>
-                                    <p:set>
-                                      <p:cBhvr>
-                                        <p:cTn id="38" dur="1" fill="hold">
-                                          <p:stCondLst>
-                                            <p:cond delay="249"/>
-                                          </p:stCondLst>
-                                        </p:cTn>
-                                        <p:tgtEl>
-                                          <p:spTgt spid="8"/>
-                                        </p:tgtEl>
-                                        <p:attrNameLst>
-                                          <p:attrName>style.visibility</p:attrName>
-                                        </p:attrNameLst>
-                                      </p:cBhvr>
-                                      <p:to>
-                                        <p:strVal val="hidden"/>
-                                      </p:to>
-                                    </p:set>
-                                  </p:childTnLst>
-                                </p:cTn>
-                              </p:par>
-                              <p:par>
-                                <p:cTn id="39" presetID="10" presetClass="exit" presetSubtype="0" fill="hold" grpId="1" nodeType="withEffect">
-                                  <p:stCondLst>
-                                    <p:cond delay="0"/>
-                                  </p:stCondLst>
-                                  <p:childTnLst>
-                                    <p:animEffect transition="out" filter="fade">
-                                      <p:cBhvr>
-                                        <p:cTn id="40" dur="250"/>
-                                        <p:tgtEl>
-                                          <p:spTgt spid="9"/>
-                                        </p:tgtEl>
-                                      </p:cBhvr>
-                                    </p:animEffect>
-                                    <p:set>
-                                      <p:cBhvr>
-                                        <p:cTn id="41" dur="1" fill="hold">
-                                          <p:stCondLst>
-                                            <p:cond delay="249"/>
-                                          </p:stCondLst>
-                                        </p:cTn>
-                                        <p:tgtEl>
-                                          <p:spTgt spid="9"/>
-                                        </p:tgtEl>
-                                        <p:attrNameLst>
-                                          <p:attrName>style.visibility</p:attrName>
-                                        </p:attrNameLst>
-                                      </p:cBhvr>
-                                      <p:to>
-                                        <p:strVal val="hidden"/>
-                                      </p:to>
-                                    </p:set>
-                                  </p:childTnLst>
-                                </p:cTn>
-                              </p:par>
-                            </p:childTnLst>
-                          </p:cTn>
-                        </p:par>
-                        <p:par>
-                          <p:cTn id="42" fill="hold">
-                            <p:stCondLst>
-                              <p:cond delay="250"/>
-                            </p:stCondLst>
-                            <p:childTnLst>
-                              <p:par>
-                                <p:cTn id="43" presetID="10" presetClass="entr" presetSubtype="0" fill="hold" nodeType="afterEffect">
-                                  <p:stCondLst>
-                                    <p:cond delay="0"/>
-                                  </p:stCondLst>
-                                  <p:childTnLst>
-                                    <p:set>
-                                      <p:cBhvr>
-                                        <p:cTn id="44" dur="1" fill="hold">
-                                          <p:stCondLst>
-                                            <p:cond delay="0"/>
-                                          </p:stCondLst>
-                                        </p:cTn>
-                                        <p:tgtEl>
-                                          <p:spTgt spid="12"/>
-                                        </p:tgtEl>
-                                        <p:attrNameLst>
-                                          <p:attrName>style.visibility</p:attrName>
-                                        </p:attrNameLst>
-                                      </p:cBhvr>
-                                      <p:to>
-                                        <p:strVal val="visible"/>
-                                      </p:to>
-                                    </p:set>
-                                    <p:animEffect transition="in" filter="fade">
-                                      <p:cBhvr>
-                                        <p:cTn id="45" dur="250"/>
-                                        <p:tgtEl>
-                                          <p:spTgt spid="12"/>
-                                        </p:tgtEl>
-                                      </p:cBhvr>
-                                    </p:animEffect>
-                                  </p:childTnLst>
-                                </p:cTn>
-                              </p:par>
-                              <p:par>
-                                <p:cTn id="46" presetID="10" presetClass="entr" presetSubtype="0" fill="hold" grpId="0" nodeType="withEffect">
-                                  <p:stCondLst>
-                                    <p:cond delay="0"/>
-                                  </p:stCondLst>
-                                  <p:childTnLst>
-                                    <p:set>
-                                      <p:cBhvr>
-                                        <p:cTn id="47" dur="1" fill="hold">
-                                          <p:stCondLst>
-                                            <p:cond delay="0"/>
-                                          </p:stCondLst>
-                                        </p:cTn>
-                                        <p:tgtEl>
-                                          <p:spTgt spid="13"/>
-                                        </p:tgtEl>
-                                        <p:attrNameLst>
-                                          <p:attrName>style.visibility</p:attrName>
-                                        </p:attrNameLst>
-                                      </p:cBhvr>
-                                      <p:to>
-                                        <p:strVal val="visible"/>
-                                      </p:to>
-                                    </p:set>
-                                    <p:animEffect transition="in" filter="fade">
-                                      <p:cBhvr>
-                                        <p:cTn id="48" dur="250"/>
-                                        <p:tgtEl>
-                                          <p:spTgt spid="13"/>
-                                        </p:tgtEl>
-                                      </p:cBhvr>
-                                    </p:animEffect>
-                                  </p:childTnLst>
-                                </p:cTn>
-                              </p:par>
-                            </p:childTnLst>
-                          </p:cTn>
-                        </p:par>
-                      </p:childTnLst>
-                    </p:cTn>
-                  </p:par>
-                  <p:par>
-                    <p:cTn id="49" fill="hold">
-                      <p:stCondLst>
-                        <p:cond delay="indefinite"/>
-                      </p:stCondLst>
-                      <p:childTnLst>
-                        <p:par>
-                          <p:cTn id="50" fill="hold">
-                            <p:stCondLst>
-                              <p:cond delay="0"/>
-                            </p:stCondLst>
-                            <p:childTnLst>
-                              <p:par>
-                                <p:cTn id="51" presetID="10" presetClass="exit" presetSubtype="0" fill="hold" nodeType="clickEffect">
-                                  <p:stCondLst>
-                                    <p:cond delay="0"/>
-                                  </p:stCondLst>
-                                  <p:childTnLst>
-                                    <p:animEffect transition="out" filter="fade">
-                                      <p:cBhvr>
-                                        <p:cTn id="52" dur="250"/>
-                                        <p:tgtEl>
-                                          <p:spTgt spid="12"/>
-                                        </p:tgtEl>
-                                      </p:cBhvr>
-                                    </p:animEffect>
-                                    <p:set>
-                                      <p:cBhvr>
-                                        <p:cTn id="53" dur="1" fill="hold">
-                                          <p:stCondLst>
-                                            <p:cond delay="249"/>
-                                          </p:stCondLst>
-                                        </p:cTn>
-                                        <p:tgtEl>
-                                          <p:spTgt spid="12"/>
-                                        </p:tgtEl>
-                                        <p:attrNameLst>
-                                          <p:attrName>style.visibility</p:attrName>
-                                        </p:attrNameLst>
-                                      </p:cBhvr>
-                                      <p:to>
-                                        <p:strVal val="hidden"/>
-                                      </p:to>
-                                    </p:set>
-                                  </p:childTnLst>
-                                </p:cTn>
-                              </p:par>
-                              <p:par>
-                                <p:cTn id="54" presetID="10" presetClass="exit" presetSubtype="0" fill="hold" grpId="1" nodeType="withEffect">
-                                  <p:stCondLst>
-                                    <p:cond delay="0"/>
-                                  </p:stCondLst>
-                                  <p:childTnLst>
-                                    <p:animEffect transition="out" filter="fade">
-                                      <p:cBhvr>
-                                        <p:cTn id="55" dur="250"/>
-                                        <p:tgtEl>
-                                          <p:spTgt spid="13"/>
-                                        </p:tgtEl>
-                                      </p:cBhvr>
-                                    </p:animEffect>
-                                    <p:set>
-                                      <p:cBhvr>
-                                        <p:cTn id="56" dur="1" fill="hold">
-                                          <p:stCondLst>
-                                            <p:cond delay="249"/>
-                                          </p:stCondLst>
-                                        </p:cTn>
-                                        <p:tgtEl>
-                                          <p:spTgt spid="13"/>
-                                        </p:tgtEl>
-                                        <p:attrNameLst>
-                                          <p:attrName>style.visibility</p:attrName>
-                                        </p:attrNameLst>
-                                      </p:cBhvr>
-                                      <p:to>
-                                        <p:strVal val="hidden"/>
-                                      </p:to>
-                                    </p:set>
-                                  </p:childTnLst>
-                                </p:cTn>
-                              </p:par>
-                            </p:childTnLst>
-                          </p:cTn>
-                        </p:par>
-                        <p:par>
-                          <p:cTn id="57" fill="hold">
-                            <p:stCondLst>
-                              <p:cond delay="250"/>
-                            </p:stCondLst>
-                            <p:childTnLst>
-                              <p:par>
-                                <p:cTn id="58" presetID="10" presetClass="entr" presetSubtype="0" fill="hold" nodeType="afterEffect">
-                                  <p:stCondLst>
-                                    <p:cond delay="0"/>
-                                  </p:stCondLst>
-                                  <p:childTnLst>
-                                    <p:set>
-                                      <p:cBhvr>
-                                        <p:cTn id="59" dur="1" fill="hold">
-                                          <p:stCondLst>
-                                            <p:cond delay="0"/>
-                                          </p:stCondLst>
-                                        </p:cTn>
-                                        <p:tgtEl>
-                                          <p:spTgt spid="10"/>
-                                        </p:tgtEl>
-                                        <p:attrNameLst>
-                                          <p:attrName>style.visibility</p:attrName>
-                                        </p:attrNameLst>
-                                      </p:cBhvr>
-                                      <p:to>
-                                        <p:strVal val="visible"/>
-                                      </p:to>
-                                    </p:set>
-                                    <p:animEffect transition="in" filter="fade">
-                                      <p:cBhvr>
-                                        <p:cTn id="60" dur="250"/>
-                                        <p:tgtEl>
-                                          <p:spTgt spid="10"/>
-                                        </p:tgtEl>
-                                      </p:cBhvr>
-                                    </p:animEffect>
-                                  </p:childTnLst>
-                                </p:cTn>
-                              </p:par>
-                              <p:par>
-                                <p:cTn id="61" presetID="10" presetClass="entr" presetSubtype="0" fill="hold" grpId="0" nodeType="withEffect">
-                                  <p:stCondLst>
-                                    <p:cond delay="0"/>
-                                  </p:stCondLst>
-                                  <p:childTnLst>
-                                    <p:set>
-                                      <p:cBhvr>
-                                        <p:cTn id="62" dur="1" fill="hold">
-                                          <p:stCondLst>
-                                            <p:cond delay="0"/>
-                                          </p:stCondLst>
-                                        </p:cTn>
-                                        <p:tgtEl>
-                                          <p:spTgt spid="11"/>
-                                        </p:tgtEl>
-                                        <p:attrNameLst>
-                                          <p:attrName>style.visibility</p:attrName>
-                                        </p:attrNameLst>
-                                      </p:cBhvr>
-                                      <p:to>
-                                        <p:strVal val="visible"/>
-                                      </p:to>
-                                    </p:set>
-                                    <p:animEffect transition="in" filter="fade">
-                                      <p:cBhvr>
-                                        <p:cTn id="63" dur="250"/>
-                                        <p:tgtEl>
-                                          <p:spTgt spid="11"/>
-                                        </p:tgtEl>
-                                      </p:cBhvr>
-                                    </p:animEffect>
-                                  </p:childTnLst>
-                                </p:cTn>
-                              </p:par>
-                            </p:childTnLst>
-                          </p:cTn>
-                        </p:par>
-                      </p:childTnLst>
-                    </p:cTn>
-                  </p:par>
-                </p:childTnLst>
-              </p:cTn>
-              <p:prevCondLst>
-                <p:cond evt="onPrev" delay="0">
-                  <p:tgtEl>
-                    <p:sldTgt/>
-                  </p:tgtEl>
-                </p:cond>
-              </p:prevCondLst>
-              <p:nextCondLst>
-                <p:cond evt="onNext" delay="0">
-                  <p:tgtEl>
-                    <p:sldTgt/>
-                  </p:tgtEl>
-                </p:cond>
-              </p:nextCondLst>
-            </p:seq>
-          </p:childTnLst>
-        </p:cTn>
-      </p:par>
-    </p:tnLst>
-    <p:bldLst>
-      <p:bldP spid="7" grpId="0" build="p"/>
-      <p:bldP spid="5" grpId="0" animBg="1"/>
-      <p:bldP spid="5" grpId="1" animBg="1"/>
-      <p:bldP spid="9" grpId="0" animBg="1"/>
-      <p:bldP spid="9" grpId="1" animBg="1"/>
-      <p:bldP spid="11" grpId="0" animBg="1"/>
-      <p:bldP spid="13" grpId="0" animBg="1"/>
-      <p:bldP spid="13" grpId="1" animBg="1"/>
-    </p:bldLst>
-  </p:timing>
-</p:sld>
-</file>
-
-<file path=ppt/slides/slide7.xml><?xml version="1.0" encoding="utf-8"?>
 <p:sld xmlns:a="http://schemas.openxmlformats.org/drawingml/2006/main" xmlns:r="http://schemas.openxmlformats.org/officeDocument/2006/relationships" xmlns:p="http://schemas.openxmlformats.org/presentationml/2006/main">
   <p:cSld>
     <p:spTree>
@@ -23516,7 +20437,7 @@
 </p:sld>
 </file>
 
-<file path=ppt/slides/slide8.xml><?xml version="1.0" encoding="utf-8"?>
+<file path=ppt/slides/slide7.xml><?xml version="1.0" encoding="utf-8"?>
 <p:sld xmlns:a="http://schemas.openxmlformats.org/drawingml/2006/main" xmlns:r="http://schemas.openxmlformats.org/officeDocument/2006/relationships" xmlns:p="http://schemas.openxmlformats.org/presentationml/2006/main">
   <p:cSld>
     <p:spTree>
@@ -23703,7 +20624,7 @@
 </p:sld>
 </file>
 
-<file path=ppt/slides/slide9.xml><?xml version="1.0" encoding="utf-8"?>
+<file path=ppt/slides/slide8.xml><?xml version="1.0" encoding="utf-8"?>
 <p:sld xmlns:a="http://schemas.openxmlformats.org/drawingml/2006/main" xmlns:r="http://schemas.openxmlformats.org/officeDocument/2006/relationships" xmlns:p="http://schemas.openxmlformats.org/presentationml/2006/main">
   <p:cSld>
     <p:spTree>
@@ -23880,6 +20801,1945 @@
         </p:cTn>
       </p:par>
     </p:tnLst>
+  </p:timing>
+</p:sld>
+</file>
+
+<file path=ppt/slides/slide9.xml><?xml version="1.0" encoding="utf-8"?>
+<p:sld xmlns:a="http://schemas.openxmlformats.org/drawingml/2006/main" xmlns:r="http://schemas.openxmlformats.org/officeDocument/2006/relationships" xmlns:p="http://schemas.openxmlformats.org/presentationml/2006/main">
+  <p:cSld>
+    <p:spTree>
+      <p:nvGrpSpPr>
+        <p:cNvPr id="1" name="">
+          <a:extLst>
+            <a:ext uri="{FF2B5EF4-FFF2-40B4-BE49-F238E27FC236}">
+              <a16:creationId xmlns:a16="http://schemas.microsoft.com/office/drawing/2014/main" id="{66BBF233-BFBA-BB33-2CD1-22872818F9DC}"/>
+            </a:ext>
+          </a:extLst>
+        </p:cNvPr>
+        <p:cNvGrpSpPr/>
+        <p:nvPr/>
+      </p:nvGrpSpPr>
+      <p:grpSpPr>
+        <a:xfrm>
+          <a:off x="0" y="0"/>
+          <a:ext cx="0" cy="0"/>
+          <a:chOff x="0" y="0"/>
+          <a:chExt cx="0" cy="0"/>
+        </a:xfrm>
+      </p:grpSpPr>
+      <p:sp>
+        <p:nvSpPr>
+          <p:cNvPr id="2" name="Title 1">
+            <a:extLst>
+              <a:ext uri="{FF2B5EF4-FFF2-40B4-BE49-F238E27FC236}">
+                <a16:creationId xmlns:a16="http://schemas.microsoft.com/office/drawing/2014/main" id="{810D94FC-75B3-B713-8881-D6726501A00A}"/>
+              </a:ext>
+            </a:extLst>
+          </p:cNvPr>
+          <p:cNvSpPr>
+            <a:spLocks noGrp="1"/>
+          </p:cNvSpPr>
+          <p:nvPr>
+            <p:ph type="title"/>
+          </p:nvPr>
+        </p:nvSpPr>
+        <p:spPr>
+          <a:xfrm>
+            <a:off x="700634" y="154236"/>
+            <a:ext cx="7165171" cy="661012"/>
+          </a:xfrm>
+        </p:spPr>
+        <p:txBody>
+          <a:bodyPr>
+            <a:noAutofit/>
+          </a:bodyPr>
+          <a:lstStyle/>
+          <a:p>
+            <a:r>
+              <a:rPr lang="en-US" dirty="0"/>
+              <a:t>Parallelism using Futures</a:t>
+            </a:r>
+          </a:p>
+        </p:txBody>
+      </p:sp>
+      <p:pic>
+        <p:nvPicPr>
+          <p:cNvPr id="6" name="Picture 5">
+            <a:extLst>
+              <a:ext uri="{FF2B5EF4-FFF2-40B4-BE49-F238E27FC236}">
+                <a16:creationId xmlns:a16="http://schemas.microsoft.com/office/drawing/2014/main" id="{9F76E0FA-AAFE-50E9-A43E-0E190FA088C7}"/>
+              </a:ext>
+            </a:extLst>
+          </p:cNvPr>
+          <p:cNvPicPr>
+            <a:picLocks noChangeAspect="1"/>
+          </p:cNvPicPr>
+          <p:nvPr/>
+        </p:nvPicPr>
+        <p:blipFill>
+          <a:blip r:embed="rId3"/>
+          <a:stretch>
+            <a:fillRect/>
+          </a:stretch>
+        </p:blipFill>
+        <p:spPr>
+          <a:xfrm>
+            <a:off x="2671466" y="815248"/>
+            <a:ext cx="6849068" cy="5676992"/>
+          </a:xfrm>
+          <a:prstGeom prst="rect">
+            <a:avLst/>
+          </a:prstGeom>
+        </p:spPr>
+      </p:pic>
+      <p:sp>
+        <p:nvSpPr>
+          <p:cNvPr id="8" name="Left Brace 7">
+            <a:extLst>
+              <a:ext uri="{FF2B5EF4-FFF2-40B4-BE49-F238E27FC236}">
+                <a16:creationId xmlns:a16="http://schemas.microsoft.com/office/drawing/2014/main" id="{C1857320-0B43-13CF-CB94-E05E916B7F7C}"/>
+              </a:ext>
+            </a:extLst>
+          </p:cNvPr>
+          <p:cNvSpPr/>
+          <p:nvPr/>
+        </p:nvSpPr>
+        <p:spPr>
+          <a:xfrm>
+            <a:off x="1666240" y="2214880"/>
+            <a:ext cx="873760" cy="3515360"/>
+          </a:xfrm>
+          <a:prstGeom prst="leftBrace">
+            <a:avLst/>
+          </a:prstGeom>
+          <a:ln w="38100">
+            <a:solidFill>
+              <a:schemeClr val="tx1"/>
+            </a:solidFill>
+          </a:ln>
+        </p:spPr>
+        <p:style>
+          <a:lnRef idx="1">
+            <a:schemeClr val="accent1"/>
+          </a:lnRef>
+          <a:fillRef idx="0">
+            <a:schemeClr val="accent1"/>
+          </a:fillRef>
+          <a:effectRef idx="0">
+            <a:schemeClr val="accent1"/>
+          </a:effectRef>
+          <a:fontRef idx="minor">
+            <a:schemeClr val="tx1"/>
+          </a:fontRef>
+        </p:style>
+        <p:txBody>
+          <a:bodyPr rtlCol="0" anchor="ctr"/>
+          <a:lstStyle/>
+          <a:p>
+            <a:pPr algn="ctr"/>
+            <a:endParaRPr lang="en-US" dirty="0"/>
+          </a:p>
+        </p:txBody>
+      </p:sp>
+      <p:sp>
+        <p:nvSpPr>
+          <p:cNvPr id="9" name="TextBox 8">
+            <a:extLst>
+              <a:ext uri="{FF2B5EF4-FFF2-40B4-BE49-F238E27FC236}">
+                <a16:creationId xmlns:a16="http://schemas.microsoft.com/office/drawing/2014/main" id="{FD7AB5CD-A284-EA62-8268-3734537E838B}"/>
+              </a:ext>
+            </a:extLst>
+          </p:cNvPr>
+          <p:cNvSpPr txBox="1"/>
+          <p:nvPr/>
+        </p:nvSpPr>
+        <p:spPr>
+          <a:xfrm>
+            <a:off x="232639" y="3557061"/>
+            <a:ext cx="1453411" cy="830997"/>
+          </a:xfrm>
+          <a:prstGeom prst="rect">
+            <a:avLst/>
+          </a:prstGeom>
+          <a:noFill/>
+        </p:spPr>
+        <p:txBody>
+          <a:bodyPr wrap="none" rtlCol="0">
+            <a:spAutoFit/>
+          </a:bodyPr>
+          <a:lstStyle/>
+          <a:p>
+            <a:r>
+              <a:rPr lang="en-US" sz="2400" b="1" dirty="0"/>
+              <a:t>Parallel   </a:t>
+            </a:r>
+          </a:p>
+          <a:p>
+            <a:r>
+              <a:rPr lang="en-US" sz="2400" b="1" dirty="0"/>
+              <a:t>Section</a:t>
+            </a:r>
+          </a:p>
+        </p:txBody>
+      </p:sp>
+      <p:sp>
+        <p:nvSpPr>
+          <p:cNvPr id="3" name="Arrow: Right 2">
+            <a:extLst>
+              <a:ext uri="{FF2B5EF4-FFF2-40B4-BE49-F238E27FC236}">
+                <a16:creationId xmlns:a16="http://schemas.microsoft.com/office/drawing/2014/main" id="{EFE0DB67-851C-DC88-1CD9-6CD726A1E20C}"/>
+              </a:ext>
+            </a:extLst>
+          </p:cNvPr>
+          <p:cNvSpPr/>
+          <p:nvPr/>
+        </p:nvSpPr>
+        <p:spPr>
+          <a:xfrm rot="10800000">
+            <a:off x="9648824" y="2567305"/>
+            <a:ext cx="409575" cy="271145"/>
+          </a:xfrm>
+          <a:prstGeom prst="rightArrow">
+            <a:avLst/>
+          </a:prstGeom>
+          <a:solidFill>
+            <a:schemeClr val="tx1"/>
+          </a:solidFill>
+          <a:ln w="12700" cap="flat" cmpd="sng" algn="ctr">
+            <a:noFill/>
+            <a:prstDash val="solid"/>
+            <a:miter lim="800000"/>
+          </a:ln>
+          <a:effectLst/>
+        </p:spPr>
+        <p:style>
+          <a:lnRef idx="2">
+            <a:schemeClr val="accent1">
+              <a:shade val="50000"/>
+            </a:schemeClr>
+          </a:lnRef>
+          <a:fillRef idx="1">
+            <a:schemeClr val="accent1"/>
+          </a:fillRef>
+          <a:effectRef idx="0">
+            <a:schemeClr val="accent1"/>
+          </a:effectRef>
+          <a:fontRef idx="minor">
+            <a:schemeClr val="lt1"/>
+          </a:fontRef>
+        </p:style>
+        <p:txBody>
+          <a:bodyPr rtlCol="0" anchor="ctr"/>
+          <a:lstStyle/>
+          <a:p>
+            <a:pPr algn="ctr"/>
+            <a:endParaRPr lang="en-US"/>
+          </a:p>
+        </p:txBody>
+      </p:sp>
+      <p:sp>
+        <p:nvSpPr>
+          <p:cNvPr id="5" name="Arrow: Right 4">
+            <a:extLst>
+              <a:ext uri="{FF2B5EF4-FFF2-40B4-BE49-F238E27FC236}">
+                <a16:creationId xmlns:a16="http://schemas.microsoft.com/office/drawing/2014/main" id="{52638590-15E0-C679-98B1-0312B3F6C6D5}"/>
+              </a:ext>
+            </a:extLst>
+          </p:cNvPr>
+          <p:cNvSpPr/>
+          <p:nvPr/>
+        </p:nvSpPr>
+        <p:spPr>
+          <a:xfrm rot="10800000">
+            <a:off x="9648824" y="2910205"/>
+            <a:ext cx="409575" cy="271145"/>
+          </a:xfrm>
+          <a:prstGeom prst="rightArrow">
+            <a:avLst/>
+          </a:prstGeom>
+          <a:solidFill>
+            <a:schemeClr val="tx1"/>
+          </a:solidFill>
+          <a:ln w="12700" cap="flat" cmpd="sng" algn="ctr">
+            <a:noFill/>
+            <a:prstDash val="solid"/>
+            <a:miter lim="800000"/>
+          </a:ln>
+          <a:effectLst/>
+        </p:spPr>
+        <p:style>
+          <a:lnRef idx="2">
+            <a:schemeClr val="accent1">
+              <a:shade val="50000"/>
+            </a:schemeClr>
+          </a:lnRef>
+          <a:fillRef idx="1">
+            <a:schemeClr val="accent1"/>
+          </a:fillRef>
+          <a:effectRef idx="0">
+            <a:schemeClr val="accent1"/>
+          </a:effectRef>
+          <a:fontRef idx="minor">
+            <a:schemeClr val="lt1"/>
+          </a:fontRef>
+        </p:style>
+        <p:txBody>
+          <a:bodyPr rtlCol="0" anchor="ctr"/>
+          <a:lstStyle/>
+          <a:p>
+            <a:pPr algn="ctr"/>
+            <a:endParaRPr lang="en-US"/>
+          </a:p>
+        </p:txBody>
+      </p:sp>
+      <p:sp>
+        <p:nvSpPr>
+          <p:cNvPr id="7" name="Arrow: Right 6">
+            <a:extLst>
+              <a:ext uri="{FF2B5EF4-FFF2-40B4-BE49-F238E27FC236}">
+                <a16:creationId xmlns:a16="http://schemas.microsoft.com/office/drawing/2014/main" id="{9F2FCDA5-3D89-F110-4376-088CC6C09E4B}"/>
+              </a:ext>
+            </a:extLst>
+          </p:cNvPr>
+          <p:cNvSpPr/>
+          <p:nvPr/>
+        </p:nvSpPr>
+        <p:spPr>
+          <a:xfrm rot="10800000">
+            <a:off x="9648824" y="3445828"/>
+            <a:ext cx="409575" cy="271145"/>
+          </a:xfrm>
+          <a:prstGeom prst="rightArrow">
+            <a:avLst/>
+          </a:prstGeom>
+          <a:solidFill>
+            <a:schemeClr val="tx1"/>
+          </a:solidFill>
+          <a:ln w="12700" cap="flat" cmpd="sng" algn="ctr">
+            <a:noFill/>
+            <a:prstDash val="solid"/>
+            <a:miter lim="800000"/>
+          </a:ln>
+          <a:effectLst/>
+        </p:spPr>
+        <p:style>
+          <a:lnRef idx="2">
+            <a:schemeClr val="accent1">
+              <a:shade val="50000"/>
+            </a:schemeClr>
+          </a:lnRef>
+          <a:fillRef idx="1">
+            <a:schemeClr val="accent1"/>
+          </a:fillRef>
+          <a:effectRef idx="0">
+            <a:schemeClr val="accent1"/>
+          </a:effectRef>
+          <a:fontRef idx="minor">
+            <a:schemeClr val="lt1"/>
+          </a:fontRef>
+        </p:style>
+        <p:txBody>
+          <a:bodyPr rtlCol="0" anchor="ctr"/>
+          <a:lstStyle/>
+          <a:p>
+            <a:pPr algn="ctr"/>
+            <a:endParaRPr lang="en-US"/>
+          </a:p>
+        </p:txBody>
+      </p:sp>
+      <p:sp>
+        <p:nvSpPr>
+          <p:cNvPr id="10" name="Arrow: Right 9">
+            <a:extLst>
+              <a:ext uri="{FF2B5EF4-FFF2-40B4-BE49-F238E27FC236}">
+                <a16:creationId xmlns:a16="http://schemas.microsoft.com/office/drawing/2014/main" id="{309DA287-ECC2-08C1-B78D-2807E903231C}"/>
+              </a:ext>
+            </a:extLst>
+          </p:cNvPr>
+          <p:cNvSpPr/>
+          <p:nvPr/>
+        </p:nvSpPr>
+        <p:spPr>
+          <a:xfrm rot="10800000">
+            <a:off x="9667873" y="3836986"/>
+            <a:ext cx="409575" cy="271145"/>
+          </a:xfrm>
+          <a:prstGeom prst="rightArrow">
+            <a:avLst/>
+          </a:prstGeom>
+          <a:solidFill>
+            <a:schemeClr val="tx1"/>
+          </a:solidFill>
+          <a:ln w="12700" cap="flat" cmpd="sng" algn="ctr">
+            <a:noFill/>
+            <a:prstDash val="solid"/>
+            <a:miter lim="800000"/>
+          </a:ln>
+          <a:effectLst/>
+        </p:spPr>
+        <p:style>
+          <a:lnRef idx="2">
+            <a:schemeClr val="accent1">
+              <a:shade val="50000"/>
+            </a:schemeClr>
+          </a:lnRef>
+          <a:fillRef idx="1">
+            <a:schemeClr val="accent1"/>
+          </a:fillRef>
+          <a:effectRef idx="0">
+            <a:schemeClr val="accent1"/>
+          </a:effectRef>
+          <a:fontRef idx="minor">
+            <a:schemeClr val="lt1"/>
+          </a:fontRef>
+        </p:style>
+        <p:txBody>
+          <a:bodyPr rtlCol="0" anchor="ctr"/>
+          <a:lstStyle/>
+          <a:p>
+            <a:pPr algn="ctr"/>
+            <a:endParaRPr lang="en-US"/>
+          </a:p>
+        </p:txBody>
+      </p:sp>
+      <p:sp>
+        <p:nvSpPr>
+          <p:cNvPr id="11" name="Arrow: Right 10">
+            <a:extLst>
+              <a:ext uri="{FF2B5EF4-FFF2-40B4-BE49-F238E27FC236}">
+                <a16:creationId xmlns:a16="http://schemas.microsoft.com/office/drawing/2014/main" id="{D48C0550-D425-E328-3EB3-9E88D0827285}"/>
+              </a:ext>
+            </a:extLst>
+          </p:cNvPr>
+          <p:cNvSpPr/>
+          <p:nvPr/>
+        </p:nvSpPr>
+        <p:spPr>
+          <a:xfrm rot="10800000">
+            <a:off x="9667872" y="4394249"/>
+            <a:ext cx="409575" cy="271145"/>
+          </a:xfrm>
+          <a:prstGeom prst="rightArrow">
+            <a:avLst/>
+          </a:prstGeom>
+          <a:solidFill>
+            <a:schemeClr val="tx1"/>
+          </a:solidFill>
+          <a:ln w="12700" cap="flat" cmpd="sng" algn="ctr">
+            <a:noFill/>
+            <a:prstDash val="solid"/>
+            <a:miter lim="800000"/>
+          </a:ln>
+          <a:effectLst/>
+        </p:spPr>
+        <p:style>
+          <a:lnRef idx="2">
+            <a:schemeClr val="accent1">
+              <a:shade val="50000"/>
+            </a:schemeClr>
+          </a:lnRef>
+          <a:fillRef idx="1">
+            <a:schemeClr val="accent1"/>
+          </a:fillRef>
+          <a:effectRef idx="0">
+            <a:schemeClr val="accent1"/>
+          </a:effectRef>
+          <a:fontRef idx="minor">
+            <a:schemeClr val="lt1"/>
+          </a:fontRef>
+        </p:style>
+        <p:txBody>
+          <a:bodyPr rtlCol="0" anchor="ctr"/>
+          <a:lstStyle/>
+          <a:p>
+            <a:pPr algn="ctr"/>
+            <a:endParaRPr lang="en-US"/>
+          </a:p>
+        </p:txBody>
+      </p:sp>
+      <p:sp>
+        <p:nvSpPr>
+          <p:cNvPr id="12" name="Arrow: Right 11">
+            <a:extLst>
+              <a:ext uri="{FF2B5EF4-FFF2-40B4-BE49-F238E27FC236}">
+                <a16:creationId xmlns:a16="http://schemas.microsoft.com/office/drawing/2014/main" id="{EA2C51F9-7584-8272-D20D-35860F709021}"/>
+              </a:ext>
+            </a:extLst>
+          </p:cNvPr>
+          <p:cNvSpPr/>
+          <p:nvPr/>
+        </p:nvSpPr>
+        <p:spPr>
+          <a:xfrm rot="10800000">
+            <a:off x="9648823" y="5207098"/>
+            <a:ext cx="409575" cy="271145"/>
+          </a:xfrm>
+          <a:prstGeom prst="rightArrow">
+            <a:avLst/>
+          </a:prstGeom>
+          <a:solidFill>
+            <a:schemeClr val="tx1"/>
+          </a:solidFill>
+          <a:ln w="12700" cap="flat" cmpd="sng" algn="ctr">
+            <a:noFill/>
+            <a:prstDash val="solid"/>
+            <a:miter lim="800000"/>
+          </a:ln>
+          <a:effectLst/>
+        </p:spPr>
+        <p:style>
+          <a:lnRef idx="2">
+            <a:schemeClr val="accent1">
+              <a:shade val="50000"/>
+            </a:schemeClr>
+          </a:lnRef>
+          <a:fillRef idx="1">
+            <a:schemeClr val="accent1"/>
+          </a:fillRef>
+          <a:effectRef idx="0">
+            <a:schemeClr val="accent1"/>
+          </a:effectRef>
+          <a:fontRef idx="minor">
+            <a:schemeClr val="lt1"/>
+          </a:fontRef>
+        </p:style>
+        <p:txBody>
+          <a:bodyPr rtlCol="0" anchor="ctr"/>
+          <a:lstStyle/>
+          <a:p>
+            <a:pPr algn="ctr"/>
+            <a:endParaRPr lang="en-US"/>
+          </a:p>
+        </p:txBody>
+      </p:sp>
+      <p:cxnSp>
+        <p:nvCxnSpPr>
+          <p:cNvPr id="15" name="Straight Connector 14">
+            <a:extLst>
+              <a:ext uri="{FF2B5EF4-FFF2-40B4-BE49-F238E27FC236}">
+                <a16:creationId xmlns:a16="http://schemas.microsoft.com/office/drawing/2014/main" id="{4926913A-4F6C-7046-25AF-277874B1BE3F}"/>
+              </a:ext>
+            </a:extLst>
+          </p:cNvPr>
+          <p:cNvCxnSpPr/>
+          <p:nvPr/>
+        </p:nvCxnSpPr>
+        <p:spPr>
+          <a:xfrm>
+            <a:off x="2965450" y="2717800"/>
+            <a:ext cx="3067050" cy="0"/>
+          </a:xfrm>
+          <a:prstGeom prst="line">
+            <a:avLst/>
+          </a:prstGeom>
+          <a:ln w="28575">
+            <a:solidFill>
+              <a:schemeClr val="bg1"/>
+            </a:solidFill>
+          </a:ln>
+        </p:spPr>
+        <p:style>
+          <a:lnRef idx="1">
+            <a:schemeClr val="accent1"/>
+          </a:lnRef>
+          <a:fillRef idx="0">
+            <a:schemeClr val="accent1"/>
+          </a:fillRef>
+          <a:effectRef idx="0">
+            <a:schemeClr val="accent1"/>
+          </a:effectRef>
+          <a:fontRef idx="minor">
+            <a:schemeClr val="tx1"/>
+          </a:fontRef>
+        </p:style>
+      </p:cxnSp>
+      <p:cxnSp>
+        <p:nvCxnSpPr>
+          <p:cNvPr id="16" name="Straight Connector 15">
+            <a:extLst>
+              <a:ext uri="{FF2B5EF4-FFF2-40B4-BE49-F238E27FC236}">
+                <a16:creationId xmlns:a16="http://schemas.microsoft.com/office/drawing/2014/main" id="{5D3D4ABD-749A-B580-65E3-9B4DDE83D682}"/>
+              </a:ext>
+            </a:extLst>
+          </p:cNvPr>
+          <p:cNvCxnSpPr>
+            <a:cxnSpLocks/>
+          </p:cNvCxnSpPr>
+          <p:nvPr/>
+        </p:nvCxnSpPr>
+        <p:spPr>
+          <a:xfrm>
+            <a:off x="2965450" y="3035300"/>
+            <a:ext cx="2514600" cy="0"/>
+          </a:xfrm>
+          <a:prstGeom prst="line">
+            <a:avLst/>
+          </a:prstGeom>
+          <a:ln w="28575">
+            <a:solidFill>
+              <a:schemeClr val="bg1"/>
+            </a:solidFill>
+          </a:ln>
+        </p:spPr>
+        <p:style>
+          <a:lnRef idx="1">
+            <a:schemeClr val="accent1"/>
+          </a:lnRef>
+          <a:fillRef idx="0">
+            <a:schemeClr val="accent1"/>
+          </a:fillRef>
+          <a:effectRef idx="0">
+            <a:schemeClr val="accent1"/>
+          </a:effectRef>
+          <a:fontRef idx="minor">
+            <a:schemeClr val="tx1"/>
+          </a:fontRef>
+        </p:style>
+      </p:cxnSp>
+      <p:cxnSp>
+        <p:nvCxnSpPr>
+          <p:cNvPr id="18" name="Straight Connector 17">
+            <a:extLst>
+              <a:ext uri="{FF2B5EF4-FFF2-40B4-BE49-F238E27FC236}">
+                <a16:creationId xmlns:a16="http://schemas.microsoft.com/office/drawing/2014/main" id="{7576715F-A403-8B91-B439-CB230C685B7B}"/>
+              </a:ext>
+            </a:extLst>
+          </p:cNvPr>
+          <p:cNvCxnSpPr>
+            <a:cxnSpLocks/>
+          </p:cNvCxnSpPr>
+          <p:nvPr/>
+        </p:nvCxnSpPr>
+        <p:spPr>
+          <a:xfrm>
+            <a:off x="3225800" y="3675856"/>
+            <a:ext cx="3771900" cy="0"/>
+          </a:xfrm>
+          <a:prstGeom prst="line">
+            <a:avLst/>
+          </a:prstGeom>
+          <a:ln w="28575">
+            <a:solidFill>
+              <a:schemeClr val="bg1"/>
+            </a:solidFill>
+          </a:ln>
+        </p:spPr>
+        <p:style>
+          <a:lnRef idx="1">
+            <a:schemeClr val="accent1"/>
+          </a:lnRef>
+          <a:fillRef idx="0">
+            <a:schemeClr val="accent1"/>
+          </a:fillRef>
+          <a:effectRef idx="0">
+            <a:schemeClr val="accent1"/>
+          </a:effectRef>
+          <a:fontRef idx="minor">
+            <a:schemeClr val="tx1"/>
+          </a:fontRef>
+        </p:style>
+      </p:cxnSp>
+      <p:cxnSp>
+        <p:nvCxnSpPr>
+          <p:cNvPr id="20" name="Straight Connector 19">
+            <a:extLst>
+              <a:ext uri="{FF2B5EF4-FFF2-40B4-BE49-F238E27FC236}">
+                <a16:creationId xmlns:a16="http://schemas.microsoft.com/office/drawing/2014/main" id="{C55182D4-AF92-3E9C-8442-2BCABD4928DE}"/>
+              </a:ext>
+            </a:extLst>
+          </p:cNvPr>
+          <p:cNvCxnSpPr>
+            <a:cxnSpLocks/>
+          </p:cNvCxnSpPr>
+          <p:nvPr/>
+        </p:nvCxnSpPr>
+        <p:spPr>
+          <a:xfrm>
+            <a:off x="3467100" y="4132737"/>
+            <a:ext cx="4654550" cy="0"/>
+          </a:xfrm>
+          <a:prstGeom prst="line">
+            <a:avLst/>
+          </a:prstGeom>
+          <a:ln w="28575">
+            <a:solidFill>
+              <a:schemeClr val="bg1"/>
+            </a:solidFill>
+          </a:ln>
+        </p:spPr>
+        <p:style>
+          <a:lnRef idx="1">
+            <a:schemeClr val="accent1"/>
+          </a:lnRef>
+          <a:fillRef idx="0">
+            <a:schemeClr val="accent1"/>
+          </a:fillRef>
+          <a:effectRef idx="0">
+            <a:schemeClr val="accent1"/>
+          </a:effectRef>
+          <a:fontRef idx="minor">
+            <a:schemeClr val="tx1"/>
+          </a:fontRef>
+        </p:style>
+      </p:cxnSp>
+      <p:cxnSp>
+        <p:nvCxnSpPr>
+          <p:cNvPr id="22" name="Straight Connector 21">
+            <a:extLst>
+              <a:ext uri="{FF2B5EF4-FFF2-40B4-BE49-F238E27FC236}">
+                <a16:creationId xmlns:a16="http://schemas.microsoft.com/office/drawing/2014/main" id="{1CDD8E49-7617-CF68-3FB1-ED2CB9EFA4A6}"/>
+              </a:ext>
+            </a:extLst>
+          </p:cNvPr>
+          <p:cNvCxnSpPr>
+            <a:cxnSpLocks/>
+          </p:cNvCxnSpPr>
+          <p:nvPr/>
+        </p:nvCxnSpPr>
+        <p:spPr>
+          <a:xfrm>
+            <a:off x="3467100" y="3986687"/>
+            <a:ext cx="2063750" cy="0"/>
+          </a:xfrm>
+          <a:prstGeom prst="line">
+            <a:avLst/>
+          </a:prstGeom>
+          <a:ln w="28575">
+            <a:solidFill>
+              <a:schemeClr val="bg1"/>
+            </a:solidFill>
+          </a:ln>
+        </p:spPr>
+        <p:style>
+          <a:lnRef idx="1">
+            <a:schemeClr val="accent1"/>
+          </a:lnRef>
+          <a:fillRef idx="0">
+            <a:schemeClr val="accent1"/>
+          </a:fillRef>
+          <a:effectRef idx="0">
+            <a:schemeClr val="accent1"/>
+          </a:effectRef>
+          <a:fontRef idx="minor">
+            <a:schemeClr val="tx1"/>
+          </a:fontRef>
+        </p:style>
+      </p:cxnSp>
+      <p:cxnSp>
+        <p:nvCxnSpPr>
+          <p:cNvPr id="24" name="Straight Connector 23">
+            <a:extLst>
+              <a:ext uri="{FF2B5EF4-FFF2-40B4-BE49-F238E27FC236}">
+                <a16:creationId xmlns:a16="http://schemas.microsoft.com/office/drawing/2014/main" id="{05CB6D98-CD8F-BAAD-1986-27E9FDB34E51}"/>
+              </a:ext>
+            </a:extLst>
+          </p:cNvPr>
+          <p:cNvCxnSpPr>
+            <a:cxnSpLocks/>
+          </p:cNvCxnSpPr>
+          <p:nvPr/>
+        </p:nvCxnSpPr>
+        <p:spPr>
+          <a:xfrm>
+            <a:off x="3727450" y="4608987"/>
+            <a:ext cx="2787650" cy="0"/>
+          </a:xfrm>
+          <a:prstGeom prst="line">
+            <a:avLst/>
+          </a:prstGeom>
+          <a:ln w="28575">
+            <a:solidFill>
+              <a:schemeClr val="bg1"/>
+            </a:solidFill>
+          </a:ln>
+        </p:spPr>
+        <p:style>
+          <a:lnRef idx="1">
+            <a:schemeClr val="accent1"/>
+          </a:lnRef>
+          <a:fillRef idx="0">
+            <a:schemeClr val="accent1"/>
+          </a:fillRef>
+          <a:effectRef idx="0">
+            <a:schemeClr val="accent1"/>
+          </a:effectRef>
+          <a:fontRef idx="minor">
+            <a:schemeClr val="tx1"/>
+          </a:fontRef>
+        </p:style>
+      </p:cxnSp>
+      <p:cxnSp>
+        <p:nvCxnSpPr>
+          <p:cNvPr id="27" name="Straight Connector 26">
+            <a:extLst>
+              <a:ext uri="{FF2B5EF4-FFF2-40B4-BE49-F238E27FC236}">
+                <a16:creationId xmlns:a16="http://schemas.microsoft.com/office/drawing/2014/main" id="{BAC9C639-D375-D063-C1E4-1EF4918377D3}"/>
+              </a:ext>
+            </a:extLst>
+          </p:cNvPr>
+          <p:cNvCxnSpPr>
+            <a:cxnSpLocks/>
+          </p:cNvCxnSpPr>
+          <p:nvPr/>
+        </p:nvCxnSpPr>
+        <p:spPr>
+          <a:xfrm>
+            <a:off x="3203575" y="5561487"/>
+            <a:ext cx="523875" cy="0"/>
+          </a:xfrm>
+          <a:prstGeom prst="line">
+            <a:avLst/>
+          </a:prstGeom>
+          <a:ln w="28575">
+            <a:solidFill>
+              <a:schemeClr val="bg1"/>
+            </a:solidFill>
+          </a:ln>
+        </p:spPr>
+        <p:style>
+          <a:lnRef idx="1">
+            <a:schemeClr val="accent1"/>
+          </a:lnRef>
+          <a:fillRef idx="0">
+            <a:schemeClr val="accent1"/>
+          </a:fillRef>
+          <a:effectRef idx="0">
+            <a:schemeClr val="accent1"/>
+          </a:effectRef>
+          <a:fontRef idx="minor">
+            <a:schemeClr val="tx1"/>
+          </a:fontRef>
+        </p:style>
+      </p:cxnSp>
+    </p:spTree>
+    <p:extLst>
+      <p:ext uri="{BB962C8B-B14F-4D97-AF65-F5344CB8AC3E}">
+        <p14:creationId xmlns:p14="http://schemas.microsoft.com/office/powerpoint/2010/main" val="1009718050"/>
+      </p:ext>
+    </p:extLst>
+  </p:cSld>
+  <p:clrMapOvr>
+    <a:masterClrMapping/>
+  </p:clrMapOvr>
+  <p:timing>
+    <p:tnLst>
+      <p:par>
+        <p:cTn id="1" dur="indefinite" restart="never" nodeType="tmRoot">
+          <p:childTnLst>
+            <p:seq concurrent="1" nextAc="seek">
+              <p:cTn id="2" dur="indefinite" nodeType="mainSeq">
+                <p:childTnLst>
+                  <p:par>
+                    <p:cTn id="3" fill="hold">
+                      <p:stCondLst>
+                        <p:cond delay="indefinite"/>
+                        <p:cond evt="onBegin" delay="0">
+                          <p:tn val="2"/>
+                        </p:cond>
+                      </p:stCondLst>
+                      <p:childTnLst>
+                        <p:par>
+                          <p:cTn id="4" fill="hold">
+                            <p:stCondLst>
+                              <p:cond delay="0"/>
+                            </p:stCondLst>
+                            <p:childTnLst>
+                              <p:par>
+                                <p:cTn id="5" presetID="10" presetClass="entr" presetSubtype="0" fill="hold" grpId="0" nodeType="afterEffect">
+                                  <p:stCondLst>
+                                    <p:cond delay="0"/>
+                                  </p:stCondLst>
+                                  <p:childTnLst>
+                                    <p:set>
+                                      <p:cBhvr>
+                                        <p:cTn id="6" dur="1" fill="hold">
+                                          <p:stCondLst>
+                                            <p:cond delay="0"/>
+                                          </p:stCondLst>
+                                        </p:cTn>
+                                        <p:tgtEl>
+                                          <p:spTgt spid="8"/>
+                                        </p:tgtEl>
+                                        <p:attrNameLst>
+                                          <p:attrName>style.visibility</p:attrName>
+                                        </p:attrNameLst>
+                                      </p:cBhvr>
+                                      <p:to>
+                                        <p:strVal val="visible"/>
+                                      </p:to>
+                                    </p:set>
+                                    <p:animEffect transition="in" filter="fade">
+                                      <p:cBhvr>
+                                        <p:cTn id="7" dur="250"/>
+                                        <p:tgtEl>
+                                          <p:spTgt spid="8"/>
+                                        </p:tgtEl>
+                                      </p:cBhvr>
+                                    </p:animEffect>
+                                  </p:childTnLst>
+                                </p:cTn>
+                              </p:par>
+                              <p:par>
+                                <p:cTn id="8" presetID="10" presetClass="entr" presetSubtype="0" fill="hold" grpId="0" nodeType="withEffect">
+                                  <p:stCondLst>
+                                    <p:cond delay="0"/>
+                                  </p:stCondLst>
+                                  <p:childTnLst>
+                                    <p:set>
+                                      <p:cBhvr>
+                                        <p:cTn id="9" dur="1" fill="hold">
+                                          <p:stCondLst>
+                                            <p:cond delay="0"/>
+                                          </p:stCondLst>
+                                        </p:cTn>
+                                        <p:tgtEl>
+                                          <p:spTgt spid="9"/>
+                                        </p:tgtEl>
+                                        <p:attrNameLst>
+                                          <p:attrName>style.visibility</p:attrName>
+                                        </p:attrNameLst>
+                                      </p:cBhvr>
+                                      <p:to>
+                                        <p:strVal val="visible"/>
+                                      </p:to>
+                                    </p:set>
+                                    <p:animEffect transition="in" filter="fade">
+                                      <p:cBhvr>
+                                        <p:cTn id="10" dur="250"/>
+                                        <p:tgtEl>
+                                          <p:spTgt spid="9"/>
+                                        </p:tgtEl>
+                                      </p:cBhvr>
+                                    </p:animEffect>
+                                  </p:childTnLst>
+                                </p:cTn>
+                              </p:par>
+                              <p:par>
+                                <p:cTn id="11" presetID="10" presetClass="entr" presetSubtype="0" fill="hold" nodeType="withEffect">
+                                  <p:stCondLst>
+                                    <p:cond delay="0"/>
+                                  </p:stCondLst>
+                                  <p:childTnLst>
+                                    <p:set>
+                                      <p:cBhvr>
+                                        <p:cTn id="12" dur="1" fill="hold">
+                                          <p:stCondLst>
+                                            <p:cond delay="0"/>
+                                          </p:stCondLst>
+                                        </p:cTn>
+                                        <p:tgtEl>
+                                          <p:spTgt spid="6"/>
+                                        </p:tgtEl>
+                                        <p:attrNameLst>
+                                          <p:attrName>style.visibility</p:attrName>
+                                        </p:attrNameLst>
+                                      </p:cBhvr>
+                                      <p:to>
+                                        <p:strVal val="visible"/>
+                                      </p:to>
+                                    </p:set>
+                                    <p:animEffect transition="in" filter="fade">
+                                      <p:cBhvr>
+                                        <p:cTn id="13" dur="250"/>
+                                        <p:tgtEl>
+                                          <p:spTgt spid="6"/>
+                                        </p:tgtEl>
+                                      </p:cBhvr>
+                                    </p:animEffect>
+                                  </p:childTnLst>
+                                </p:cTn>
+                              </p:par>
+                            </p:childTnLst>
+                          </p:cTn>
+                        </p:par>
+                      </p:childTnLst>
+                    </p:cTn>
+                  </p:par>
+                  <p:par>
+                    <p:cTn id="14" fill="hold">
+                      <p:stCondLst>
+                        <p:cond delay="indefinite"/>
+                      </p:stCondLst>
+                      <p:childTnLst>
+                        <p:par>
+                          <p:cTn id="15" fill="hold">
+                            <p:stCondLst>
+                              <p:cond delay="0"/>
+                            </p:stCondLst>
+                            <p:childTnLst>
+                              <p:par>
+                                <p:cTn id="16" presetID="10" presetClass="entr" presetSubtype="0" fill="hold" grpId="0" nodeType="clickEffect">
+                                  <p:stCondLst>
+                                    <p:cond delay="0"/>
+                                  </p:stCondLst>
+                                  <p:childTnLst>
+                                    <p:set>
+                                      <p:cBhvr>
+                                        <p:cTn id="17" dur="1" fill="hold">
+                                          <p:stCondLst>
+                                            <p:cond delay="0"/>
+                                          </p:stCondLst>
+                                        </p:cTn>
+                                        <p:tgtEl>
+                                          <p:spTgt spid="3"/>
+                                        </p:tgtEl>
+                                        <p:attrNameLst>
+                                          <p:attrName>style.visibility</p:attrName>
+                                        </p:attrNameLst>
+                                      </p:cBhvr>
+                                      <p:to>
+                                        <p:strVal val="visible"/>
+                                      </p:to>
+                                    </p:set>
+                                    <p:animEffect transition="in" filter="fade">
+                                      <p:cBhvr>
+                                        <p:cTn id="18" dur="250"/>
+                                        <p:tgtEl>
+                                          <p:spTgt spid="3"/>
+                                        </p:tgtEl>
+                                      </p:cBhvr>
+                                    </p:animEffect>
+                                  </p:childTnLst>
+                                </p:cTn>
+                              </p:par>
+                              <p:par>
+                                <p:cTn id="19" presetID="10" presetClass="entr" presetSubtype="0" fill="hold" nodeType="withEffect">
+                                  <p:stCondLst>
+                                    <p:cond delay="0"/>
+                                  </p:stCondLst>
+                                  <p:childTnLst>
+                                    <p:set>
+                                      <p:cBhvr>
+                                        <p:cTn id="20" dur="1" fill="hold">
+                                          <p:stCondLst>
+                                            <p:cond delay="0"/>
+                                          </p:stCondLst>
+                                        </p:cTn>
+                                        <p:tgtEl>
+                                          <p:spTgt spid="15"/>
+                                        </p:tgtEl>
+                                        <p:attrNameLst>
+                                          <p:attrName>style.visibility</p:attrName>
+                                        </p:attrNameLst>
+                                      </p:cBhvr>
+                                      <p:to>
+                                        <p:strVal val="visible"/>
+                                      </p:to>
+                                    </p:set>
+                                    <p:animEffect transition="in" filter="fade">
+                                      <p:cBhvr>
+                                        <p:cTn id="21" dur="250"/>
+                                        <p:tgtEl>
+                                          <p:spTgt spid="15"/>
+                                        </p:tgtEl>
+                                      </p:cBhvr>
+                                    </p:animEffect>
+                                  </p:childTnLst>
+                                </p:cTn>
+                              </p:par>
+                            </p:childTnLst>
+                          </p:cTn>
+                        </p:par>
+                      </p:childTnLst>
+                    </p:cTn>
+                  </p:par>
+                  <p:par>
+                    <p:cTn id="22" fill="hold">
+                      <p:stCondLst>
+                        <p:cond delay="indefinite"/>
+                      </p:stCondLst>
+                      <p:childTnLst>
+                        <p:par>
+                          <p:cTn id="23" fill="hold">
+                            <p:stCondLst>
+                              <p:cond delay="0"/>
+                            </p:stCondLst>
+                            <p:childTnLst>
+                              <p:par>
+                                <p:cTn id="24" presetID="10" presetClass="exit" presetSubtype="0" fill="hold" grpId="1" nodeType="clickEffect">
+                                  <p:stCondLst>
+                                    <p:cond delay="0"/>
+                                  </p:stCondLst>
+                                  <p:childTnLst>
+                                    <p:animEffect transition="out" filter="fade">
+                                      <p:cBhvr>
+                                        <p:cTn id="25" dur="250"/>
+                                        <p:tgtEl>
+                                          <p:spTgt spid="3"/>
+                                        </p:tgtEl>
+                                      </p:cBhvr>
+                                    </p:animEffect>
+                                    <p:set>
+                                      <p:cBhvr>
+                                        <p:cTn id="26" dur="1" fill="hold">
+                                          <p:stCondLst>
+                                            <p:cond delay="249"/>
+                                          </p:stCondLst>
+                                        </p:cTn>
+                                        <p:tgtEl>
+                                          <p:spTgt spid="3"/>
+                                        </p:tgtEl>
+                                        <p:attrNameLst>
+                                          <p:attrName>style.visibility</p:attrName>
+                                        </p:attrNameLst>
+                                      </p:cBhvr>
+                                      <p:to>
+                                        <p:strVal val="hidden"/>
+                                      </p:to>
+                                    </p:set>
+                                  </p:childTnLst>
+                                </p:cTn>
+                              </p:par>
+                              <p:par>
+                                <p:cTn id="27" presetID="10" presetClass="exit" presetSubtype="0" fill="hold" nodeType="withEffect">
+                                  <p:stCondLst>
+                                    <p:cond delay="0"/>
+                                  </p:stCondLst>
+                                  <p:childTnLst>
+                                    <p:animEffect transition="out" filter="fade">
+                                      <p:cBhvr>
+                                        <p:cTn id="28" dur="250"/>
+                                        <p:tgtEl>
+                                          <p:spTgt spid="15"/>
+                                        </p:tgtEl>
+                                      </p:cBhvr>
+                                    </p:animEffect>
+                                    <p:set>
+                                      <p:cBhvr>
+                                        <p:cTn id="29" dur="1" fill="hold">
+                                          <p:stCondLst>
+                                            <p:cond delay="249"/>
+                                          </p:stCondLst>
+                                        </p:cTn>
+                                        <p:tgtEl>
+                                          <p:spTgt spid="15"/>
+                                        </p:tgtEl>
+                                        <p:attrNameLst>
+                                          <p:attrName>style.visibility</p:attrName>
+                                        </p:attrNameLst>
+                                      </p:cBhvr>
+                                      <p:to>
+                                        <p:strVal val="hidden"/>
+                                      </p:to>
+                                    </p:set>
+                                  </p:childTnLst>
+                                </p:cTn>
+                              </p:par>
+                              <p:par>
+                                <p:cTn id="30" presetID="10" presetClass="entr" presetSubtype="0" fill="hold" nodeType="withEffect">
+                                  <p:stCondLst>
+                                    <p:cond delay="0"/>
+                                  </p:stCondLst>
+                                  <p:childTnLst>
+                                    <p:set>
+                                      <p:cBhvr>
+                                        <p:cTn id="31" dur="1" fill="hold">
+                                          <p:stCondLst>
+                                            <p:cond delay="0"/>
+                                          </p:stCondLst>
+                                        </p:cTn>
+                                        <p:tgtEl>
+                                          <p:spTgt spid="16"/>
+                                        </p:tgtEl>
+                                        <p:attrNameLst>
+                                          <p:attrName>style.visibility</p:attrName>
+                                        </p:attrNameLst>
+                                      </p:cBhvr>
+                                      <p:to>
+                                        <p:strVal val="visible"/>
+                                      </p:to>
+                                    </p:set>
+                                    <p:animEffect transition="in" filter="fade">
+                                      <p:cBhvr>
+                                        <p:cTn id="32" dur="250"/>
+                                        <p:tgtEl>
+                                          <p:spTgt spid="16"/>
+                                        </p:tgtEl>
+                                      </p:cBhvr>
+                                    </p:animEffect>
+                                  </p:childTnLst>
+                                </p:cTn>
+                              </p:par>
+                              <p:par>
+                                <p:cTn id="33" presetID="10" presetClass="entr" presetSubtype="0" fill="hold" grpId="0" nodeType="withEffect">
+                                  <p:stCondLst>
+                                    <p:cond delay="0"/>
+                                  </p:stCondLst>
+                                  <p:childTnLst>
+                                    <p:set>
+                                      <p:cBhvr>
+                                        <p:cTn id="34" dur="1" fill="hold">
+                                          <p:stCondLst>
+                                            <p:cond delay="0"/>
+                                          </p:stCondLst>
+                                        </p:cTn>
+                                        <p:tgtEl>
+                                          <p:spTgt spid="5"/>
+                                        </p:tgtEl>
+                                        <p:attrNameLst>
+                                          <p:attrName>style.visibility</p:attrName>
+                                        </p:attrNameLst>
+                                      </p:cBhvr>
+                                      <p:to>
+                                        <p:strVal val="visible"/>
+                                      </p:to>
+                                    </p:set>
+                                    <p:animEffect transition="in" filter="fade">
+                                      <p:cBhvr>
+                                        <p:cTn id="35" dur="250"/>
+                                        <p:tgtEl>
+                                          <p:spTgt spid="5"/>
+                                        </p:tgtEl>
+                                      </p:cBhvr>
+                                    </p:animEffect>
+                                  </p:childTnLst>
+                                </p:cTn>
+                              </p:par>
+                            </p:childTnLst>
+                          </p:cTn>
+                        </p:par>
+                      </p:childTnLst>
+                    </p:cTn>
+                  </p:par>
+                  <p:par>
+                    <p:cTn id="36" fill="hold">
+                      <p:stCondLst>
+                        <p:cond delay="indefinite"/>
+                      </p:stCondLst>
+                      <p:childTnLst>
+                        <p:par>
+                          <p:cTn id="37" fill="hold">
+                            <p:stCondLst>
+                              <p:cond delay="0"/>
+                            </p:stCondLst>
+                            <p:childTnLst>
+                              <p:par>
+                                <p:cTn id="38" presetID="10" presetClass="exit" presetSubtype="0" fill="hold" grpId="1" nodeType="clickEffect">
+                                  <p:stCondLst>
+                                    <p:cond delay="0"/>
+                                  </p:stCondLst>
+                                  <p:childTnLst>
+                                    <p:animEffect transition="out" filter="fade">
+                                      <p:cBhvr>
+                                        <p:cTn id="39" dur="250"/>
+                                        <p:tgtEl>
+                                          <p:spTgt spid="5"/>
+                                        </p:tgtEl>
+                                      </p:cBhvr>
+                                    </p:animEffect>
+                                    <p:set>
+                                      <p:cBhvr>
+                                        <p:cTn id="40" dur="1" fill="hold">
+                                          <p:stCondLst>
+                                            <p:cond delay="249"/>
+                                          </p:stCondLst>
+                                        </p:cTn>
+                                        <p:tgtEl>
+                                          <p:spTgt spid="5"/>
+                                        </p:tgtEl>
+                                        <p:attrNameLst>
+                                          <p:attrName>style.visibility</p:attrName>
+                                        </p:attrNameLst>
+                                      </p:cBhvr>
+                                      <p:to>
+                                        <p:strVal val="hidden"/>
+                                      </p:to>
+                                    </p:set>
+                                  </p:childTnLst>
+                                </p:cTn>
+                              </p:par>
+                              <p:par>
+                                <p:cTn id="41" presetID="10" presetClass="entr" presetSubtype="0" fill="hold" grpId="0" nodeType="withEffect">
+                                  <p:stCondLst>
+                                    <p:cond delay="0"/>
+                                  </p:stCondLst>
+                                  <p:childTnLst>
+                                    <p:set>
+                                      <p:cBhvr>
+                                        <p:cTn id="42" dur="1" fill="hold">
+                                          <p:stCondLst>
+                                            <p:cond delay="0"/>
+                                          </p:stCondLst>
+                                        </p:cTn>
+                                        <p:tgtEl>
+                                          <p:spTgt spid="7"/>
+                                        </p:tgtEl>
+                                        <p:attrNameLst>
+                                          <p:attrName>style.visibility</p:attrName>
+                                        </p:attrNameLst>
+                                      </p:cBhvr>
+                                      <p:to>
+                                        <p:strVal val="visible"/>
+                                      </p:to>
+                                    </p:set>
+                                    <p:animEffect transition="in" filter="fade">
+                                      <p:cBhvr>
+                                        <p:cTn id="43" dur="250"/>
+                                        <p:tgtEl>
+                                          <p:spTgt spid="7"/>
+                                        </p:tgtEl>
+                                      </p:cBhvr>
+                                    </p:animEffect>
+                                  </p:childTnLst>
+                                </p:cTn>
+                              </p:par>
+                              <p:par>
+                                <p:cTn id="44" presetID="10" presetClass="exit" presetSubtype="0" fill="hold" nodeType="withEffect">
+                                  <p:stCondLst>
+                                    <p:cond delay="0"/>
+                                  </p:stCondLst>
+                                  <p:childTnLst>
+                                    <p:animEffect transition="out" filter="fade">
+                                      <p:cBhvr>
+                                        <p:cTn id="45" dur="250"/>
+                                        <p:tgtEl>
+                                          <p:spTgt spid="16"/>
+                                        </p:tgtEl>
+                                      </p:cBhvr>
+                                    </p:animEffect>
+                                    <p:set>
+                                      <p:cBhvr>
+                                        <p:cTn id="46" dur="1" fill="hold">
+                                          <p:stCondLst>
+                                            <p:cond delay="249"/>
+                                          </p:stCondLst>
+                                        </p:cTn>
+                                        <p:tgtEl>
+                                          <p:spTgt spid="16"/>
+                                        </p:tgtEl>
+                                        <p:attrNameLst>
+                                          <p:attrName>style.visibility</p:attrName>
+                                        </p:attrNameLst>
+                                      </p:cBhvr>
+                                      <p:to>
+                                        <p:strVal val="hidden"/>
+                                      </p:to>
+                                    </p:set>
+                                  </p:childTnLst>
+                                </p:cTn>
+                              </p:par>
+                              <p:par>
+                                <p:cTn id="47" presetID="10" presetClass="entr" presetSubtype="0" fill="hold" nodeType="withEffect">
+                                  <p:stCondLst>
+                                    <p:cond delay="0"/>
+                                  </p:stCondLst>
+                                  <p:childTnLst>
+                                    <p:set>
+                                      <p:cBhvr>
+                                        <p:cTn id="48" dur="1" fill="hold">
+                                          <p:stCondLst>
+                                            <p:cond delay="0"/>
+                                          </p:stCondLst>
+                                        </p:cTn>
+                                        <p:tgtEl>
+                                          <p:spTgt spid="18"/>
+                                        </p:tgtEl>
+                                        <p:attrNameLst>
+                                          <p:attrName>style.visibility</p:attrName>
+                                        </p:attrNameLst>
+                                      </p:cBhvr>
+                                      <p:to>
+                                        <p:strVal val="visible"/>
+                                      </p:to>
+                                    </p:set>
+                                    <p:animEffect transition="in" filter="fade">
+                                      <p:cBhvr>
+                                        <p:cTn id="49" dur="250"/>
+                                        <p:tgtEl>
+                                          <p:spTgt spid="18"/>
+                                        </p:tgtEl>
+                                      </p:cBhvr>
+                                    </p:animEffect>
+                                  </p:childTnLst>
+                                </p:cTn>
+                              </p:par>
+                            </p:childTnLst>
+                          </p:cTn>
+                        </p:par>
+                      </p:childTnLst>
+                    </p:cTn>
+                  </p:par>
+                  <p:par>
+                    <p:cTn id="50" fill="hold">
+                      <p:stCondLst>
+                        <p:cond delay="indefinite"/>
+                      </p:stCondLst>
+                      <p:childTnLst>
+                        <p:par>
+                          <p:cTn id="51" fill="hold">
+                            <p:stCondLst>
+                              <p:cond delay="0"/>
+                            </p:stCondLst>
+                            <p:childTnLst>
+                              <p:par>
+                                <p:cTn id="52" presetID="10" presetClass="exit" presetSubtype="0" fill="hold" grpId="1" nodeType="clickEffect">
+                                  <p:stCondLst>
+                                    <p:cond delay="0"/>
+                                  </p:stCondLst>
+                                  <p:childTnLst>
+                                    <p:animEffect transition="out" filter="fade">
+                                      <p:cBhvr>
+                                        <p:cTn id="53" dur="250"/>
+                                        <p:tgtEl>
+                                          <p:spTgt spid="7"/>
+                                        </p:tgtEl>
+                                      </p:cBhvr>
+                                    </p:animEffect>
+                                    <p:set>
+                                      <p:cBhvr>
+                                        <p:cTn id="54" dur="1" fill="hold">
+                                          <p:stCondLst>
+                                            <p:cond delay="249"/>
+                                          </p:stCondLst>
+                                        </p:cTn>
+                                        <p:tgtEl>
+                                          <p:spTgt spid="7"/>
+                                        </p:tgtEl>
+                                        <p:attrNameLst>
+                                          <p:attrName>style.visibility</p:attrName>
+                                        </p:attrNameLst>
+                                      </p:cBhvr>
+                                      <p:to>
+                                        <p:strVal val="hidden"/>
+                                      </p:to>
+                                    </p:set>
+                                  </p:childTnLst>
+                                </p:cTn>
+                              </p:par>
+                              <p:par>
+                                <p:cTn id="55" presetID="10" presetClass="exit" presetSubtype="0" fill="hold" nodeType="withEffect">
+                                  <p:stCondLst>
+                                    <p:cond delay="0"/>
+                                  </p:stCondLst>
+                                  <p:childTnLst>
+                                    <p:animEffect transition="out" filter="fade">
+                                      <p:cBhvr>
+                                        <p:cTn id="56" dur="250"/>
+                                        <p:tgtEl>
+                                          <p:spTgt spid="18"/>
+                                        </p:tgtEl>
+                                      </p:cBhvr>
+                                    </p:animEffect>
+                                    <p:set>
+                                      <p:cBhvr>
+                                        <p:cTn id="57" dur="1" fill="hold">
+                                          <p:stCondLst>
+                                            <p:cond delay="249"/>
+                                          </p:stCondLst>
+                                        </p:cTn>
+                                        <p:tgtEl>
+                                          <p:spTgt spid="18"/>
+                                        </p:tgtEl>
+                                        <p:attrNameLst>
+                                          <p:attrName>style.visibility</p:attrName>
+                                        </p:attrNameLst>
+                                      </p:cBhvr>
+                                      <p:to>
+                                        <p:strVal val="hidden"/>
+                                      </p:to>
+                                    </p:set>
+                                  </p:childTnLst>
+                                </p:cTn>
+                              </p:par>
+                              <p:par>
+                                <p:cTn id="58" presetID="10" presetClass="entr" presetSubtype="0" fill="hold" grpId="0" nodeType="withEffect">
+                                  <p:stCondLst>
+                                    <p:cond delay="0"/>
+                                  </p:stCondLst>
+                                  <p:childTnLst>
+                                    <p:set>
+                                      <p:cBhvr>
+                                        <p:cTn id="59" dur="1" fill="hold">
+                                          <p:stCondLst>
+                                            <p:cond delay="0"/>
+                                          </p:stCondLst>
+                                        </p:cTn>
+                                        <p:tgtEl>
+                                          <p:spTgt spid="10"/>
+                                        </p:tgtEl>
+                                        <p:attrNameLst>
+                                          <p:attrName>style.visibility</p:attrName>
+                                        </p:attrNameLst>
+                                      </p:cBhvr>
+                                      <p:to>
+                                        <p:strVal val="visible"/>
+                                      </p:to>
+                                    </p:set>
+                                    <p:animEffect transition="in" filter="fade">
+                                      <p:cBhvr>
+                                        <p:cTn id="60" dur="250"/>
+                                        <p:tgtEl>
+                                          <p:spTgt spid="10"/>
+                                        </p:tgtEl>
+                                      </p:cBhvr>
+                                    </p:animEffect>
+                                  </p:childTnLst>
+                                </p:cTn>
+                              </p:par>
+                              <p:par>
+                                <p:cTn id="61" presetID="10" presetClass="entr" presetSubtype="0" fill="hold" nodeType="withEffect">
+                                  <p:stCondLst>
+                                    <p:cond delay="0"/>
+                                  </p:stCondLst>
+                                  <p:childTnLst>
+                                    <p:set>
+                                      <p:cBhvr>
+                                        <p:cTn id="62" dur="1" fill="hold">
+                                          <p:stCondLst>
+                                            <p:cond delay="0"/>
+                                          </p:stCondLst>
+                                        </p:cTn>
+                                        <p:tgtEl>
+                                          <p:spTgt spid="22"/>
+                                        </p:tgtEl>
+                                        <p:attrNameLst>
+                                          <p:attrName>style.visibility</p:attrName>
+                                        </p:attrNameLst>
+                                      </p:cBhvr>
+                                      <p:to>
+                                        <p:strVal val="visible"/>
+                                      </p:to>
+                                    </p:set>
+                                    <p:animEffect transition="in" filter="fade">
+                                      <p:cBhvr>
+                                        <p:cTn id="63" dur="250"/>
+                                        <p:tgtEl>
+                                          <p:spTgt spid="22"/>
+                                        </p:tgtEl>
+                                      </p:cBhvr>
+                                    </p:animEffect>
+                                  </p:childTnLst>
+                                </p:cTn>
+                              </p:par>
+                              <p:par>
+                                <p:cTn id="64" presetID="10" presetClass="entr" presetSubtype="0" fill="hold" nodeType="withEffect">
+                                  <p:stCondLst>
+                                    <p:cond delay="0"/>
+                                  </p:stCondLst>
+                                  <p:childTnLst>
+                                    <p:set>
+                                      <p:cBhvr>
+                                        <p:cTn id="65" dur="1" fill="hold">
+                                          <p:stCondLst>
+                                            <p:cond delay="0"/>
+                                          </p:stCondLst>
+                                        </p:cTn>
+                                        <p:tgtEl>
+                                          <p:spTgt spid="20"/>
+                                        </p:tgtEl>
+                                        <p:attrNameLst>
+                                          <p:attrName>style.visibility</p:attrName>
+                                        </p:attrNameLst>
+                                      </p:cBhvr>
+                                      <p:to>
+                                        <p:strVal val="visible"/>
+                                      </p:to>
+                                    </p:set>
+                                    <p:animEffect transition="in" filter="fade">
+                                      <p:cBhvr>
+                                        <p:cTn id="66" dur="250"/>
+                                        <p:tgtEl>
+                                          <p:spTgt spid="20"/>
+                                        </p:tgtEl>
+                                      </p:cBhvr>
+                                    </p:animEffect>
+                                  </p:childTnLst>
+                                </p:cTn>
+                              </p:par>
+                            </p:childTnLst>
+                          </p:cTn>
+                        </p:par>
+                      </p:childTnLst>
+                    </p:cTn>
+                  </p:par>
+                  <p:par>
+                    <p:cTn id="67" fill="hold">
+                      <p:stCondLst>
+                        <p:cond delay="indefinite"/>
+                      </p:stCondLst>
+                      <p:childTnLst>
+                        <p:par>
+                          <p:cTn id="68" fill="hold">
+                            <p:stCondLst>
+                              <p:cond delay="0"/>
+                            </p:stCondLst>
+                            <p:childTnLst>
+                              <p:par>
+                                <p:cTn id="69" presetID="10" presetClass="exit" presetSubtype="0" fill="hold" grpId="1" nodeType="clickEffect">
+                                  <p:stCondLst>
+                                    <p:cond delay="0"/>
+                                  </p:stCondLst>
+                                  <p:childTnLst>
+                                    <p:animEffect transition="out" filter="fade">
+                                      <p:cBhvr>
+                                        <p:cTn id="70" dur="250"/>
+                                        <p:tgtEl>
+                                          <p:spTgt spid="10"/>
+                                        </p:tgtEl>
+                                      </p:cBhvr>
+                                    </p:animEffect>
+                                    <p:set>
+                                      <p:cBhvr>
+                                        <p:cTn id="71" dur="1" fill="hold">
+                                          <p:stCondLst>
+                                            <p:cond delay="249"/>
+                                          </p:stCondLst>
+                                        </p:cTn>
+                                        <p:tgtEl>
+                                          <p:spTgt spid="10"/>
+                                        </p:tgtEl>
+                                        <p:attrNameLst>
+                                          <p:attrName>style.visibility</p:attrName>
+                                        </p:attrNameLst>
+                                      </p:cBhvr>
+                                      <p:to>
+                                        <p:strVal val="hidden"/>
+                                      </p:to>
+                                    </p:set>
+                                  </p:childTnLst>
+                                </p:cTn>
+                              </p:par>
+                              <p:par>
+                                <p:cTn id="72" presetID="10" presetClass="exit" presetSubtype="0" fill="hold" nodeType="withEffect">
+                                  <p:stCondLst>
+                                    <p:cond delay="0"/>
+                                  </p:stCondLst>
+                                  <p:childTnLst>
+                                    <p:animEffect transition="out" filter="fade">
+                                      <p:cBhvr>
+                                        <p:cTn id="73" dur="250"/>
+                                        <p:tgtEl>
+                                          <p:spTgt spid="22"/>
+                                        </p:tgtEl>
+                                      </p:cBhvr>
+                                    </p:animEffect>
+                                    <p:set>
+                                      <p:cBhvr>
+                                        <p:cTn id="74" dur="1" fill="hold">
+                                          <p:stCondLst>
+                                            <p:cond delay="249"/>
+                                          </p:stCondLst>
+                                        </p:cTn>
+                                        <p:tgtEl>
+                                          <p:spTgt spid="22"/>
+                                        </p:tgtEl>
+                                        <p:attrNameLst>
+                                          <p:attrName>style.visibility</p:attrName>
+                                        </p:attrNameLst>
+                                      </p:cBhvr>
+                                      <p:to>
+                                        <p:strVal val="hidden"/>
+                                      </p:to>
+                                    </p:set>
+                                  </p:childTnLst>
+                                </p:cTn>
+                              </p:par>
+                              <p:par>
+                                <p:cTn id="75" presetID="10" presetClass="exit" presetSubtype="0" fill="hold" nodeType="withEffect">
+                                  <p:stCondLst>
+                                    <p:cond delay="0"/>
+                                  </p:stCondLst>
+                                  <p:childTnLst>
+                                    <p:animEffect transition="out" filter="fade">
+                                      <p:cBhvr>
+                                        <p:cTn id="76" dur="250"/>
+                                        <p:tgtEl>
+                                          <p:spTgt spid="20"/>
+                                        </p:tgtEl>
+                                      </p:cBhvr>
+                                    </p:animEffect>
+                                    <p:set>
+                                      <p:cBhvr>
+                                        <p:cTn id="77" dur="1" fill="hold">
+                                          <p:stCondLst>
+                                            <p:cond delay="249"/>
+                                          </p:stCondLst>
+                                        </p:cTn>
+                                        <p:tgtEl>
+                                          <p:spTgt spid="20"/>
+                                        </p:tgtEl>
+                                        <p:attrNameLst>
+                                          <p:attrName>style.visibility</p:attrName>
+                                        </p:attrNameLst>
+                                      </p:cBhvr>
+                                      <p:to>
+                                        <p:strVal val="hidden"/>
+                                      </p:to>
+                                    </p:set>
+                                  </p:childTnLst>
+                                </p:cTn>
+                              </p:par>
+                              <p:par>
+                                <p:cTn id="78" presetID="10" presetClass="entr" presetSubtype="0" fill="hold" grpId="0" nodeType="withEffect">
+                                  <p:stCondLst>
+                                    <p:cond delay="0"/>
+                                  </p:stCondLst>
+                                  <p:childTnLst>
+                                    <p:set>
+                                      <p:cBhvr>
+                                        <p:cTn id="79" dur="1" fill="hold">
+                                          <p:stCondLst>
+                                            <p:cond delay="0"/>
+                                          </p:stCondLst>
+                                        </p:cTn>
+                                        <p:tgtEl>
+                                          <p:spTgt spid="11"/>
+                                        </p:tgtEl>
+                                        <p:attrNameLst>
+                                          <p:attrName>style.visibility</p:attrName>
+                                        </p:attrNameLst>
+                                      </p:cBhvr>
+                                      <p:to>
+                                        <p:strVal val="visible"/>
+                                      </p:to>
+                                    </p:set>
+                                    <p:animEffect transition="in" filter="fade">
+                                      <p:cBhvr>
+                                        <p:cTn id="80" dur="250"/>
+                                        <p:tgtEl>
+                                          <p:spTgt spid="11"/>
+                                        </p:tgtEl>
+                                      </p:cBhvr>
+                                    </p:animEffect>
+                                  </p:childTnLst>
+                                </p:cTn>
+                              </p:par>
+                              <p:par>
+                                <p:cTn id="81" presetID="10" presetClass="entr" presetSubtype="0" fill="hold" nodeType="withEffect">
+                                  <p:stCondLst>
+                                    <p:cond delay="0"/>
+                                  </p:stCondLst>
+                                  <p:childTnLst>
+                                    <p:set>
+                                      <p:cBhvr>
+                                        <p:cTn id="82" dur="1" fill="hold">
+                                          <p:stCondLst>
+                                            <p:cond delay="0"/>
+                                          </p:stCondLst>
+                                        </p:cTn>
+                                        <p:tgtEl>
+                                          <p:spTgt spid="24"/>
+                                        </p:tgtEl>
+                                        <p:attrNameLst>
+                                          <p:attrName>style.visibility</p:attrName>
+                                        </p:attrNameLst>
+                                      </p:cBhvr>
+                                      <p:to>
+                                        <p:strVal val="visible"/>
+                                      </p:to>
+                                    </p:set>
+                                    <p:animEffect transition="in" filter="fade">
+                                      <p:cBhvr>
+                                        <p:cTn id="83" dur="250"/>
+                                        <p:tgtEl>
+                                          <p:spTgt spid="24"/>
+                                        </p:tgtEl>
+                                      </p:cBhvr>
+                                    </p:animEffect>
+                                  </p:childTnLst>
+                                </p:cTn>
+                              </p:par>
+                            </p:childTnLst>
+                          </p:cTn>
+                        </p:par>
+                      </p:childTnLst>
+                    </p:cTn>
+                  </p:par>
+                  <p:par>
+                    <p:cTn id="84" fill="hold">
+                      <p:stCondLst>
+                        <p:cond delay="indefinite"/>
+                      </p:stCondLst>
+                      <p:childTnLst>
+                        <p:par>
+                          <p:cTn id="85" fill="hold">
+                            <p:stCondLst>
+                              <p:cond delay="0"/>
+                            </p:stCondLst>
+                            <p:childTnLst>
+                              <p:par>
+                                <p:cTn id="86" presetID="10" presetClass="exit" presetSubtype="0" fill="hold" nodeType="clickEffect">
+                                  <p:stCondLst>
+                                    <p:cond delay="0"/>
+                                  </p:stCondLst>
+                                  <p:childTnLst>
+                                    <p:animEffect transition="out" filter="fade">
+                                      <p:cBhvr>
+                                        <p:cTn id="87" dur="250"/>
+                                        <p:tgtEl>
+                                          <p:spTgt spid="24"/>
+                                        </p:tgtEl>
+                                      </p:cBhvr>
+                                    </p:animEffect>
+                                    <p:set>
+                                      <p:cBhvr>
+                                        <p:cTn id="88" dur="1" fill="hold">
+                                          <p:stCondLst>
+                                            <p:cond delay="249"/>
+                                          </p:stCondLst>
+                                        </p:cTn>
+                                        <p:tgtEl>
+                                          <p:spTgt spid="24"/>
+                                        </p:tgtEl>
+                                        <p:attrNameLst>
+                                          <p:attrName>style.visibility</p:attrName>
+                                        </p:attrNameLst>
+                                      </p:cBhvr>
+                                      <p:to>
+                                        <p:strVal val="hidden"/>
+                                      </p:to>
+                                    </p:set>
+                                  </p:childTnLst>
+                                </p:cTn>
+                              </p:par>
+                              <p:par>
+                                <p:cTn id="89" presetID="10" presetClass="exit" presetSubtype="0" fill="hold" grpId="1" nodeType="withEffect">
+                                  <p:stCondLst>
+                                    <p:cond delay="0"/>
+                                  </p:stCondLst>
+                                  <p:childTnLst>
+                                    <p:animEffect transition="out" filter="fade">
+                                      <p:cBhvr>
+                                        <p:cTn id="90" dur="250"/>
+                                        <p:tgtEl>
+                                          <p:spTgt spid="11"/>
+                                        </p:tgtEl>
+                                      </p:cBhvr>
+                                    </p:animEffect>
+                                    <p:set>
+                                      <p:cBhvr>
+                                        <p:cTn id="91" dur="1" fill="hold">
+                                          <p:stCondLst>
+                                            <p:cond delay="249"/>
+                                          </p:stCondLst>
+                                        </p:cTn>
+                                        <p:tgtEl>
+                                          <p:spTgt spid="11"/>
+                                        </p:tgtEl>
+                                        <p:attrNameLst>
+                                          <p:attrName>style.visibility</p:attrName>
+                                        </p:attrNameLst>
+                                      </p:cBhvr>
+                                      <p:to>
+                                        <p:strVal val="hidden"/>
+                                      </p:to>
+                                    </p:set>
+                                  </p:childTnLst>
+                                </p:cTn>
+                              </p:par>
+                              <p:par>
+                                <p:cTn id="92" presetID="10" presetClass="entr" presetSubtype="0" fill="hold" grpId="0" nodeType="withEffect">
+                                  <p:stCondLst>
+                                    <p:cond delay="0"/>
+                                  </p:stCondLst>
+                                  <p:childTnLst>
+                                    <p:set>
+                                      <p:cBhvr>
+                                        <p:cTn id="93" dur="1" fill="hold">
+                                          <p:stCondLst>
+                                            <p:cond delay="0"/>
+                                          </p:stCondLst>
+                                        </p:cTn>
+                                        <p:tgtEl>
+                                          <p:spTgt spid="12"/>
+                                        </p:tgtEl>
+                                        <p:attrNameLst>
+                                          <p:attrName>style.visibility</p:attrName>
+                                        </p:attrNameLst>
+                                      </p:cBhvr>
+                                      <p:to>
+                                        <p:strVal val="visible"/>
+                                      </p:to>
+                                    </p:set>
+                                    <p:animEffect transition="in" filter="fade">
+                                      <p:cBhvr>
+                                        <p:cTn id="94" dur="250"/>
+                                        <p:tgtEl>
+                                          <p:spTgt spid="12"/>
+                                        </p:tgtEl>
+                                      </p:cBhvr>
+                                    </p:animEffect>
+                                  </p:childTnLst>
+                                </p:cTn>
+                              </p:par>
+                              <p:par>
+                                <p:cTn id="95" presetID="10" presetClass="entr" presetSubtype="0" fill="hold" nodeType="withEffect">
+                                  <p:stCondLst>
+                                    <p:cond delay="0"/>
+                                  </p:stCondLst>
+                                  <p:childTnLst>
+                                    <p:set>
+                                      <p:cBhvr>
+                                        <p:cTn id="96" dur="1" fill="hold">
+                                          <p:stCondLst>
+                                            <p:cond delay="0"/>
+                                          </p:stCondLst>
+                                        </p:cTn>
+                                        <p:tgtEl>
+                                          <p:spTgt spid="27"/>
+                                        </p:tgtEl>
+                                        <p:attrNameLst>
+                                          <p:attrName>style.visibility</p:attrName>
+                                        </p:attrNameLst>
+                                      </p:cBhvr>
+                                      <p:to>
+                                        <p:strVal val="visible"/>
+                                      </p:to>
+                                    </p:set>
+                                    <p:animEffect transition="in" filter="fade">
+                                      <p:cBhvr>
+                                        <p:cTn id="97" dur="250"/>
+                                        <p:tgtEl>
+                                          <p:spTgt spid="27"/>
+                                        </p:tgtEl>
+                                      </p:cBhvr>
+                                    </p:animEffect>
+                                  </p:childTnLst>
+                                </p:cTn>
+                              </p:par>
+                            </p:childTnLst>
+                          </p:cTn>
+                        </p:par>
+                      </p:childTnLst>
+                    </p:cTn>
+                  </p:par>
+                </p:childTnLst>
+              </p:cTn>
+              <p:prevCondLst>
+                <p:cond evt="onPrev" delay="0">
+                  <p:tgtEl>
+                    <p:sldTgt/>
+                  </p:tgtEl>
+                </p:cond>
+              </p:prevCondLst>
+              <p:nextCondLst>
+                <p:cond evt="onNext" delay="0">
+                  <p:tgtEl>
+                    <p:sldTgt/>
+                  </p:tgtEl>
+                </p:cond>
+              </p:nextCondLst>
+            </p:seq>
+          </p:childTnLst>
+        </p:cTn>
+      </p:par>
+    </p:tnLst>
+    <p:bldLst>
+      <p:bldP spid="8" grpId="0" animBg="1"/>
+      <p:bldP spid="9" grpId="0"/>
+      <p:bldP spid="3" grpId="0" animBg="1"/>
+      <p:bldP spid="3" grpId="1" animBg="1"/>
+      <p:bldP spid="5" grpId="0" animBg="1"/>
+      <p:bldP spid="5" grpId="1" animBg="1"/>
+      <p:bldP spid="7" grpId="0" animBg="1"/>
+      <p:bldP spid="7" grpId="1" animBg="1"/>
+      <p:bldP spid="10" grpId="0" animBg="1"/>
+      <p:bldP spid="10" grpId="1" animBg="1"/>
+      <p:bldP spid="11" grpId="0" animBg="1"/>
+      <p:bldP spid="11" grpId="1" animBg="1"/>
+      <p:bldP spid="12" grpId="0" animBg="1"/>
+    </p:bldLst>
   </p:timing>
 </p:sld>
 </file>

--- a/N-Body Simulator.pptx
+++ b/N-Body Simulator.pptx
@@ -1411,7 +1411,30 @@
                 </a:pPr>
                 <a:r>
                   <a:rPr lang="en-US" sz="1200" dirty="0"/>
-                  <a:t>Which states, if a group of bodies is far enough away, just treat it as one body with a mass equal to the sum of all the masses in its region and its position as the center of mass of the region. Then use this single body to approximate the force calculation for this body.</a:t>
+                  <a:t>This algorithm uses a quad-tree data structure to approximate the gravitational forces from many bodies on one.</a:t>
+                </a:r>
+              </a:p>
+              <a:p>
+                <a:pPr marL="171450" marR="0" lvl="0" indent="-171450" algn="l" defTabSz="914400" rtl="0" eaLnBrk="1" fontAlgn="auto" latinLnBrk="0" hangingPunct="1">
+                  <a:lnSpc>
+                    <a:spcPct val="100000"/>
+                  </a:lnSpc>
+                  <a:spcBef>
+                    <a:spcPts val="0"/>
+                  </a:spcBef>
+                  <a:spcAft>
+                    <a:spcPts val="0"/>
+                  </a:spcAft>
+                  <a:buClrTx/>
+                  <a:buSzTx/>
+                  <a:buFont typeface="Arial" panose="020B0604020202020204" pitchFamily="34" charset="0"/>
+                  <a:buChar char="•"/>
+                  <a:tabLst/>
+                  <a:defRPr/>
+                </a:pPr>
+                <a:r>
+                  <a:rPr lang="en-US" sz="1200" dirty="0"/>
+                  <a:t>If a group of bodies is far enough away, just treat it as one body with a mass equal to the sum of all the masses in its region and its position as the center of mass of the region. Then use this single body to approximate the force calculation for this body.</a:t>
                 </a:r>
               </a:p>
               <a:p>
@@ -3070,6 +3093,16 @@
               <a:t>And calculating forces</a:t>
             </a:r>
           </a:p>
+          <a:p>
+            <a:pPr marL="171450" lvl="0" indent="-171450">
+              <a:buFont typeface="Arial" panose="020B0604020202020204" pitchFamily="34" charset="0"/>
+              <a:buChar char="•"/>
+            </a:pPr>
+            <a:r>
+              <a:rPr lang="en-US" dirty="0"/>
+              <a:t>The main data that is passed between classes is the body objects</a:t>
+            </a:r>
+          </a:p>
         </p:txBody>
       </p:sp>
       <p:sp>
@@ -6738,6 +6771,41 @@
           </a:p>
         </p:txBody>
       </p:sp>
+      <p:sp>
+        <p:nvSpPr>
+          <p:cNvPr id="3" name="TextBox 2">
+            <a:extLst>
+              <a:ext uri="{FF2B5EF4-FFF2-40B4-BE49-F238E27FC236}">
+                <a16:creationId xmlns:a16="http://schemas.microsoft.com/office/drawing/2014/main" id="{810BA9D4-41AA-937D-B067-8EE798E7F9E2}"/>
+              </a:ext>
+            </a:extLst>
+          </p:cNvPr>
+          <p:cNvSpPr txBox="1"/>
+          <p:nvPr/>
+        </p:nvSpPr>
+        <p:spPr>
+          <a:xfrm>
+            <a:off x="790268" y="6299199"/>
+            <a:ext cx="2730684" cy="461665"/>
+          </a:xfrm>
+          <a:prstGeom prst="rect">
+            <a:avLst/>
+          </a:prstGeom>
+          <a:noFill/>
+        </p:spPr>
+        <p:txBody>
+          <a:bodyPr wrap="none" rtlCol="0">
+            <a:spAutoFit/>
+          </a:bodyPr>
+          <a:lstStyle/>
+          <a:p>
+            <a:r>
+              <a:rPr lang="en-US" sz="2400" b="1" dirty="0"/>
+              <a:t>-Matthew Benfield</a:t>
+            </a:r>
+          </a:p>
+        </p:txBody>
+      </p:sp>
     </p:spTree>
     <p:extLst>
       <p:ext uri="{BB962C8B-B14F-4D97-AF65-F5344CB8AC3E}">
@@ -7143,33 +7211,15 @@
                                   </p:childTnLst>
                                 </p:cTn>
                               </p:par>
-                            </p:childTnLst>
-                          </p:cTn>
-                        </p:par>
-                      </p:childTnLst>
-                    </p:cTn>
-                  </p:par>
-                  <p:par>
-                    <p:cTn id="8" fill="hold">
-                      <p:stCondLst>
-                        <p:cond delay="indefinite"/>
-                      </p:stCondLst>
-                      <p:childTnLst>
-                        <p:par>
-                          <p:cTn id="9" fill="hold">
-                            <p:stCondLst>
-                              <p:cond delay="0"/>
-                            </p:stCondLst>
-                            <p:childTnLst>
                               <p:par>
-                                <p:cTn id="10" presetID="10" presetClass="entr" presetSubtype="0" fill="hold" nodeType="clickEffect">
+                                <p:cTn id="8" presetID="10" presetClass="entr" presetSubtype="0" fill="hold" nodeType="withEffect">
                                   <p:stCondLst>
                                     <p:cond delay="0"/>
                                   </p:stCondLst>
                                   <p:childTnLst>
                                     <p:set>
                                       <p:cBhvr>
-                                        <p:cTn id="11" dur="1" fill="hold">
+                                        <p:cTn id="9" dur="1" fill="hold">
                                           <p:stCondLst>
                                             <p:cond delay="0"/>
                                           </p:stCondLst>
@@ -7187,7 +7237,7 @@
                                     </p:set>
                                     <p:animEffect transition="in" filter="fade">
                                       <p:cBhvr>
-                                        <p:cTn id="12" dur="250"/>
+                                        <p:cTn id="10" dur="250"/>
                                         <p:tgtEl>
                                           <p:spTgt spid="9"/>
                                         </p:tgtEl>
@@ -7197,14 +7247,14 @@
                                 </p:cTn>
                               </p:par>
                               <p:par>
-                                <p:cTn id="13" presetID="10" presetClass="entr" presetSubtype="0" fill="hold" grpId="0" nodeType="withEffect">
+                                <p:cTn id="11" presetID="10" presetClass="entr" presetSubtype="0" fill="hold" grpId="0" nodeType="withEffect">
                                   <p:stCondLst>
                                     <p:cond delay="0"/>
                                   </p:stCondLst>
                                   <p:childTnLst>
                                     <p:set>
                                       <p:cBhvr>
-                                        <p:cTn id="14" dur="1" fill="hold">
+                                        <p:cTn id="12" dur="1" fill="hold">
                                           <p:stCondLst>
                                             <p:cond delay="0"/>
                                           </p:stCondLst>
@@ -7222,7 +7272,7 @@
                                     </p:set>
                                     <p:animEffect transition="in" filter="fade">
                                       <p:cBhvr>
-                                        <p:cTn id="15" dur="250"/>
+                                        <p:cTn id="13" dur="250"/>
                                         <p:tgtEl>
                                           <p:spTgt spid="10"/>
                                         </p:tgtEl>
@@ -7238,26 +7288,26 @@
                     </p:cTn>
                   </p:par>
                   <p:par>
-                    <p:cTn id="16" fill="hold">
+                    <p:cTn id="14" fill="hold">
                       <p:stCondLst>
                         <p:cond delay="indefinite"/>
                       </p:stCondLst>
                       <p:childTnLst>
                         <p:par>
-                          <p:cTn id="17" fill="hold">
+                          <p:cTn id="15" fill="hold">
                             <p:stCondLst>
                               <p:cond delay="0"/>
                             </p:stCondLst>
                             <p:childTnLst>
                               <p:par>
-                                <p:cTn id="18" presetID="10" presetClass="entr" presetSubtype="0" fill="hold" grpId="0" nodeType="clickEffect">
+                                <p:cTn id="16" presetID="10" presetClass="entr" presetSubtype="0" fill="hold" grpId="0" nodeType="clickEffect">
                                   <p:stCondLst>
                                     <p:cond delay="0"/>
                                   </p:stCondLst>
                                   <p:childTnLst>
                                     <p:set>
                                       <p:cBhvr>
-                                        <p:cTn id="19" dur="1" fill="hold">
+                                        <p:cTn id="17" dur="1" fill="hold">
                                           <p:stCondLst>
                                             <p:cond delay="0"/>
                                           </p:stCondLst>
@@ -7275,7 +7325,7 @@
                                     </p:set>
                                     <p:animEffect transition="in" filter="fade">
                                       <p:cBhvr>
-                                        <p:cTn id="20" dur="250"/>
+                                        <p:cTn id="18" dur="250"/>
                                         <p:tgtEl>
                                           <p:spTgt spid="4"/>
                                         </p:tgtEl>
@@ -7285,14 +7335,14 @@
                                 </p:cTn>
                               </p:par>
                               <p:par>
-                                <p:cTn id="21" presetID="10" presetClass="entr" presetSubtype="0" fill="hold" nodeType="withEffect">
+                                <p:cTn id="19" presetID="10" presetClass="entr" presetSubtype="0" fill="hold" nodeType="withEffect">
                                   <p:stCondLst>
                                     <p:cond delay="0"/>
                                   </p:stCondLst>
                                   <p:childTnLst>
                                     <p:set>
                                       <p:cBhvr>
-                                        <p:cTn id="22" dur="1" fill="hold">
+                                        <p:cTn id="20" dur="1" fill="hold">
                                           <p:stCondLst>
                                             <p:cond delay="0"/>
                                           </p:stCondLst>
@@ -7310,7 +7360,7 @@
                                     </p:set>
                                     <p:animEffect transition="in" filter="fade">
                                       <p:cBhvr>
-                                        <p:cTn id="23" dur="250"/>
+                                        <p:cTn id="21" dur="250"/>
                                         <p:tgtEl>
                                           <p:spTgt spid="5"/>
                                         </p:tgtEl>
@@ -7320,14 +7370,14 @@
                                 </p:cTn>
                               </p:par>
                               <p:par>
-                                <p:cTn id="24" presetID="10" presetClass="entr" presetSubtype="0" fill="hold" grpId="0" nodeType="withEffect">
+                                <p:cTn id="22" presetID="10" presetClass="entr" presetSubtype="0" fill="hold" grpId="0" nodeType="withEffect">
                                   <p:stCondLst>
                                     <p:cond delay="0"/>
                                   </p:stCondLst>
                                   <p:childTnLst>
                                     <p:set>
                                       <p:cBhvr>
-                                        <p:cTn id="25" dur="1" fill="hold">
+                                        <p:cTn id="23" dur="1" fill="hold">
                                           <p:stCondLst>
                                             <p:cond delay="0"/>
                                           </p:stCondLst>
@@ -7345,7 +7395,7 @@
                                     </p:set>
                                     <p:animEffect transition="in" filter="fade">
                                       <p:cBhvr>
-                                        <p:cTn id="26" dur="250"/>
+                                        <p:cTn id="24" dur="250"/>
                                         <p:tgtEl>
                                           <p:spTgt spid="8"/>
                                         </p:tgtEl>
@@ -8901,6 +8951,9 @@
                     <p:cTn id="3" fill="hold">
                       <p:stCondLst>
                         <p:cond delay="indefinite"/>
+                        <p:cond evt="onBegin" delay="0">
+                          <p:tn val="2"/>
+                        </p:cond>
                       </p:stCondLst>
                       <p:childTnLst>
                         <p:par>
@@ -8910,7 +8963,7 @@
                             </p:stCondLst>
                             <p:childTnLst>
                               <p:par>
-                                <p:cTn id="5" presetID="10" presetClass="entr" presetSubtype="0" fill="hold" grpId="0" nodeType="clickEffect">
+                                <p:cTn id="5" presetID="10" presetClass="entr" presetSubtype="0" fill="hold" grpId="0" nodeType="withEffect">
                                   <p:stCondLst>
                                     <p:cond delay="0"/>
                                   </p:stCondLst>
@@ -9364,15 +9417,24 @@
                                   </p:childTnLst>
                                 </p:cTn>
                               </p:par>
+                            </p:childTnLst>
+                          </p:cTn>
+                        </p:par>
+                        <p:par>
+                          <p:cTn id="44" fill="hold">
+                            <p:stCondLst>
+                              <p:cond delay="500"/>
+                            </p:stCondLst>
+                            <p:childTnLst>
                               <p:par>
-                                <p:cTn id="44" presetID="10" presetClass="entr" presetSubtype="0" fill="hold" grpId="0" nodeType="withEffect">
+                                <p:cTn id="45" presetID="10" presetClass="entr" presetSubtype="0" fill="hold" grpId="0" nodeType="afterEffect">
                                   <p:stCondLst>
                                     <p:cond delay="0"/>
                                   </p:stCondLst>
                                   <p:childTnLst>
                                     <p:set>
                                       <p:cBhvr>
-                                        <p:cTn id="45" dur="1" fill="hold">
+                                        <p:cTn id="46" dur="1" fill="hold">
                                           <p:stCondLst>
                                             <p:cond delay="0"/>
                                           </p:stCondLst>
@@ -9390,7 +9452,7 @@
                                     </p:set>
                                     <p:animEffect transition="in" filter="fade">
                                       <p:cBhvr>
-                                        <p:cTn id="46" dur="500"/>
+                                        <p:cTn id="47" dur="500"/>
                                         <p:tgtEl>
                                           <p:spTgt spid="62"/>
                                         </p:tgtEl>
@@ -9400,14 +9462,14 @@
                                 </p:cTn>
                               </p:par>
                               <p:par>
-                                <p:cTn id="47" presetID="10" presetClass="entr" presetSubtype="0" fill="hold" grpId="0" nodeType="withEffect">
+                                <p:cTn id="48" presetID="10" presetClass="entr" presetSubtype="0" fill="hold" grpId="0" nodeType="withEffect">
                                   <p:stCondLst>
                                     <p:cond delay="0"/>
                                   </p:stCondLst>
                                   <p:childTnLst>
                                     <p:set>
                                       <p:cBhvr>
-                                        <p:cTn id="48" dur="1" fill="hold">
+                                        <p:cTn id="49" dur="1" fill="hold">
                                           <p:stCondLst>
                                             <p:cond delay="0"/>
                                           </p:stCondLst>
@@ -9425,7 +9487,7 @@
                                     </p:set>
                                     <p:animEffect transition="in" filter="fade">
                                       <p:cBhvr>
-                                        <p:cTn id="49" dur="500"/>
+                                        <p:cTn id="50" dur="500"/>
                                         <p:tgtEl>
                                           <p:spTgt spid="63"/>
                                         </p:tgtEl>
@@ -9435,14 +9497,14 @@
                                 </p:cTn>
                               </p:par>
                               <p:par>
-                                <p:cTn id="50" presetID="10" presetClass="entr" presetSubtype="0" fill="hold" grpId="0" nodeType="withEffect">
+                                <p:cTn id="51" presetID="10" presetClass="entr" presetSubtype="0" fill="hold" grpId="0" nodeType="withEffect">
                                   <p:stCondLst>
                                     <p:cond delay="0"/>
                                   </p:stCondLst>
                                   <p:childTnLst>
                                     <p:set>
                                       <p:cBhvr>
-                                        <p:cTn id="51" dur="1" fill="hold">
+                                        <p:cTn id="52" dur="1" fill="hold">
                                           <p:stCondLst>
                                             <p:cond delay="0"/>
                                           </p:stCondLst>
@@ -9460,7 +9522,7 @@
                                     </p:set>
                                     <p:animEffect transition="in" filter="fade">
                                       <p:cBhvr>
-                                        <p:cTn id="52" dur="500"/>
+                                        <p:cTn id="53" dur="500"/>
                                         <p:tgtEl>
                                           <p:spTgt spid="1024"/>
                                         </p:tgtEl>
@@ -9470,14 +9532,14 @@
                                 </p:cTn>
                               </p:par>
                               <p:par>
-                                <p:cTn id="53" presetID="10" presetClass="entr" presetSubtype="0" fill="hold" grpId="0" nodeType="withEffect">
+                                <p:cTn id="54" presetID="10" presetClass="entr" presetSubtype="0" fill="hold" grpId="0" nodeType="withEffect">
                                   <p:stCondLst>
                                     <p:cond delay="0"/>
                                   </p:stCondLst>
                                   <p:childTnLst>
                                     <p:set>
                                       <p:cBhvr>
-                                        <p:cTn id="54" dur="1" fill="hold">
+                                        <p:cTn id="55" dur="1" fill="hold">
                                           <p:stCondLst>
                                             <p:cond delay="0"/>
                                           </p:stCondLst>
@@ -9495,7 +9557,7 @@
                                     </p:set>
                                     <p:animEffect transition="in" filter="fade">
                                       <p:cBhvr>
-                                        <p:cTn id="55" dur="500"/>
+                                        <p:cTn id="56" dur="500"/>
                                         <p:tgtEl>
                                           <p:spTgt spid="1025"/>
                                         </p:tgtEl>
@@ -9505,14 +9567,14 @@
                                 </p:cTn>
                               </p:par>
                               <p:par>
-                                <p:cTn id="56" presetID="10" presetClass="entr" presetSubtype="0" fill="hold" grpId="0" nodeType="withEffect">
+                                <p:cTn id="57" presetID="10" presetClass="entr" presetSubtype="0" fill="hold" grpId="0" nodeType="withEffect">
                                   <p:stCondLst>
                                     <p:cond delay="0"/>
                                   </p:stCondLst>
                                   <p:childTnLst>
                                     <p:set>
                                       <p:cBhvr>
-                                        <p:cTn id="57" dur="1" fill="hold">
+                                        <p:cTn id="58" dur="1" fill="hold">
                                           <p:stCondLst>
                                             <p:cond delay="0"/>
                                           </p:stCondLst>
@@ -9530,7 +9592,7 @@
                                     </p:set>
                                     <p:animEffect transition="in" filter="fade">
                                       <p:cBhvr>
-                                        <p:cTn id="58" dur="500"/>
+                                        <p:cTn id="59" dur="500"/>
                                         <p:tgtEl>
                                           <p:spTgt spid="1027"/>
                                         </p:tgtEl>
@@ -9540,14 +9602,14 @@
                                 </p:cTn>
                               </p:par>
                               <p:par>
-                                <p:cTn id="59" presetID="10" presetClass="entr" presetSubtype="0" fill="hold" nodeType="withEffect">
+                                <p:cTn id="60" presetID="10" presetClass="entr" presetSubtype="0" fill="hold" nodeType="withEffect">
                                   <p:stCondLst>
                                     <p:cond delay="0"/>
                                   </p:stCondLst>
                                   <p:childTnLst>
                                     <p:set>
                                       <p:cBhvr>
-                                        <p:cTn id="60" dur="1" fill="hold">
+                                        <p:cTn id="61" dur="1" fill="hold">
                                           <p:stCondLst>
                                             <p:cond delay="0"/>
                                           </p:stCondLst>
@@ -9565,7 +9627,7 @@
                                     </p:set>
                                     <p:animEffect transition="in" filter="fade">
                                       <p:cBhvr>
-                                        <p:cTn id="61" dur="500"/>
+                                        <p:cTn id="62" dur="500"/>
                                         <p:tgtEl>
                                           <p:spTgt spid="1028"/>
                                         </p:tgtEl>
@@ -9575,14 +9637,14 @@
                                 </p:cTn>
                               </p:par>
                               <p:par>
-                                <p:cTn id="62" presetID="10" presetClass="entr" presetSubtype="0" fill="hold" nodeType="withEffect">
+                                <p:cTn id="63" presetID="10" presetClass="entr" presetSubtype="0" fill="hold" nodeType="withEffect">
                                   <p:stCondLst>
                                     <p:cond delay="0"/>
                                   </p:stCondLst>
                                   <p:childTnLst>
                                     <p:set>
                                       <p:cBhvr>
-                                        <p:cTn id="63" dur="1" fill="hold">
+                                        <p:cTn id="64" dur="1" fill="hold">
                                           <p:stCondLst>
                                             <p:cond delay="0"/>
                                           </p:stCondLst>
@@ -9600,7 +9662,7 @@
                                     </p:set>
                                     <p:animEffect transition="in" filter="fade">
                                       <p:cBhvr>
-                                        <p:cTn id="64" dur="500"/>
+                                        <p:cTn id="65" dur="500"/>
                                         <p:tgtEl>
                                           <p:spTgt spid="1032"/>
                                         </p:tgtEl>
@@ -9610,14 +9672,14 @@
                                 </p:cTn>
                               </p:par>
                               <p:par>
-                                <p:cTn id="65" presetID="10" presetClass="entr" presetSubtype="0" fill="hold" nodeType="withEffect">
+                                <p:cTn id="66" presetID="10" presetClass="entr" presetSubtype="0" fill="hold" nodeType="withEffect">
                                   <p:stCondLst>
                                     <p:cond delay="0"/>
                                   </p:stCondLst>
                                   <p:childTnLst>
                                     <p:set>
                                       <p:cBhvr>
-                                        <p:cTn id="66" dur="1" fill="hold">
+                                        <p:cTn id="67" dur="1" fill="hold">
                                           <p:stCondLst>
                                             <p:cond delay="0"/>
                                           </p:stCondLst>
@@ -9635,7 +9697,7 @@
                                     </p:set>
                                     <p:animEffect transition="in" filter="fade">
                                       <p:cBhvr>
-                                        <p:cTn id="67" dur="500"/>
+                                        <p:cTn id="68" dur="500"/>
                                         <p:tgtEl>
                                           <p:spTgt spid="1035"/>
                                         </p:tgtEl>
@@ -9645,14 +9707,14 @@
                                 </p:cTn>
                               </p:par>
                               <p:par>
-                                <p:cTn id="68" presetID="10" presetClass="entr" presetSubtype="0" fill="hold" nodeType="withEffect">
+                                <p:cTn id="69" presetID="10" presetClass="entr" presetSubtype="0" fill="hold" nodeType="withEffect">
                                   <p:stCondLst>
                                     <p:cond delay="0"/>
                                   </p:stCondLst>
                                   <p:childTnLst>
                                     <p:set>
                                       <p:cBhvr>
-                                        <p:cTn id="69" dur="1" fill="hold">
+                                        <p:cTn id="70" dur="1" fill="hold">
                                           <p:stCondLst>
                                             <p:cond delay="0"/>
                                           </p:stCondLst>
@@ -9670,7 +9732,7 @@
                                     </p:set>
                                     <p:animEffect transition="in" filter="fade">
                                       <p:cBhvr>
-                                        <p:cTn id="70" dur="500"/>
+                                        <p:cTn id="71" dur="500"/>
                                         <p:tgtEl>
                                           <p:spTgt spid="1038"/>
                                         </p:tgtEl>
@@ -9686,26 +9748,26 @@
                     </p:cTn>
                   </p:par>
                   <p:par>
-                    <p:cTn id="71" fill="hold">
+                    <p:cTn id="72" fill="hold">
                       <p:stCondLst>
                         <p:cond delay="indefinite"/>
                       </p:stCondLst>
                       <p:childTnLst>
                         <p:par>
-                          <p:cTn id="72" fill="hold">
+                          <p:cTn id="73" fill="hold">
                             <p:stCondLst>
                               <p:cond delay="0"/>
                             </p:stCondLst>
                             <p:childTnLst>
                               <p:par>
-                                <p:cTn id="73" presetID="10" presetClass="entr" presetSubtype="0" fill="hold" grpId="0" nodeType="clickEffect">
+                                <p:cTn id="74" presetID="10" presetClass="entr" presetSubtype="0" fill="hold" grpId="0" nodeType="clickEffect">
                                   <p:stCondLst>
                                     <p:cond delay="0"/>
                                   </p:stCondLst>
                                   <p:childTnLst>
                                     <p:set>
                                       <p:cBhvr>
-                                        <p:cTn id="74" dur="1" fill="hold">
+                                        <p:cTn id="75" dur="1" fill="hold">
                                           <p:stCondLst>
                                             <p:cond delay="0"/>
                                           </p:stCondLst>
@@ -9723,7 +9785,7 @@
                                     </p:set>
                                     <p:animEffect transition="in" filter="fade">
                                       <p:cBhvr>
-                                        <p:cTn id="75" dur="500"/>
+                                        <p:cTn id="76" dur="500"/>
                                         <p:tgtEl>
                                           <p:spTgt spid="1058"/>
                                         </p:tgtEl>
@@ -9732,33 +9794,15 @@
                                   </p:childTnLst>
                                 </p:cTn>
                               </p:par>
-                            </p:childTnLst>
-                          </p:cTn>
-                        </p:par>
-                      </p:childTnLst>
-                    </p:cTn>
-                  </p:par>
-                  <p:par>
-                    <p:cTn id="76" fill="hold">
-                      <p:stCondLst>
-                        <p:cond delay="indefinite"/>
-                      </p:stCondLst>
-                      <p:childTnLst>
-                        <p:par>
-                          <p:cTn id="77" fill="hold">
-                            <p:stCondLst>
-                              <p:cond delay="0"/>
-                            </p:stCondLst>
-                            <p:childTnLst>
                               <p:par>
-                                <p:cTn id="78" presetID="10" presetClass="entr" presetSubtype="0" fill="hold" grpId="0" nodeType="clickEffect">
+                                <p:cTn id="77" presetID="10" presetClass="entr" presetSubtype="0" fill="hold" grpId="0" nodeType="withEffect">
                                   <p:stCondLst>
                                     <p:cond delay="0"/>
                                   </p:stCondLst>
                                   <p:childTnLst>
                                     <p:set>
                                       <p:cBhvr>
-                                        <p:cTn id="79" dur="1" fill="hold">
+                                        <p:cTn id="78" dur="1" fill="hold">
                                           <p:stCondLst>
                                             <p:cond delay="0"/>
                                           </p:stCondLst>
@@ -9776,7 +9820,7 @@
                                     </p:set>
                                     <p:animEffect transition="in" filter="fade">
                                       <p:cBhvr>
-                                        <p:cTn id="80" dur="500"/>
+                                        <p:cTn id="79" dur="500"/>
                                         <p:tgtEl>
                                           <p:spTgt spid="1057"/>
                                         </p:tgtEl>
@@ -13293,7 +13337,7 @@
         </p:nvSpPr>
         <p:spPr>
           <a:xfrm>
-            <a:off x="1256975" y="3904971"/>
+            <a:off x="992927" y="3469192"/>
             <a:ext cx="3367605" cy="1077218"/>
           </a:xfrm>
           <a:prstGeom prst="rect">
@@ -13338,10 +13382,10 @@
       </p:sp>
       <p:sp>
         <p:nvSpPr>
-          <p:cNvPr id="5" name="TextBox 4">
-            <a:extLst>
-              <a:ext uri="{FF2B5EF4-FFF2-40B4-BE49-F238E27FC236}">
-                <a16:creationId xmlns:a16="http://schemas.microsoft.com/office/drawing/2014/main" id="{CEBDDB67-9891-7729-DB74-2F2CE7252862}"/>
+          <p:cNvPr id="3" name="TextBox 2">
+            <a:extLst>
+              <a:ext uri="{FF2B5EF4-FFF2-40B4-BE49-F238E27FC236}">
+                <a16:creationId xmlns:a16="http://schemas.microsoft.com/office/drawing/2014/main" id="{360F9BFE-0E0C-F3AB-6F7B-6B2D254F5668}"/>
               </a:ext>
             </a:extLst>
           </p:cNvPr>
@@ -13350,8 +13394,8 @@
         </p:nvSpPr>
         <p:spPr>
           <a:xfrm>
-            <a:off x="5638950" y="3889047"/>
-            <a:ext cx="6078020" cy="1077218"/>
+            <a:off x="1321153" y="5151903"/>
+            <a:ext cx="1930337" cy="646331"/>
           </a:xfrm>
           <a:prstGeom prst="rect">
             <a:avLst/>
@@ -13359,33 +13403,51 @@
           <a:noFill/>
         </p:spPr>
         <p:txBody>
-          <a:bodyPr wrap="square" rtlCol="0">
+          <a:bodyPr wrap="none" rtlCol="0">
             <a:spAutoFit/>
           </a:bodyPr>
           <a:lstStyle/>
           <a:p>
             <a:r>
-              <a:rPr lang="en-US" sz="3200" dirty="0"/>
-              <a:t>if </a:t>
+              <a:rPr lang="en-US" sz="3600" dirty="0">
+                <a:hlinkClick r:id="rId3" action="ppaction://hlinkfile"/>
+              </a:rPr>
+              <a:t>Example</a:t>
             </a:r>
-            <a:r>
-              <a:rPr lang="en-US" sz="3200" dirty="0" err="1"/>
-              <a:t>numRegionBodies</a:t>
-            </a:r>
-            <a:r>
-              <a:rPr lang="en-US" sz="3200" dirty="0"/>
-              <a:t> &gt; capacity:</a:t>
-            </a:r>
-            <a:endParaRPr lang="en-US" sz="3200" i="1" dirty="0"/>
-          </a:p>
-          <a:p>
-            <a:r>
-              <a:rPr lang="en-US" sz="3200" dirty="0"/>
-              <a:t>	subdivide()</a:t>
-            </a:r>
+            <a:endParaRPr lang="en-US" sz="3600" dirty="0"/>
           </a:p>
         </p:txBody>
       </p:sp>
+      <p:pic>
+        <p:nvPicPr>
+          <p:cNvPr id="106" name="Picture 105">
+            <a:extLst>
+              <a:ext uri="{FF2B5EF4-FFF2-40B4-BE49-F238E27FC236}">
+                <a16:creationId xmlns:a16="http://schemas.microsoft.com/office/drawing/2014/main" id="{108D5015-05FC-6330-1D99-F36ECA9C8546}"/>
+              </a:ext>
+            </a:extLst>
+          </p:cNvPr>
+          <p:cNvPicPr>
+            <a:picLocks noChangeAspect="1"/>
+          </p:cNvPicPr>
+          <p:nvPr/>
+        </p:nvPicPr>
+        <p:blipFill>
+          <a:blip r:embed="rId4"/>
+          <a:stretch>
+            <a:fillRect/>
+          </a:stretch>
+        </p:blipFill>
+        <p:spPr>
+          <a:xfrm>
+            <a:off x="4707286" y="3053251"/>
+            <a:ext cx="6668551" cy="2986318"/>
+          </a:xfrm>
+          <a:prstGeom prst="rect">
+            <a:avLst/>
+          </a:prstGeom>
+        </p:spPr>
+      </p:pic>
     </p:spTree>
     <p:extLst>
       <p:ext uri="{BB962C8B-B14F-4D97-AF65-F5344CB8AC3E}">
@@ -15417,7 +15479,7 @@
                             </p:stCondLst>
                             <p:childTnLst>
                               <p:par>
-                                <p:cTn id="178" presetID="10" presetClass="entr" presetSubtype="0" fill="hold" grpId="0" nodeType="clickEffect">
+                                <p:cTn id="178" presetID="10" presetClass="entr" presetSubtype="0" fill="hold" nodeType="clickEffect">
                                   <p:stCondLst>
                                     <p:cond delay="0"/>
                                   </p:stCondLst>
@@ -15430,7 +15492,7 @@
                                           </p:stCondLst>
                                         </p:cTn>
                                         <p:tgtEl>
-                                          <p:spTgt spid="5"/>
+                                          <p:spTgt spid="106"/>
                                         </p:tgtEl>
                                         <p:attrNameLst>
                                           <p:attrName>style.visibility</p:attrName>
@@ -15444,7 +15506,51 @@
                                       <p:cBhvr>
                                         <p:cTn id="180" dur="500"/>
                                         <p:tgtEl>
-                                          <p:spTgt spid="5"/>
+                                          <p:spTgt spid="106"/>
+                                        </p:tgtEl>
+                                      </p:cBhvr>
+                                    </p:animEffect>
+                                  </p:childTnLst>
+                                </p:cTn>
+                              </p:par>
+                            </p:childTnLst>
+                          </p:cTn>
+                        </p:par>
+                        <p:par>
+                          <p:cTn id="181" fill="hold">
+                            <p:stCondLst>
+                              <p:cond delay="500"/>
+                            </p:stCondLst>
+                            <p:childTnLst>
+                              <p:par>
+                                <p:cTn id="182" presetID="10" presetClass="entr" presetSubtype="0" fill="hold" grpId="0" nodeType="afterEffect">
+                                  <p:stCondLst>
+                                    <p:cond delay="0"/>
+                                  </p:stCondLst>
+                                  <p:childTnLst>
+                                    <p:set>
+                                      <p:cBhvr>
+                                        <p:cTn id="183" dur="1" fill="hold">
+                                          <p:stCondLst>
+                                            <p:cond delay="0"/>
+                                          </p:stCondLst>
+                                        </p:cTn>
+                                        <p:tgtEl>
+                                          <p:spTgt spid="3"/>
+                                        </p:tgtEl>
+                                        <p:attrNameLst>
+                                          <p:attrName>style.visibility</p:attrName>
+                                        </p:attrNameLst>
+                                      </p:cBhvr>
+                                      <p:to>
+                                        <p:strVal val="visible"/>
+                                      </p:to>
+                                    </p:set>
+                                    <p:animEffect transition="in" filter="fade">
+                                      <p:cBhvr>
+                                        <p:cTn id="184" dur="500"/>
+                                        <p:tgtEl>
+                                          <p:spTgt spid="3"/>
                                         </p:tgtEl>
                                       </p:cBhvr>
                                     </p:animEffect>
@@ -15507,14 +15613,14 @@
       <p:bldP spid="43" grpId="0"/>
       <p:bldP spid="44" grpId="0" animBg="1"/>
       <p:bldP spid="4" grpId="0"/>
-      <p:bldP spid="5" grpId="0"/>
+      <p:bldP spid="3" grpId="0"/>
     </p:bldLst>
   </p:timing>
 </p:sld>
 </file>
 
 <file path=ppt/slides/slide5.xml><?xml version="1.0" encoding="utf-8"?>
-<p:sld xmlns:a="http://schemas.openxmlformats.org/drawingml/2006/main" xmlns:r="http://schemas.openxmlformats.org/officeDocument/2006/relationships" xmlns:p="http://schemas.openxmlformats.org/presentationml/2006/main">
+<p:sld xmlns:a="http://schemas.openxmlformats.org/drawingml/2006/main" xmlns:r="http://schemas.openxmlformats.org/officeDocument/2006/relationships" xmlns:p="http://schemas.openxmlformats.org/presentationml/2006/main" show="0">
   <p:cSld>
     <p:spTree>
       <p:nvGrpSpPr>
@@ -17644,7 +17750,7 @@
         </p:nvSpPr>
         <p:spPr>
           <a:xfrm>
-            <a:off x="2359832" y="5825999"/>
+            <a:off x="8388384" y="6211789"/>
             <a:ext cx="1930337" cy="646331"/>
           </a:xfrm>
           <a:prstGeom prst="rect">
